--- a/Python3/4.Python3-函数式编程.pptx
+++ b/Python3/4.Python3-函数式编程.pptx
@@ -9,7 +9,7 @@
     <p:notesMasterId r:id="rId5"/>
   </p:notesMasterIdLst>
   <p:handoutMasterIdLst>
-    <p:handoutMasterId r:id="rId13"/>
+    <p:handoutMasterId r:id="rId16"/>
   </p:handoutMasterIdLst>
   <p:sldIdLst>
     <p:sldId id="453" r:id="rId4"/>
@@ -20,6 +20,9 @@
     <p:sldId id="731" r:id="rId10"/>
     <p:sldId id="732" r:id="rId11"/>
     <p:sldId id="733" r:id="rId12"/>
+    <p:sldId id="735" r:id="rId13"/>
+    <p:sldId id="736" r:id="rId14"/>
+    <p:sldId id="737" r:id="rId15"/>
   </p:sldIdLst>
   <p:sldSz cx="9144000" cy="6858000" type="screen4x3"/>
   <p:notesSz cx="6858000" cy="9144000"/>
@@ -975,6 +978,172 @@
 </p:notes>
 </file>
 
+<file path=ppt/notesSlides/notesSlide10.xml><?xml version="1.0" encoding="utf-8"?>
+<p:notes xmlns:a="http://schemas.openxmlformats.org/drawingml/2006/main" xmlns:r="http://schemas.openxmlformats.org/officeDocument/2006/relationships" xmlns:p="http://schemas.openxmlformats.org/presentationml/2006/main">
+  <p:cSld>
+    <p:spTree>
+      <p:nvGrpSpPr>
+        <p:cNvPr id="1" name=""/>
+        <p:cNvGrpSpPr/>
+        <p:nvPr/>
+      </p:nvGrpSpPr>
+      <p:grpSpPr>
+        <a:xfrm>
+          <a:off x="0" y="0"/>
+          <a:ext cx="0" cy="0"/>
+          <a:chOff x="0" y="0"/>
+          <a:chExt cx="0" cy="0"/>
+        </a:xfrm>
+      </p:grpSpPr>
+      <p:sp>
+        <p:nvSpPr>
+          <p:cNvPr id="2" name="幻灯片图像占位符 1"/>
+          <p:cNvSpPr>
+            <a:spLocks noGrp="1" noRot="1" noChangeAspect="1"/>
+          </p:cNvSpPr>
+          <p:nvPr>
+            <p:ph type="sldImg"/>
+          </p:nvPr>
+        </p:nvSpPr>
+        <p:spPr>
+          <a:xfrm>
+            <a:off x="1371600" y="1143000"/>
+            <a:ext cx="4114800" cy="3086100"/>
+          </a:xfrm>
+        </p:spPr>
+      </p:sp>
+      <p:sp>
+        <p:nvSpPr>
+          <p:cNvPr id="3" name="备注占位符 2"/>
+          <p:cNvSpPr>
+            <a:spLocks noGrp="1"/>
+          </p:cNvSpPr>
+          <p:nvPr>
+            <p:ph type="body" idx="1"/>
+          </p:nvPr>
+        </p:nvSpPr>
+        <p:spPr/>
+        <p:txBody>
+          <a:bodyPr/>
+          <a:lstStyle/>
+          <a:p>
+            <a:endParaRPr lang="zh-CN" altLang="en-US"/>
+          </a:p>
+        </p:txBody>
+      </p:sp>
+      <p:sp>
+        <p:nvSpPr>
+          <p:cNvPr id="4" name="灯片编号占位符 3"/>
+          <p:cNvSpPr>
+            <a:spLocks noGrp="1"/>
+          </p:cNvSpPr>
+          <p:nvPr>
+            <p:ph type="sldNum" sz="quarter" idx="10"/>
+          </p:nvPr>
+        </p:nvSpPr>
+        <p:spPr/>
+        <p:txBody>
+          <a:bodyPr/>
+          <a:lstStyle/>
+          <a:p>
+            <a:fld id="{2ED26FC3-015A-4F86-ACC3-780431FB8E4D}" type="slidenum">
+              <a:rPr lang="zh-CN" altLang="en-US" smtClean="0"/>
+            </a:fld>
+            <a:endParaRPr lang="zh-CN" altLang="en-US"/>
+          </a:p>
+        </p:txBody>
+      </p:sp>
+    </p:spTree>
+  </p:cSld>
+  <p:clrMapOvr>
+    <a:masterClrMapping/>
+  </p:clrMapOvr>
+</p:notes>
+</file>
+
+<file path=ppt/notesSlides/notesSlide11.xml><?xml version="1.0" encoding="utf-8"?>
+<p:notes xmlns:a="http://schemas.openxmlformats.org/drawingml/2006/main" xmlns:r="http://schemas.openxmlformats.org/officeDocument/2006/relationships" xmlns:p="http://schemas.openxmlformats.org/presentationml/2006/main">
+  <p:cSld>
+    <p:spTree>
+      <p:nvGrpSpPr>
+        <p:cNvPr id="1" name=""/>
+        <p:cNvGrpSpPr/>
+        <p:nvPr/>
+      </p:nvGrpSpPr>
+      <p:grpSpPr>
+        <a:xfrm>
+          <a:off x="0" y="0"/>
+          <a:ext cx="0" cy="0"/>
+          <a:chOff x="0" y="0"/>
+          <a:chExt cx="0" cy="0"/>
+        </a:xfrm>
+      </p:grpSpPr>
+      <p:sp>
+        <p:nvSpPr>
+          <p:cNvPr id="2" name="幻灯片图像占位符 1"/>
+          <p:cNvSpPr>
+            <a:spLocks noGrp="1" noRot="1" noChangeAspect="1"/>
+          </p:cNvSpPr>
+          <p:nvPr>
+            <p:ph type="sldImg"/>
+          </p:nvPr>
+        </p:nvSpPr>
+        <p:spPr>
+          <a:xfrm>
+            <a:off x="1371600" y="1143000"/>
+            <a:ext cx="4114800" cy="3086100"/>
+          </a:xfrm>
+        </p:spPr>
+      </p:sp>
+      <p:sp>
+        <p:nvSpPr>
+          <p:cNvPr id="3" name="备注占位符 2"/>
+          <p:cNvSpPr>
+            <a:spLocks noGrp="1"/>
+          </p:cNvSpPr>
+          <p:nvPr>
+            <p:ph type="body" idx="1"/>
+          </p:nvPr>
+        </p:nvSpPr>
+        <p:spPr/>
+        <p:txBody>
+          <a:bodyPr/>
+          <a:lstStyle/>
+          <a:p>
+            <a:endParaRPr lang="zh-CN" altLang="en-US"/>
+          </a:p>
+        </p:txBody>
+      </p:sp>
+      <p:sp>
+        <p:nvSpPr>
+          <p:cNvPr id="4" name="灯片编号占位符 3"/>
+          <p:cNvSpPr>
+            <a:spLocks noGrp="1"/>
+          </p:cNvSpPr>
+          <p:nvPr>
+            <p:ph type="sldNum" sz="quarter" idx="10"/>
+          </p:nvPr>
+        </p:nvSpPr>
+        <p:spPr/>
+        <p:txBody>
+          <a:bodyPr/>
+          <a:lstStyle/>
+          <a:p>
+            <a:fld id="{2ED26FC3-015A-4F86-ACC3-780431FB8E4D}" type="slidenum">
+              <a:rPr lang="zh-CN" altLang="en-US" smtClean="0"/>
+            </a:fld>
+            <a:endParaRPr lang="zh-CN" altLang="en-US"/>
+          </a:p>
+        </p:txBody>
+      </p:sp>
+    </p:spTree>
+  </p:cSld>
+  <p:clrMapOvr>
+    <a:masterClrMapping/>
+  </p:clrMapOvr>
+</p:notes>
+</file>
+
 <file path=ppt/notesSlides/notesSlide2.xml><?xml version="1.0" encoding="utf-8"?>
 <p:notes xmlns:a="http://schemas.openxmlformats.org/drawingml/2006/main" xmlns:r="http://schemas.openxmlformats.org/officeDocument/2006/relationships" xmlns:p="http://schemas.openxmlformats.org/presentationml/2006/main">
   <p:cSld>
@@ -1474,6 +1643,89 @@
 </file>
 
 <file path=ppt/notesSlides/notesSlide8.xml><?xml version="1.0" encoding="utf-8"?>
+<p:notes xmlns:a="http://schemas.openxmlformats.org/drawingml/2006/main" xmlns:r="http://schemas.openxmlformats.org/officeDocument/2006/relationships" xmlns:p="http://schemas.openxmlformats.org/presentationml/2006/main">
+  <p:cSld>
+    <p:spTree>
+      <p:nvGrpSpPr>
+        <p:cNvPr id="1" name=""/>
+        <p:cNvGrpSpPr/>
+        <p:nvPr/>
+      </p:nvGrpSpPr>
+      <p:grpSpPr>
+        <a:xfrm>
+          <a:off x="0" y="0"/>
+          <a:ext cx="0" cy="0"/>
+          <a:chOff x="0" y="0"/>
+          <a:chExt cx="0" cy="0"/>
+        </a:xfrm>
+      </p:grpSpPr>
+      <p:sp>
+        <p:nvSpPr>
+          <p:cNvPr id="2" name="幻灯片图像占位符 1"/>
+          <p:cNvSpPr>
+            <a:spLocks noGrp="1" noRot="1" noChangeAspect="1"/>
+          </p:cNvSpPr>
+          <p:nvPr>
+            <p:ph type="sldImg"/>
+          </p:nvPr>
+        </p:nvSpPr>
+        <p:spPr>
+          <a:xfrm>
+            <a:off x="1371600" y="1143000"/>
+            <a:ext cx="4114800" cy="3086100"/>
+          </a:xfrm>
+        </p:spPr>
+      </p:sp>
+      <p:sp>
+        <p:nvSpPr>
+          <p:cNvPr id="3" name="备注占位符 2"/>
+          <p:cNvSpPr>
+            <a:spLocks noGrp="1"/>
+          </p:cNvSpPr>
+          <p:nvPr>
+            <p:ph type="body" idx="1"/>
+          </p:nvPr>
+        </p:nvSpPr>
+        <p:spPr/>
+        <p:txBody>
+          <a:bodyPr/>
+          <a:lstStyle/>
+          <a:p>
+            <a:endParaRPr lang="zh-CN" altLang="en-US"/>
+          </a:p>
+        </p:txBody>
+      </p:sp>
+      <p:sp>
+        <p:nvSpPr>
+          <p:cNvPr id="4" name="灯片编号占位符 3"/>
+          <p:cNvSpPr>
+            <a:spLocks noGrp="1"/>
+          </p:cNvSpPr>
+          <p:nvPr>
+            <p:ph type="sldNum" sz="quarter" idx="10"/>
+          </p:nvPr>
+        </p:nvSpPr>
+        <p:spPr/>
+        <p:txBody>
+          <a:bodyPr/>
+          <a:lstStyle/>
+          <a:p>
+            <a:fld id="{2ED26FC3-015A-4F86-ACC3-780431FB8E4D}" type="slidenum">
+              <a:rPr lang="zh-CN" altLang="en-US" smtClean="0"/>
+            </a:fld>
+            <a:endParaRPr lang="zh-CN" altLang="en-US"/>
+          </a:p>
+        </p:txBody>
+      </p:sp>
+    </p:spTree>
+  </p:cSld>
+  <p:clrMapOvr>
+    <a:masterClrMapping/>
+  </p:clrMapOvr>
+</p:notes>
+</file>
+
+<file path=ppt/notesSlides/notesSlide9.xml><?xml version="1.0" encoding="utf-8"?>
 <p:notes xmlns:a="http://schemas.openxmlformats.org/drawingml/2006/main" xmlns:r="http://schemas.openxmlformats.org/officeDocument/2006/relationships" xmlns:p="http://schemas.openxmlformats.org/presentationml/2006/main">
   <p:cSld>
     <p:spTree>
@@ -9250,6 +9502,333 @@
 </p:sld>
 </file>
 
+<file path=ppt/slides/slide10.xml><?xml version="1.0" encoding="utf-8"?>
+<p:sld xmlns:a="http://schemas.openxmlformats.org/drawingml/2006/main" xmlns:r="http://schemas.openxmlformats.org/officeDocument/2006/relationships" xmlns:p="http://schemas.openxmlformats.org/presentationml/2006/main">
+  <p:cSld>
+    <p:spTree>
+      <p:nvGrpSpPr>
+        <p:cNvPr id="1" name=""/>
+        <p:cNvGrpSpPr/>
+        <p:nvPr/>
+      </p:nvGrpSpPr>
+      <p:grpSpPr>
+        <a:xfrm>
+          <a:off x="0" y="0"/>
+          <a:ext cx="0" cy="0"/>
+          <a:chOff x="0" y="0"/>
+          <a:chExt cx="0" cy="0"/>
+        </a:xfrm>
+      </p:grpSpPr>
+      <p:pic>
+        <p:nvPicPr>
+          <p:cNvPr id="3" name="图片 2"/>
+          <p:cNvPicPr>
+            <a:picLocks noChangeAspect="1"/>
+          </p:cNvPicPr>
+          <p:nvPr/>
+        </p:nvPicPr>
+        <p:blipFill>
+          <a:blip r:embed="rId1"/>
+          <a:stretch>
+            <a:fillRect/>
+          </a:stretch>
+        </p:blipFill>
+        <p:spPr>
+          <a:xfrm>
+            <a:off x="1333500" y="1655445"/>
+            <a:ext cx="6476365" cy="4828540"/>
+          </a:xfrm>
+          <a:prstGeom prst="rect">
+            <a:avLst/>
+          </a:prstGeom>
+        </p:spPr>
+      </p:pic>
+      <p:sp>
+        <p:nvSpPr>
+          <p:cNvPr id="8" name="标题 1"/>
+          <p:cNvSpPr txBox="1"/>
+          <p:nvPr>
+            <p:custDataLst>
+              <p:tags r:id="rId2"/>
+            </p:custDataLst>
+          </p:nvPr>
+        </p:nvSpPr>
+        <p:spPr>
+          <a:xfrm>
+            <a:off x="571608" y="661194"/>
+            <a:ext cx="7886700" cy="994172"/>
+          </a:xfrm>
+          <a:prstGeom prst="rect">
+            <a:avLst/>
+          </a:prstGeom>
+        </p:spPr>
+        <p:txBody>
+          <a:bodyPr vert="horz" wrap="square" lIns="68580" tIns="34290" rIns="68580" bIns="34290" rtlCol="0" anchor="ctr">
+            <a:normAutofit/>
+          </a:bodyPr>
+          <a:lstStyle>
+            <a:lvl1pPr defTabSz="914400">
+              <a:lnSpc>
+                <a:spcPct val="120000"/>
+              </a:lnSpc>
+              <a:spcBef>
+                <a:spcPct val="0"/>
+              </a:spcBef>
+              <a:buNone/>
+              <a:defRPr sz="3600">
+                <a:solidFill>
+                  <a:schemeClr val="tx1">
+                    <a:lumMod val="75000"/>
+                    <a:lumOff val="25000"/>
+                  </a:schemeClr>
+                </a:solidFill>
+                <a:latin typeface="+mj-lt"/>
+                <a:ea typeface="+mj-ea"/>
+                <a:cs typeface="+mj-cs"/>
+              </a:defRPr>
+            </a:lvl1pPr>
+          </a:lstStyle>
+          <a:p>
+            <a:r>
+              <a:rPr lang="zh-CN" altLang="en-US" dirty="0"/>
+              <a:t>函数式编程</a:t>
+            </a:r>
+            <a:endParaRPr lang="zh-CN" altLang="en-US" dirty="0"/>
+          </a:p>
+        </p:txBody>
+      </p:sp>
+      <p:sp>
+        <p:nvSpPr>
+          <p:cNvPr id="2" name="文本框 1"/>
+          <p:cNvSpPr txBox="1"/>
+          <p:nvPr/>
+        </p:nvSpPr>
+        <p:spPr>
+          <a:xfrm>
+            <a:off x="571500" y="2033905"/>
+            <a:ext cx="8050530" cy="460375"/>
+          </a:xfrm>
+          <a:prstGeom prst="rect">
+            <a:avLst/>
+          </a:prstGeom>
+          <a:noFill/>
+        </p:spPr>
+        <p:txBody>
+          <a:bodyPr wrap="square" rtlCol="0">
+            <a:spAutoFit/>
+          </a:bodyPr>
+          <a:p>
+            <a:pPr algn="l"/>
+            <a:r>
+              <a:rPr lang="zh-CN" altLang="en-US">
+                <a:solidFill>
+                  <a:srgbClr val="0070C0"/>
+                </a:solidFill>
+              </a:rPr>
+              <a:t>map/reduce</a:t>
+            </a:r>
+            <a:endParaRPr lang="zh-CN" altLang="en-US">
+              <a:solidFill>
+                <a:schemeClr val="tx1"/>
+              </a:solidFill>
+            </a:endParaRPr>
+          </a:p>
+        </p:txBody>
+      </p:sp>
+    </p:spTree>
+    <p:custDataLst>
+      <p:tags r:id="rId3"/>
+    </p:custDataLst>
+  </p:cSld>
+  <p:clrMapOvr>
+    <a:masterClrMapping/>
+  </p:clrMapOvr>
+</p:sld>
+</file>
+
+<file path=ppt/slides/slide11.xml><?xml version="1.0" encoding="utf-8"?>
+<p:sld xmlns:a="http://schemas.openxmlformats.org/drawingml/2006/main" xmlns:r="http://schemas.openxmlformats.org/officeDocument/2006/relationships" xmlns:p="http://schemas.openxmlformats.org/presentationml/2006/main">
+  <p:cSld>
+    <p:spTree>
+      <p:nvGrpSpPr>
+        <p:cNvPr id="1" name=""/>
+        <p:cNvGrpSpPr/>
+        <p:nvPr/>
+      </p:nvGrpSpPr>
+      <p:grpSpPr>
+        <a:xfrm>
+          <a:off x="0" y="0"/>
+          <a:ext cx="0" cy="0"/>
+          <a:chOff x="0" y="0"/>
+          <a:chExt cx="0" cy="0"/>
+        </a:xfrm>
+      </p:grpSpPr>
+      <p:sp>
+        <p:nvSpPr>
+          <p:cNvPr id="8" name="标题 1"/>
+          <p:cNvSpPr txBox="1"/>
+          <p:nvPr>
+            <p:custDataLst>
+              <p:tags r:id="rId1"/>
+            </p:custDataLst>
+          </p:nvPr>
+        </p:nvSpPr>
+        <p:spPr>
+          <a:xfrm>
+            <a:off x="571608" y="661194"/>
+            <a:ext cx="7886700" cy="994172"/>
+          </a:xfrm>
+          <a:prstGeom prst="rect">
+            <a:avLst/>
+          </a:prstGeom>
+        </p:spPr>
+        <p:txBody>
+          <a:bodyPr vert="horz" wrap="square" lIns="68580" tIns="34290" rIns="68580" bIns="34290" rtlCol="0" anchor="ctr">
+            <a:normAutofit/>
+          </a:bodyPr>
+          <a:lstStyle>
+            <a:lvl1pPr defTabSz="914400">
+              <a:lnSpc>
+                <a:spcPct val="120000"/>
+              </a:lnSpc>
+              <a:spcBef>
+                <a:spcPct val="0"/>
+              </a:spcBef>
+              <a:buNone/>
+              <a:defRPr sz="3600">
+                <a:solidFill>
+                  <a:schemeClr val="tx1">
+                    <a:lumMod val="75000"/>
+                    <a:lumOff val="25000"/>
+                  </a:schemeClr>
+                </a:solidFill>
+                <a:latin typeface="+mj-lt"/>
+                <a:ea typeface="+mj-ea"/>
+                <a:cs typeface="+mj-cs"/>
+              </a:defRPr>
+            </a:lvl1pPr>
+          </a:lstStyle>
+          <a:p>
+            <a:r>
+              <a:rPr lang="zh-CN" altLang="en-US" dirty="0"/>
+              <a:t>函数式编程</a:t>
+            </a:r>
+            <a:endParaRPr lang="zh-CN" altLang="en-US" dirty="0"/>
+          </a:p>
+        </p:txBody>
+      </p:sp>
+      <p:sp>
+        <p:nvSpPr>
+          <p:cNvPr id="2" name="文本框 1"/>
+          <p:cNvSpPr txBox="1"/>
+          <p:nvPr/>
+        </p:nvSpPr>
+        <p:spPr>
+          <a:xfrm>
+            <a:off x="571500" y="2033905"/>
+            <a:ext cx="8050530" cy="2676525"/>
+          </a:xfrm>
+          <a:prstGeom prst="rect">
+            <a:avLst/>
+          </a:prstGeom>
+          <a:noFill/>
+        </p:spPr>
+        <p:txBody>
+          <a:bodyPr wrap="square" rtlCol="0">
+            <a:spAutoFit/>
+          </a:bodyPr>
+          <a:p>
+            <a:pPr algn="l"/>
+            <a:r>
+              <a:rPr lang="zh-CN" altLang="en-US">
+                <a:solidFill>
+                  <a:srgbClr val="0070C0"/>
+                </a:solidFill>
+              </a:rPr>
+              <a:t>map/reduce</a:t>
+            </a:r>
+            <a:endParaRPr lang="zh-CN" altLang="en-US">
+              <a:solidFill>
+                <a:srgbClr val="0070C0"/>
+              </a:solidFill>
+            </a:endParaRPr>
+          </a:p>
+          <a:p>
+            <a:pPr algn="ctr"/>
+            <a:r>
+              <a:rPr lang="zh-CN" altLang="en-US">
+                <a:solidFill>
+                  <a:schemeClr val="tx1"/>
+                </a:solidFill>
+                <a:sym typeface="+mn-ea"/>
+              </a:rPr>
+              <a:t>reduce</a:t>
+            </a:r>
+            <a:endParaRPr lang="zh-CN" altLang="en-US">
+              <a:solidFill>
+                <a:schemeClr val="tx1"/>
+              </a:solidFill>
+              <a:sym typeface="+mn-ea"/>
+            </a:endParaRPr>
+          </a:p>
+          <a:p>
+            <a:pPr algn="l"/>
+            <a:r>
+              <a:rPr lang="zh-CN" altLang="en-US">
+                <a:solidFill>
+                  <a:schemeClr val="tx1"/>
+                </a:solidFill>
+                <a:sym typeface="+mn-ea"/>
+              </a:rPr>
+              <a:t>reduce 把一个函数作用在一个序列 [x1, x2, x3,...] 上， 这个函数必须接收两个参数， reduce 把结果继续和序列的下一个元素做累积计算， 其效果就是：</a:t>
+            </a:r>
+            <a:endParaRPr lang="zh-CN" altLang="en-US">
+              <a:solidFill>
+                <a:schemeClr val="tx1"/>
+              </a:solidFill>
+              <a:sym typeface="+mn-ea"/>
+            </a:endParaRPr>
+          </a:p>
+          <a:p>
+            <a:pPr algn="ctr"/>
+            <a:r>
+              <a:rPr lang="zh-CN" altLang="en-US">
+                <a:solidFill>
+                  <a:schemeClr val="tx1"/>
+                </a:solidFill>
+                <a:sym typeface="+mn-ea"/>
+              </a:rPr>
+              <a:t>reduce(f, [x1, x2, x3, x4]) = f(f(f(x1, x2), x3), x4)</a:t>
+            </a:r>
+            <a:endParaRPr lang="zh-CN" altLang="en-US">
+              <a:solidFill>
+                <a:schemeClr val="tx1"/>
+              </a:solidFill>
+              <a:sym typeface="+mn-ea"/>
+            </a:endParaRPr>
+          </a:p>
+          <a:p>
+            <a:pPr algn="l"/>
+            <a:endParaRPr lang="zh-CN" altLang="en-US">
+              <a:solidFill>
+                <a:schemeClr val="tx1"/>
+              </a:solidFill>
+              <a:sym typeface="+mn-ea"/>
+            </a:endParaRPr>
+          </a:p>
+        </p:txBody>
+      </p:sp>
+    </p:spTree>
+    <p:custDataLst>
+      <p:tags r:id="rId2"/>
+    </p:custDataLst>
+  </p:cSld>
+  <p:clrMapOvr>
+    <a:masterClrMapping/>
+  </p:clrMapOvr>
+</p:sld>
+</file>
+
 <file path=ppt/slides/slide2.xml><?xml version="1.0" encoding="utf-8"?>
 <p:sld xmlns:a="http://schemas.openxmlformats.org/drawingml/2006/main" xmlns:r="http://schemas.openxmlformats.org/officeDocument/2006/relationships" xmlns:p="http://schemas.openxmlformats.org/presentationml/2006/main">
   <p:cSld>
@@ -10466,6 +11045,222 @@
               <a:t>return 11</a:t>
             </a:r>
             <a:endParaRPr lang="zh-CN" altLang="en-US"/>
+          </a:p>
+        </p:txBody>
+      </p:sp>
+    </p:spTree>
+    <p:custDataLst>
+      <p:tags r:id="rId2"/>
+    </p:custDataLst>
+  </p:cSld>
+  <p:clrMapOvr>
+    <a:masterClrMapping/>
+  </p:clrMapOvr>
+</p:sld>
+</file>
+
+<file path=ppt/slides/slide9.xml><?xml version="1.0" encoding="utf-8"?>
+<p:sld xmlns:a="http://schemas.openxmlformats.org/drawingml/2006/main" xmlns:r="http://schemas.openxmlformats.org/officeDocument/2006/relationships" xmlns:p="http://schemas.openxmlformats.org/presentationml/2006/main">
+  <p:cSld>
+    <p:spTree>
+      <p:nvGrpSpPr>
+        <p:cNvPr id="1" name=""/>
+        <p:cNvGrpSpPr/>
+        <p:nvPr/>
+      </p:nvGrpSpPr>
+      <p:grpSpPr>
+        <a:xfrm>
+          <a:off x="0" y="0"/>
+          <a:ext cx="0" cy="0"/>
+          <a:chOff x="0" y="0"/>
+          <a:chExt cx="0" cy="0"/>
+        </a:xfrm>
+      </p:grpSpPr>
+      <p:sp>
+        <p:nvSpPr>
+          <p:cNvPr id="8" name="标题 1"/>
+          <p:cNvSpPr txBox="1"/>
+          <p:nvPr>
+            <p:custDataLst>
+              <p:tags r:id="rId1"/>
+            </p:custDataLst>
+          </p:nvPr>
+        </p:nvSpPr>
+        <p:spPr>
+          <a:xfrm>
+            <a:off x="571608" y="661194"/>
+            <a:ext cx="7886700" cy="994172"/>
+          </a:xfrm>
+          <a:prstGeom prst="rect">
+            <a:avLst/>
+          </a:prstGeom>
+        </p:spPr>
+        <p:txBody>
+          <a:bodyPr vert="horz" wrap="square" lIns="68580" tIns="34290" rIns="68580" bIns="34290" rtlCol="0" anchor="ctr">
+            <a:normAutofit/>
+          </a:bodyPr>
+          <a:lstStyle>
+            <a:lvl1pPr defTabSz="914400">
+              <a:lnSpc>
+                <a:spcPct val="120000"/>
+              </a:lnSpc>
+              <a:spcBef>
+                <a:spcPct val="0"/>
+              </a:spcBef>
+              <a:buNone/>
+              <a:defRPr sz="3600">
+                <a:solidFill>
+                  <a:schemeClr val="tx1">
+                    <a:lumMod val="75000"/>
+                    <a:lumOff val="25000"/>
+                  </a:schemeClr>
+                </a:solidFill>
+                <a:latin typeface="+mj-lt"/>
+                <a:ea typeface="+mj-ea"/>
+                <a:cs typeface="+mj-cs"/>
+              </a:defRPr>
+            </a:lvl1pPr>
+          </a:lstStyle>
+          <a:p>
+            <a:r>
+              <a:rPr lang="zh-CN" altLang="en-US" dirty="0"/>
+              <a:t>函数式编程</a:t>
+            </a:r>
+            <a:endParaRPr lang="zh-CN" altLang="en-US" dirty="0"/>
+          </a:p>
+        </p:txBody>
+      </p:sp>
+      <p:sp>
+        <p:nvSpPr>
+          <p:cNvPr id="2" name="文本框 1"/>
+          <p:cNvSpPr txBox="1"/>
+          <p:nvPr/>
+        </p:nvSpPr>
+        <p:spPr>
+          <a:xfrm>
+            <a:off x="571500" y="2033905"/>
+            <a:ext cx="8050530" cy="3415030"/>
+          </a:xfrm>
+          <a:prstGeom prst="rect">
+            <a:avLst/>
+          </a:prstGeom>
+          <a:noFill/>
+        </p:spPr>
+        <p:txBody>
+          <a:bodyPr wrap="square" rtlCol="0">
+            <a:spAutoFit/>
+          </a:bodyPr>
+          <a:p>
+            <a:pPr algn="l"/>
+            <a:r>
+              <a:rPr lang="zh-CN" altLang="en-US">
+                <a:solidFill>
+                  <a:srgbClr val="0070C0"/>
+                </a:solidFill>
+              </a:rPr>
+              <a:t>map/reduce</a:t>
+            </a:r>
+            <a:endParaRPr lang="zh-CN" altLang="en-US">
+              <a:solidFill>
+                <a:srgbClr val="0070C0"/>
+              </a:solidFill>
+            </a:endParaRPr>
+          </a:p>
+          <a:p>
+            <a:pPr algn="l"/>
+            <a:r>
+              <a:rPr lang="zh-CN" altLang="en-US">
+                <a:solidFill>
+                  <a:schemeClr val="tx1"/>
+                </a:solidFill>
+              </a:rPr>
+              <a:t>Python内建了 map() 和 reduce() 函数。</a:t>
+            </a:r>
+            <a:endParaRPr lang="zh-CN" altLang="en-US">
+              <a:solidFill>
+                <a:schemeClr val="tx1"/>
+              </a:solidFill>
+            </a:endParaRPr>
+          </a:p>
+          <a:p>
+            <a:pPr algn="l"/>
+            <a:r>
+              <a:rPr lang="zh-CN" altLang="en-US">
+                <a:solidFill>
+                  <a:srgbClr val="0070C0"/>
+                </a:solidFill>
+              </a:rPr>
+              <a:t>《MapReduce: Simplified Data Processing on Large Clusters》</a:t>
+            </a:r>
+            <a:endParaRPr lang="zh-CN" altLang="en-US">
+              <a:solidFill>
+                <a:schemeClr val="tx1"/>
+              </a:solidFill>
+            </a:endParaRPr>
+          </a:p>
+          <a:p>
+            <a:pPr algn="ctr"/>
+            <a:r>
+              <a:rPr lang="zh-CN" altLang="en-US">
+                <a:solidFill>
+                  <a:schemeClr val="tx1"/>
+                </a:solidFill>
+              </a:rPr>
+              <a:t>map</a:t>
+            </a:r>
+            <a:endParaRPr lang="zh-CN" altLang="en-US">
+              <a:solidFill>
+                <a:schemeClr val="tx1"/>
+              </a:solidFill>
+            </a:endParaRPr>
+          </a:p>
+          <a:p>
+            <a:pPr algn="l"/>
+            <a:r>
+              <a:rPr lang="zh-CN" altLang="en-US">
+                <a:solidFill>
+                  <a:schemeClr val="tx1"/>
+                </a:solidFill>
+              </a:rPr>
+              <a:t>map() 函数接收两个参数， 一个是函数， 一个是 Iterable ， map 将传入的函数依次作用到序列的每个元素， 并把结果作为新的 Iterator 返回。</a:t>
+            </a:r>
+            <a:endParaRPr lang="zh-CN" altLang="en-US">
+              <a:solidFill>
+                <a:schemeClr val="tx1"/>
+              </a:solidFill>
+            </a:endParaRPr>
+          </a:p>
+          <a:p>
+            <a:pPr algn="l"/>
+            <a:r>
+              <a:rPr lang="zh-CN" altLang="en-US">
+                <a:solidFill>
+                  <a:schemeClr val="tx1"/>
+                </a:solidFill>
+              </a:rPr>
+              <a:t>举例说明， 比如我们有一个函数f(x)=x</a:t>
+            </a:r>
+            <a:r>
+              <a:rPr lang="zh-CN" altLang="en-US" baseline="30000">
+                <a:solidFill>
+                  <a:schemeClr val="tx1"/>
+                </a:solidFill>
+              </a:rPr>
+              <a:t>2</a:t>
+            </a:r>
+            <a:r>
+              <a:rPr lang="zh-CN" altLang="en-US">
+                <a:solidFill>
+                  <a:schemeClr val="tx1"/>
+                </a:solidFill>
+              </a:rPr>
+              <a:t>， 要把这个函数作用在一个list[1, 2, 3, 4, 5, 6, 7, 8, 9] 上， 就可以用 map() 实现。</a:t>
+            </a:r>
+            <a:endParaRPr lang="zh-CN" altLang="en-US">
+              <a:solidFill>
+                <a:schemeClr val="tx1"/>
+              </a:solidFill>
+            </a:endParaRPr>
           </a:p>
         </p:txBody>
       </p:sp>
@@ -11132,6 +11927,123 @@
   <p:tag name="KSO_WM_TEMPLATE_CATEGORY" val="custom"/>
   <p:tag name="KSO_WM_TEMPLATE_INDEX" val="20184556"/>
   <p:tag name="KSO_WM_UNIT_INDEX" val="7"/>
+</p:tagLst>
+</file>
+
+<file path=ppt/tags/tag50.xml><?xml version="1.0" encoding="utf-8"?>
+<p:tagLst xmlns:p="http://schemas.openxmlformats.org/presentationml/2006/main">
+  <p:tag name="KSO_WM_TEMPLATE_CATEGORY" val="custom"/>
+  <p:tag name="KSO_WM_TEMPLATE_INDEX" val="20186830"/>
+  <p:tag name="KSO_WM_TAG_VERSION" val="1.0"/>
+  <p:tag name="KSO_WM_BEAUTIFY_FLAG" val="#wm#"/>
+  <p:tag name="KSO_WM_UNIT_TYPE" val="a"/>
+  <p:tag name="KSO_WM_UNIT_INDEX" val="1"/>
+  <p:tag name="KSO_WM_UNIT_ID" val="custom20186830_7*a*1"/>
+  <p:tag name="KSO_WM_UNIT_LAYERLEVEL" val="1"/>
+  <p:tag name="KSO_WM_UNIT_VALUE" val="19"/>
+  <p:tag name="KSO_WM_UNIT_ISCONTENTSTITLE" val="0"/>
+  <p:tag name="KSO_WM_UNIT_HIGHLIGHT" val="0"/>
+  <p:tag name="KSO_WM_UNIT_COMPATIBLE" val="0"/>
+  <p:tag name="KSO_WM_UNIT_CLEAR" val="0"/>
+  <p:tag name="KSO_WM_UNIT_PRESET_TEXT_INDEX" val="3"/>
+  <p:tag name="KSO_WM_UNIT_PRESET_TEXT_LEN" val="17"/>
+</p:tagLst>
+</file>
+
+<file path=ppt/tags/tag51.xml><?xml version="1.0" encoding="utf-8"?>
+<p:tagLst xmlns:p="http://schemas.openxmlformats.org/presentationml/2006/main">
+  <p:tag name="KSO_WM_TEMPLATE_CATEGORY" val="custom"/>
+  <p:tag name="KSO_WM_TEMPLATE_INDEX" val="20186830"/>
+  <p:tag name="KSO_WM_TAG_VERSION" val="1.0"/>
+  <p:tag name="KSO_WM_SLIDE_ID" val="custom20186830_7"/>
+  <p:tag name="KSO_WM_SLIDE_INDEX" val="7"/>
+  <p:tag name="KSO_WM_SLIDE_ITEM_CNT" val="1"/>
+  <p:tag name="KSO_WM_SLIDE_LAYOUT" val="a_l"/>
+  <p:tag name="KSO_WM_SLIDE_LAYOUT_CNT" val="1_1"/>
+  <p:tag name="KSO_WM_SLIDE_TYPE" val="text"/>
+  <p:tag name="KSO_WM_BEAUTIFY_FLAG" val="#wm#"/>
+  <p:tag name="KSO_WM_SLIDE_POSITION" val="25*85"/>
+  <p:tag name="KSO_WM_SLIDE_SIZE" val="452*279"/>
+  <p:tag name="KSO_WM_DIAGRAM_GROUP_CODE" val="l1-1"/>
+  <p:tag name="KSO_WM_SLIDE_SUBTYPE" val="diag"/>
+</p:tagLst>
+</file>
+
+<file path=ppt/tags/tag52.xml><?xml version="1.0" encoding="utf-8"?>
+<p:tagLst xmlns:p="http://schemas.openxmlformats.org/presentationml/2006/main">
+  <p:tag name="KSO_WM_TEMPLATE_CATEGORY" val="custom"/>
+  <p:tag name="KSO_WM_TEMPLATE_INDEX" val="20186830"/>
+  <p:tag name="KSO_WM_TAG_VERSION" val="1.0"/>
+  <p:tag name="KSO_WM_BEAUTIFY_FLAG" val="#wm#"/>
+  <p:tag name="KSO_WM_UNIT_TYPE" val="a"/>
+  <p:tag name="KSO_WM_UNIT_INDEX" val="1"/>
+  <p:tag name="KSO_WM_UNIT_ID" val="custom20186830_7*a*1"/>
+  <p:tag name="KSO_WM_UNIT_LAYERLEVEL" val="1"/>
+  <p:tag name="KSO_WM_UNIT_VALUE" val="19"/>
+  <p:tag name="KSO_WM_UNIT_ISCONTENTSTITLE" val="0"/>
+  <p:tag name="KSO_WM_UNIT_HIGHLIGHT" val="0"/>
+  <p:tag name="KSO_WM_UNIT_COMPATIBLE" val="0"/>
+  <p:tag name="KSO_WM_UNIT_CLEAR" val="0"/>
+  <p:tag name="KSO_WM_UNIT_PRESET_TEXT_INDEX" val="3"/>
+  <p:tag name="KSO_WM_UNIT_PRESET_TEXT_LEN" val="17"/>
+</p:tagLst>
+</file>
+
+<file path=ppt/tags/tag53.xml><?xml version="1.0" encoding="utf-8"?>
+<p:tagLst xmlns:p="http://schemas.openxmlformats.org/presentationml/2006/main">
+  <p:tag name="KSO_WM_TEMPLATE_CATEGORY" val="custom"/>
+  <p:tag name="KSO_WM_TEMPLATE_INDEX" val="20186830"/>
+  <p:tag name="KSO_WM_TAG_VERSION" val="1.0"/>
+  <p:tag name="KSO_WM_SLIDE_ID" val="custom20186830_7"/>
+  <p:tag name="KSO_WM_SLIDE_INDEX" val="7"/>
+  <p:tag name="KSO_WM_SLIDE_ITEM_CNT" val="1"/>
+  <p:tag name="KSO_WM_SLIDE_LAYOUT" val="a_l"/>
+  <p:tag name="KSO_WM_SLIDE_LAYOUT_CNT" val="1_1"/>
+  <p:tag name="KSO_WM_SLIDE_TYPE" val="text"/>
+  <p:tag name="KSO_WM_BEAUTIFY_FLAG" val="#wm#"/>
+  <p:tag name="KSO_WM_SLIDE_POSITION" val="25*85"/>
+  <p:tag name="KSO_WM_SLIDE_SIZE" val="452*279"/>
+  <p:tag name="KSO_WM_DIAGRAM_GROUP_CODE" val="l1-1"/>
+  <p:tag name="KSO_WM_SLIDE_SUBTYPE" val="diag"/>
+</p:tagLst>
+</file>
+
+<file path=ppt/tags/tag54.xml><?xml version="1.0" encoding="utf-8"?>
+<p:tagLst xmlns:p="http://schemas.openxmlformats.org/presentationml/2006/main">
+  <p:tag name="KSO_WM_TEMPLATE_CATEGORY" val="custom"/>
+  <p:tag name="KSO_WM_TEMPLATE_INDEX" val="20186830"/>
+  <p:tag name="KSO_WM_TAG_VERSION" val="1.0"/>
+  <p:tag name="KSO_WM_BEAUTIFY_FLAG" val="#wm#"/>
+  <p:tag name="KSO_WM_UNIT_TYPE" val="a"/>
+  <p:tag name="KSO_WM_UNIT_INDEX" val="1"/>
+  <p:tag name="KSO_WM_UNIT_ID" val="custom20186830_7*a*1"/>
+  <p:tag name="KSO_WM_UNIT_LAYERLEVEL" val="1"/>
+  <p:tag name="KSO_WM_UNIT_VALUE" val="19"/>
+  <p:tag name="KSO_WM_UNIT_ISCONTENTSTITLE" val="0"/>
+  <p:tag name="KSO_WM_UNIT_HIGHLIGHT" val="0"/>
+  <p:tag name="KSO_WM_UNIT_COMPATIBLE" val="0"/>
+  <p:tag name="KSO_WM_UNIT_CLEAR" val="0"/>
+  <p:tag name="KSO_WM_UNIT_PRESET_TEXT_INDEX" val="3"/>
+  <p:tag name="KSO_WM_UNIT_PRESET_TEXT_LEN" val="17"/>
+</p:tagLst>
+</file>
+
+<file path=ppt/tags/tag55.xml><?xml version="1.0" encoding="utf-8"?>
+<p:tagLst xmlns:p="http://schemas.openxmlformats.org/presentationml/2006/main">
+  <p:tag name="KSO_WM_TEMPLATE_CATEGORY" val="custom"/>
+  <p:tag name="KSO_WM_TEMPLATE_INDEX" val="20186830"/>
+  <p:tag name="KSO_WM_TAG_VERSION" val="1.0"/>
+  <p:tag name="KSO_WM_SLIDE_ID" val="custom20186830_7"/>
+  <p:tag name="KSO_WM_SLIDE_INDEX" val="7"/>
+  <p:tag name="KSO_WM_SLIDE_ITEM_CNT" val="1"/>
+  <p:tag name="KSO_WM_SLIDE_LAYOUT" val="a_l"/>
+  <p:tag name="KSO_WM_SLIDE_LAYOUT_CNT" val="1_1"/>
+  <p:tag name="KSO_WM_SLIDE_TYPE" val="text"/>
+  <p:tag name="KSO_WM_BEAUTIFY_FLAG" val="#wm#"/>
+  <p:tag name="KSO_WM_SLIDE_POSITION" val="25*85"/>
+  <p:tag name="KSO_WM_SLIDE_SIZE" val="452*279"/>
+  <p:tag name="KSO_WM_DIAGRAM_GROUP_CODE" val="l1-1"/>
+  <p:tag name="KSO_WM_SLIDE_SUBTYPE" val="diag"/>
 </p:tagLst>
 </file>
 

--- a/Python3/4.Python3-函数式编程.pptx
+++ b/Python3/4.Python3-函数式编程.pptx
@@ -9,7 +9,7 @@
     <p:notesMasterId r:id="rId5"/>
   </p:notesMasterIdLst>
   <p:handoutMasterIdLst>
-    <p:handoutMasterId r:id="rId16"/>
+    <p:handoutMasterId r:id="rId32"/>
   </p:handoutMasterIdLst>
   <p:sldIdLst>
     <p:sldId id="453" r:id="rId4"/>
@@ -23,6 +23,22 @@
     <p:sldId id="735" r:id="rId13"/>
     <p:sldId id="736" r:id="rId14"/>
     <p:sldId id="737" r:id="rId15"/>
+    <p:sldId id="738" r:id="rId16"/>
+    <p:sldId id="739" r:id="rId17"/>
+    <p:sldId id="740" r:id="rId18"/>
+    <p:sldId id="742" r:id="rId19"/>
+    <p:sldId id="744" r:id="rId20"/>
+    <p:sldId id="745" r:id="rId21"/>
+    <p:sldId id="746" r:id="rId22"/>
+    <p:sldId id="747" r:id="rId23"/>
+    <p:sldId id="748" r:id="rId24"/>
+    <p:sldId id="749" r:id="rId25"/>
+    <p:sldId id="750" r:id="rId26"/>
+    <p:sldId id="751" r:id="rId27"/>
+    <p:sldId id="752" r:id="rId28"/>
+    <p:sldId id="753" r:id="rId29"/>
+    <p:sldId id="754" r:id="rId30"/>
+    <p:sldId id="755" r:id="rId31"/>
   </p:sldIdLst>
   <p:sldSz cx="9144000" cy="6858000" type="screen4x3"/>
   <p:notesSz cx="6858000" cy="9144000"/>
@@ -1144,6 +1160,670 @@
 </p:notes>
 </file>
 
+<file path=ppt/notesSlides/notesSlide12.xml><?xml version="1.0" encoding="utf-8"?>
+<p:notes xmlns:a="http://schemas.openxmlformats.org/drawingml/2006/main" xmlns:r="http://schemas.openxmlformats.org/officeDocument/2006/relationships" xmlns:p="http://schemas.openxmlformats.org/presentationml/2006/main">
+  <p:cSld>
+    <p:spTree>
+      <p:nvGrpSpPr>
+        <p:cNvPr id="1" name=""/>
+        <p:cNvGrpSpPr/>
+        <p:nvPr/>
+      </p:nvGrpSpPr>
+      <p:grpSpPr>
+        <a:xfrm>
+          <a:off x="0" y="0"/>
+          <a:ext cx="0" cy="0"/>
+          <a:chOff x="0" y="0"/>
+          <a:chExt cx="0" cy="0"/>
+        </a:xfrm>
+      </p:grpSpPr>
+      <p:sp>
+        <p:nvSpPr>
+          <p:cNvPr id="2" name="幻灯片图像占位符 1"/>
+          <p:cNvSpPr>
+            <a:spLocks noGrp="1" noRot="1" noChangeAspect="1"/>
+          </p:cNvSpPr>
+          <p:nvPr>
+            <p:ph type="sldImg"/>
+          </p:nvPr>
+        </p:nvSpPr>
+        <p:spPr>
+          <a:xfrm>
+            <a:off x="1371600" y="1143000"/>
+            <a:ext cx="4114800" cy="3086100"/>
+          </a:xfrm>
+        </p:spPr>
+      </p:sp>
+      <p:sp>
+        <p:nvSpPr>
+          <p:cNvPr id="3" name="备注占位符 2"/>
+          <p:cNvSpPr>
+            <a:spLocks noGrp="1"/>
+          </p:cNvSpPr>
+          <p:nvPr>
+            <p:ph type="body" idx="1"/>
+          </p:nvPr>
+        </p:nvSpPr>
+        <p:spPr/>
+        <p:txBody>
+          <a:bodyPr/>
+          <a:lstStyle/>
+          <a:p>
+            <a:endParaRPr lang="zh-CN" altLang="en-US"/>
+          </a:p>
+        </p:txBody>
+      </p:sp>
+      <p:sp>
+        <p:nvSpPr>
+          <p:cNvPr id="4" name="灯片编号占位符 3"/>
+          <p:cNvSpPr>
+            <a:spLocks noGrp="1"/>
+          </p:cNvSpPr>
+          <p:nvPr>
+            <p:ph type="sldNum" sz="quarter" idx="10"/>
+          </p:nvPr>
+        </p:nvSpPr>
+        <p:spPr/>
+        <p:txBody>
+          <a:bodyPr/>
+          <a:lstStyle/>
+          <a:p>
+            <a:fld id="{2ED26FC3-015A-4F86-ACC3-780431FB8E4D}" type="slidenum">
+              <a:rPr lang="zh-CN" altLang="en-US" smtClean="0"/>
+            </a:fld>
+            <a:endParaRPr lang="zh-CN" altLang="en-US"/>
+          </a:p>
+        </p:txBody>
+      </p:sp>
+    </p:spTree>
+  </p:cSld>
+  <p:clrMapOvr>
+    <a:masterClrMapping/>
+  </p:clrMapOvr>
+</p:notes>
+</file>
+
+<file path=ppt/notesSlides/notesSlide13.xml><?xml version="1.0" encoding="utf-8"?>
+<p:notes xmlns:a="http://schemas.openxmlformats.org/drawingml/2006/main" xmlns:r="http://schemas.openxmlformats.org/officeDocument/2006/relationships" xmlns:p="http://schemas.openxmlformats.org/presentationml/2006/main">
+  <p:cSld>
+    <p:spTree>
+      <p:nvGrpSpPr>
+        <p:cNvPr id="1" name=""/>
+        <p:cNvGrpSpPr/>
+        <p:nvPr/>
+      </p:nvGrpSpPr>
+      <p:grpSpPr>
+        <a:xfrm>
+          <a:off x="0" y="0"/>
+          <a:ext cx="0" cy="0"/>
+          <a:chOff x="0" y="0"/>
+          <a:chExt cx="0" cy="0"/>
+        </a:xfrm>
+      </p:grpSpPr>
+      <p:sp>
+        <p:nvSpPr>
+          <p:cNvPr id="2" name="幻灯片图像占位符 1"/>
+          <p:cNvSpPr>
+            <a:spLocks noGrp="1" noRot="1" noChangeAspect="1"/>
+          </p:cNvSpPr>
+          <p:nvPr>
+            <p:ph type="sldImg"/>
+          </p:nvPr>
+        </p:nvSpPr>
+        <p:spPr>
+          <a:xfrm>
+            <a:off x="1371600" y="1143000"/>
+            <a:ext cx="4114800" cy="3086100"/>
+          </a:xfrm>
+        </p:spPr>
+      </p:sp>
+      <p:sp>
+        <p:nvSpPr>
+          <p:cNvPr id="3" name="备注占位符 2"/>
+          <p:cNvSpPr>
+            <a:spLocks noGrp="1"/>
+          </p:cNvSpPr>
+          <p:nvPr>
+            <p:ph type="body" idx="1"/>
+          </p:nvPr>
+        </p:nvSpPr>
+        <p:spPr/>
+        <p:txBody>
+          <a:bodyPr/>
+          <a:lstStyle/>
+          <a:p>
+            <a:endParaRPr lang="zh-CN" altLang="en-US"/>
+          </a:p>
+        </p:txBody>
+      </p:sp>
+      <p:sp>
+        <p:nvSpPr>
+          <p:cNvPr id="4" name="灯片编号占位符 3"/>
+          <p:cNvSpPr>
+            <a:spLocks noGrp="1"/>
+          </p:cNvSpPr>
+          <p:nvPr>
+            <p:ph type="sldNum" sz="quarter" idx="10"/>
+          </p:nvPr>
+        </p:nvSpPr>
+        <p:spPr/>
+        <p:txBody>
+          <a:bodyPr/>
+          <a:lstStyle/>
+          <a:p>
+            <a:fld id="{2ED26FC3-015A-4F86-ACC3-780431FB8E4D}" type="slidenum">
+              <a:rPr lang="zh-CN" altLang="en-US" smtClean="0"/>
+            </a:fld>
+            <a:endParaRPr lang="zh-CN" altLang="en-US"/>
+          </a:p>
+        </p:txBody>
+      </p:sp>
+    </p:spTree>
+  </p:cSld>
+  <p:clrMapOvr>
+    <a:masterClrMapping/>
+  </p:clrMapOvr>
+</p:notes>
+</file>
+
+<file path=ppt/notesSlides/notesSlide14.xml><?xml version="1.0" encoding="utf-8"?>
+<p:notes xmlns:a="http://schemas.openxmlformats.org/drawingml/2006/main" xmlns:r="http://schemas.openxmlformats.org/officeDocument/2006/relationships" xmlns:p="http://schemas.openxmlformats.org/presentationml/2006/main">
+  <p:cSld>
+    <p:spTree>
+      <p:nvGrpSpPr>
+        <p:cNvPr id="1" name=""/>
+        <p:cNvGrpSpPr/>
+        <p:nvPr/>
+      </p:nvGrpSpPr>
+      <p:grpSpPr>
+        <a:xfrm>
+          <a:off x="0" y="0"/>
+          <a:ext cx="0" cy="0"/>
+          <a:chOff x="0" y="0"/>
+          <a:chExt cx="0" cy="0"/>
+        </a:xfrm>
+      </p:grpSpPr>
+      <p:sp>
+        <p:nvSpPr>
+          <p:cNvPr id="2" name="幻灯片图像占位符 1"/>
+          <p:cNvSpPr>
+            <a:spLocks noGrp="1" noRot="1" noChangeAspect="1"/>
+          </p:cNvSpPr>
+          <p:nvPr>
+            <p:ph type="sldImg"/>
+          </p:nvPr>
+        </p:nvSpPr>
+        <p:spPr>
+          <a:xfrm>
+            <a:off x="1371600" y="1143000"/>
+            <a:ext cx="4114800" cy="3086100"/>
+          </a:xfrm>
+        </p:spPr>
+      </p:sp>
+      <p:sp>
+        <p:nvSpPr>
+          <p:cNvPr id="3" name="备注占位符 2"/>
+          <p:cNvSpPr>
+            <a:spLocks noGrp="1"/>
+          </p:cNvSpPr>
+          <p:nvPr>
+            <p:ph type="body" idx="1"/>
+          </p:nvPr>
+        </p:nvSpPr>
+        <p:spPr/>
+        <p:txBody>
+          <a:bodyPr/>
+          <a:lstStyle/>
+          <a:p>
+            <a:endParaRPr lang="zh-CN" altLang="en-US"/>
+          </a:p>
+        </p:txBody>
+      </p:sp>
+      <p:sp>
+        <p:nvSpPr>
+          <p:cNvPr id="4" name="灯片编号占位符 3"/>
+          <p:cNvSpPr>
+            <a:spLocks noGrp="1"/>
+          </p:cNvSpPr>
+          <p:nvPr>
+            <p:ph type="sldNum" sz="quarter" idx="10"/>
+          </p:nvPr>
+        </p:nvSpPr>
+        <p:spPr/>
+        <p:txBody>
+          <a:bodyPr/>
+          <a:lstStyle/>
+          <a:p>
+            <a:fld id="{2ED26FC3-015A-4F86-ACC3-780431FB8E4D}" type="slidenum">
+              <a:rPr lang="zh-CN" altLang="en-US" smtClean="0"/>
+            </a:fld>
+            <a:endParaRPr lang="zh-CN" altLang="en-US"/>
+          </a:p>
+        </p:txBody>
+      </p:sp>
+    </p:spTree>
+  </p:cSld>
+  <p:clrMapOvr>
+    <a:masterClrMapping/>
+  </p:clrMapOvr>
+</p:notes>
+</file>
+
+<file path=ppt/notesSlides/notesSlide15.xml><?xml version="1.0" encoding="utf-8"?>
+<p:notes xmlns:a="http://schemas.openxmlformats.org/drawingml/2006/main" xmlns:r="http://schemas.openxmlformats.org/officeDocument/2006/relationships" xmlns:p="http://schemas.openxmlformats.org/presentationml/2006/main">
+  <p:cSld>
+    <p:spTree>
+      <p:nvGrpSpPr>
+        <p:cNvPr id="1" name=""/>
+        <p:cNvGrpSpPr/>
+        <p:nvPr/>
+      </p:nvGrpSpPr>
+      <p:grpSpPr>
+        <a:xfrm>
+          <a:off x="0" y="0"/>
+          <a:ext cx="0" cy="0"/>
+          <a:chOff x="0" y="0"/>
+          <a:chExt cx="0" cy="0"/>
+        </a:xfrm>
+      </p:grpSpPr>
+      <p:sp>
+        <p:nvSpPr>
+          <p:cNvPr id="2" name="幻灯片图像占位符 1"/>
+          <p:cNvSpPr>
+            <a:spLocks noGrp="1" noRot="1" noChangeAspect="1"/>
+          </p:cNvSpPr>
+          <p:nvPr>
+            <p:ph type="sldImg"/>
+          </p:nvPr>
+        </p:nvSpPr>
+        <p:spPr>
+          <a:xfrm>
+            <a:off x="1371600" y="1143000"/>
+            <a:ext cx="4114800" cy="3086100"/>
+          </a:xfrm>
+        </p:spPr>
+      </p:sp>
+      <p:sp>
+        <p:nvSpPr>
+          <p:cNvPr id="3" name="备注占位符 2"/>
+          <p:cNvSpPr>
+            <a:spLocks noGrp="1"/>
+          </p:cNvSpPr>
+          <p:nvPr>
+            <p:ph type="body" idx="1"/>
+          </p:nvPr>
+        </p:nvSpPr>
+        <p:spPr/>
+        <p:txBody>
+          <a:bodyPr/>
+          <a:lstStyle/>
+          <a:p>
+            <a:endParaRPr lang="zh-CN" altLang="en-US"/>
+          </a:p>
+        </p:txBody>
+      </p:sp>
+      <p:sp>
+        <p:nvSpPr>
+          <p:cNvPr id="4" name="灯片编号占位符 3"/>
+          <p:cNvSpPr>
+            <a:spLocks noGrp="1"/>
+          </p:cNvSpPr>
+          <p:nvPr>
+            <p:ph type="sldNum" sz="quarter" idx="10"/>
+          </p:nvPr>
+        </p:nvSpPr>
+        <p:spPr/>
+        <p:txBody>
+          <a:bodyPr/>
+          <a:lstStyle/>
+          <a:p>
+            <a:fld id="{2ED26FC3-015A-4F86-ACC3-780431FB8E4D}" type="slidenum">
+              <a:rPr lang="zh-CN" altLang="en-US" smtClean="0"/>
+            </a:fld>
+            <a:endParaRPr lang="zh-CN" altLang="en-US"/>
+          </a:p>
+        </p:txBody>
+      </p:sp>
+    </p:spTree>
+  </p:cSld>
+  <p:clrMapOvr>
+    <a:masterClrMapping/>
+  </p:clrMapOvr>
+</p:notes>
+</file>
+
+<file path=ppt/notesSlides/notesSlide16.xml><?xml version="1.0" encoding="utf-8"?>
+<p:notes xmlns:a="http://schemas.openxmlformats.org/drawingml/2006/main" xmlns:r="http://schemas.openxmlformats.org/officeDocument/2006/relationships" xmlns:p="http://schemas.openxmlformats.org/presentationml/2006/main">
+  <p:cSld>
+    <p:spTree>
+      <p:nvGrpSpPr>
+        <p:cNvPr id="1" name=""/>
+        <p:cNvGrpSpPr/>
+        <p:nvPr/>
+      </p:nvGrpSpPr>
+      <p:grpSpPr>
+        <a:xfrm>
+          <a:off x="0" y="0"/>
+          <a:ext cx="0" cy="0"/>
+          <a:chOff x="0" y="0"/>
+          <a:chExt cx="0" cy="0"/>
+        </a:xfrm>
+      </p:grpSpPr>
+      <p:sp>
+        <p:nvSpPr>
+          <p:cNvPr id="2" name="幻灯片图像占位符 1"/>
+          <p:cNvSpPr>
+            <a:spLocks noGrp="1" noRot="1" noChangeAspect="1"/>
+          </p:cNvSpPr>
+          <p:nvPr>
+            <p:ph type="sldImg"/>
+          </p:nvPr>
+        </p:nvSpPr>
+        <p:spPr>
+          <a:xfrm>
+            <a:off x="1371600" y="1143000"/>
+            <a:ext cx="4114800" cy="3086100"/>
+          </a:xfrm>
+        </p:spPr>
+      </p:sp>
+      <p:sp>
+        <p:nvSpPr>
+          <p:cNvPr id="3" name="备注占位符 2"/>
+          <p:cNvSpPr>
+            <a:spLocks noGrp="1"/>
+          </p:cNvSpPr>
+          <p:nvPr>
+            <p:ph type="body" idx="1"/>
+          </p:nvPr>
+        </p:nvSpPr>
+        <p:spPr/>
+        <p:txBody>
+          <a:bodyPr/>
+          <a:lstStyle/>
+          <a:p>
+            <a:endParaRPr lang="zh-CN" altLang="en-US"/>
+          </a:p>
+        </p:txBody>
+      </p:sp>
+      <p:sp>
+        <p:nvSpPr>
+          <p:cNvPr id="4" name="灯片编号占位符 3"/>
+          <p:cNvSpPr>
+            <a:spLocks noGrp="1"/>
+          </p:cNvSpPr>
+          <p:nvPr>
+            <p:ph type="sldNum" sz="quarter" idx="10"/>
+          </p:nvPr>
+        </p:nvSpPr>
+        <p:spPr/>
+        <p:txBody>
+          <a:bodyPr/>
+          <a:lstStyle/>
+          <a:p>
+            <a:fld id="{2ED26FC3-015A-4F86-ACC3-780431FB8E4D}" type="slidenum">
+              <a:rPr lang="zh-CN" altLang="en-US" smtClean="0"/>
+            </a:fld>
+            <a:endParaRPr lang="zh-CN" altLang="en-US"/>
+          </a:p>
+        </p:txBody>
+      </p:sp>
+    </p:spTree>
+  </p:cSld>
+  <p:clrMapOvr>
+    <a:masterClrMapping/>
+  </p:clrMapOvr>
+</p:notes>
+</file>
+
+<file path=ppt/notesSlides/notesSlide17.xml><?xml version="1.0" encoding="utf-8"?>
+<p:notes xmlns:a="http://schemas.openxmlformats.org/drawingml/2006/main" xmlns:r="http://schemas.openxmlformats.org/officeDocument/2006/relationships" xmlns:p="http://schemas.openxmlformats.org/presentationml/2006/main">
+  <p:cSld>
+    <p:spTree>
+      <p:nvGrpSpPr>
+        <p:cNvPr id="1" name=""/>
+        <p:cNvGrpSpPr/>
+        <p:nvPr/>
+      </p:nvGrpSpPr>
+      <p:grpSpPr>
+        <a:xfrm>
+          <a:off x="0" y="0"/>
+          <a:ext cx="0" cy="0"/>
+          <a:chOff x="0" y="0"/>
+          <a:chExt cx="0" cy="0"/>
+        </a:xfrm>
+      </p:grpSpPr>
+      <p:sp>
+        <p:nvSpPr>
+          <p:cNvPr id="2" name="幻灯片图像占位符 1"/>
+          <p:cNvSpPr>
+            <a:spLocks noGrp="1" noRot="1" noChangeAspect="1"/>
+          </p:cNvSpPr>
+          <p:nvPr>
+            <p:ph type="sldImg"/>
+          </p:nvPr>
+        </p:nvSpPr>
+        <p:spPr>
+          <a:xfrm>
+            <a:off x="1371600" y="1143000"/>
+            <a:ext cx="4114800" cy="3086100"/>
+          </a:xfrm>
+        </p:spPr>
+      </p:sp>
+      <p:sp>
+        <p:nvSpPr>
+          <p:cNvPr id="3" name="备注占位符 2"/>
+          <p:cNvSpPr>
+            <a:spLocks noGrp="1"/>
+          </p:cNvSpPr>
+          <p:nvPr>
+            <p:ph type="body" idx="1"/>
+          </p:nvPr>
+        </p:nvSpPr>
+        <p:spPr/>
+        <p:txBody>
+          <a:bodyPr/>
+          <a:lstStyle/>
+          <a:p>
+            <a:endParaRPr lang="zh-CN" altLang="en-US"/>
+          </a:p>
+        </p:txBody>
+      </p:sp>
+      <p:sp>
+        <p:nvSpPr>
+          <p:cNvPr id="4" name="灯片编号占位符 3"/>
+          <p:cNvSpPr>
+            <a:spLocks noGrp="1"/>
+          </p:cNvSpPr>
+          <p:nvPr>
+            <p:ph type="sldNum" sz="quarter" idx="10"/>
+          </p:nvPr>
+        </p:nvSpPr>
+        <p:spPr/>
+        <p:txBody>
+          <a:bodyPr/>
+          <a:lstStyle/>
+          <a:p>
+            <a:fld id="{2ED26FC3-015A-4F86-ACC3-780431FB8E4D}" type="slidenum">
+              <a:rPr lang="zh-CN" altLang="en-US" smtClean="0"/>
+            </a:fld>
+            <a:endParaRPr lang="zh-CN" altLang="en-US"/>
+          </a:p>
+        </p:txBody>
+      </p:sp>
+    </p:spTree>
+  </p:cSld>
+  <p:clrMapOvr>
+    <a:masterClrMapping/>
+  </p:clrMapOvr>
+</p:notes>
+</file>
+
+<file path=ppt/notesSlides/notesSlide18.xml><?xml version="1.0" encoding="utf-8"?>
+<p:notes xmlns:a="http://schemas.openxmlformats.org/drawingml/2006/main" xmlns:r="http://schemas.openxmlformats.org/officeDocument/2006/relationships" xmlns:p="http://schemas.openxmlformats.org/presentationml/2006/main">
+  <p:cSld>
+    <p:spTree>
+      <p:nvGrpSpPr>
+        <p:cNvPr id="1" name=""/>
+        <p:cNvGrpSpPr/>
+        <p:nvPr/>
+      </p:nvGrpSpPr>
+      <p:grpSpPr>
+        <a:xfrm>
+          <a:off x="0" y="0"/>
+          <a:ext cx="0" cy="0"/>
+          <a:chOff x="0" y="0"/>
+          <a:chExt cx="0" cy="0"/>
+        </a:xfrm>
+      </p:grpSpPr>
+      <p:sp>
+        <p:nvSpPr>
+          <p:cNvPr id="2" name="幻灯片图像占位符 1"/>
+          <p:cNvSpPr>
+            <a:spLocks noGrp="1" noRot="1" noChangeAspect="1"/>
+          </p:cNvSpPr>
+          <p:nvPr>
+            <p:ph type="sldImg"/>
+          </p:nvPr>
+        </p:nvSpPr>
+        <p:spPr>
+          <a:xfrm>
+            <a:off x="1371600" y="1143000"/>
+            <a:ext cx="4114800" cy="3086100"/>
+          </a:xfrm>
+        </p:spPr>
+      </p:sp>
+      <p:sp>
+        <p:nvSpPr>
+          <p:cNvPr id="3" name="备注占位符 2"/>
+          <p:cNvSpPr>
+            <a:spLocks noGrp="1"/>
+          </p:cNvSpPr>
+          <p:nvPr>
+            <p:ph type="body" idx="1"/>
+          </p:nvPr>
+        </p:nvSpPr>
+        <p:spPr/>
+        <p:txBody>
+          <a:bodyPr/>
+          <a:lstStyle/>
+          <a:p>
+            <a:endParaRPr lang="zh-CN" altLang="en-US"/>
+          </a:p>
+        </p:txBody>
+      </p:sp>
+      <p:sp>
+        <p:nvSpPr>
+          <p:cNvPr id="4" name="灯片编号占位符 3"/>
+          <p:cNvSpPr>
+            <a:spLocks noGrp="1"/>
+          </p:cNvSpPr>
+          <p:nvPr>
+            <p:ph type="sldNum" sz="quarter" idx="10"/>
+          </p:nvPr>
+        </p:nvSpPr>
+        <p:spPr/>
+        <p:txBody>
+          <a:bodyPr/>
+          <a:lstStyle/>
+          <a:p>
+            <a:fld id="{2ED26FC3-015A-4F86-ACC3-780431FB8E4D}" type="slidenum">
+              <a:rPr lang="zh-CN" altLang="en-US" smtClean="0"/>
+            </a:fld>
+            <a:endParaRPr lang="zh-CN" altLang="en-US"/>
+          </a:p>
+        </p:txBody>
+      </p:sp>
+    </p:spTree>
+  </p:cSld>
+  <p:clrMapOvr>
+    <a:masterClrMapping/>
+  </p:clrMapOvr>
+</p:notes>
+</file>
+
+<file path=ppt/notesSlides/notesSlide19.xml><?xml version="1.0" encoding="utf-8"?>
+<p:notes xmlns:a="http://schemas.openxmlformats.org/drawingml/2006/main" xmlns:r="http://schemas.openxmlformats.org/officeDocument/2006/relationships" xmlns:p="http://schemas.openxmlformats.org/presentationml/2006/main">
+  <p:cSld>
+    <p:spTree>
+      <p:nvGrpSpPr>
+        <p:cNvPr id="1" name=""/>
+        <p:cNvGrpSpPr/>
+        <p:nvPr/>
+      </p:nvGrpSpPr>
+      <p:grpSpPr>
+        <a:xfrm>
+          <a:off x="0" y="0"/>
+          <a:ext cx="0" cy="0"/>
+          <a:chOff x="0" y="0"/>
+          <a:chExt cx="0" cy="0"/>
+        </a:xfrm>
+      </p:grpSpPr>
+      <p:sp>
+        <p:nvSpPr>
+          <p:cNvPr id="2" name="幻灯片图像占位符 1"/>
+          <p:cNvSpPr>
+            <a:spLocks noGrp="1" noRot="1" noChangeAspect="1"/>
+          </p:cNvSpPr>
+          <p:nvPr>
+            <p:ph type="sldImg"/>
+          </p:nvPr>
+        </p:nvSpPr>
+        <p:spPr>
+          <a:xfrm>
+            <a:off x="1371600" y="1143000"/>
+            <a:ext cx="4114800" cy="3086100"/>
+          </a:xfrm>
+        </p:spPr>
+      </p:sp>
+      <p:sp>
+        <p:nvSpPr>
+          <p:cNvPr id="3" name="备注占位符 2"/>
+          <p:cNvSpPr>
+            <a:spLocks noGrp="1"/>
+          </p:cNvSpPr>
+          <p:nvPr>
+            <p:ph type="body" idx="1"/>
+          </p:nvPr>
+        </p:nvSpPr>
+        <p:spPr/>
+        <p:txBody>
+          <a:bodyPr/>
+          <a:lstStyle/>
+          <a:p>
+            <a:endParaRPr lang="zh-CN" altLang="en-US"/>
+          </a:p>
+        </p:txBody>
+      </p:sp>
+      <p:sp>
+        <p:nvSpPr>
+          <p:cNvPr id="4" name="灯片编号占位符 3"/>
+          <p:cNvSpPr>
+            <a:spLocks noGrp="1"/>
+          </p:cNvSpPr>
+          <p:nvPr>
+            <p:ph type="sldNum" sz="quarter" idx="10"/>
+          </p:nvPr>
+        </p:nvSpPr>
+        <p:spPr/>
+        <p:txBody>
+          <a:bodyPr/>
+          <a:lstStyle/>
+          <a:p>
+            <a:fld id="{2ED26FC3-015A-4F86-ACC3-780431FB8E4D}" type="slidenum">
+              <a:rPr lang="zh-CN" altLang="en-US" smtClean="0"/>
+            </a:fld>
+            <a:endParaRPr lang="zh-CN" altLang="en-US"/>
+          </a:p>
+        </p:txBody>
+      </p:sp>
+    </p:spTree>
+  </p:cSld>
+  <p:clrMapOvr>
+    <a:masterClrMapping/>
+  </p:clrMapOvr>
+</p:notes>
+</file>
+
 <file path=ppt/notesSlides/notesSlide2.xml><?xml version="1.0" encoding="utf-8"?>
 <p:notes xmlns:a="http://schemas.openxmlformats.org/drawingml/2006/main" xmlns:r="http://schemas.openxmlformats.org/officeDocument/2006/relationships" xmlns:p="http://schemas.openxmlformats.org/presentationml/2006/main">
   <p:cSld>
@@ -1213,6 +1893,682 @@
           <a:lstStyle/>
           <a:p>
             <a:fld id="{7EFA0844-A843-4A1A-89C6-D8ADF0E3DC4C}" type="slidenum">
+              <a:rPr lang="zh-CN" altLang="en-US" smtClean="0"/>
+            </a:fld>
+            <a:endParaRPr lang="zh-CN" altLang="en-US"/>
+          </a:p>
+        </p:txBody>
+      </p:sp>
+    </p:spTree>
+  </p:cSld>
+  <p:clrMapOvr>
+    <a:masterClrMapping/>
+  </p:clrMapOvr>
+</p:notes>
+</file>
+
+<file path=ppt/notesSlides/notesSlide20.xml><?xml version="1.0" encoding="utf-8"?>
+<p:notes xmlns:a="http://schemas.openxmlformats.org/drawingml/2006/main" xmlns:r="http://schemas.openxmlformats.org/officeDocument/2006/relationships" xmlns:p="http://schemas.openxmlformats.org/presentationml/2006/main">
+  <p:cSld>
+    <p:spTree>
+      <p:nvGrpSpPr>
+        <p:cNvPr id="1" name=""/>
+        <p:cNvGrpSpPr/>
+        <p:nvPr/>
+      </p:nvGrpSpPr>
+      <p:grpSpPr>
+        <a:xfrm>
+          <a:off x="0" y="0"/>
+          <a:ext cx="0" cy="0"/>
+          <a:chOff x="0" y="0"/>
+          <a:chExt cx="0" cy="0"/>
+        </a:xfrm>
+      </p:grpSpPr>
+      <p:sp>
+        <p:nvSpPr>
+          <p:cNvPr id="2" name="幻灯片图像占位符 1"/>
+          <p:cNvSpPr>
+            <a:spLocks noGrp="1" noRot="1" noChangeAspect="1"/>
+          </p:cNvSpPr>
+          <p:nvPr>
+            <p:ph type="sldImg"/>
+          </p:nvPr>
+        </p:nvSpPr>
+        <p:spPr>
+          <a:xfrm>
+            <a:off x="1371600" y="1143000"/>
+            <a:ext cx="4114800" cy="3086100"/>
+          </a:xfrm>
+        </p:spPr>
+      </p:sp>
+      <p:sp>
+        <p:nvSpPr>
+          <p:cNvPr id="3" name="备注占位符 2"/>
+          <p:cNvSpPr>
+            <a:spLocks noGrp="1"/>
+          </p:cNvSpPr>
+          <p:nvPr>
+            <p:ph type="body" idx="1"/>
+          </p:nvPr>
+        </p:nvSpPr>
+        <p:spPr/>
+        <p:txBody>
+          <a:bodyPr/>
+          <a:lstStyle/>
+          <a:p>
+            <a:endParaRPr lang="zh-CN" altLang="en-US"/>
+          </a:p>
+        </p:txBody>
+      </p:sp>
+      <p:sp>
+        <p:nvSpPr>
+          <p:cNvPr id="4" name="灯片编号占位符 3"/>
+          <p:cNvSpPr>
+            <a:spLocks noGrp="1"/>
+          </p:cNvSpPr>
+          <p:nvPr>
+            <p:ph type="sldNum" sz="quarter" idx="10"/>
+          </p:nvPr>
+        </p:nvSpPr>
+        <p:spPr/>
+        <p:txBody>
+          <a:bodyPr/>
+          <a:lstStyle/>
+          <a:p>
+            <a:fld id="{2ED26FC3-015A-4F86-ACC3-780431FB8E4D}" type="slidenum">
+              <a:rPr lang="zh-CN" altLang="en-US" smtClean="0"/>
+            </a:fld>
+            <a:endParaRPr lang="zh-CN" altLang="en-US"/>
+          </a:p>
+        </p:txBody>
+      </p:sp>
+    </p:spTree>
+  </p:cSld>
+  <p:clrMapOvr>
+    <a:masterClrMapping/>
+  </p:clrMapOvr>
+</p:notes>
+</file>
+
+<file path=ppt/notesSlides/notesSlide21.xml><?xml version="1.0" encoding="utf-8"?>
+<p:notes xmlns:a="http://schemas.openxmlformats.org/drawingml/2006/main" xmlns:r="http://schemas.openxmlformats.org/officeDocument/2006/relationships" xmlns:p="http://schemas.openxmlformats.org/presentationml/2006/main">
+  <p:cSld>
+    <p:spTree>
+      <p:nvGrpSpPr>
+        <p:cNvPr id="1" name=""/>
+        <p:cNvGrpSpPr/>
+        <p:nvPr/>
+      </p:nvGrpSpPr>
+      <p:grpSpPr>
+        <a:xfrm>
+          <a:off x="0" y="0"/>
+          <a:ext cx="0" cy="0"/>
+          <a:chOff x="0" y="0"/>
+          <a:chExt cx="0" cy="0"/>
+        </a:xfrm>
+      </p:grpSpPr>
+      <p:sp>
+        <p:nvSpPr>
+          <p:cNvPr id="2" name="幻灯片图像占位符 1"/>
+          <p:cNvSpPr>
+            <a:spLocks noGrp="1" noRot="1" noChangeAspect="1"/>
+          </p:cNvSpPr>
+          <p:nvPr>
+            <p:ph type="sldImg"/>
+          </p:nvPr>
+        </p:nvSpPr>
+        <p:spPr>
+          <a:xfrm>
+            <a:off x="1371600" y="1143000"/>
+            <a:ext cx="4114800" cy="3086100"/>
+          </a:xfrm>
+        </p:spPr>
+      </p:sp>
+      <p:sp>
+        <p:nvSpPr>
+          <p:cNvPr id="3" name="备注占位符 2"/>
+          <p:cNvSpPr>
+            <a:spLocks noGrp="1"/>
+          </p:cNvSpPr>
+          <p:nvPr>
+            <p:ph type="body" idx="1"/>
+          </p:nvPr>
+        </p:nvSpPr>
+        <p:spPr/>
+        <p:txBody>
+          <a:bodyPr/>
+          <a:lstStyle/>
+          <a:p>
+            <a:endParaRPr lang="zh-CN" altLang="en-US"/>
+          </a:p>
+        </p:txBody>
+      </p:sp>
+      <p:sp>
+        <p:nvSpPr>
+          <p:cNvPr id="4" name="灯片编号占位符 3"/>
+          <p:cNvSpPr>
+            <a:spLocks noGrp="1"/>
+          </p:cNvSpPr>
+          <p:nvPr>
+            <p:ph type="sldNum" sz="quarter" idx="10"/>
+          </p:nvPr>
+        </p:nvSpPr>
+        <p:spPr/>
+        <p:txBody>
+          <a:bodyPr/>
+          <a:lstStyle/>
+          <a:p>
+            <a:fld id="{2ED26FC3-015A-4F86-ACC3-780431FB8E4D}" type="slidenum">
+              <a:rPr lang="zh-CN" altLang="en-US" smtClean="0"/>
+            </a:fld>
+            <a:endParaRPr lang="zh-CN" altLang="en-US"/>
+          </a:p>
+        </p:txBody>
+      </p:sp>
+    </p:spTree>
+  </p:cSld>
+  <p:clrMapOvr>
+    <a:masterClrMapping/>
+  </p:clrMapOvr>
+</p:notes>
+</file>
+
+<file path=ppt/notesSlides/notesSlide22.xml><?xml version="1.0" encoding="utf-8"?>
+<p:notes xmlns:a="http://schemas.openxmlformats.org/drawingml/2006/main" xmlns:r="http://schemas.openxmlformats.org/officeDocument/2006/relationships" xmlns:p="http://schemas.openxmlformats.org/presentationml/2006/main">
+  <p:cSld>
+    <p:spTree>
+      <p:nvGrpSpPr>
+        <p:cNvPr id="1" name=""/>
+        <p:cNvGrpSpPr/>
+        <p:nvPr/>
+      </p:nvGrpSpPr>
+      <p:grpSpPr>
+        <a:xfrm>
+          <a:off x="0" y="0"/>
+          <a:ext cx="0" cy="0"/>
+          <a:chOff x="0" y="0"/>
+          <a:chExt cx="0" cy="0"/>
+        </a:xfrm>
+      </p:grpSpPr>
+      <p:sp>
+        <p:nvSpPr>
+          <p:cNvPr id="2" name="幻灯片图像占位符 1"/>
+          <p:cNvSpPr>
+            <a:spLocks noGrp="1" noRot="1" noChangeAspect="1"/>
+          </p:cNvSpPr>
+          <p:nvPr>
+            <p:ph type="sldImg"/>
+          </p:nvPr>
+        </p:nvSpPr>
+        <p:spPr>
+          <a:xfrm>
+            <a:off x="1371600" y="1143000"/>
+            <a:ext cx="4114800" cy="3086100"/>
+          </a:xfrm>
+        </p:spPr>
+      </p:sp>
+      <p:sp>
+        <p:nvSpPr>
+          <p:cNvPr id="3" name="备注占位符 2"/>
+          <p:cNvSpPr>
+            <a:spLocks noGrp="1"/>
+          </p:cNvSpPr>
+          <p:nvPr>
+            <p:ph type="body" idx="1"/>
+          </p:nvPr>
+        </p:nvSpPr>
+        <p:spPr/>
+        <p:txBody>
+          <a:bodyPr/>
+          <a:lstStyle/>
+          <a:p>
+            <a:endParaRPr lang="zh-CN" altLang="en-US"/>
+          </a:p>
+        </p:txBody>
+      </p:sp>
+      <p:sp>
+        <p:nvSpPr>
+          <p:cNvPr id="4" name="灯片编号占位符 3"/>
+          <p:cNvSpPr>
+            <a:spLocks noGrp="1"/>
+          </p:cNvSpPr>
+          <p:nvPr>
+            <p:ph type="sldNum" sz="quarter" idx="10"/>
+          </p:nvPr>
+        </p:nvSpPr>
+        <p:spPr/>
+        <p:txBody>
+          <a:bodyPr/>
+          <a:lstStyle/>
+          <a:p>
+            <a:fld id="{2ED26FC3-015A-4F86-ACC3-780431FB8E4D}" type="slidenum">
+              <a:rPr lang="zh-CN" altLang="en-US" smtClean="0"/>
+            </a:fld>
+            <a:endParaRPr lang="zh-CN" altLang="en-US"/>
+          </a:p>
+        </p:txBody>
+      </p:sp>
+    </p:spTree>
+  </p:cSld>
+  <p:clrMapOvr>
+    <a:masterClrMapping/>
+  </p:clrMapOvr>
+</p:notes>
+</file>
+
+<file path=ppt/notesSlides/notesSlide23.xml><?xml version="1.0" encoding="utf-8"?>
+<p:notes xmlns:a="http://schemas.openxmlformats.org/drawingml/2006/main" xmlns:r="http://schemas.openxmlformats.org/officeDocument/2006/relationships" xmlns:p="http://schemas.openxmlformats.org/presentationml/2006/main">
+  <p:cSld>
+    <p:spTree>
+      <p:nvGrpSpPr>
+        <p:cNvPr id="1" name=""/>
+        <p:cNvGrpSpPr/>
+        <p:nvPr/>
+      </p:nvGrpSpPr>
+      <p:grpSpPr>
+        <a:xfrm>
+          <a:off x="0" y="0"/>
+          <a:ext cx="0" cy="0"/>
+          <a:chOff x="0" y="0"/>
+          <a:chExt cx="0" cy="0"/>
+        </a:xfrm>
+      </p:grpSpPr>
+      <p:sp>
+        <p:nvSpPr>
+          <p:cNvPr id="2" name="幻灯片图像占位符 1"/>
+          <p:cNvSpPr>
+            <a:spLocks noGrp="1" noRot="1" noChangeAspect="1"/>
+          </p:cNvSpPr>
+          <p:nvPr>
+            <p:ph type="sldImg"/>
+          </p:nvPr>
+        </p:nvSpPr>
+        <p:spPr>
+          <a:xfrm>
+            <a:off x="1371600" y="1143000"/>
+            <a:ext cx="4114800" cy="3086100"/>
+          </a:xfrm>
+        </p:spPr>
+      </p:sp>
+      <p:sp>
+        <p:nvSpPr>
+          <p:cNvPr id="3" name="备注占位符 2"/>
+          <p:cNvSpPr>
+            <a:spLocks noGrp="1"/>
+          </p:cNvSpPr>
+          <p:nvPr>
+            <p:ph type="body" idx="1"/>
+          </p:nvPr>
+        </p:nvSpPr>
+        <p:spPr/>
+        <p:txBody>
+          <a:bodyPr/>
+          <a:lstStyle/>
+          <a:p>
+            <a:endParaRPr lang="zh-CN" altLang="en-US"/>
+          </a:p>
+        </p:txBody>
+      </p:sp>
+      <p:sp>
+        <p:nvSpPr>
+          <p:cNvPr id="4" name="灯片编号占位符 3"/>
+          <p:cNvSpPr>
+            <a:spLocks noGrp="1"/>
+          </p:cNvSpPr>
+          <p:nvPr>
+            <p:ph type="sldNum" sz="quarter" idx="10"/>
+          </p:nvPr>
+        </p:nvSpPr>
+        <p:spPr/>
+        <p:txBody>
+          <a:bodyPr/>
+          <a:lstStyle/>
+          <a:p>
+            <a:fld id="{2ED26FC3-015A-4F86-ACC3-780431FB8E4D}" type="slidenum">
+              <a:rPr lang="zh-CN" altLang="en-US" smtClean="0"/>
+            </a:fld>
+            <a:endParaRPr lang="zh-CN" altLang="en-US"/>
+          </a:p>
+        </p:txBody>
+      </p:sp>
+    </p:spTree>
+  </p:cSld>
+  <p:clrMapOvr>
+    <a:masterClrMapping/>
+  </p:clrMapOvr>
+</p:notes>
+</file>
+
+<file path=ppt/notesSlides/notesSlide24.xml><?xml version="1.0" encoding="utf-8"?>
+<p:notes xmlns:a="http://schemas.openxmlformats.org/drawingml/2006/main" xmlns:r="http://schemas.openxmlformats.org/officeDocument/2006/relationships" xmlns:p="http://schemas.openxmlformats.org/presentationml/2006/main">
+  <p:cSld>
+    <p:spTree>
+      <p:nvGrpSpPr>
+        <p:cNvPr id="1" name=""/>
+        <p:cNvGrpSpPr/>
+        <p:nvPr/>
+      </p:nvGrpSpPr>
+      <p:grpSpPr>
+        <a:xfrm>
+          <a:off x="0" y="0"/>
+          <a:ext cx="0" cy="0"/>
+          <a:chOff x="0" y="0"/>
+          <a:chExt cx="0" cy="0"/>
+        </a:xfrm>
+      </p:grpSpPr>
+      <p:sp>
+        <p:nvSpPr>
+          <p:cNvPr id="2" name="幻灯片图像占位符 1"/>
+          <p:cNvSpPr>
+            <a:spLocks noGrp="1" noRot="1" noChangeAspect="1"/>
+          </p:cNvSpPr>
+          <p:nvPr>
+            <p:ph type="sldImg"/>
+          </p:nvPr>
+        </p:nvSpPr>
+        <p:spPr>
+          <a:xfrm>
+            <a:off x="1371600" y="1143000"/>
+            <a:ext cx="4114800" cy="3086100"/>
+          </a:xfrm>
+        </p:spPr>
+      </p:sp>
+      <p:sp>
+        <p:nvSpPr>
+          <p:cNvPr id="3" name="备注占位符 2"/>
+          <p:cNvSpPr>
+            <a:spLocks noGrp="1"/>
+          </p:cNvSpPr>
+          <p:nvPr>
+            <p:ph type="body" idx="1"/>
+          </p:nvPr>
+        </p:nvSpPr>
+        <p:spPr/>
+        <p:txBody>
+          <a:bodyPr/>
+          <a:lstStyle/>
+          <a:p>
+            <a:endParaRPr lang="zh-CN" altLang="en-US"/>
+          </a:p>
+        </p:txBody>
+      </p:sp>
+      <p:sp>
+        <p:nvSpPr>
+          <p:cNvPr id="4" name="灯片编号占位符 3"/>
+          <p:cNvSpPr>
+            <a:spLocks noGrp="1"/>
+          </p:cNvSpPr>
+          <p:nvPr>
+            <p:ph type="sldNum" sz="quarter" idx="10"/>
+          </p:nvPr>
+        </p:nvSpPr>
+        <p:spPr/>
+        <p:txBody>
+          <a:bodyPr/>
+          <a:lstStyle/>
+          <a:p>
+            <a:fld id="{2ED26FC3-015A-4F86-ACC3-780431FB8E4D}" type="slidenum">
+              <a:rPr lang="zh-CN" altLang="en-US" smtClean="0"/>
+            </a:fld>
+            <a:endParaRPr lang="zh-CN" altLang="en-US"/>
+          </a:p>
+        </p:txBody>
+      </p:sp>
+    </p:spTree>
+  </p:cSld>
+  <p:clrMapOvr>
+    <a:masterClrMapping/>
+  </p:clrMapOvr>
+</p:notes>
+</file>
+
+<file path=ppt/notesSlides/notesSlide25.xml><?xml version="1.0" encoding="utf-8"?>
+<p:notes xmlns:a="http://schemas.openxmlformats.org/drawingml/2006/main" xmlns:r="http://schemas.openxmlformats.org/officeDocument/2006/relationships" xmlns:p="http://schemas.openxmlformats.org/presentationml/2006/main">
+  <p:cSld>
+    <p:spTree>
+      <p:nvGrpSpPr>
+        <p:cNvPr id="1" name=""/>
+        <p:cNvGrpSpPr/>
+        <p:nvPr/>
+      </p:nvGrpSpPr>
+      <p:grpSpPr>
+        <a:xfrm>
+          <a:off x="0" y="0"/>
+          <a:ext cx="0" cy="0"/>
+          <a:chOff x="0" y="0"/>
+          <a:chExt cx="0" cy="0"/>
+        </a:xfrm>
+      </p:grpSpPr>
+      <p:sp>
+        <p:nvSpPr>
+          <p:cNvPr id="2" name="幻灯片图像占位符 1"/>
+          <p:cNvSpPr>
+            <a:spLocks noGrp="1" noRot="1" noChangeAspect="1"/>
+          </p:cNvSpPr>
+          <p:nvPr>
+            <p:ph type="sldImg"/>
+          </p:nvPr>
+        </p:nvSpPr>
+        <p:spPr>
+          <a:xfrm>
+            <a:off x="1371600" y="1143000"/>
+            <a:ext cx="4114800" cy="3086100"/>
+          </a:xfrm>
+        </p:spPr>
+      </p:sp>
+      <p:sp>
+        <p:nvSpPr>
+          <p:cNvPr id="3" name="备注占位符 2"/>
+          <p:cNvSpPr>
+            <a:spLocks noGrp="1"/>
+          </p:cNvSpPr>
+          <p:nvPr>
+            <p:ph type="body" idx="1"/>
+          </p:nvPr>
+        </p:nvSpPr>
+        <p:spPr/>
+        <p:txBody>
+          <a:bodyPr/>
+          <a:lstStyle/>
+          <a:p>
+            <a:r>
+              <a:rPr lang="zh-CN" altLang="en-US"/>
+              <a:t>https://blog.csdn.net/xiangxianghehe/article/details/77170585</a:t>
+            </a:r>
+            <a:endParaRPr lang="zh-CN" altLang="en-US"/>
+          </a:p>
+        </p:txBody>
+      </p:sp>
+      <p:sp>
+        <p:nvSpPr>
+          <p:cNvPr id="4" name="灯片编号占位符 3"/>
+          <p:cNvSpPr>
+            <a:spLocks noGrp="1"/>
+          </p:cNvSpPr>
+          <p:nvPr>
+            <p:ph type="sldNum" sz="quarter" idx="10"/>
+          </p:nvPr>
+        </p:nvSpPr>
+        <p:spPr/>
+        <p:txBody>
+          <a:bodyPr/>
+          <a:lstStyle/>
+          <a:p>
+            <a:fld id="{2ED26FC3-015A-4F86-ACC3-780431FB8E4D}" type="slidenum">
+              <a:rPr lang="zh-CN" altLang="en-US" smtClean="0"/>
+            </a:fld>
+            <a:endParaRPr lang="zh-CN" altLang="en-US"/>
+          </a:p>
+        </p:txBody>
+      </p:sp>
+    </p:spTree>
+  </p:cSld>
+  <p:clrMapOvr>
+    <a:masterClrMapping/>
+  </p:clrMapOvr>
+</p:notes>
+</file>
+
+<file path=ppt/notesSlides/notesSlide26.xml><?xml version="1.0" encoding="utf-8"?>
+<p:notes xmlns:a="http://schemas.openxmlformats.org/drawingml/2006/main" xmlns:r="http://schemas.openxmlformats.org/officeDocument/2006/relationships" xmlns:p="http://schemas.openxmlformats.org/presentationml/2006/main">
+  <p:cSld>
+    <p:spTree>
+      <p:nvGrpSpPr>
+        <p:cNvPr id="1" name=""/>
+        <p:cNvGrpSpPr/>
+        <p:nvPr/>
+      </p:nvGrpSpPr>
+      <p:grpSpPr>
+        <a:xfrm>
+          <a:off x="0" y="0"/>
+          <a:ext cx="0" cy="0"/>
+          <a:chOff x="0" y="0"/>
+          <a:chExt cx="0" cy="0"/>
+        </a:xfrm>
+      </p:grpSpPr>
+      <p:sp>
+        <p:nvSpPr>
+          <p:cNvPr id="2" name="幻灯片图像占位符 1"/>
+          <p:cNvSpPr>
+            <a:spLocks noGrp="1" noRot="1" noChangeAspect="1"/>
+          </p:cNvSpPr>
+          <p:nvPr>
+            <p:ph type="sldImg"/>
+          </p:nvPr>
+        </p:nvSpPr>
+        <p:spPr>
+          <a:xfrm>
+            <a:off x="1371600" y="1143000"/>
+            <a:ext cx="4114800" cy="3086100"/>
+          </a:xfrm>
+        </p:spPr>
+      </p:sp>
+      <p:sp>
+        <p:nvSpPr>
+          <p:cNvPr id="3" name="备注占位符 2"/>
+          <p:cNvSpPr>
+            <a:spLocks noGrp="1"/>
+          </p:cNvSpPr>
+          <p:nvPr>
+            <p:ph type="body" idx="1"/>
+          </p:nvPr>
+        </p:nvSpPr>
+        <p:spPr/>
+        <p:txBody>
+          <a:bodyPr/>
+          <a:lstStyle/>
+          <a:p>
+            <a:r>
+              <a:rPr lang="zh-CN" altLang="en-US"/>
+              <a:t>https://blog.csdn.net/xiangxianghehe/article/details/77170585</a:t>
+            </a:r>
+            <a:endParaRPr lang="zh-CN" altLang="en-US"/>
+          </a:p>
+        </p:txBody>
+      </p:sp>
+      <p:sp>
+        <p:nvSpPr>
+          <p:cNvPr id="4" name="灯片编号占位符 3"/>
+          <p:cNvSpPr>
+            <a:spLocks noGrp="1"/>
+          </p:cNvSpPr>
+          <p:nvPr>
+            <p:ph type="sldNum" sz="quarter" idx="10"/>
+          </p:nvPr>
+        </p:nvSpPr>
+        <p:spPr/>
+        <p:txBody>
+          <a:bodyPr/>
+          <a:lstStyle/>
+          <a:p>
+            <a:fld id="{2ED26FC3-015A-4F86-ACC3-780431FB8E4D}" type="slidenum">
+              <a:rPr lang="zh-CN" altLang="en-US" smtClean="0"/>
+            </a:fld>
+            <a:endParaRPr lang="zh-CN" altLang="en-US"/>
+          </a:p>
+        </p:txBody>
+      </p:sp>
+    </p:spTree>
+  </p:cSld>
+  <p:clrMapOvr>
+    <a:masterClrMapping/>
+  </p:clrMapOvr>
+</p:notes>
+</file>
+
+<file path=ppt/notesSlides/notesSlide27.xml><?xml version="1.0" encoding="utf-8"?>
+<p:notes xmlns:a="http://schemas.openxmlformats.org/drawingml/2006/main" xmlns:r="http://schemas.openxmlformats.org/officeDocument/2006/relationships" xmlns:p="http://schemas.openxmlformats.org/presentationml/2006/main">
+  <p:cSld>
+    <p:spTree>
+      <p:nvGrpSpPr>
+        <p:cNvPr id="1" name=""/>
+        <p:cNvGrpSpPr/>
+        <p:nvPr/>
+      </p:nvGrpSpPr>
+      <p:grpSpPr>
+        <a:xfrm>
+          <a:off x="0" y="0"/>
+          <a:ext cx="0" cy="0"/>
+          <a:chOff x="0" y="0"/>
+          <a:chExt cx="0" cy="0"/>
+        </a:xfrm>
+      </p:grpSpPr>
+      <p:sp>
+        <p:nvSpPr>
+          <p:cNvPr id="2" name="幻灯片图像占位符 1"/>
+          <p:cNvSpPr>
+            <a:spLocks noGrp="1" noRot="1" noChangeAspect="1"/>
+          </p:cNvSpPr>
+          <p:nvPr>
+            <p:ph type="sldImg"/>
+          </p:nvPr>
+        </p:nvSpPr>
+        <p:spPr>
+          <a:xfrm>
+            <a:off x="1371600" y="1143000"/>
+            <a:ext cx="4114800" cy="3086100"/>
+          </a:xfrm>
+        </p:spPr>
+      </p:sp>
+      <p:sp>
+        <p:nvSpPr>
+          <p:cNvPr id="3" name="备注占位符 2"/>
+          <p:cNvSpPr>
+            <a:spLocks noGrp="1"/>
+          </p:cNvSpPr>
+          <p:nvPr>
+            <p:ph type="body" idx="1"/>
+          </p:nvPr>
+        </p:nvSpPr>
+        <p:spPr/>
+        <p:txBody>
+          <a:bodyPr/>
+          <a:lstStyle/>
+          <a:p>
+            <a:r>
+              <a:rPr lang="zh-CN" altLang="en-US"/>
+              <a:t>https://blog.csdn.net/xiangxianghehe/article/details/77170585</a:t>
+            </a:r>
+            <a:endParaRPr lang="zh-CN" altLang="en-US"/>
+          </a:p>
+        </p:txBody>
+      </p:sp>
+      <p:sp>
+        <p:nvSpPr>
+          <p:cNvPr id="4" name="灯片编号占位符 3"/>
+          <p:cNvSpPr>
+            <a:spLocks noGrp="1"/>
+          </p:cNvSpPr>
+          <p:nvPr>
+            <p:ph type="sldNum" sz="quarter" idx="10"/>
+          </p:nvPr>
+        </p:nvSpPr>
+        <p:spPr/>
+        <p:txBody>
+          <a:bodyPr/>
+          <a:lstStyle/>
+          <a:p>
+            <a:fld id="{2ED26FC3-015A-4F86-ACC3-780431FB8E4D}" type="slidenum">
               <a:rPr lang="zh-CN" altLang="en-US" smtClean="0"/>
             </a:fld>
             <a:endParaRPr lang="zh-CN" altLang="en-US"/>
@@ -9726,7 +11082,7 @@
         <p:spPr>
           <a:xfrm>
             <a:off x="571500" y="2033905"/>
-            <a:ext cx="8050530" cy="2676525"/>
+            <a:ext cx="8050530" cy="2953385"/>
           </a:xfrm>
           <a:prstGeom prst="rect">
             <a:avLst/>
@@ -9758,12 +11114,21 @@
             <a:r>
               <a:rPr lang="zh-CN" altLang="en-US">
                 <a:solidFill>
-                  <a:schemeClr val="tx1"/>
+                  <a:srgbClr val="0070C0"/>
                 </a:solidFill>
                 <a:sym typeface="+mn-ea"/>
               </a:rPr>
               <a:t>reduce</a:t>
             </a:r>
+            <a:endParaRPr lang="zh-CN" altLang="en-US">
+              <a:solidFill>
+                <a:srgbClr val="0070C0"/>
+              </a:solidFill>
+              <a:sym typeface="+mn-ea"/>
+            </a:endParaRPr>
+          </a:p>
+          <a:p>
+            <a:pPr algn="ctr"/>
             <a:endParaRPr lang="zh-CN" altLang="en-US">
               <a:solidFill>
                 <a:schemeClr val="tx1"/>
@@ -9772,7 +11137,7 @@
             </a:endParaRPr>
           </a:p>
           <a:p>
-            <a:pPr algn="l"/>
+            <a:pPr indent="457200" algn="l" eaLnBrk="1" latinLnBrk="0" hangingPunct="1"/>
             <a:r>
               <a:rPr lang="zh-CN" altLang="en-US">
                 <a:solidFill>
@@ -9790,16 +11155,7 @@
             </a:endParaRPr>
           </a:p>
           <a:p>
-            <a:pPr algn="ctr"/>
-            <a:r>
-              <a:rPr lang="zh-CN" altLang="en-US">
-                <a:solidFill>
-                  <a:schemeClr val="tx1"/>
-                </a:solidFill>
-                <a:sym typeface="+mn-ea"/>
-              </a:rPr>
-              <a:t>reduce(f, [x1, x2, x3, x4]) = f(f(f(x1, x2), x3), x4)</a:t>
-            </a:r>
+            <a:pPr indent="457200" algn="l" eaLnBrk="1" latinLnBrk="0" hangingPunct="1"/>
             <a:endParaRPr lang="zh-CN" altLang="en-US">
               <a:solidFill>
                 <a:schemeClr val="tx1"/>
@@ -9808,7 +11164,3061 @@
             </a:endParaRPr>
           </a:p>
           <a:p>
+            <a:pPr algn="ctr"/>
+            <a:r>
+              <a:rPr lang="zh-CN" altLang="en-US" sz="1800">
+                <a:solidFill>
+                  <a:schemeClr val="tx1"/>
+                </a:solidFill>
+                <a:latin typeface="Source Code Pro" panose="020B0509030403020204" charset="0"/>
+                <a:cs typeface="Source Code Pro" panose="020B0509030403020204" charset="0"/>
+                <a:sym typeface="+mn-ea"/>
+              </a:rPr>
+              <a:t>reduce(f, [x1, x2, x3, x4]) = f(f(f(x1, x2), x3), x4)</a:t>
+            </a:r>
+            <a:endParaRPr lang="zh-CN" altLang="en-US" sz="1800">
+              <a:solidFill>
+                <a:schemeClr val="tx1"/>
+              </a:solidFill>
+              <a:latin typeface="Source Code Pro" panose="020B0509030403020204" charset="0"/>
+              <a:cs typeface="Source Code Pro" panose="020B0509030403020204" charset="0"/>
+              <a:sym typeface="+mn-ea"/>
+            </a:endParaRPr>
+          </a:p>
+        </p:txBody>
+      </p:sp>
+    </p:spTree>
+    <p:custDataLst>
+      <p:tags r:id="rId2"/>
+    </p:custDataLst>
+  </p:cSld>
+  <p:clrMapOvr>
+    <a:masterClrMapping/>
+  </p:clrMapOvr>
+</p:sld>
+</file>
+
+<file path=ppt/slides/slide12.xml><?xml version="1.0" encoding="utf-8"?>
+<p:sld xmlns:a="http://schemas.openxmlformats.org/drawingml/2006/main" xmlns:r="http://schemas.openxmlformats.org/officeDocument/2006/relationships" xmlns:p="http://schemas.openxmlformats.org/presentationml/2006/main">
+  <p:cSld>
+    <p:spTree>
+      <p:nvGrpSpPr>
+        <p:cNvPr id="1" name=""/>
+        <p:cNvGrpSpPr/>
+        <p:nvPr/>
+      </p:nvGrpSpPr>
+      <p:grpSpPr>
+        <a:xfrm>
+          <a:off x="0" y="0"/>
+          <a:ext cx="0" cy="0"/>
+          <a:chOff x="0" y="0"/>
+          <a:chExt cx="0" cy="0"/>
+        </a:xfrm>
+      </p:grpSpPr>
+      <p:sp>
+        <p:nvSpPr>
+          <p:cNvPr id="8" name="标题 1"/>
+          <p:cNvSpPr txBox="1"/>
+          <p:nvPr>
+            <p:custDataLst>
+              <p:tags r:id="rId1"/>
+            </p:custDataLst>
+          </p:nvPr>
+        </p:nvSpPr>
+        <p:spPr>
+          <a:xfrm>
+            <a:off x="571608" y="661194"/>
+            <a:ext cx="7886700" cy="994172"/>
+          </a:xfrm>
+          <a:prstGeom prst="rect">
+            <a:avLst/>
+          </a:prstGeom>
+        </p:spPr>
+        <p:txBody>
+          <a:bodyPr vert="horz" wrap="square" lIns="68580" tIns="34290" rIns="68580" bIns="34290" rtlCol="0" anchor="ctr">
+            <a:normAutofit/>
+          </a:bodyPr>
+          <a:lstStyle>
+            <a:lvl1pPr defTabSz="914400">
+              <a:lnSpc>
+                <a:spcPct val="120000"/>
+              </a:lnSpc>
+              <a:spcBef>
+                <a:spcPct val="0"/>
+              </a:spcBef>
+              <a:buNone/>
+              <a:defRPr sz="3600">
+                <a:solidFill>
+                  <a:schemeClr val="tx1">
+                    <a:lumMod val="75000"/>
+                    <a:lumOff val="25000"/>
+                  </a:schemeClr>
+                </a:solidFill>
+                <a:latin typeface="+mj-lt"/>
+                <a:ea typeface="+mj-ea"/>
+                <a:cs typeface="+mj-cs"/>
+              </a:defRPr>
+            </a:lvl1pPr>
+          </a:lstStyle>
+          <a:p>
+            <a:r>
+              <a:rPr lang="zh-CN" altLang="en-US" dirty="0"/>
+              <a:t>函数式编程</a:t>
+            </a:r>
+            <a:endParaRPr lang="zh-CN" altLang="en-US" dirty="0"/>
+          </a:p>
+        </p:txBody>
+      </p:sp>
+      <p:sp>
+        <p:nvSpPr>
+          <p:cNvPr id="2" name="文本框 1"/>
+          <p:cNvSpPr txBox="1"/>
+          <p:nvPr/>
+        </p:nvSpPr>
+        <p:spPr>
+          <a:xfrm>
+            <a:off x="571500" y="2033905"/>
+            <a:ext cx="8050530" cy="4276725"/>
+          </a:xfrm>
+          <a:prstGeom prst="rect">
+            <a:avLst/>
+          </a:prstGeom>
+          <a:noFill/>
+        </p:spPr>
+        <p:txBody>
+          <a:bodyPr wrap="square" rtlCol="0">
+            <a:spAutoFit/>
+          </a:bodyPr>
+          <a:p>
             <a:pPr algn="l"/>
+            <a:r>
+              <a:rPr lang="zh-CN" altLang="en-US">
+                <a:solidFill>
+                  <a:srgbClr val="0070C0"/>
+                </a:solidFill>
+              </a:rPr>
+              <a:t>filter</a:t>
+            </a:r>
+            <a:endParaRPr lang="zh-CN" altLang="en-US">
+              <a:solidFill>
+                <a:srgbClr val="0070C0"/>
+              </a:solidFill>
+            </a:endParaRPr>
+          </a:p>
+          <a:p>
+            <a:pPr indent="457200" algn="l" eaLnBrk="1" latinLnBrk="0" hangingPunct="1"/>
+            <a:r>
+              <a:rPr lang="zh-CN" altLang="en-US">
+                <a:solidFill>
+                  <a:schemeClr val="tx1"/>
+                </a:solidFill>
+                <a:sym typeface="+mn-ea"/>
+              </a:rPr>
+              <a:t>Python内建的 filter() 函数用于过滤序列。</a:t>
+            </a:r>
+            <a:endParaRPr lang="zh-CN" altLang="en-US">
+              <a:solidFill>
+                <a:schemeClr val="tx1"/>
+              </a:solidFill>
+              <a:sym typeface="+mn-ea"/>
+            </a:endParaRPr>
+          </a:p>
+          <a:p>
+            <a:pPr indent="457200" algn="l" eaLnBrk="1" latinLnBrk="0" hangingPunct="1"/>
+            <a:r>
+              <a:rPr lang="zh-CN" altLang="en-US">
+                <a:solidFill>
+                  <a:schemeClr val="tx1"/>
+                </a:solidFill>
+                <a:sym typeface="+mn-ea"/>
+              </a:rPr>
+              <a:t>和 map() 类似， filter() 也接收一个函数和一个序列。 和 map() 不同的时， filter() 把传入的函数依次作用于每个元素， 然后根据返回值是 True 还是 False 决定保留还是丢弃该元素。</a:t>
+            </a:r>
+            <a:endParaRPr lang="zh-CN" altLang="en-US">
+              <a:solidFill>
+                <a:schemeClr val="tx1"/>
+              </a:solidFill>
+              <a:sym typeface="+mn-ea"/>
+            </a:endParaRPr>
+          </a:p>
+          <a:p>
+            <a:pPr indent="457200" algn="l" eaLnBrk="1" latinLnBrk="0" hangingPunct="1"/>
+            <a:r>
+              <a:rPr lang="zh-CN" altLang="en-US">
+                <a:solidFill>
+                  <a:schemeClr val="tx1"/>
+                </a:solidFill>
+                <a:sym typeface="+mn-ea"/>
+              </a:rPr>
+              <a:t>例如， 在一个list中， 删掉偶数， 只保留奇数， 可以这么写：</a:t>
+            </a:r>
+            <a:endParaRPr lang="zh-CN" altLang="en-US">
+              <a:solidFill>
+                <a:schemeClr val="tx1"/>
+              </a:solidFill>
+              <a:sym typeface="+mn-ea"/>
+            </a:endParaRPr>
+          </a:p>
+          <a:p>
+            <a:pPr algn="l"/>
+            <a:r>
+              <a:rPr lang="zh-CN" altLang="en-US" sz="2000">
+                <a:solidFill>
+                  <a:schemeClr val="tx1"/>
+                </a:solidFill>
+                <a:latin typeface="Source Code Pro" panose="020B0509030403020204" charset="0"/>
+                <a:cs typeface="Source Code Pro" panose="020B0509030403020204" charset="0"/>
+                <a:sym typeface="+mn-ea"/>
+              </a:rPr>
+              <a:t>def is_odd(n):</a:t>
+            </a:r>
+            <a:endParaRPr lang="zh-CN" altLang="en-US" sz="2000">
+              <a:solidFill>
+                <a:schemeClr val="tx1"/>
+              </a:solidFill>
+              <a:latin typeface="Source Code Pro" panose="020B0509030403020204" charset="0"/>
+              <a:cs typeface="Source Code Pro" panose="020B0509030403020204" charset="0"/>
+              <a:sym typeface="+mn-ea"/>
+            </a:endParaRPr>
+          </a:p>
+          <a:p>
+            <a:pPr algn="l"/>
+            <a:r>
+              <a:rPr lang="zh-CN" altLang="en-US" sz="2000">
+                <a:solidFill>
+                  <a:schemeClr val="tx1"/>
+                </a:solidFill>
+                <a:latin typeface="Source Code Pro" panose="020B0509030403020204" charset="0"/>
+                <a:cs typeface="Source Code Pro" panose="020B0509030403020204" charset="0"/>
+                <a:sym typeface="+mn-ea"/>
+              </a:rPr>
+              <a:t>    return n % 2 == 1</a:t>
+            </a:r>
+            <a:endParaRPr lang="zh-CN" altLang="en-US" sz="2000">
+              <a:solidFill>
+                <a:schemeClr val="tx1"/>
+              </a:solidFill>
+              <a:latin typeface="Source Code Pro" panose="020B0509030403020204" charset="0"/>
+              <a:cs typeface="Source Code Pro" panose="020B0509030403020204" charset="0"/>
+              <a:sym typeface="+mn-ea"/>
+            </a:endParaRPr>
+          </a:p>
+          <a:p>
+            <a:pPr algn="l"/>
+            <a:r>
+              <a:rPr lang="zh-CN" altLang="en-US" sz="2000">
+                <a:solidFill>
+                  <a:schemeClr val="tx1"/>
+                </a:solidFill>
+                <a:latin typeface="Source Code Pro" panose="020B0509030403020204" charset="0"/>
+                <a:cs typeface="Source Code Pro" panose="020B0509030403020204" charset="0"/>
+                <a:sym typeface="+mn-ea"/>
+              </a:rPr>
+              <a:t>list(filter(is_odd, [1, 2, 4, 5, 6, 9, 10, 15]))</a:t>
+            </a:r>
+            <a:endParaRPr lang="zh-CN" altLang="en-US" sz="2000">
+              <a:solidFill>
+                <a:schemeClr val="tx1"/>
+              </a:solidFill>
+              <a:latin typeface="Source Code Pro" panose="020B0509030403020204" charset="0"/>
+              <a:cs typeface="Source Code Pro" panose="020B0509030403020204" charset="0"/>
+              <a:sym typeface="+mn-ea"/>
+            </a:endParaRPr>
+          </a:p>
+          <a:p>
+            <a:pPr algn="l"/>
+            <a:r>
+              <a:rPr lang="zh-CN" altLang="en-US" sz="2000">
+                <a:solidFill>
+                  <a:schemeClr val="bg2">
+                    <a:lumMod val="50000"/>
+                  </a:schemeClr>
+                </a:solidFill>
+                <a:latin typeface="Source Code Pro" panose="020B0509030403020204" charset="0"/>
+                <a:cs typeface="Source Code Pro" panose="020B0509030403020204" charset="0"/>
+                <a:sym typeface="+mn-ea"/>
+              </a:rPr>
+              <a:t># 结果: [1, 5, 9, 15]</a:t>
+            </a:r>
+            <a:endParaRPr lang="zh-CN" altLang="en-US" sz="2000">
+              <a:solidFill>
+                <a:schemeClr val="bg2">
+                  <a:lumMod val="50000"/>
+                </a:schemeClr>
+              </a:solidFill>
+              <a:latin typeface="Source Code Pro" panose="020B0509030403020204" charset="0"/>
+              <a:cs typeface="Source Code Pro" panose="020B0509030403020204" charset="0"/>
+              <a:sym typeface="+mn-ea"/>
+            </a:endParaRPr>
+          </a:p>
+        </p:txBody>
+      </p:sp>
+    </p:spTree>
+    <p:custDataLst>
+      <p:tags r:id="rId2"/>
+    </p:custDataLst>
+  </p:cSld>
+  <p:clrMapOvr>
+    <a:masterClrMapping/>
+  </p:clrMapOvr>
+</p:sld>
+</file>
+
+<file path=ppt/slides/slide13.xml><?xml version="1.0" encoding="utf-8"?>
+<p:sld xmlns:a="http://schemas.openxmlformats.org/drawingml/2006/main" xmlns:r="http://schemas.openxmlformats.org/officeDocument/2006/relationships" xmlns:p="http://schemas.openxmlformats.org/presentationml/2006/main">
+  <p:cSld>
+    <p:spTree>
+      <p:nvGrpSpPr>
+        <p:cNvPr id="1" name=""/>
+        <p:cNvGrpSpPr/>
+        <p:nvPr/>
+      </p:nvGrpSpPr>
+      <p:grpSpPr>
+        <a:xfrm>
+          <a:off x="0" y="0"/>
+          <a:ext cx="0" cy="0"/>
+          <a:chOff x="0" y="0"/>
+          <a:chExt cx="0" cy="0"/>
+        </a:xfrm>
+      </p:grpSpPr>
+      <p:sp>
+        <p:nvSpPr>
+          <p:cNvPr id="8" name="标题 1"/>
+          <p:cNvSpPr txBox="1"/>
+          <p:nvPr>
+            <p:custDataLst>
+              <p:tags r:id="rId1"/>
+            </p:custDataLst>
+          </p:nvPr>
+        </p:nvSpPr>
+        <p:spPr>
+          <a:xfrm>
+            <a:off x="571608" y="661194"/>
+            <a:ext cx="7886700" cy="994172"/>
+          </a:xfrm>
+          <a:prstGeom prst="rect">
+            <a:avLst/>
+          </a:prstGeom>
+        </p:spPr>
+        <p:txBody>
+          <a:bodyPr vert="horz" wrap="square" lIns="68580" tIns="34290" rIns="68580" bIns="34290" rtlCol="0" anchor="ctr">
+            <a:normAutofit/>
+          </a:bodyPr>
+          <a:lstStyle>
+            <a:lvl1pPr defTabSz="914400">
+              <a:lnSpc>
+                <a:spcPct val="120000"/>
+              </a:lnSpc>
+              <a:spcBef>
+                <a:spcPct val="0"/>
+              </a:spcBef>
+              <a:buNone/>
+              <a:defRPr sz="3600">
+                <a:solidFill>
+                  <a:schemeClr val="tx1">
+                    <a:lumMod val="75000"/>
+                    <a:lumOff val="25000"/>
+                  </a:schemeClr>
+                </a:solidFill>
+                <a:latin typeface="+mj-lt"/>
+                <a:ea typeface="+mj-ea"/>
+                <a:cs typeface="+mj-cs"/>
+              </a:defRPr>
+            </a:lvl1pPr>
+          </a:lstStyle>
+          <a:p>
+            <a:r>
+              <a:rPr lang="zh-CN" altLang="en-US" dirty="0"/>
+              <a:t>函数式编程</a:t>
+            </a:r>
+            <a:endParaRPr lang="zh-CN" altLang="en-US" dirty="0"/>
+          </a:p>
+        </p:txBody>
+      </p:sp>
+      <p:sp>
+        <p:nvSpPr>
+          <p:cNvPr id="2" name="文本框 1"/>
+          <p:cNvSpPr txBox="1"/>
+          <p:nvPr/>
+        </p:nvSpPr>
+        <p:spPr>
+          <a:xfrm>
+            <a:off x="571500" y="2033905"/>
+            <a:ext cx="8050530" cy="4892675"/>
+          </a:xfrm>
+          <a:prstGeom prst="rect">
+            <a:avLst/>
+          </a:prstGeom>
+          <a:noFill/>
+        </p:spPr>
+        <p:txBody>
+          <a:bodyPr wrap="square" rtlCol="0">
+            <a:spAutoFit/>
+          </a:bodyPr>
+          <a:p>
+            <a:pPr algn="l"/>
+            <a:r>
+              <a:rPr lang="zh-CN" altLang="en-US">
+                <a:solidFill>
+                  <a:srgbClr val="0070C0"/>
+                </a:solidFill>
+              </a:rPr>
+              <a:t>sorted</a:t>
+            </a:r>
+            <a:endParaRPr lang="zh-CN" altLang="en-US">
+              <a:solidFill>
+                <a:srgbClr val="0070C0"/>
+              </a:solidFill>
+            </a:endParaRPr>
+          </a:p>
+          <a:p>
+            <a:pPr indent="457200" algn="l" eaLnBrk="1" latinLnBrk="0" hangingPunct="1"/>
+            <a:r>
+              <a:rPr lang="zh-CN" altLang="en-US">
+                <a:solidFill>
+                  <a:schemeClr val="tx1"/>
+                </a:solidFill>
+                <a:sym typeface="+mn-ea"/>
+              </a:rPr>
+              <a:t>排序也是在程序中经常用到的算法。 无论使用冒泡排序还是快速排序， 排序的核心是比较两个元素的大小。 如果是数字， 我们可以直接比较， 但如果是字符串或者两个dict呢？直接比较数学上的大小是没有意义的， 因此， 比较的过程必须通过函数抽象出来。</a:t>
+            </a:r>
+            <a:endParaRPr lang="zh-CN" altLang="en-US">
+              <a:solidFill>
+                <a:schemeClr val="tx1"/>
+              </a:solidFill>
+              <a:sym typeface="+mn-ea"/>
+            </a:endParaRPr>
+          </a:p>
+          <a:p>
+            <a:pPr indent="457200" algn="l" eaLnBrk="1" latinLnBrk="0" hangingPunct="1"/>
+            <a:r>
+              <a:rPr lang="zh-CN" altLang="en-US">
+                <a:solidFill>
+                  <a:schemeClr val="tx1"/>
+                </a:solidFill>
+                <a:sym typeface="+mn-ea"/>
+              </a:rPr>
+              <a:t>Python内置的 sorted() 函数就可以对list进行排序：</a:t>
+            </a:r>
+            <a:endParaRPr lang="zh-CN" altLang="en-US">
+              <a:solidFill>
+                <a:schemeClr val="tx1"/>
+              </a:solidFill>
+              <a:sym typeface="+mn-ea"/>
+            </a:endParaRPr>
+          </a:p>
+          <a:p>
+            <a:pPr algn="l"/>
+            <a:r>
+              <a:rPr lang="zh-CN" altLang="en-US">
+                <a:solidFill>
+                  <a:srgbClr val="92D050"/>
+                </a:solidFill>
+                <a:sym typeface="+mn-ea"/>
+              </a:rPr>
+              <a:t>&gt;&gt;&gt;</a:t>
+            </a:r>
+            <a:r>
+              <a:rPr lang="zh-CN" altLang="en-US">
+                <a:solidFill>
+                  <a:schemeClr val="tx1"/>
+                </a:solidFill>
+                <a:sym typeface="+mn-ea"/>
+              </a:rPr>
+              <a:t> sorted([36, 5, -12, 9, -21])</a:t>
+            </a:r>
+            <a:endParaRPr lang="zh-CN" altLang="en-US">
+              <a:solidFill>
+                <a:schemeClr val="tx1"/>
+              </a:solidFill>
+              <a:sym typeface="+mn-ea"/>
+            </a:endParaRPr>
+          </a:p>
+          <a:p>
+            <a:pPr algn="l"/>
+            <a:r>
+              <a:rPr lang="zh-CN" altLang="en-US">
+                <a:solidFill>
+                  <a:schemeClr val="tx1"/>
+                </a:solidFill>
+                <a:sym typeface="+mn-ea"/>
+              </a:rPr>
+              <a:t>[-21, -12, 5, 9, 36]</a:t>
+            </a:r>
+            <a:endParaRPr lang="zh-CN" altLang="en-US">
+              <a:solidFill>
+                <a:schemeClr val="tx1"/>
+              </a:solidFill>
+              <a:sym typeface="+mn-ea"/>
+            </a:endParaRPr>
+          </a:p>
+          <a:p>
+            <a:pPr indent="457200" algn="l" eaLnBrk="1" latinLnBrk="0" hangingPunct="1"/>
+            <a:r>
+              <a:rPr lang="zh-CN" altLang="en-US">
+                <a:solidFill>
+                  <a:schemeClr val="tx1"/>
+                </a:solidFill>
+                <a:sym typeface="+mn-ea"/>
+              </a:rPr>
+              <a:t>此外， sorted() 函数也是一个高阶函数， 它还可以接收一个 key 函数来实现自定义的排序， 例如按绝对值排序：</a:t>
+            </a:r>
+            <a:endParaRPr lang="zh-CN" altLang="en-US">
+              <a:solidFill>
+                <a:schemeClr val="tx1"/>
+              </a:solidFill>
+              <a:sym typeface="+mn-ea"/>
+            </a:endParaRPr>
+          </a:p>
+          <a:p>
+            <a:pPr algn="l"/>
+            <a:r>
+              <a:rPr lang="zh-CN" altLang="en-US">
+                <a:solidFill>
+                  <a:srgbClr val="92D050"/>
+                </a:solidFill>
+                <a:sym typeface="+mn-ea"/>
+              </a:rPr>
+              <a:t>&gt;&gt;&gt;</a:t>
+            </a:r>
+            <a:r>
+              <a:rPr lang="zh-CN" altLang="en-US">
+                <a:solidFill>
+                  <a:schemeClr val="tx1"/>
+                </a:solidFill>
+                <a:sym typeface="+mn-ea"/>
+              </a:rPr>
+              <a:t> sorted([36, 5, -12, 9, -21], key=abs)</a:t>
+            </a:r>
+            <a:endParaRPr lang="zh-CN" altLang="en-US">
+              <a:solidFill>
+                <a:schemeClr val="tx1"/>
+              </a:solidFill>
+              <a:sym typeface="+mn-ea"/>
+            </a:endParaRPr>
+          </a:p>
+          <a:p>
+            <a:pPr algn="l"/>
+            <a:r>
+              <a:rPr lang="zh-CN" altLang="en-US">
+                <a:solidFill>
+                  <a:schemeClr val="tx1"/>
+                </a:solidFill>
+                <a:sym typeface="+mn-ea"/>
+              </a:rPr>
+              <a:t>[5, 9, -12, -21, 36]</a:t>
+            </a:r>
+            <a:endParaRPr lang="zh-CN" altLang="en-US">
+              <a:solidFill>
+                <a:schemeClr val="tx1"/>
+              </a:solidFill>
+              <a:sym typeface="+mn-ea"/>
+            </a:endParaRPr>
+          </a:p>
+        </p:txBody>
+      </p:sp>
+    </p:spTree>
+    <p:custDataLst>
+      <p:tags r:id="rId2"/>
+    </p:custDataLst>
+  </p:cSld>
+  <p:clrMapOvr>
+    <a:masterClrMapping/>
+  </p:clrMapOvr>
+</p:sld>
+</file>
+
+<file path=ppt/slides/slide14.xml><?xml version="1.0" encoding="utf-8"?>
+<p:sld xmlns:a="http://schemas.openxmlformats.org/drawingml/2006/main" xmlns:r="http://schemas.openxmlformats.org/officeDocument/2006/relationships" xmlns:p="http://schemas.openxmlformats.org/presentationml/2006/main">
+  <p:cSld>
+    <p:spTree>
+      <p:nvGrpSpPr>
+        <p:cNvPr id="1" name=""/>
+        <p:cNvGrpSpPr/>
+        <p:nvPr/>
+      </p:nvGrpSpPr>
+      <p:grpSpPr>
+        <a:xfrm>
+          <a:off x="0" y="0"/>
+          <a:ext cx="0" cy="0"/>
+          <a:chOff x="0" y="0"/>
+          <a:chExt cx="0" cy="0"/>
+        </a:xfrm>
+      </p:grpSpPr>
+      <p:sp>
+        <p:nvSpPr>
+          <p:cNvPr id="8" name="标题 1"/>
+          <p:cNvSpPr txBox="1"/>
+          <p:nvPr>
+            <p:custDataLst>
+              <p:tags r:id="rId1"/>
+            </p:custDataLst>
+          </p:nvPr>
+        </p:nvSpPr>
+        <p:spPr>
+          <a:xfrm>
+            <a:off x="571608" y="661194"/>
+            <a:ext cx="7886700" cy="994172"/>
+          </a:xfrm>
+          <a:prstGeom prst="rect">
+            <a:avLst/>
+          </a:prstGeom>
+        </p:spPr>
+        <p:txBody>
+          <a:bodyPr vert="horz" wrap="square" lIns="68580" tIns="34290" rIns="68580" bIns="34290" rtlCol="0" anchor="ctr">
+            <a:normAutofit/>
+          </a:bodyPr>
+          <a:lstStyle>
+            <a:lvl1pPr defTabSz="914400">
+              <a:lnSpc>
+                <a:spcPct val="120000"/>
+              </a:lnSpc>
+              <a:spcBef>
+                <a:spcPct val="0"/>
+              </a:spcBef>
+              <a:buNone/>
+              <a:defRPr sz="3600">
+                <a:solidFill>
+                  <a:schemeClr val="tx1">
+                    <a:lumMod val="75000"/>
+                    <a:lumOff val="25000"/>
+                  </a:schemeClr>
+                </a:solidFill>
+                <a:latin typeface="+mj-lt"/>
+                <a:ea typeface="+mj-ea"/>
+                <a:cs typeface="+mj-cs"/>
+              </a:defRPr>
+            </a:lvl1pPr>
+          </a:lstStyle>
+          <a:p>
+            <a:r>
+              <a:rPr lang="zh-CN" altLang="en-US" dirty="0"/>
+              <a:t>函数式编程</a:t>
+            </a:r>
+            <a:endParaRPr lang="zh-CN" altLang="en-US" dirty="0"/>
+          </a:p>
+        </p:txBody>
+      </p:sp>
+      <p:sp>
+        <p:nvSpPr>
+          <p:cNvPr id="2" name="文本框 1"/>
+          <p:cNvSpPr txBox="1"/>
+          <p:nvPr/>
+        </p:nvSpPr>
+        <p:spPr>
+          <a:xfrm>
+            <a:off x="571500" y="2033905"/>
+            <a:ext cx="8050530" cy="4523105"/>
+          </a:xfrm>
+          <a:prstGeom prst="rect">
+            <a:avLst/>
+          </a:prstGeom>
+          <a:noFill/>
+        </p:spPr>
+        <p:txBody>
+          <a:bodyPr wrap="square" rtlCol="0">
+            <a:spAutoFit/>
+          </a:bodyPr>
+          <a:p>
+            <a:pPr algn="l"/>
+            <a:r>
+              <a:rPr lang="zh-CN" altLang="en-US">
+                <a:solidFill>
+                  <a:srgbClr val="0070C0"/>
+                </a:solidFill>
+              </a:rPr>
+              <a:t>返回函数</a:t>
+            </a:r>
+            <a:endParaRPr lang="zh-CN" altLang="en-US">
+              <a:solidFill>
+                <a:srgbClr val="0070C0"/>
+              </a:solidFill>
+            </a:endParaRPr>
+          </a:p>
+          <a:p>
+            <a:pPr indent="457200" algn="l" eaLnBrk="1" latinLnBrk="0" hangingPunct="1"/>
+            <a:r>
+              <a:rPr lang="zh-CN" altLang="en-US">
+                <a:solidFill>
+                  <a:schemeClr val="tx1"/>
+                </a:solidFill>
+                <a:sym typeface="+mn-ea"/>
+              </a:rPr>
+              <a:t>高阶函数除了可以接受函数作为参数外， 还可以把函数作为结果值返回。 如果不需要立刻求和， 而是在后面的代码中， 根据需要再计算怎么办？可以不返回求和的结果， 而是返回求和的函数：</a:t>
+            </a:r>
+            <a:endParaRPr lang="zh-CN" altLang="en-US">
+              <a:solidFill>
+                <a:schemeClr val="tx1"/>
+              </a:solidFill>
+              <a:sym typeface="+mn-ea"/>
+            </a:endParaRPr>
+          </a:p>
+          <a:p>
+            <a:pPr algn="l"/>
+            <a:r>
+              <a:rPr lang="zh-CN" altLang="en-US">
+                <a:solidFill>
+                  <a:schemeClr val="tx1"/>
+                </a:solidFill>
+                <a:latin typeface="Source Code Pro" panose="020B0509030403020204" charset="0"/>
+                <a:cs typeface="Source Code Pro" panose="020B0509030403020204" charset="0"/>
+                <a:sym typeface="+mn-ea"/>
+              </a:rPr>
+              <a:t>def lazy_sum(*args):</a:t>
+            </a:r>
+            <a:endParaRPr lang="zh-CN" altLang="en-US">
+              <a:solidFill>
+                <a:schemeClr val="tx1"/>
+              </a:solidFill>
+              <a:latin typeface="Source Code Pro" panose="020B0509030403020204" charset="0"/>
+              <a:cs typeface="Source Code Pro" panose="020B0509030403020204" charset="0"/>
+              <a:sym typeface="+mn-ea"/>
+            </a:endParaRPr>
+          </a:p>
+          <a:p>
+            <a:pPr algn="l"/>
+            <a:r>
+              <a:rPr lang="zh-CN" altLang="en-US">
+                <a:solidFill>
+                  <a:schemeClr val="tx1"/>
+                </a:solidFill>
+                <a:latin typeface="Source Code Pro" panose="020B0509030403020204" charset="0"/>
+                <a:cs typeface="Source Code Pro" panose="020B0509030403020204" charset="0"/>
+                <a:sym typeface="+mn-ea"/>
+              </a:rPr>
+              <a:t>    def sum():</a:t>
+            </a:r>
+            <a:endParaRPr lang="zh-CN" altLang="en-US">
+              <a:solidFill>
+                <a:schemeClr val="tx1"/>
+              </a:solidFill>
+              <a:latin typeface="Source Code Pro" panose="020B0509030403020204" charset="0"/>
+              <a:cs typeface="Source Code Pro" panose="020B0509030403020204" charset="0"/>
+              <a:sym typeface="+mn-ea"/>
+            </a:endParaRPr>
+          </a:p>
+          <a:p>
+            <a:pPr algn="l"/>
+            <a:r>
+              <a:rPr lang="zh-CN" altLang="en-US">
+                <a:latin typeface="Source Code Pro" panose="020B0509030403020204" charset="0"/>
+                <a:cs typeface="Source Code Pro" panose="020B0509030403020204" charset="0"/>
+                <a:sym typeface="+mn-ea"/>
+              </a:rPr>
+              <a:t>        </a:t>
+            </a:r>
+            <a:r>
+              <a:rPr lang="zh-CN" altLang="en-US">
+                <a:solidFill>
+                  <a:schemeClr val="tx1"/>
+                </a:solidFill>
+                <a:latin typeface="Source Code Pro" panose="020B0509030403020204" charset="0"/>
+                <a:cs typeface="Source Code Pro" panose="020B0509030403020204" charset="0"/>
+                <a:sym typeface="+mn-ea"/>
+              </a:rPr>
+              <a:t>ax = 0</a:t>
+            </a:r>
+            <a:endParaRPr lang="zh-CN" altLang="en-US">
+              <a:solidFill>
+                <a:schemeClr val="tx1"/>
+              </a:solidFill>
+              <a:latin typeface="Source Code Pro" panose="020B0509030403020204" charset="0"/>
+              <a:cs typeface="Source Code Pro" panose="020B0509030403020204" charset="0"/>
+              <a:sym typeface="+mn-ea"/>
+            </a:endParaRPr>
+          </a:p>
+          <a:p>
+            <a:pPr algn="l"/>
+            <a:r>
+              <a:rPr lang="zh-CN" altLang="en-US">
+                <a:latin typeface="Source Code Pro" panose="020B0509030403020204" charset="0"/>
+                <a:cs typeface="Source Code Pro" panose="020B0509030403020204" charset="0"/>
+                <a:sym typeface="+mn-ea"/>
+              </a:rPr>
+              <a:t>        </a:t>
+            </a:r>
+            <a:r>
+              <a:rPr lang="zh-CN" altLang="en-US">
+                <a:solidFill>
+                  <a:schemeClr val="tx1"/>
+                </a:solidFill>
+                <a:latin typeface="Source Code Pro" panose="020B0509030403020204" charset="0"/>
+                <a:cs typeface="Source Code Pro" panose="020B0509030403020204" charset="0"/>
+                <a:sym typeface="+mn-ea"/>
+              </a:rPr>
+              <a:t>for n in args:</a:t>
+            </a:r>
+            <a:endParaRPr lang="zh-CN" altLang="en-US">
+              <a:solidFill>
+                <a:schemeClr val="tx1"/>
+              </a:solidFill>
+              <a:latin typeface="Source Code Pro" panose="020B0509030403020204" charset="0"/>
+              <a:cs typeface="Source Code Pro" panose="020B0509030403020204" charset="0"/>
+              <a:sym typeface="+mn-ea"/>
+            </a:endParaRPr>
+          </a:p>
+          <a:p>
+            <a:pPr algn="l"/>
+            <a:r>
+              <a:rPr lang="zh-CN" altLang="en-US">
+                <a:latin typeface="Source Code Pro" panose="020B0509030403020204" charset="0"/>
+                <a:cs typeface="Source Code Pro" panose="020B0509030403020204" charset="0"/>
+                <a:sym typeface="+mn-ea"/>
+              </a:rPr>
+              <a:t>            </a:t>
+            </a:r>
+            <a:r>
+              <a:rPr lang="zh-CN" altLang="en-US">
+                <a:solidFill>
+                  <a:schemeClr val="tx1"/>
+                </a:solidFill>
+                <a:latin typeface="Source Code Pro" panose="020B0509030403020204" charset="0"/>
+                <a:cs typeface="Source Code Pro" panose="020B0509030403020204" charset="0"/>
+                <a:sym typeface="+mn-ea"/>
+              </a:rPr>
+              <a:t>ax = ax + n</a:t>
+            </a:r>
+            <a:endParaRPr lang="zh-CN" altLang="en-US">
+              <a:solidFill>
+                <a:schemeClr val="tx1"/>
+              </a:solidFill>
+              <a:latin typeface="Source Code Pro" panose="020B0509030403020204" charset="0"/>
+              <a:cs typeface="Source Code Pro" panose="020B0509030403020204" charset="0"/>
+              <a:sym typeface="+mn-ea"/>
+            </a:endParaRPr>
+          </a:p>
+          <a:p>
+            <a:pPr algn="l"/>
+            <a:r>
+              <a:rPr lang="zh-CN" altLang="en-US">
+                <a:latin typeface="Source Code Pro" panose="020B0509030403020204" charset="0"/>
+                <a:cs typeface="Source Code Pro" panose="020B0509030403020204" charset="0"/>
+                <a:sym typeface="+mn-ea"/>
+              </a:rPr>
+              <a:t>        </a:t>
+            </a:r>
+            <a:r>
+              <a:rPr lang="zh-CN" altLang="en-US">
+                <a:solidFill>
+                  <a:schemeClr val="tx1"/>
+                </a:solidFill>
+                <a:latin typeface="Source Code Pro" panose="020B0509030403020204" charset="0"/>
+                <a:cs typeface="Source Code Pro" panose="020B0509030403020204" charset="0"/>
+                <a:sym typeface="+mn-ea"/>
+              </a:rPr>
+              <a:t>return ax</a:t>
+            </a:r>
+            <a:endParaRPr lang="zh-CN" altLang="en-US">
+              <a:solidFill>
+                <a:schemeClr val="tx1"/>
+              </a:solidFill>
+              <a:latin typeface="Source Code Pro" panose="020B0509030403020204" charset="0"/>
+              <a:cs typeface="Source Code Pro" panose="020B0509030403020204" charset="0"/>
+              <a:sym typeface="+mn-ea"/>
+            </a:endParaRPr>
+          </a:p>
+          <a:p>
+            <a:pPr algn="l"/>
+            <a:r>
+              <a:rPr lang="zh-CN" altLang="en-US">
+                <a:latin typeface="Source Code Pro" panose="020B0509030403020204" charset="0"/>
+                <a:cs typeface="Source Code Pro" panose="020B0509030403020204" charset="0"/>
+                <a:sym typeface="+mn-ea"/>
+              </a:rPr>
+              <a:t>    </a:t>
+            </a:r>
+            <a:r>
+              <a:rPr lang="zh-CN" altLang="en-US">
+                <a:solidFill>
+                  <a:schemeClr val="tx1"/>
+                </a:solidFill>
+                <a:latin typeface="Source Code Pro" panose="020B0509030403020204" charset="0"/>
+                <a:cs typeface="Source Code Pro" panose="020B0509030403020204" charset="0"/>
+                <a:sym typeface="+mn-ea"/>
+              </a:rPr>
+              <a:t>return sum</a:t>
+            </a:r>
+            <a:endParaRPr lang="zh-CN" altLang="en-US">
+              <a:solidFill>
+                <a:schemeClr val="tx1"/>
+              </a:solidFill>
+              <a:latin typeface="Source Code Pro" panose="020B0509030403020204" charset="0"/>
+              <a:cs typeface="Source Code Pro" panose="020B0509030403020204" charset="0"/>
+              <a:sym typeface="+mn-ea"/>
+            </a:endParaRPr>
+          </a:p>
+        </p:txBody>
+      </p:sp>
+      <p:sp>
+        <p:nvSpPr>
+          <p:cNvPr id="3" name="文本框 2"/>
+          <p:cNvSpPr txBox="1"/>
+          <p:nvPr/>
+        </p:nvSpPr>
+        <p:spPr>
+          <a:xfrm>
+            <a:off x="5060950" y="4875530"/>
+            <a:ext cx="3891280" cy="1814830"/>
+          </a:xfrm>
+          <a:prstGeom prst="rect">
+            <a:avLst/>
+          </a:prstGeom>
+          <a:noFill/>
+        </p:spPr>
+        <p:txBody>
+          <a:bodyPr wrap="none" rtlCol="0">
+            <a:spAutoFit/>
+          </a:bodyPr>
+          <a:p>
+            <a:pPr algn="l"/>
+            <a:r>
+              <a:rPr lang="zh-CN" altLang="en-US" sz="1600">
+                <a:solidFill>
+                  <a:schemeClr val="bg2">
+                    <a:lumMod val="50000"/>
+                  </a:schemeClr>
+                </a:solidFill>
+                <a:sym typeface="+mn-ea"/>
+              </a:rPr>
+              <a:t>当我们调用 lazy_sum() 时， </a:t>
+            </a:r>
+            <a:endParaRPr lang="zh-CN" altLang="en-US" sz="1600">
+              <a:solidFill>
+                <a:schemeClr val="bg2">
+                  <a:lumMod val="50000"/>
+                </a:schemeClr>
+              </a:solidFill>
+              <a:sym typeface="+mn-ea"/>
+            </a:endParaRPr>
+          </a:p>
+          <a:p>
+            <a:pPr algn="l"/>
+            <a:r>
+              <a:rPr lang="zh-CN" altLang="en-US" sz="1600">
+                <a:solidFill>
+                  <a:schemeClr val="bg2">
+                    <a:lumMod val="50000"/>
+                  </a:schemeClr>
+                </a:solidFill>
+                <a:sym typeface="+mn-ea"/>
+              </a:rPr>
+              <a:t>返回的并不是求和结果， 而是求和函数：</a:t>
+            </a:r>
+            <a:endParaRPr lang="zh-CN" altLang="en-US" sz="1600">
+              <a:solidFill>
+                <a:srgbClr val="FF0000"/>
+              </a:solidFill>
+              <a:sym typeface="+mn-ea"/>
+            </a:endParaRPr>
+          </a:p>
+          <a:p>
+            <a:pPr algn="l"/>
+            <a:r>
+              <a:rPr lang="zh-CN" altLang="en-US" sz="1600">
+                <a:solidFill>
+                  <a:srgbClr val="92D050"/>
+                </a:solidFill>
+                <a:sym typeface="+mn-ea"/>
+              </a:rPr>
+              <a:t>&gt;&gt;&gt;</a:t>
+            </a:r>
+            <a:r>
+              <a:rPr lang="zh-CN" altLang="en-US" sz="1600">
+                <a:solidFill>
+                  <a:srgbClr val="FF0000"/>
+                </a:solidFill>
+                <a:sym typeface="+mn-ea"/>
+              </a:rPr>
+              <a:t> f = lazy_sum(1, 3, 5, 7, 9)</a:t>
+            </a:r>
+            <a:endParaRPr lang="zh-CN" altLang="en-US" sz="1600">
+              <a:solidFill>
+                <a:srgbClr val="FF0000"/>
+              </a:solidFill>
+              <a:sym typeface="+mn-ea"/>
+            </a:endParaRPr>
+          </a:p>
+          <a:p>
+            <a:pPr algn="l"/>
+            <a:r>
+              <a:rPr lang="zh-CN" altLang="en-US" sz="1600">
+                <a:solidFill>
+                  <a:srgbClr val="92D050"/>
+                </a:solidFill>
+                <a:sym typeface="+mn-ea"/>
+              </a:rPr>
+              <a:t>&gt;&gt;&gt;</a:t>
+            </a:r>
+            <a:r>
+              <a:rPr lang="zh-CN" altLang="en-US" sz="1600">
+                <a:solidFill>
+                  <a:srgbClr val="FF0000"/>
+                </a:solidFill>
+                <a:sym typeface="+mn-ea"/>
+              </a:rPr>
+              <a:t> f</a:t>
+            </a:r>
+            <a:endParaRPr lang="zh-CN" altLang="en-US" sz="1600">
+              <a:solidFill>
+                <a:srgbClr val="FF0000"/>
+              </a:solidFill>
+              <a:sym typeface="+mn-ea"/>
+            </a:endParaRPr>
+          </a:p>
+          <a:p>
+            <a:pPr algn="l"/>
+            <a:r>
+              <a:rPr lang="zh-CN" altLang="en-US" sz="1600">
+                <a:solidFill>
+                  <a:srgbClr val="FF0000"/>
+                </a:solidFill>
+                <a:sym typeface="+mn-ea"/>
+              </a:rPr>
+              <a:t>&lt;function lazy_sum.&lt;locals&gt;.sum at 0x101&gt;</a:t>
+            </a:r>
+            <a:endParaRPr lang="zh-CN" altLang="en-US" sz="1600">
+              <a:solidFill>
+                <a:srgbClr val="FF0000"/>
+              </a:solidFill>
+              <a:sym typeface="+mn-ea"/>
+            </a:endParaRPr>
+          </a:p>
+          <a:p>
+            <a:pPr algn="l"/>
+            <a:r>
+              <a:rPr lang="zh-CN" altLang="en-US" sz="1600">
+                <a:solidFill>
+                  <a:schemeClr val="bg2">
+                    <a:lumMod val="50000"/>
+                  </a:schemeClr>
+                </a:solidFill>
+                <a:sym typeface="+mn-ea"/>
+              </a:rPr>
+              <a:t>调用函数 f 时， 才真正计算求和的结果</a:t>
+            </a:r>
+            <a:endParaRPr lang="zh-CN" altLang="en-US" sz="1600">
+              <a:solidFill>
+                <a:schemeClr val="bg2">
+                  <a:lumMod val="50000"/>
+                </a:schemeClr>
+              </a:solidFill>
+              <a:sym typeface="+mn-ea"/>
+            </a:endParaRPr>
+          </a:p>
+          <a:p>
+            <a:endParaRPr lang="zh-CN" altLang="en-US" sz="1600">
+              <a:solidFill>
+                <a:schemeClr val="bg2">
+                  <a:lumMod val="50000"/>
+                </a:schemeClr>
+              </a:solidFill>
+              <a:sym typeface="+mn-ea"/>
+            </a:endParaRPr>
+          </a:p>
+        </p:txBody>
+      </p:sp>
+      <p:cxnSp>
+        <p:nvCxnSpPr>
+          <p:cNvPr id="4" name="直接连接符 3"/>
+          <p:cNvCxnSpPr/>
+          <p:nvPr/>
+        </p:nvCxnSpPr>
+        <p:spPr>
+          <a:xfrm>
+            <a:off x="4947920" y="4577080"/>
+            <a:ext cx="5080" cy="2128520"/>
+          </a:xfrm>
+          <a:prstGeom prst="line">
+            <a:avLst/>
+          </a:prstGeom>
+          <a:ln>
+            <a:solidFill>
+              <a:schemeClr val="bg2">
+                <a:lumMod val="50000"/>
+              </a:schemeClr>
+            </a:solidFill>
+          </a:ln>
+        </p:spPr>
+        <p:style>
+          <a:lnRef idx="1">
+            <a:schemeClr val="accent1"/>
+          </a:lnRef>
+          <a:fillRef idx="0">
+            <a:schemeClr val="accent1"/>
+          </a:fillRef>
+          <a:effectRef idx="0">
+            <a:schemeClr val="accent1"/>
+          </a:effectRef>
+          <a:fontRef idx="minor">
+            <a:schemeClr val="tx1"/>
+          </a:fontRef>
+        </p:style>
+      </p:cxnSp>
+    </p:spTree>
+    <p:custDataLst>
+      <p:tags r:id="rId2"/>
+    </p:custDataLst>
+  </p:cSld>
+  <p:clrMapOvr>
+    <a:masterClrMapping/>
+  </p:clrMapOvr>
+</p:sld>
+</file>
+
+<file path=ppt/slides/slide15.xml><?xml version="1.0" encoding="utf-8"?>
+<p:sld xmlns:a="http://schemas.openxmlformats.org/drawingml/2006/main" xmlns:r="http://schemas.openxmlformats.org/officeDocument/2006/relationships" xmlns:p="http://schemas.openxmlformats.org/presentationml/2006/main">
+  <p:cSld>
+    <p:spTree>
+      <p:nvGrpSpPr>
+        <p:cNvPr id="1" name=""/>
+        <p:cNvGrpSpPr/>
+        <p:nvPr/>
+      </p:nvGrpSpPr>
+      <p:grpSpPr>
+        <a:xfrm>
+          <a:off x="0" y="0"/>
+          <a:ext cx="0" cy="0"/>
+          <a:chOff x="0" y="0"/>
+          <a:chExt cx="0" cy="0"/>
+        </a:xfrm>
+      </p:grpSpPr>
+      <p:sp>
+        <p:nvSpPr>
+          <p:cNvPr id="8" name="标题 1"/>
+          <p:cNvSpPr txBox="1"/>
+          <p:nvPr>
+            <p:custDataLst>
+              <p:tags r:id="rId1"/>
+            </p:custDataLst>
+          </p:nvPr>
+        </p:nvSpPr>
+        <p:spPr>
+          <a:xfrm>
+            <a:off x="571608" y="661194"/>
+            <a:ext cx="7886700" cy="994172"/>
+          </a:xfrm>
+          <a:prstGeom prst="rect">
+            <a:avLst/>
+          </a:prstGeom>
+        </p:spPr>
+        <p:txBody>
+          <a:bodyPr vert="horz" wrap="square" lIns="68580" tIns="34290" rIns="68580" bIns="34290" rtlCol="0" anchor="ctr">
+            <a:normAutofit/>
+          </a:bodyPr>
+          <a:lstStyle>
+            <a:lvl1pPr defTabSz="914400">
+              <a:lnSpc>
+                <a:spcPct val="120000"/>
+              </a:lnSpc>
+              <a:spcBef>
+                <a:spcPct val="0"/>
+              </a:spcBef>
+              <a:buNone/>
+              <a:defRPr sz="3600">
+                <a:solidFill>
+                  <a:schemeClr val="tx1">
+                    <a:lumMod val="75000"/>
+                    <a:lumOff val="25000"/>
+                  </a:schemeClr>
+                </a:solidFill>
+                <a:latin typeface="+mj-lt"/>
+                <a:ea typeface="+mj-ea"/>
+                <a:cs typeface="+mj-cs"/>
+              </a:defRPr>
+            </a:lvl1pPr>
+          </a:lstStyle>
+          <a:p>
+            <a:r>
+              <a:rPr lang="zh-CN" altLang="en-US" dirty="0"/>
+              <a:t>函数式编程</a:t>
+            </a:r>
+            <a:endParaRPr lang="zh-CN" altLang="en-US" dirty="0"/>
+          </a:p>
+        </p:txBody>
+      </p:sp>
+      <p:sp>
+        <p:nvSpPr>
+          <p:cNvPr id="2" name="文本框 1"/>
+          <p:cNvSpPr txBox="1"/>
+          <p:nvPr/>
+        </p:nvSpPr>
+        <p:spPr>
+          <a:xfrm>
+            <a:off x="571500" y="2033905"/>
+            <a:ext cx="8050530" cy="4954270"/>
+          </a:xfrm>
+          <a:prstGeom prst="rect">
+            <a:avLst/>
+          </a:prstGeom>
+          <a:noFill/>
+        </p:spPr>
+        <p:txBody>
+          <a:bodyPr wrap="square" rtlCol="0">
+            <a:spAutoFit/>
+          </a:bodyPr>
+          <a:p>
+            <a:pPr algn="l"/>
+            <a:r>
+              <a:rPr lang="zh-CN" altLang="en-US">
+                <a:solidFill>
+                  <a:srgbClr val="0070C0"/>
+                </a:solidFill>
+              </a:rPr>
+              <a:t>闭包</a:t>
+            </a:r>
+            <a:endParaRPr lang="zh-CN" altLang="en-US">
+              <a:solidFill>
+                <a:srgbClr val="0070C0"/>
+              </a:solidFill>
+            </a:endParaRPr>
+          </a:p>
+          <a:p>
+            <a:pPr indent="457200" algn="l" eaLnBrk="1" latinLnBrk="0" hangingPunct="1"/>
+            <a:r>
+              <a:rPr lang="zh-CN" altLang="en-US" sz="2000">
+                <a:solidFill>
+                  <a:schemeClr val="tx1"/>
+                </a:solidFill>
+                <a:sym typeface="+mn-ea"/>
+              </a:rPr>
+              <a:t>注意到返回的函数在其定义内部引用了局部变量 args ， 所以， 当一个函数返回了一个函数后， 其内部的局部变量还被新函数引用， 所以， 闭包用起来简单， 实现起来可不容易。另一个需要注意的问题是， 返回的函数并没有立刻执行， 而是直到调用了 f() 才执行。 我们来看一个例子：</a:t>
+            </a:r>
+            <a:endParaRPr lang="zh-CN" altLang="en-US">
+              <a:solidFill>
+                <a:schemeClr val="tx1"/>
+              </a:solidFill>
+              <a:sym typeface="+mn-ea"/>
+            </a:endParaRPr>
+          </a:p>
+          <a:p>
+            <a:pPr algn="l"/>
+            <a:r>
+              <a:rPr lang="zh-CN" altLang="en-US">
+                <a:solidFill>
+                  <a:schemeClr val="tx1"/>
+                </a:solidFill>
+                <a:latin typeface="Source Code Pro" panose="020B0509030403020204" charset="0"/>
+                <a:cs typeface="Source Code Pro" panose="020B0509030403020204" charset="0"/>
+                <a:sym typeface="+mn-ea"/>
+              </a:rPr>
+              <a:t>def count():</a:t>
+            </a:r>
+            <a:endParaRPr lang="zh-CN" altLang="en-US">
+              <a:solidFill>
+                <a:schemeClr val="tx1"/>
+              </a:solidFill>
+              <a:latin typeface="Source Code Pro" panose="020B0509030403020204" charset="0"/>
+              <a:cs typeface="Source Code Pro" panose="020B0509030403020204" charset="0"/>
+              <a:sym typeface="+mn-ea"/>
+            </a:endParaRPr>
+          </a:p>
+          <a:p>
+            <a:pPr algn="l"/>
+            <a:r>
+              <a:rPr lang="zh-CN" altLang="en-US">
+                <a:solidFill>
+                  <a:schemeClr val="tx1"/>
+                </a:solidFill>
+                <a:latin typeface="Source Code Pro" panose="020B0509030403020204" charset="0"/>
+                <a:cs typeface="Source Code Pro" panose="020B0509030403020204" charset="0"/>
+                <a:sym typeface="+mn-ea"/>
+              </a:rPr>
+              <a:t>    fs = []</a:t>
+            </a:r>
+            <a:endParaRPr lang="zh-CN" altLang="en-US">
+              <a:solidFill>
+                <a:schemeClr val="tx1"/>
+              </a:solidFill>
+              <a:latin typeface="Source Code Pro" panose="020B0509030403020204" charset="0"/>
+              <a:cs typeface="Source Code Pro" panose="020B0509030403020204" charset="0"/>
+              <a:sym typeface="+mn-ea"/>
+            </a:endParaRPr>
+          </a:p>
+          <a:p>
+            <a:pPr algn="l"/>
+            <a:r>
+              <a:rPr lang="zh-CN" altLang="en-US">
+                <a:latin typeface="Source Code Pro" panose="020B0509030403020204" charset="0"/>
+                <a:cs typeface="Source Code Pro" panose="020B0509030403020204" charset="0"/>
+                <a:sym typeface="+mn-ea"/>
+              </a:rPr>
+              <a:t>    </a:t>
+            </a:r>
+            <a:r>
+              <a:rPr lang="zh-CN" altLang="en-US">
+                <a:solidFill>
+                  <a:schemeClr val="tx1"/>
+                </a:solidFill>
+                <a:latin typeface="Source Code Pro" panose="020B0509030403020204" charset="0"/>
+                <a:cs typeface="Source Code Pro" panose="020B0509030403020204" charset="0"/>
+                <a:sym typeface="+mn-ea"/>
+              </a:rPr>
+              <a:t>for i in range(1, 4):</a:t>
+            </a:r>
+            <a:endParaRPr lang="zh-CN" altLang="en-US">
+              <a:solidFill>
+                <a:schemeClr val="tx1"/>
+              </a:solidFill>
+              <a:latin typeface="Source Code Pro" panose="020B0509030403020204" charset="0"/>
+              <a:cs typeface="Source Code Pro" panose="020B0509030403020204" charset="0"/>
+              <a:sym typeface="+mn-ea"/>
+            </a:endParaRPr>
+          </a:p>
+          <a:p>
+            <a:pPr algn="l"/>
+            <a:r>
+              <a:rPr lang="zh-CN" altLang="en-US">
+                <a:latin typeface="Source Code Pro" panose="020B0509030403020204" charset="0"/>
+                <a:cs typeface="Source Code Pro" panose="020B0509030403020204" charset="0"/>
+                <a:sym typeface="+mn-ea"/>
+              </a:rPr>
+              <a:t>        </a:t>
+            </a:r>
+            <a:r>
+              <a:rPr lang="zh-CN" altLang="en-US">
+                <a:solidFill>
+                  <a:schemeClr val="tx1"/>
+                </a:solidFill>
+                <a:latin typeface="Source Code Pro" panose="020B0509030403020204" charset="0"/>
+                <a:cs typeface="Source Code Pro" panose="020B0509030403020204" charset="0"/>
+                <a:sym typeface="+mn-ea"/>
+              </a:rPr>
+              <a:t>def f():</a:t>
+            </a:r>
+            <a:endParaRPr lang="zh-CN" altLang="en-US">
+              <a:solidFill>
+                <a:schemeClr val="tx1"/>
+              </a:solidFill>
+              <a:latin typeface="Source Code Pro" panose="020B0509030403020204" charset="0"/>
+              <a:cs typeface="Source Code Pro" panose="020B0509030403020204" charset="0"/>
+              <a:sym typeface="+mn-ea"/>
+            </a:endParaRPr>
+          </a:p>
+          <a:p>
+            <a:pPr algn="l"/>
+            <a:r>
+              <a:rPr lang="zh-CN" altLang="en-US">
+                <a:latin typeface="Source Code Pro" panose="020B0509030403020204" charset="0"/>
+                <a:cs typeface="Source Code Pro" panose="020B0509030403020204" charset="0"/>
+                <a:sym typeface="+mn-ea"/>
+              </a:rPr>
+              <a:t>            </a:t>
+            </a:r>
+            <a:r>
+              <a:rPr lang="zh-CN" altLang="en-US">
+                <a:solidFill>
+                  <a:schemeClr val="tx1"/>
+                </a:solidFill>
+                <a:latin typeface="Source Code Pro" panose="020B0509030403020204" charset="0"/>
+                <a:cs typeface="Source Code Pro" panose="020B0509030403020204" charset="0"/>
+                <a:sym typeface="+mn-ea"/>
+              </a:rPr>
+              <a:t>return i*i</a:t>
+            </a:r>
+            <a:endParaRPr lang="zh-CN" altLang="en-US">
+              <a:solidFill>
+                <a:schemeClr val="tx1"/>
+              </a:solidFill>
+              <a:latin typeface="Source Code Pro" panose="020B0509030403020204" charset="0"/>
+              <a:cs typeface="Source Code Pro" panose="020B0509030403020204" charset="0"/>
+              <a:sym typeface="+mn-ea"/>
+            </a:endParaRPr>
+          </a:p>
+          <a:p>
+            <a:pPr algn="l"/>
+            <a:r>
+              <a:rPr lang="zh-CN" altLang="en-US">
+                <a:latin typeface="Source Code Pro" panose="020B0509030403020204" charset="0"/>
+                <a:cs typeface="Source Code Pro" panose="020B0509030403020204" charset="0"/>
+                <a:sym typeface="+mn-ea"/>
+              </a:rPr>
+              <a:t>        </a:t>
+            </a:r>
+            <a:r>
+              <a:rPr lang="zh-CN" altLang="en-US">
+                <a:solidFill>
+                  <a:schemeClr val="tx1"/>
+                </a:solidFill>
+                <a:latin typeface="Source Code Pro" panose="020B0509030403020204" charset="0"/>
+                <a:cs typeface="Source Code Pro" panose="020B0509030403020204" charset="0"/>
+                <a:sym typeface="+mn-ea"/>
+              </a:rPr>
+              <a:t>fs.append(f)</a:t>
+            </a:r>
+            <a:endParaRPr lang="zh-CN" altLang="en-US">
+              <a:solidFill>
+                <a:schemeClr val="tx1"/>
+              </a:solidFill>
+              <a:latin typeface="Source Code Pro" panose="020B0509030403020204" charset="0"/>
+              <a:cs typeface="Source Code Pro" panose="020B0509030403020204" charset="0"/>
+              <a:sym typeface="+mn-ea"/>
+            </a:endParaRPr>
+          </a:p>
+          <a:p>
+            <a:pPr algn="l"/>
+            <a:r>
+              <a:rPr lang="zh-CN" altLang="en-US">
+                <a:latin typeface="Source Code Pro" panose="020B0509030403020204" charset="0"/>
+                <a:cs typeface="Source Code Pro" panose="020B0509030403020204" charset="0"/>
+                <a:sym typeface="+mn-ea"/>
+              </a:rPr>
+              <a:t>    </a:t>
+            </a:r>
+            <a:r>
+              <a:rPr lang="zh-CN" altLang="en-US">
+                <a:solidFill>
+                  <a:schemeClr val="tx1"/>
+                </a:solidFill>
+                <a:latin typeface="Source Code Pro" panose="020B0509030403020204" charset="0"/>
+                <a:cs typeface="Source Code Pro" panose="020B0509030403020204" charset="0"/>
+                <a:sym typeface="+mn-ea"/>
+              </a:rPr>
+              <a:t>return fs</a:t>
+            </a:r>
+            <a:endParaRPr lang="zh-CN" altLang="en-US">
+              <a:solidFill>
+                <a:schemeClr val="tx1"/>
+              </a:solidFill>
+              <a:latin typeface="Source Code Pro" panose="020B0509030403020204" charset="0"/>
+              <a:cs typeface="Source Code Pro" panose="020B0509030403020204" charset="0"/>
+              <a:sym typeface="+mn-ea"/>
+            </a:endParaRPr>
+          </a:p>
+          <a:p>
+            <a:pPr algn="l"/>
+            <a:r>
+              <a:rPr lang="zh-CN" altLang="en-US">
+                <a:solidFill>
+                  <a:schemeClr val="tx1"/>
+                </a:solidFill>
+                <a:latin typeface="Source Code Pro" panose="020B0509030403020204" charset="0"/>
+                <a:cs typeface="Source Code Pro" panose="020B0509030403020204" charset="0"/>
+                <a:sym typeface="+mn-ea"/>
+              </a:rPr>
+              <a:t>f1, f2, f3 = count()</a:t>
+            </a:r>
+            <a:endParaRPr lang="zh-CN" altLang="en-US">
+              <a:solidFill>
+                <a:schemeClr val="tx1"/>
+              </a:solidFill>
+              <a:latin typeface="Source Code Pro" panose="020B0509030403020204" charset="0"/>
+              <a:cs typeface="Source Code Pro" panose="020B0509030403020204" charset="0"/>
+              <a:sym typeface="+mn-ea"/>
+            </a:endParaRPr>
+          </a:p>
+        </p:txBody>
+      </p:sp>
+    </p:spTree>
+    <p:custDataLst>
+      <p:tags r:id="rId2"/>
+    </p:custDataLst>
+  </p:cSld>
+  <p:clrMapOvr>
+    <a:masterClrMapping/>
+  </p:clrMapOvr>
+</p:sld>
+</file>
+
+<file path=ppt/slides/slide16.xml><?xml version="1.0" encoding="utf-8"?>
+<p:sld xmlns:a="http://schemas.openxmlformats.org/drawingml/2006/main" xmlns:r="http://schemas.openxmlformats.org/officeDocument/2006/relationships" xmlns:p="http://schemas.openxmlformats.org/presentationml/2006/main">
+  <p:cSld>
+    <p:spTree>
+      <p:nvGrpSpPr>
+        <p:cNvPr id="1" name=""/>
+        <p:cNvGrpSpPr/>
+        <p:nvPr/>
+      </p:nvGrpSpPr>
+      <p:grpSpPr>
+        <a:xfrm>
+          <a:off x="0" y="0"/>
+          <a:ext cx="0" cy="0"/>
+          <a:chOff x="0" y="0"/>
+          <a:chExt cx="0" cy="0"/>
+        </a:xfrm>
+      </p:grpSpPr>
+      <p:sp>
+        <p:nvSpPr>
+          <p:cNvPr id="8" name="标题 1"/>
+          <p:cNvSpPr txBox="1"/>
+          <p:nvPr>
+            <p:custDataLst>
+              <p:tags r:id="rId1"/>
+            </p:custDataLst>
+          </p:nvPr>
+        </p:nvSpPr>
+        <p:spPr>
+          <a:xfrm>
+            <a:off x="571608" y="661194"/>
+            <a:ext cx="7886700" cy="994172"/>
+          </a:xfrm>
+          <a:prstGeom prst="rect">
+            <a:avLst/>
+          </a:prstGeom>
+        </p:spPr>
+        <p:txBody>
+          <a:bodyPr vert="horz" wrap="square" lIns="68580" tIns="34290" rIns="68580" bIns="34290" rtlCol="0" anchor="ctr">
+            <a:normAutofit/>
+          </a:bodyPr>
+          <a:lstStyle>
+            <a:lvl1pPr defTabSz="914400">
+              <a:lnSpc>
+                <a:spcPct val="120000"/>
+              </a:lnSpc>
+              <a:spcBef>
+                <a:spcPct val="0"/>
+              </a:spcBef>
+              <a:buNone/>
+              <a:defRPr sz="3600">
+                <a:solidFill>
+                  <a:schemeClr val="tx1">
+                    <a:lumMod val="75000"/>
+                    <a:lumOff val="25000"/>
+                  </a:schemeClr>
+                </a:solidFill>
+                <a:latin typeface="+mj-lt"/>
+                <a:ea typeface="+mj-ea"/>
+                <a:cs typeface="+mj-cs"/>
+              </a:defRPr>
+            </a:lvl1pPr>
+          </a:lstStyle>
+          <a:p>
+            <a:r>
+              <a:rPr lang="zh-CN" altLang="en-US" dirty="0"/>
+              <a:t>函数式编程</a:t>
+            </a:r>
+            <a:endParaRPr lang="zh-CN" altLang="en-US" dirty="0"/>
+          </a:p>
+        </p:txBody>
+      </p:sp>
+      <p:sp>
+        <p:nvSpPr>
+          <p:cNvPr id="2" name="文本框 1"/>
+          <p:cNvSpPr txBox="1"/>
+          <p:nvPr/>
+        </p:nvSpPr>
+        <p:spPr>
+          <a:xfrm>
+            <a:off x="571500" y="2033905"/>
+            <a:ext cx="8050530" cy="4154170"/>
+          </a:xfrm>
+          <a:prstGeom prst="rect">
+            <a:avLst/>
+          </a:prstGeom>
+          <a:noFill/>
+        </p:spPr>
+        <p:txBody>
+          <a:bodyPr wrap="square" rtlCol="0">
+            <a:spAutoFit/>
+          </a:bodyPr>
+          <a:p>
+            <a:pPr algn="l"/>
+            <a:r>
+              <a:rPr lang="zh-CN" altLang="en-US">
+                <a:solidFill>
+                  <a:srgbClr val="0070C0"/>
+                </a:solidFill>
+              </a:rPr>
+              <a:t>闭包</a:t>
+            </a:r>
+            <a:endParaRPr lang="zh-CN" altLang="en-US">
+              <a:solidFill>
+                <a:srgbClr val="0070C0"/>
+              </a:solidFill>
+            </a:endParaRPr>
+          </a:p>
+          <a:p>
+            <a:pPr indent="457200" algn="l" eaLnBrk="1" latinLnBrk="0" hangingPunct="1"/>
+            <a:r>
+              <a:rPr lang="zh-CN" altLang="en-US">
+                <a:solidFill>
+                  <a:schemeClr val="tx1"/>
+                </a:solidFill>
+                <a:sym typeface="+mn-ea"/>
+              </a:rPr>
+              <a:t>返回函数 923在上面的例子中， 每次循环， 都创建了一个新的函数， 然后， 把创建的3个函数都返回了。</a:t>
+            </a:r>
+            <a:endParaRPr lang="zh-CN" altLang="en-US">
+              <a:solidFill>
+                <a:schemeClr val="tx1"/>
+              </a:solidFill>
+              <a:sym typeface="+mn-ea"/>
+            </a:endParaRPr>
+          </a:p>
+          <a:p>
+            <a:pPr indent="457200" algn="l" eaLnBrk="1" latinLnBrk="0" hangingPunct="1"/>
+            <a:r>
+              <a:rPr lang="zh-CN" altLang="en-US">
+                <a:solidFill>
+                  <a:schemeClr val="tx1"/>
+                </a:solidFill>
+                <a:sym typeface="+mn-ea"/>
+              </a:rPr>
+              <a:t>你可能认为调用 f1() ， f2() 和 f3() 结果应该是 1 ， 4 ， 9 ， 但实际结果是：</a:t>
+            </a:r>
+            <a:endParaRPr lang="zh-CN" altLang="en-US">
+              <a:solidFill>
+                <a:schemeClr val="tx1"/>
+              </a:solidFill>
+              <a:sym typeface="+mn-ea"/>
+            </a:endParaRPr>
+          </a:p>
+          <a:p>
+            <a:pPr algn="l"/>
+            <a:r>
+              <a:rPr lang="zh-CN" altLang="en-US">
+                <a:solidFill>
+                  <a:srgbClr val="92D050"/>
+                </a:solidFill>
+                <a:sym typeface="+mn-ea"/>
+              </a:rPr>
+              <a:t>&gt;&gt;&gt;</a:t>
+            </a:r>
+            <a:r>
+              <a:rPr lang="zh-CN" altLang="en-US">
+                <a:solidFill>
+                  <a:schemeClr val="tx1"/>
+                </a:solidFill>
+                <a:sym typeface="+mn-ea"/>
+              </a:rPr>
+              <a:t> f1()</a:t>
+            </a:r>
+            <a:endParaRPr lang="zh-CN" altLang="en-US">
+              <a:solidFill>
+                <a:schemeClr val="tx1"/>
+              </a:solidFill>
+              <a:sym typeface="+mn-ea"/>
+            </a:endParaRPr>
+          </a:p>
+          <a:p>
+            <a:pPr algn="l"/>
+            <a:r>
+              <a:rPr lang="zh-CN" altLang="en-US">
+                <a:solidFill>
+                  <a:schemeClr val="tx1"/>
+                </a:solidFill>
+                <a:sym typeface="+mn-ea"/>
+              </a:rPr>
+              <a:t>9 </a:t>
+            </a:r>
+            <a:endParaRPr lang="zh-CN" altLang="en-US">
+              <a:solidFill>
+                <a:schemeClr val="tx1"/>
+              </a:solidFill>
+              <a:sym typeface="+mn-ea"/>
+            </a:endParaRPr>
+          </a:p>
+          <a:p>
+            <a:pPr algn="l"/>
+            <a:r>
+              <a:rPr lang="zh-CN" altLang="en-US">
+                <a:solidFill>
+                  <a:srgbClr val="92D050"/>
+                </a:solidFill>
+                <a:sym typeface="+mn-ea"/>
+              </a:rPr>
+              <a:t>&gt;&gt;&gt;</a:t>
+            </a:r>
+            <a:r>
+              <a:rPr lang="zh-CN" altLang="en-US">
+                <a:solidFill>
+                  <a:schemeClr val="tx1"/>
+                </a:solidFill>
+                <a:sym typeface="+mn-ea"/>
+              </a:rPr>
+              <a:t> f2()</a:t>
+            </a:r>
+            <a:endParaRPr lang="zh-CN" altLang="en-US">
+              <a:solidFill>
+                <a:schemeClr val="tx1"/>
+              </a:solidFill>
+              <a:sym typeface="+mn-ea"/>
+            </a:endParaRPr>
+          </a:p>
+          <a:p>
+            <a:pPr algn="l"/>
+            <a:r>
+              <a:rPr lang="zh-CN" altLang="en-US">
+                <a:solidFill>
+                  <a:schemeClr val="tx1"/>
+                </a:solidFill>
+                <a:sym typeface="+mn-ea"/>
+              </a:rPr>
+              <a:t>9 </a:t>
+            </a:r>
+            <a:endParaRPr lang="zh-CN" altLang="en-US">
+              <a:solidFill>
+                <a:schemeClr val="tx1"/>
+              </a:solidFill>
+              <a:sym typeface="+mn-ea"/>
+            </a:endParaRPr>
+          </a:p>
+          <a:p>
+            <a:pPr algn="l"/>
+            <a:r>
+              <a:rPr lang="zh-CN" altLang="en-US">
+                <a:solidFill>
+                  <a:srgbClr val="92D050"/>
+                </a:solidFill>
+                <a:sym typeface="+mn-ea"/>
+              </a:rPr>
+              <a:t>&gt;&gt;&gt;</a:t>
+            </a:r>
+            <a:r>
+              <a:rPr lang="zh-CN" altLang="en-US">
+                <a:solidFill>
+                  <a:schemeClr val="tx1"/>
+                </a:solidFill>
+                <a:sym typeface="+mn-ea"/>
+              </a:rPr>
+              <a:t> f3()</a:t>
+            </a:r>
+            <a:endParaRPr lang="zh-CN" altLang="en-US">
+              <a:solidFill>
+                <a:schemeClr val="tx1"/>
+              </a:solidFill>
+              <a:sym typeface="+mn-ea"/>
+            </a:endParaRPr>
+          </a:p>
+          <a:p>
+            <a:pPr algn="l"/>
+            <a:r>
+              <a:rPr lang="zh-CN" altLang="en-US">
+                <a:solidFill>
+                  <a:schemeClr val="tx1"/>
+                </a:solidFill>
+                <a:sym typeface="+mn-ea"/>
+              </a:rPr>
+              <a:t>9</a:t>
+            </a:r>
+            <a:endParaRPr lang="zh-CN" altLang="en-US">
+              <a:solidFill>
+                <a:schemeClr val="tx1"/>
+              </a:solidFill>
+              <a:sym typeface="+mn-ea"/>
+            </a:endParaRPr>
+          </a:p>
+        </p:txBody>
+      </p:sp>
+      <p:sp>
+        <p:nvSpPr>
+          <p:cNvPr id="3" name="文本框 2"/>
+          <p:cNvSpPr txBox="1"/>
+          <p:nvPr/>
+        </p:nvSpPr>
+        <p:spPr>
+          <a:xfrm>
+            <a:off x="3035935" y="4131945"/>
+            <a:ext cx="5762625" cy="1938020"/>
+          </a:xfrm>
+          <a:prstGeom prst="rect">
+            <a:avLst/>
+          </a:prstGeom>
+          <a:noFill/>
+        </p:spPr>
+        <p:txBody>
+          <a:bodyPr wrap="square" rtlCol="0">
+            <a:spAutoFit/>
+          </a:bodyPr>
+          <a:p>
+            <a:pPr algn="l"/>
+            <a:r>
+              <a:rPr lang="zh-CN" altLang="en-US" sz="2000">
+                <a:solidFill>
+                  <a:srgbClr val="FF0000"/>
+                </a:solidFill>
+                <a:sym typeface="+mn-ea"/>
+              </a:rPr>
+              <a:t>全部都是 9 ！原因就在于返回的函数引用了变量 i ， 但它并非立刻执行。 等到3个函数都返回时， 它们所引用的变量 i 已经变成了 3 ， 因此最终结果为 9 。返回闭包时牢记的一点就是：返回函数不要引用任何循环变量， 或者后续会发生变化的变量。</a:t>
+            </a:r>
+            <a:endParaRPr lang="zh-CN" altLang="en-US" sz="2000">
+              <a:solidFill>
+                <a:srgbClr val="FF0000"/>
+              </a:solidFill>
+              <a:sym typeface="+mn-ea"/>
+            </a:endParaRPr>
+          </a:p>
+        </p:txBody>
+      </p:sp>
+      <p:cxnSp>
+        <p:nvCxnSpPr>
+          <p:cNvPr id="4" name="直接连接符 3"/>
+          <p:cNvCxnSpPr/>
+          <p:nvPr/>
+        </p:nvCxnSpPr>
+        <p:spPr>
+          <a:xfrm>
+            <a:off x="2531110" y="3963035"/>
+            <a:ext cx="0" cy="2590800"/>
+          </a:xfrm>
+          <a:prstGeom prst="line">
+            <a:avLst/>
+          </a:prstGeom>
+          <a:ln>
+            <a:solidFill>
+              <a:schemeClr val="bg2">
+                <a:lumMod val="50000"/>
+              </a:schemeClr>
+            </a:solidFill>
+          </a:ln>
+        </p:spPr>
+        <p:style>
+          <a:lnRef idx="1">
+            <a:schemeClr val="accent1"/>
+          </a:lnRef>
+          <a:fillRef idx="0">
+            <a:schemeClr val="accent1"/>
+          </a:fillRef>
+          <a:effectRef idx="0">
+            <a:schemeClr val="accent1"/>
+          </a:effectRef>
+          <a:fontRef idx="minor">
+            <a:schemeClr val="tx1"/>
+          </a:fontRef>
+        </p:style>
+      </p:cxnSp>
+    </p:spTree>
+    <p:custDataLst>
+      <p:tags r:id="rId2"/>
+    </p:custDataLst>
+  </p:cSld>
+  <p:clrMapOvr>
+    <a:masterClrMapping/>
+  </p:clrMapOvr>
+</p:sld>
+</file>
+
+<file path=ppt/slides/slide17.xml><?xml version="1.0" encoding="utf-8"?>
+<p:sld xmlns:a="http://schemas.openxmlformats.org/drawingml/2006/main" xmlns:r="http://schemas.openxmlformats.org/officeDocument/2006/relationships" xmlns:p="http://schemas.openxmlformats.org/presentationml/2006/main">
+  <p:cSld>
+    <p:spTree>
+      <p:nvGrpSpPr>
+        <p:cNvPr id="1" name=""/>
+        <p:cNvGrpSpPr/>
+        <p:nvPr/>
+      </p:nvGrpSpPr>
+      <p:grpSpPr>
+        <a:xfrm>
+          <a:off x="0" y="0"/>
+          <a:ext cx="0" cy="0"/>
+          <a:chOff x="0" y="0"/>
+          <a:chExt cx="0" cy="0"/>
+        </a:xfrm>
+      </p:grpSpPr>
+      <p:sp>
+        <p:nvSpPr>
+          <p:cNvPr id="8" name="标题 1"/>
+          <p:cNvSpPr txBox="1"/>
+          <p:nvPr>
+            <p:custDataLst>
+              <p:tags r:id="rId1"/>
+            </p:custDataLst>
+          </p:nvPr>
+        </p:nvSpPr>
+        <p:spPr>
+          <a:xfrm>
+            <a:off x="571608" y="661194"/>
+            <a:ext cx="7886700" cy="994172"/>
+          </a:xfrm>
+          <a:prstGeom prst="rect">
+            <a:avLst/>
+          </a:prstGeom>
+        </p:spPr>
+        <p:txBody>
+          <a:bodyPr vert="horz" wrap="square" lIns="68580" tIns="34290" rIns="68580" bIns="34290" rtlCol="0" anchor="ctr">
+            <a:normAutofit/>
+          </a:bodyPr>
+          <a:lstStyle>
+            <a:lvl1pPr defTabSz="914400">
+              <a:lnSpc>
+                <a:spcPct val="120000"/>
+              </a:lnSpc>
+              <a:spcBef>
+                <a:spcPct val="0"/>
+              </a:spcBef>
+              <a:buNone/>
+              <a:defRPr sz="3600">
+                <a:solidFill>
+                  <a:schemeClr val="tx1">
+                    <a:lumMod val="75000"/>
+                    <a:lumOff val="25000"/>
+                  </a:schemeClr>
+                </a:solidFill>
+                <a:latin typeface="+mj-lt"/>
+                <a:ea typeface="+mj-ea"/>
+                <a:cs typeface="+mj-cs"/>
+              </a:defRPr>
+            </a:lvl1pPr>
+          </a:lstStyle>
+          <a:p>
+            <a:r>
+              <a:rPr lang="zh-CN" altLang="en-US" dirty="0"/>
+              <a:t>函数式编程</a:t>
+            </a:r>
+            <a:endParaRPr lang="zh-CN" altLang="en-US" dirty="0"/>
+          </a:p>
+        </p:txBody>
+      </p:sp>
+      <p:sp>
+        <p:nvSpPr>
+          <p:cNvPr id="2" name="文本框 1"/>
+          <p:cNvSpPr txBox="1"/>
+          <p:nvPr/>
+        </p:nvSpPr>
+        <p:spPr>
+          <a:xfrm>
+            <a:off x="571500" y="2033905"/>
+            <a:ext cx="8050530" cy="4892675"/>
+          </a:xfrm>
+          <a:prstGeom prst="rect">
+            <a:avLst/>
+          </a:prstGeom>
+          <a:noFill/>
+        </p:spPr>
+        <p:txBody>
+          <a:bodyPr wrap="square" rtlCol="0">
+            <a:spAutoFit/>
+          </a:bodyPr>
+          <a:p>
+            <a:pPr algn="l"/>
+            <a:r>
+              <a:rPr lang="zh-CN" altLang="en-US">
+                <a:solidFill>
+                  <a:srgbClr val="0070C0"/>
+                </a:solidFill>
+              </a:rPr>
+              <a:t>闭包</a:t>
+            </a:r>
+            <a:endParaRPr lang="zh-CN" altLang="en-US">
+              <a:solidFill>
+                <a:srgbClr val="0070C0"/>
+              </a:solidFill>
+            </a:endParaRPr>
+          </a:p>
+          <a:p>
+            <a:pPr algn="l"/>
+            <a:r>
+              <a:rPr lang="zh-CN" altLang="en-US">
+                <a:solidFill>
+                  <a:schemeClr val="tx1"/>
+                </a:solidFill>
+                <a:sym typeface="+mn-ea"/>
+              </a:rPr>
+              <a:t>如果一定要引用循环变量怎么办？方法是再创建一个函数， 用该函数的参数绑定循环变量当前的值， 无论该循环变量后续如何更改， 已绑定到函数参数的值不变：</a:t>
+            </a:r>
+            <a:endParaRPr lang="zh-CN" altLang="en-US">
+              <a:solidFill>
+                <a:schemeClr val="tx1"/>
+              </a:solidFill>
+              <a:sym typeface="+mn-ea"/>
+            </a:endParaRPr>
+          </a:p>
+          <a:p>
+            <a:pPr algn="l"/>
+            <a:r>
+              <a:rPr lang="zh-CN" altLang="en-US">
+                <a:solidFill>
+                  <a:schemeClr val="tx1"/>
+                </a:solidFill>
+                <a:latin typeface="Source Code Pro" panose="020B0509030403020204" charset="0"/>
+                <a:cs typeface="Source Code Pro" panose="020B0509030403020204" charset="0"/>
+                <a:sym typeface="+mn-ea"/>
+              </a:rPr>
+              <a:t>def count():</a:t>
+            </a:r>
+            <a:endParaRPr lang="zh-CN" altLang="en-US">
+              <a:solidFill>
+                <a:schemeClr val="tx1"/>
+              </a:solidFill>
+              <a:latin typeface="Source Code Pro" panose="020B0509030403020204" charset="0"/>
+              <a:cs typeface="Source Code Pro" panose="020B0509030403020204" charset="0"/>
+              <a:sym typeface="+mn-ea"/>
+            </a:endParaRPr>
+          </a:p>
+          <a:p>
+            <a:pPr algn="l"/>
+            <a:r>
+              <a:rPr lang="zh-CN" altLang="en-US">
+                <a:solidFill>
+                  <a:schemeClr val="tx1"/>
+                </a:solidFill>
+                <a:latin typeface="Source Code Pro" panose="020B0509030403020204" charset="0"/>
+                <a:cs typeface="Source Code Pro" panose="020B0509030403020204" charset="0"/>
+                <a:sym typeface="+mn-ea"/>
+              </a:rPr>
+              <a:t>    def f(j):</a:t>
+            </a:r>
+            <a:endParaRPr lang="zh-CN" altLang="en-US">
+              <a:solidFill>
+                <a:schemeClr val="tx1"/>
+              </a:solidFill>
+              <a:latin typeface="Source Code Pro" panose="020B0509030403020204" charset="0"/>
+              <a:cs typeface="Source Code Pro" panose="020B0509030403020204" charset="0"/>
+              <a:sym typeface="+mn-ea"/>
+            </a:endParaRPr>
+          </a:p>
+          <a:p>
+            <a:pPr algn="l"/>
+            <a:r>
+              <a:rPr lang="zh-CN" altLang="en-US">
+                <a:latin typeface="Source Code Pro" panose="020B0509030403020204" charset="0"/>
+                <a:cs typeface="Source Code Pro" panose="020B0509030403020204" charset="0"/>
+                <a:sym typeface="+mn-ea"/>
+              </a:rPr>
+              <a:t>        </a:t>
+            </a:r>
+            <a:r>
+              <a:rPr lang="zh-CN" altLang="en-US">
+                <a:solidFill>
+                  <a:schemeClr val="tx1"/>
+                </a:solidFill>
+                <a:latin typeface="Source Code Pro" panose="020B0509030403020204" charset="0"/>
+                <a:cs typeface="Source Code Pro" panose="020B0509030403020204" charset="0"/>
+                <a:sym typeface="+mn-ea"/>
+              </a:rPr>
+              <a:t>def g():</a:t>
+            </a:r>
+            <a:endParaRPr lang="zh-CN" altLang="en-US">
+              <a:solidFill>
+                <a:schemeClr val="tx1"/>
+              </a:solidFill>
+              <a:latin typeface="Source Code Pro" panose="020B0509030403020204" charset="0"/>
+              <a:cs typeface="Source Code Pro" panose="020B0509030403020204" charset="0"/>
+              <a:sym typeface="+mn-ea"/>
+            </a:endParaRPr>
+          </a:p>
+          <a:p>
+            <a:pPr algn="l"/>
+            <a:r>
+              <a:rPr lang="zh-CN" altLang="en-US">
+                <a:latin typeface="Source Code Pro" panose="020B0509030403020204" charset="0"/>
+                <a:cs typeface="Source Code Pro" panose="020B0509030403020204" charset="0"/>
+                <a:sym typeface="+mn-ea"/>
+              </a:rPr>
+              <a:t>            </a:t>
+            </a:r>
+            <a:r>
+              <a:rPr lang="zh-CN" altLang="en-US">
+                <a:solidFill>
+                  <a:schemeClr val="tx1"/>
+                </a:solidFill>
+                <a:latin typeface="Source Code Pro" panose="020B0509030403020204" charset="0"/>
+                <a:cs typeface="Source Code Pro" panose="020B0509030403020204" charset="0"/>
+                <a:sym typeface="+mn-ea"/>
+              </a:rPr>
+              <a:t>return j*j</a:t>
+            </a:r>
+            <a:endParaRPr lang="zh-CN" altLang="en-US">
+              <a:solidFill>
+                <a:schemeClr val="tx1"/>
+              </a:solidFill>
+              <a:latin typeface="Source Code Pro" panose="020B0509030403020204" charset="0"/>
+              <a:cs typeface="Source Code Pro" panose="020B0509030403020204" charset="0"/>
+              <a:sym typeface="+mn-ea"/>
+            </a:endParaRPr>
+          </a:p>
+          <a:p>
+            <a:pPr algn="l"/>
+            <a:r>
+              <a:rPr lang="zh-CN" altLang="en-US">
+                <a:latin typeface="Source Code Pro" panose="020B0509030403020204" charset="0"/>
+                <a:cs typeface="Source Code Pro" panose="020B0509030403020204" charset="0"/>
+                <a:sym typeface="+mn-ea"/>
+              </a:rPr>
+              <a:t>    </a:t>
+            </a:r>
+            <a:r>
+              <a:rPr lang="zh-CN" altLang="en-US">
+                <a:solidFill>
+                  <a:schemeClr val="tx1"/>
+                </a:solidFill>
+                <a:latin typeface="Source Code Pro" panose="020B0509030403020204" charset="0"/>
+                <a:cs typeface="Source Code Pro" panose="020B0509030403020204" charset="0"/>
+                <a:sym typeface="+mn-ea"/>
+              </a:rPr>
+              <a:t>return g</a:t>
+            </a:r>
+            <a:endParaRPr lang="zh-CN" altLang="en-US">
+              <a:solidFill>
+                <a:schemeClr val="tx1"/>
+              </a:solidFill>
+              <a:latin typeface="Source Code Pro" panose="020B0509030403020204" charset="0"/>
+              <a:cs typeface="Source Code Pro" panose="020B0509030403020204" charset="0"/>
+              <a:sym typeface="+mn-ea"/>
+            </a:endParaRPr>
+          </a:p>
+          <a:p>
+            <a:pPr algn="l"/>
+            <a:r>
+              <a:rPr lang="zh-CN" altLang="en-US">
+                <a:latin typeface="Source Code Pro" panose="020B0509030403020204" charset="0"/>
+                <a:cs typeface="Source Code Pro" panose="020B0509030403020204" charset="0"/>
+                <a:sym typeface="+mn-ea"/>
+              </a:rPr>
+              <a:t>    </a:t>
+            </a:r>
+            <a:r>
+              <a:rPr lang="zh-CN" altLang="en-US">
+                <a:solidFill>
+                  <a:schemeClr val="tx1"/>
+                </a:solidFill>
+                <a:latin typeface="Source Code Pro" panose="020B0509030403020204" charset="0"/>
+                <a:cs typeface="Source Code Pro" panose="020B0509030403020204" charset="0"/>
+                <a:sym typeface="+mn-ea"/>
+              </a:rPr>
+              <a:t>fs = []</a:t>
+            </a:r>
+            <a:endParaRPr lang="zh-CN" altLang="en-US">
+              <a:solidFill>
+                <a:schemeClr val="tx1"/>
+              </a:solidFill>
+              <a:latin typeface="Source Code Pro" panose="020B0509030403020204" charset="0"/>
+              <a:cs typeface="Source Code Pro" panose="020B0509030403020204" charset="0"/>
+              <a:sym typeface="+mn-ea"/>
+            </a:endParaRPr>
+          </a:p>
+          <a:p>
+            <a:pPr algn="l"/>
+            <a:r>
+              <a:rPr lang="zh-CN" altLang="en-US">
+                <a:latin typeface="Source Code Pro" panose="020B0509030403020204" charset="0"/>
+                <a:cs typeface="Source Code Pro" panose="020B0509030403020204" charset="0"/>
+                <a:sym typeface="+mn-ea"/>
+              </a:rPr>
+              <a:t>    </a:t>
+            </a:r>
+            <a:r>
+              <a:rPr lang="zh-CN" altLang="en-US">
+                <a:solidFill>
+                  <a:schemeClr val="tx1"/>
+                </a:solidFill>
+                <a:latin typeface="Source Code Pro" panose="020B0509030403020204" charset="0"/>
+                <a:cs typeface="Source Code Pro" panose="020B0509030403020204" charset="0"/>
+                <a:sym typeface="+mn-ea"/>
+              </a:rPr>
+              <a:t>for i in range(1, 4):</a:t>
+            </a:r>
+            <a:endParaRPr lang="zh-CN" altLang="en-US">
+              <a:solidFill>
+                <a:schemeClr val="tx1"/>
+              </a:solidFill>
+              <a:latin typeface="Source Code Pro" panose="020B0509030403020204" charset="0"/>
+              <a:cs typeface="Source Code Pro" panose="020B0509030403020204" charset="0"/>
+              <a:sym typeface="+mn-ea"/>
+            </a:endParaRPr>
+          </a:p>
+          <a:p>
+            <a:pPr algn="l"/>
+            <a:r>
+              <a:rPr lang="zh-CN" altLang="en-US">
+                <a:latin typeface="Source Code Pro" panose="020B0509030403020204" charset="0"/>
+                <a:cs typeface="Source Code Pro" panose="020B0509030403020204" charset="0"/>
+                <a:sym typeface="+mn-ea"/>
+              </a:rPr>
+              <a:t>        </a:t>
+            </a:r>
+            <a:r>
+              <a:rPr lang="zh-CN" altLang="en-US">
+                <a:solidFill>
+                  <a:schemeClr val="tx1"/>
+                </a:solidFill>
+                <a:latin typeface="Source Code Pro" panose="020B0509030403020204" charset="0"/>
+                <a:cs typeface="Source Code Pro" panose="020B0509030403020204" charset="0"/>
+                <a:sym typeface="+mn-ea"/>
+              </a:rPr>
+              <a:t>fs.append(f(i)) </a:t>
+            </a:r>
+            <a:r>
+              <a:rPr lang="zh-CN" altLang="en-US" sz="1200">
+                <a:solidFill>
+                  <a:schemeClr val="bg2">
+                    <a:lumMod val="50000"/>
+                  </a:schemeClr>
+                </a:solidFill>
+                <a:latin typeface="Source Code Pro" panose="020B0509030403020204" charset="0"/>
+                <a:cs typeface="Source Code Pro" panose="020B0509030403020204" charset="0"/>
+                <a:sym typeface="+mn-ea"/>
+              </a:rPr>
+              <a:t># f(i)立刻被执行， 因此i的当前值被传入f()</a:t>
+            </a:r>
+            <a:endParaRPr lang="zh-CN" altLang="en-US" sz="1200">
+              <a:solidFill>
+                <a:schemeClr val="bg2">
+                  <a:lumMod val="50000"/>
+                </a:schemeClr>
+              </a:solidFill>
+              <a:latin typeface="Source Code Pro" panose="020B0509030403020204" charset="0"/>
+              <a:cs typeface="Source Code Pro" panose="020B0509030403020204" charset="0"/>
+              <a:sym typeface="+mn-ea"/>
+            </a:endParaRPr>
+          </a:p>
+          <a:p>
+            <a:pPr algn="l"/>
+            <a:r>
+              <a:rPr lang="zh-CN" altLang="en-US">
+                <a:latin typeface="Source Code Pro" panose="020B0509030403020204" charset="0"/>
+                <a:cs typeface="Source Code Pro" panose="020B0509030403020204" charset="0"/>
+                <a:sym typeface="+mn-ea"/>
+              </a:rPr>
+              <a:t>    </a:t>
+            </a:r>
+            <a:r>
+              <a:rPr lang="zh-CN" altLang="en-US">
+                <a:solidFill>
+                  <a:schemeClr val="tx1"/>
+                </a:solidFill>
+                <a:latin typeface="Source Code Pro" panose="020B0509030403020204" charset="0"/>
+                <a:cs typeface="Source Code Pro" panose="020B0509030403020204" charset="0"/>
+                <a:sym typeface="+mn-ea"/>
+              </a:rPr>
+              <a:t>return fs</a:t>
+            </a:r>
+            <a:endParaRPr lang="zh-CN" altLang="en-US">
+              <a:solidFill>
+                <a:schemeClr val="tx1"/>
+              </a:solidFill>
+              <a:latin typeface="Source Code Pro" panose="020B0509030403020204" charset="0"/>
+              <a:cs typeface="Source Code Pro" panose="020B0509030403020204" charset="0"/>
+              <a:sym typeface="+mn-ea"/>
+            </a:endParaRPr>
+          </a:p>
+        </p:txBody>
+      </p:sp>
+      <p:sp>
+        <p:nvSpPr>
+          <p:cNvPr id="3" name="文本框 2"/>
+          <p:cNvSpPr txBox="1"/>
+          <p:nvPr/>
+        </p:nvSpPr>
+        <p:spPr>
+          <a:xfrm>
+            <a:off x="5577840" y="3643630"/>
+            <a:ext cx="2880360" cy="2553335"/>
+          </a:xfrm>
+          <a:prstGeom prst="rect">
+            <a:avLst/>
+          </a:prstGeom>
+          <a:noFill/>
+        </p:spPr>
+        <p:txBody>
+          <a:bodyPr wrap="square" rtlCol="0">
+            <a:spAutoFit/>
+          </a:bodyPr>
+          <a:p>
+            <a:pPr algn="l"/>
+            <a:r>
+              <a:rPr lang="zh-CN" altLang="en-US" sz="1600">
+                <a:sym typeface="+mn-ea"/>
+              </a:rPr>
+              <a:t>再看看结果：</a:t>
+            </a:r>
+            <a:endParaRPr lang="zh-CN" altLang="en-US" sz="1600">
+              <a:solidFill>
+                <a:schemeClr val="tx1"/>
+              </a:solidFill>
+              <a:sym typeface="+mn-ea"/>
+            </a:endParaRPr>
+          </a:p>
+          <a:p>
+            <a:pPr algn="l"/>
+            <a:r>
+              <a:rPr lang="zh-CN" altLang="en-US" sz="1600">
+                <a:solidFill>
+                  <a:srgbClr val="92D050"/>
+                </a:solidFill>
+                <a:sym typeface="+mn-ea"/>
+              </a:rPr>
+              <a:t>&gt;&gt;&gt;</a:t>
+            </a:r>
+            <a:r>
+              <a:rPr lang="zh-CN" altLang="en-US" sz="1600">
+                <a:sym typeface="+mn-ea"/>
+              </a:rPr>
+              <a:t> f1, f2, f3 = count()</a:t>
+            </a:r>
+            <a:endParaRPr lang="zh-CN" altLang="en-US" sz="1600">
+              <a:solidFill>
+                <a:schemeClr val="tx1"/>
+              </a:solidFill>
+              <a:sym typeface="+mn-ea"/>
+            </a:endParaRPr>
+          </a:p>
+          <a:p>
+            <a:pPr algn="l"/>
+            <a:r>
+              <a:rPr lang="zh-CN" altLang="en-US" sz="1600">
+                <a:solidFill>
+                  <a:srgbClr val="92D050"/>
+                </a:solidFill>
+                <a:sym typeface="+mn-ea"/>
+              </a:rPr>
+              <a:t>&gt;&gt;&gt; </a:t>
+            </a:r>
+            <a:r>
+              <a:rPr lang="zh-CN" altLang="en-US" sz="1600">
+                <a:sym typeface="+mn-ea"/>
+              </a:rPr>
+              <a:t>f1()</a:t>
+            </a:r>
+            <a:endParaRPr lang="zh-CN" altLang="en-US" sz="1600">
+              <a:solidFill>
+                <a:schemeClr val="tx1"/>
+              </a:solidFill>
+              <a:sym typeface="+mn-ea"/>
+            </a:endParaRPr>
+          </a:p>
+          <a:p>
+            <a:pPr algn="l"/>
+            <a:r>
+              <a:rPr lang="zh-CN" altLang="en-US" sz="1600">
+                <a:sym typeface="+mn-ea"/>
+              </a:rPr>
+              <a:t>1 </a:t>
+            </a:r>
+            <a:endParaRPr lang="zh-CN" altLang="en-US" sz="1600">
+              <a:sym typeface="+mn-ea"/>
+            </a:endParaRPr>
+          </a:p>
+          <a:p>
+            <a:pPr algn="l"/>
+            <a:r>
+              <a:rPr lang="zh-CN" altLang="en-US" sz="1600">
+                <a:solidFill>
+                  <a:srgbClr val="92D050"/>
+                </a:solidFill>
+                <a:sym typeface="+mn-ea"/>
+              </a:rPr>
+              <a:t>&gt;&gt;&gt;</a:t>
+            </a:r>
+            <a:r>
+              <a:rPr lang="zh-CN" altLang="en-US" sz="1600">
+                <a:sym typeface="+mn-ea"/>
+              </a:rPr>
+              <a:t> f2()</a:t>
+            </a:r>
+            <a:endParaRPr lang="zh-CN" altLang="en-US" sz="1600">
+              <a:solidFill>
+                <a:schemeClr val="tx1"/>
+              </a:solidFill>
+              <a:sym typeface="+mn-ea"/>
+            </a:endParaRPr>
+          </a:p>
+          <a:p>
+            <a:pPr algn="l"/>
+            <a:r>
+              <a:rPr lang="zh-CN" altLang="en-US" sz="1600">
+                <a:sym typeface="+mn-ea"/>
+              </a:rPr>
+              <a:t>4</a:t>
+            </a:r>
+            <a:endParaRPr lang="zh-CN" altLang="en-US" sz="1600">
+              <a:sym typeface="+mn-ea"/>
+            </a:endParaRPr>
+          </a:p>
+          <a:p>
+            <a:pPr algn="l"/>
+            <a:r>
+              <a:rPr lang="zh-CN" altLang="en-US" sz="1600">
+                <a:solidFill>
+                  <a:srgbClr val="92D050"/>
+                </a:solidFill>
+                <a:sym typeface="+mn-ea"/>
+              </a:rPr>
+              <a:t>&gt;&gt;&gt;</a:t>
+            </a:r>
+            <a:r>
+              <a:rPr lang="zh-CN" altLang="en-US" sz="1600">
+                <a:sym typeface="+mn-ea"/>
+              </a:rPr>
+              <a:t> f3()</a:t>
+            </a:r>
+            <a:endParaRPr lang="zh-CN" altLang="en-US" sz="1600">
+              <a:solidFill>
+                <a:schemeClr val="tx1"/>
+              </a:solidFill>
+              <a:sym typeface="+mn-ea"/>
+            </a:endParaRPr>
+          </a:p>
+          <a:p>
+            <a:pPr algn="l"/>
+            <a:r>
+              <a:rPr lang="zh-CN" altLang="en-US" sz="1600">
+                <a:sym typeface="+mn-ea"/>
+              </a:rPr>
+              <a:t>9</a:t>
+            </a:r>
+            <a:endParaRPr lang="zh-CN" altLang="en-US" sz="1600">
+              <a:solidFill>
+                <a:schemeClr val="tx1"/>
+              </a:solidFill>
+              <a:sym typeface="+mn-ea"/>
+            </a:endParaRPr>
+          </a:p>
+          <a:p>
+            <a:pPr algn="l"/>
+            <a:r>
+              <a:rPr lang="zh-CN" altLang="en-US" sz="1600">
+                <a:sym typeface="+mn-ea"/>
+              </a:rPr>
+              <a:t>缺点是代码较长， 可利用lambda函数缩短代码。</a:t>
+            </a:r>
+            <a:endParaRPr lang="zh-CN" altLang="en-US" sz="1600">
+              <a:sym typeface="+mn-ea"/>
+            </a:endParaRPr>
+          </a:p>
+        </p:txBody>
+      </p:sp>
+      <p:grpSp>
+        <p:nvGrpSpPr>
+          <p:cNvPr id="6" name="组合 5"/>
+          <p:cNvGrpSpPr/>
+          <p:nvPr/>
+        </p:nvGrpSpPr>
+        <p:grpSpPr>
+          <a:xfrm>
+            <a:off x="5477510" y="3643630"/>
+            <a:ext cx="2980690" cy="2514600"/>
+            <a:chOff x="8626" y="5738"/>
+            <a:chExt cx="4694" cy="3960"/>
+          </a:xfrm>
+        </p:grpSpPr>
+        <p:cxnSp>
+          <p:nvCxnSpPr>
+            <p:cNvPr id="4" name="直接连接符 3"/>
+            <p:cNvCxnSpPr/>
+            <p:nvPr/>
+          </p:nvCxnSpPr>
+          <p:spPr>
+            <a:xfrm>
+              <a:off x="8626" y="5738"/>
+              <a:ext cx="0" cy="3960"/>
+            </a:xfrm>
+            <a:prstGeom prst="line">
+              <a:avLst/>
+            </a:prstGeom>
+            <a:ln>
+              <a:solidFill>
+                <a:schemeClr val="bg2">
+                  <a:lumMod val="50000"/>
+                </a:schemeClr>
+              </a:solidFill>
+            </a:ln>
+          </p:spPr>
+          <p:style>
+            <a:lnRef idx="1">
+              <a:schemeClr val="accent1"/>
+            </a:lnRef>
+            <a:fillRef idx="0">
+              <a:schemeClr val="accent1"/>
+            </a:fillRef>
+            <a:effectRef idx="0">
+              <a:schemeClr val="accent1"/>
+            </a:effectRef>
+            <a:fontRef idx="minor">
+              <a:schemeClr val="tx1"/>
+            </a:fontRef>
+          </p:style>
+        </p:cxnSp>
+        <p:cxnSp>
+          <p:nvCxnSpPr>
+            <p:cNvPr id="5" name="直接连接符 4"/>
+            <p:cNvCxnSpPr/>
+            <p:nvPr/>
+          </p:nvCxnSpPr>
+          <p:spPr>
+            <a:xfrm flipV="1">
+              <a:off x="8626" y="9676"/>
+              <a:ext cx="4694" cy="22"/>
+            </a:xfrm>
+            <a:prstGeom prst="line">
+              <a:avLst/>
+            </a:prstGeom>
+            <a:ln>
+              <a:solidFill>
+                <a:schemeClr val="bg2">
+                  <a:lumMod val="50000"/>
+                </a:schemeClr>
+              </a:solidFill>
+            </a:ln>
+          </p:spPr>
+          <p:style>
+            <a:lnRef idx="1">
+              <a:schemeClr val="accent1"/>
+            </a:lnRef>
+            <a:fillRef idx="0">
+              <a:schemeClr val="accent1"/>
+            </a:fillRef>
+            <a:effectRef idx="0">
+              <a:schemeClr val="accent1"/>
+            </a:effectRef>
+            <a:fontRef idx="minor">
+              <a:schemeClr val="tx1"/>
+            </a:fontRef>
+          </p:style>
+        </p:cxnSp>
+      </p:grpSp>
+    </p:spTree>
+    <p:custDataLst>
+      <p:tags r:id="rId2"/>
+    </p:custDataLst>
+  </p:cSld>
+  <p:clrMapOvr>
+    <a:masterClrMapping/>
+  </p:clrMapOvr>
+</p:sld>
+</file>
+
+<file path=ppt/slides/slide18.xml><?xml version="1.0" encoding="utf-8"?>
+<p:sld xmlns:a="http://schemas.openxmlformats.org/drawingml/2006/main" xmlns:r="http://schemas.openxmlformats.org/officeDocument/2006/relationships" xmlns:p="http://schemas.openxmlformats.org/presentationml/2006/main">
+  <p:cSld>
+    <p:spTree>
+      <p:nvGrpSpPr>
+        <p:cNvPr id="1" name=""/>
+        <p:cNvGrpSpPr/>
+        <p:nvPr/>
+      </p:nvGrpSpPr>
+      <p:grpSpPr>
+        <a:xfrm>
+          <a:off x="0" y="0"/>
+          <a:ext cx="0" cy="0"/>
+          <a:chOff x="0" y="0"/>
+          <a:chExt cx="0" cy="0"/>
+        </a:xfrm>
+      </p:grpSpPr>
+      <p:sp>
+        <p:nvSpPr>
+          <p:cNvPr id="8" name="标题 1"/>
+          <p:cNvSpPr txBox="1"/>
+          <p:nvPr>
+            <p:custDataLst>
+              <p:tags r:id="rId1"/>
+            </p:custDataLst>
+          </p:nvPr>
+        </p:nvSpPr>
+        <p:spPr>
+          <a:xfrm>
+            <a:off x="571608" y="661194"/>
+            <a:ext cx="7886700" cy="994172"/>
+          </a:xfrm>
+          <a:prstGeom prst="rect">
+            <a:avLst/>
+          </a:prstGeom>
+        </p:spPr>
+        <p:txBody>
+          <a:bodyPr vert="horz" wrap="square" lIns="68580" tIns="34290" rIns="68580" bIns="34290" rtlCol="0" anchor="ctr">
+            <a:normAutofit/>
+          </a:bodyPr>
+          <a:lstStyle>
+            <a:lvl1pPr defTabSz="914400">
+              <a:lnSpc>
+                <a:spcPct val="120000"/>
+              </a:lnSpc>
+              <a:spcBef>
+                <a:spcPct val="0"/>
+              </a:spcBef>
+              <a:buNone/>
+              <a:defRPr sz="3600">
+                <a:solidFill>
+                  <a:schemeClr val="tx1">
+                    <a:lumMod val="75000"/>
+                    <a:lumOff val="25000"/>
+                  </a:schemeClr>
+                </a:solidFill>
+                <a:latin typeface="+mj-lt"/>
+                <a:ea typeface="+mj-ea"/>
+                <a:cs typeface="+mj-cs"/>
+              </a:defRPr>
+            </a:lvl1pPr>
+          </a:lstStyle>
+          <a:p>
+            <a:r>
+              <a:rPr lang="zh-CN" altLang="en-US" dirty="0"/>
+              <a:t>函数式编程</a:t>
+            </a:r>
+            <a:endParaRPr lang="zh-CN" altLang="en-US" dirty="0"/>
+          </a:p>
+        </p:txBody>
+      </p:sp>
+      <p:sp>
+        <p:nvSpPr>
+          <p:cNvPr id="2" name="文本框 1"/>
+          <p:cNvSpPr txBox="1"/>
+          <p:nvPr/>
+        </p:nvSpPr>
+        <p:spPr>
+          <a:xfrm>
+            <a:off x="571500" y="2033905"/>
+            <a:ext cx="8050530" cy="4523105"/>
+          </a:xfrm>
+          <a:prstGeom prst="rect">
+            <a:avLst/>
+          </a:prstGeom>
+          <a:noFill/>
+        </p:spPr>
+        <p:txBody>
+          <a:bodyPr wrap="square" rtlCol="0">
+            <a:spAutoFit/>
+          </a:bodyPr>
+          <a:p>
+            <a:pPr algn="l"/>
+            <a:r>
+              <a:rPr lang="zh-CN" altLang="en-US">
+                <a:solidFill>
+                  <a:srgbClr val="0070C0"/>
+                </a:solidFill>
+              </a:rPr>
+              <a:t>匿名函数</a:t>
+            </a:r>
+            <a:endParaRPr lang="zh-CN" altLang="en-US">
+              <a:solidFill>
+                <a:srgbClr val="0070C0"/>
+              </a:solidFill>
+            </a:endParaRPr>
+          </a:p>
+          <a:p>
+            <a:pPr indent="457200" algn="l" eaLnBrk="1" latinLnBrk="0" hangingPunct="1"/>
+            <a:r>
+              <a:rPr lang="zh-CN" altLang="en-US">
+                <a:solidFill>
+                  <a:schemeClr val="tx1"/>
+                </a:solidFill>
+                <a:sym typeface="+mn-ea"/>
+              </a:rPr>
+              <a:t>当我们在传入函数时， 有些时候， 不需要显式地定义函数， 直接传入匿名函数更方便。</a:t>
+            </a:r>
+            <a:endParaRPr lang="zh-CN" altLang="en-US">
+              <a:solidFill>
+                <a:schemeClr val="tx1"/>
+              </a:solidFill>
+              <a:sym typeface="+mn-ea"/>
+            </a:endParaRPr>
+          </a:p>
+          <a:p>
+            <a:pPr indent="457200" algn="l" eaLnBrk="1" latinLnBrk="0" hangingPunct="1"/>
+            <a:r>
+              <a:rPr lang="zh-CN" altLang="en-US">
+                <a:solidFill>
+                  <a:schemeClr val="tx1"/>
+                </a:solidFill>
+                <a:sym typeface="+mn-ea"/>
+              </a:rPr>
+              <a:t>在Python中， 对匿名函数提供了有限支持。 还是以 map() 函数为例， 计算f(x)=x</a:t>
+            </a:r>
+            <a:r>
+              <a:rPr lang="zh-CN" altLang="en-US" baseline="30000">
+                <a:solidFill>
+                  <a:schemeClr val="tx1"/>
+                </a:solidFill>
+                <a:sym typeface="+mn-ea"/>
+              </a:rPr>
+              <a:t>2</a:t>
+            </a:r>
+            <a:r>
+              <a:rPr lang="zh-CN" altLang="en-US">
+                <a:solidFill>
+                  <a:schemeClr val="tx1"/>
+                </a:solidFill>
+                <a:sym typeface="+mn-ea"/>
+              </a:rPr>
+              <a:t>时， 除了定义一个 f(x) 的函数外， 还可以直接传入匿名函数：</a:t>
+            </a:r>
+            <a:endParaRPr lang="zh-CN" altLang="en-US">
+              <a:solidFill>
+                <a:schemeClr val="tx1"/>
+              </a:solidFill>
+              <a:sym typeface="+mn-ea"/>
+            </a:endParaRPr>
+          </a:p>
+          <a:p>
+            <a:pPr algn="l"/>
+            <a:r>
+              <a:rPr lang="zh-CN" altLang="en-US">
+                <a:solidFill>
+                  <a:srgbClr val="92D050"/>
+                </a:solidFill>
+                <a:sym typeface="+mn-ea"/>
+              </a:rPr>
+              <a:t>&gt;&gt;&gt;</a:t>
+            </a:r>
+            <a:r>
+              <a:rPr lang="zh-CN" altLang="en-US">
+                <a:solidFill>
+                  <a:schemeClr val="tx1"/>
+                </a:solidFill>
+                <a:sym typeface="+mn-ea"/>
+              </a:rPr>
+              <a:t> list(map(lambda x: x * x, [1, 2, 3, 4, 5, 6, 7, 8, 9]))</a:t>
+            </a:r>
+            <a:endParaRPr lang="zh-CN" altLang="en-US">
+              <a:solidFill>
+                <a:schemeClr val="tx1"/>
+              </a:solidFill>
+              <a:sym typeface="+mn-ea"/>
+            </a:endParaRPr>
+          </a:p>
+          <a:p>
+            <a:pPr algn="l"/>
+            <a:r>
+              <a:rPr lang="zh-CN" altLang="en-US">
+                <a:solidFill>
+                  <a:schemeClr val="tx1"/>
+                </a:solidFill>
+                <a:sym typeface="+mn-ea"/>
+              </a:rPr>
+              <a:t>[1, 4, 9, 16, 25, 36, 49, 64, 81]</a:t>
+            </a:r>
+            <a:endParaRPr lang="zh-CN" altLang="en-US">
+              <a:solidFill>
+                <a:schemeClr val="tx1"/>
+              </a:solidFill>
+              <a:sym typeface="+mn-ea"/>
+            </a:endParaRPr>
+          </a:p>
+          <a:p>
+            <a:pPr indent="457200" algn="l" eaLnBrk="1" latinLnBrk="0" hangingPunct="1"/>
+            <a:r>
+              <a:rPr lang="zh-CN" altLang="en-US">
+                <a:solidFill>
+                  <a:schemeClr val="tx1"/>
+                </a:solidFill>
+                <a:sym typeface="+mn-ea"/>
+              </a:rPr>
+              <a:t>通过对比可以看出， 匿名函数 lambda x: x * x 实际上就是：</a:t>
+            </a:r>
+            <a:endParaRPr lang="zh-CN" altLang="en-US">
+              <a:solidFill>
+                <a:schemeClr val="tx1"/>
+              </a:solidFill>
+              <a:sym typeface="+mn-ea"/>
+            </a:endParaRPr>
+          </a:p>
+          <a:p>
+            <a:pPr algn="l"/>
+            <a:r>
+              <a:rPr lang="zh-CN" altLang="en-US">
+                <a:solidFill>
+                  <a:schemeClr val="tx1"/>
+                </a:solidFill>
+                <a:latin typeface="Source Code Pro" panose="020B0509030403020204" charset="0"/>
+                <a:cs typeface="Source Code Pro" panose="020B0509030403020204" charset="0"/>
+                <a:sym typeface="+mn-ea"/>
+              </a:rPr>
+              <a:t>def f(x):</a:t>
+            </a:r>
+            <a:endParaRPr lang="zh-CN" altLang="en-US">
+              <a:solidFill>
+                <a:schemeClr val="tx1"/>
+              </a:solidFill>
+              <a:latin typeface="Source Code Pro" panose="020B0509030403020204" charset="0"/>
+              <a:cs typeface="Source Code Pro" panose="020B0509030403020204" charset="0"/>
+              <a:sym typeface="+mn-ea"/>
+            </a:endParaRPr>
+          </a:p>
+          <a:p>
+            <a:pPr algn="l"/>
+            <a:r>
+              <a:rPr lang="zh-CN" altLang="en-US">
+                <a:solidFill>
+                  <a:schemeClr val="tx1"/>
+                </a:solidFill>
+                <a:latin typeface="Source Code Pro" panose="020B0509030403020204" charset="0"/>
+                <a:cs typeface="Source Code Pro" panose="020B0509030403020204" charset="0"/>
+                <a:sym typeface="+mn-ea"/>
+              </a:rPr>
+              <a:t>    return x * x</a:t>
+            </a:r>
+            <a:endParaRPr lang="zh-CN" altLang="en-US">
+              <a:solidFill>
+                <a:schemeClr val="tx1"/>
+              </a:solidFill>
+              <a:latin typeface="Source Code Pro" panose="020B0509030403020204" charset="0"/>
+              <a:cs typeface="Source Code Pro" panose="020B0509030403020204" charset="0"/>
+              <a:sym typeface="+mn-ea"/>
+            </a:endParaRPr>
+          </a:p>
+        </p:txBody>
+      </p:sp>
+    </p:spTree>
+    <p:custDataLst>
+      <p:tags r:id="rId2"/>
+    </p:custDataLst>
+  </p:cSld>
+  <p:clrMapOvr>
+    <a:masterClrMapping/>
+  </p:clrMapOvr>
+</p:sld>
+</file>
+
+<file path=ppt/slides/slide19.xml><?xml version="1.0" encoding="utf-8"?>
+<p:sld xmlns:a="http://schemas.openxmlformats.org/drawingml/2006/main" xmlns:r="http://schemas.openxmlformats.org/officeDocument/2006/relationships" xmlns:p="http://schemas.openxmlformats.org/presentationml/2006/main">
+  <p:cSld>
+    <p:spTree>
+      <p:nvGrpSpPr>
+        <p:cNvPr id="1" name=""/>
+        <p:cNvGrpSpPr/>
+        <p:nvPr/>
+      </p:nvGrpSpPr>
+      <p:grpSpPr>
+        <a:xfrm>
+          <a:off x="0" y="0"/>
+          <a:ext cx="0" cy="0"/>
+          <a:chOff x="0" y="0"/>
+          <a:chExt cx="0" cy="0"/>
+        </a:xfrm>
+      </p:grpSpPr>
+      <p:sp>
+        <p:nvSpPr>
+          <p:cNvPr id="8" name="标题 1"/>
+          <p:cNvSpPr txBox="1"/>
+          <p:nvPr>
+            <p:custDataLst>
+              <p:tags r:id="rId1"/>
+            </p:custDataLst>
+          </p:nvPr>
+        </p:nvSpPr>
+        <p:spPr>
+          <a:xfrm>
+            <a:off x="571608" y="661194"/>
+            <a:ext cx="7886700" cy="994172"/>
+          </a:xfrm>
+          <a:prstGeom prst="rect">
+            <a:avLst/>
+          </a:prstGeom>
+        </p:spPr>
+        <p:txBody>
+          <a:bodyPr vert="horz" wrap="square" lIns="68580" tIns="34290" rIns="68580" bIns="34290" rtlCol="0" anchor="ctr">
+            <a:normAutofit/>
+          </a:bodyPr>
+          <a:lstStyle>
+            <a:lvl1pPr defTabSz="914400">
+              <a:lnSpc>
+                <a:spcPct val="120000"/>
+              </a:lnSpc>
+              <a:spcBef>
+                <a:spcPct val="0"/>
+              </a:spcBef>
+              <a:buNone/>
+              <a:defRPr sz="3600">
+                <a:solidFill>
+                  <a:schemeClr val="tx1">
+                    <a:lumMod val="75000"/>
+                    <a:lumOff val="25000"/>
+                  </a:schemeClr>
+                </a:solidFill>
+                <a:latin typeface="+mj-lt"/>
+                <a:ea typeface="+mj-ea"/>
+                <a:cs typeface="+mj-cs"/>
+              </a:defRPr>
+            </a:lvl1pPr>
+          </a:lstStyle>
+          <a:p>
+            <a:r>
+              <a:rPr lang="zh-CN" altLang="en-US" dirty="0"/>
+              <a:t>函数式编程</a:t>
+            </a:r>
+            <a:endParaRPr lang="zh-CN" altLang="en-US" dirty="0"/>
+          </a:p>
+        </p:txBody>
+      </p:sp>
+      <p:sp>
+        <p:nvSpPr>
+          <p:cNvPr id="2" name="文本框 1"/>
+          <p:cNvSpPr txBox="1"/>
+          <p:nvPr/>
+        </p:nvSpPr>
+        <p:spPr>
+          <a:xfrm>
+            <a:off x="571500" y="2033905"/>
+            <a:ext cx="8050530" cy="4523105"/>
+          </a:xfrm>
+          <a:prstGeom prst="rect">
+            <a:avLst/>
+          </a:prstGeom>
+          <a:noFill/>
+        </p:spPr>
+        <p:txBody>
+          <a:bodyPr wrap="square" rtlCol="0">
+            <a:spAutoFit/>
+          </a:bodyPr>
+          <a:p>
+            <a:pPr algn="l"/>
+            <a:r>
+              <a:rPr lang="zh-CN" altLang="en-US">
+                <a:solidFill>
+                  <a:srgbClr val="0070C0"/>
+                </a:solidFill>
+              </a:rPr>
+              <a:t>匿名函数</a:t>
+            </a:r>
+            <a:endParaRPr lang="zh-CN" altLang="en-US">
+              <a:solidFill>
+                <a:srgbClr val="0070C0"/>
+              </a:solidFill>
+            </a:endParaRPr>
+          </a:p>
+          <a:p>
+            <a:pPr indent="457200" algn="l" eaLnBrk="1" latinLnBrk="0" hangingPunct="1"/>
+            <a:r>
+              <a:rPr lang="zh-CN" altLang="en-US">
+                <a:solidFill>
+                  <a:schemeClr val="tx1"/>
+                </a:solidFill>
+                <a:sym typeface="+mn-ea"/>
+              </a:rPr>
+              <a:t>关键字 lambda 表示匿名函数， 冒号前面的 x 表示函数参数。</a:t>
+            </a:r>
+            <a:endParaRPr lang="zh-CN" altLang="en-US">
+              <a:solidFill>
+                <a:schemeClr val="tx1"/>
+              </a:solidFill>
+              <a:sym typeface="+mn-ea"/>
+            </a:endParaRPr>
+          </a:p>
+          <a:p>
+            <a:pPr indent="457200" algn="l" eaLnBrk="1" latinLnBrk="0" hangingPunct="1"/>
+            <a:r>
+              <a:rPr lang="zh-CN" altLang="en-US">
+                <a:solidFill>
+                  <a:schemeClr val="tx1"/>
+                </a:solidFill>
+                <a:sym typeface="+mn-ea"/>
+              </a:rPr>
+              <a:t>匿名函数有个限制， 就是只能有一个表达式， 不用return ， 返回值就是该表达式的结果。</a:t>
+            </a:r>
+            <a:endParaRPr lang="zh-CN" altLang="en-US">
+              <a:solidFill>
+                <a:schemeClr val="tx1"/>
+              </a:solidFill>
+              <a:sym typeface="+mn-ea"/>
+            </a:endParaRPr>
+          </a:p>
+          <a:p>
+            <a:pPr indent="457200" algn="l" eaLnBrk="1" latinLnBrk="0" hangingPunct="1"/>
+            <a:r>
+              <a:rPr lang="zh-CN" altLang="en-US">
+                <a:solidFill>
+                  <a:schemeClr val="tx1"/>
+                </a:solidFill>
+                <a:sym typeface="+mn-ea"/>
+              </a:rPr>
+              <a:t>用匿名函数有个好处， 因为函数没有名字， 不必担心函数名冲突。 此外， 匿名函数也是一个函数对象， 也可以把匿名函数赋值给一个变量， 再利用变量来调用该函数：</a:t>
+            </a:r>
+            <a:endParaRPr lang="zh-CN" altLang="en-US">
+              <a:solidFill>
+                <a:schemeClr val="tx1"/>
+              </a:solidFill>
+              <a:sym typeface="+mn-ea"/>
+            </a:endParaRPr>
+          </a:p>
+          <a:p>
+            <a:pPr algn="l"/>
+            <a:r>
+              <a:rPr lang="zh-CN" altLang="en-US">
+                <a:solidFill>
+                  <a:srgbClr val="92D050"/>
+                </a:solidFill>
+                <a:sym typeface="+mn-ea"/>
+              </a:rPr>
+              <a:t>&gt;&gt;&gt;</a:t>
+            </a:r>
+            <a:r>
+              <a:rPr lang="zh-CN" altLang="en-US">
+                <a:solidFill>
+                  <a:schemeClr val="tx1"/>
+                </a:solidFill>
+                <a:sym typeface="+mn-ea"/>
+              </a:rPr>
+              <a:t> f = lambda x: x * x</a:t>
+            </a:r>
+            <a:endParaRPr lang="zh-CN" altLang="en-US">
+              <a:solidFill>
+                <a:schemeClr val="tx1"/>
+              </a:solidFill>
+              <a:sym typeface="+mn-ea"/>
+            </a:endParaRPr>
+          </a:p>
+          <a:p>
+            <a:pPr algn="l"/>
+            <a:r>
+              <a:rPr lang="zh-CN" altLang="en-US">
+                <a:solidFill>
+                  <a:srgbClr val="92D050"/>
+                </a:solidFill>
+                <a:sym typeface="+mn-ea"/>
+              </a:rPr>
+              <a:t>&gt;&gt;&gt;</a:t>
+            </a:r>
+            <a:r>
+              <a:rPr lang="zh-CN" altLang="en-US">
+                <a:solidFill>
+                  <a:schemeClr val="tx1"/>
+                </a:solidFill>
+                <a:sym typeface="+mn-ea"/>
+              </a:rPr>
+              <a:t> f</a:t>
+            </a:r>
+            <a:endParaRPr lang="zh-CN" altLang="en-US">
+              <a:solidFill>
+                <a:schemeClr val="tx1"/>
+              </a:solidFill>
+              <a:sym typeface="+mn-ea"/>
+            </a:endParaRPr>
+          </a:p>
+          <a:p>
+            <a:pPr algn="l"/>
+            <a:r>
+              <a:rPr lang="zh-CN" altLang="en-US">
+                <a:solidFill>
+                  <a:schemeClr val="tx1"/>
+                </a:solidFill>
+                <a:sym typeface="+mn-ea"/>
+              </a:rPr>
+              <a:t>&lt;function &lt;lambda&gt; at 0x101c6ef28&gt;</a:t>
+            </a:r>
+            <a:endParaRPr lang="zh-CN" altLang="en-US">
+              <a:solidFill>
+                <a:schemeClr val="tx1"/>
+              </a:solidFill>
+              <a:sym typeface="+mn-ea"/>
+            </a:endParaRPr>
+          </a:p>
+          <a:p>
+            <a:pPr algn="l"/>
+            <a:r>
+              <a:rPr lang="zh-CN" altLang="en-US">
+                <a:solidFill>
+                  <a:srgbClr val="92D050"/>
+                </a:solidFill>
+                <a:sym typeface="+mn-ea"/>
+              </a:rPr>
+              <a:t>&gt;&gt;&gt;</a:t>
+            </a:r>
+            <a:r>
+              <a:rPr lang="zh-CN" altLang="en-US">
+                <a:solidFill>
+                  <a:schemeClr val="tx1"/>
+                </a:solidFill>
+                <a:sym typeface="+mn-ea"/>
+              </a:rPr>
+              <a:t> f(5)</a:t>
+            </a:r>
+            <a:endParaRPr lang="zh-CN" altLang="en-US">
+              <a:solidFill>
+                <a:schemeClr val="tx1"/>
+              </a:solidFill>
+              <a:sym typeface="+mn-ea"/>
+            </a:endParaRPr>
+          </a:p>
+          <a:p>
+            <a:pPr algn="l"/>
+            <a:r>
+              <a:rPr lang="zh-CN" altLang="en-US">
+                <a:solidFill>
+                  <a:schemeClr val="tx1"/>
+                </a:solidFill>
+                <a:sym typeface="+mn-ea"/>
+              </a:rPr>
+              <a:t>25</a:t>
+            </a:r>
             <a:endParaRPr lang="zh-CN" altLang="en-US">
               <a:solidFill>
                 <a:schemeClr val="tx1"/>
@@ -9911,6 +14321,3342 @@
 </p:sld>
 </file>
 
+<file path=ppt/slides/slide20.xml><?xml version="1.0" encoding="utf-8"?>
+<p:sld xmlns:a="http://schemas.openxmlformats.org/drawingml/2006/main" xmlns:r="http://schemas.openxmlformats.org/officeDocument/2006/relationships" xmlns:p="http://schemas.openxmlformats.org/presentationml/2006/main">
+  <p:cSld>
+    <p:spTree>
+      <p:nvGrpSpPr>
+        <p:cNvPr id="1" name=""/>
+        <p:cNvGrpSpPr/>
+        <p:nvPr/>
+      </p:nvGrpSpPr>
+      <p:grpSpPr>
+        <a:xfrm>
+          <a:off x="0" y="0"/>
+          <a:ext cx="0" cy="0"/>
+          <a:chOff x="0" y="0"/>
+          <a:chExt cx="0" cy="0"/>
+        </a:xfrm>
+      </p:grpSpPr>
+      <p:sp>
+        <p:nvSpPr>
+          <p:cNvPr id="8" name="标题 1"/>
+          <p:cNvSpPr txBox="1"/>
+          <p:nvPr>
+            <p:custDataLst>
+              <p:tags r:id="rId1"/>
+            </p:custDataLst>
+          </p:nvPr>
+        </p:nvSpPr>
+        <p:spPr>
+          <a:xfrm>
+            <a:off x="571608" y="661194"/>
+            <a:ext cx="7886700" cy="994172"/>
+          </a:xfrm>
+          <a:prstGeom prst="rect">
+            <a:avLst/>
+          </a:prstGeom>
+        </p:spPr>
+        <p:txBody>
+          <a:bodyPr vert="horz" wrap="square" lIns="68580" tIns="34290" rIns="68580" bIns="34290" rtlCol="0" anchor="ctr">
+            <a:normAutofit/>
+          </a:bodyPr>
+          <a:lstStyle>
+            <a:lvl1pPr defTabSz="914400">
+              <a:lnSpc>
+                <a:spcPct val="120000"/>
+              </a:lnSpc>
+              <a:spcBef>
+                <a:spcPct val="0"/>
+              </a:spcBef>
+              <a:buNone/>
+              <a:defRPr sz="3600">
+                <a:solidFill>
+                  <a:schemeClr val="tx1">
+                    <a:lumMod val="75000"/>
+                    <a:lumOff val="25000"/>
+                  </a:schemeClr>
+                </a:solidFill>
+                <a:latin typeface="+mj-lt"/>
+                <a:ea typeface="+mj-ea"/>
+                <a:cs typeface="+mj-cs"/>
+              </a:defRPr>
+            </a:lvl1pPr>
+          </a:lstStyle>
+          <a:p>
+            <a:r>
+              <a:rPr lang="zh-CN" altLang="en-US" dirty="0"/>
+              <a:t>函数式编程</a:t>
+            </a:r>
+            <a:endParaRPr lang="zh-CN" altLang="en-US" dirty="0"/>
+          </a:p>
+        </p:txBody>
+      </p:sp>
+      <p:sp>
+        <p:nvSpPr>
+          <p:cNvPr id="2" name="文本框 1"/>
+          <p:cNvSpPr txBox="1"/>
+          <p:nvPr/>
+        </p:nvSpPr>
+        <p:spPr>
+          <a:xfrm>
+            <a:off x="571500" y="2033905"/>
+            <a:ext cx="8050530" cy="4584700"/>
+          </a:xfrm>
+          <a:prstGeom prst="rect">
+            <a:avLst/>
+          </a:prstGeom>
+          <a:noFill/>
+        </p:spPr>
+        <p:txBody>
+          <a:bodyPr wrap="square" rtlCol="0">
+            <a:spAutoFit/>
+          </a:bodyPr>
+          <a:p>
+            <a:pPr algn="l"/>
+            <a:r>
+              <a:rPr lang="zh-CN" altLang="en-US">
+                <a:solidFill>
+                  <a:srgbClr val="0070C0"/>
+                </a:solidFill>
+              </a:rPr>
+              <a:t>装饰器</a:t>
+            </a:r>
+            <a:endParaRPr lang="zh-CN" altLang="en-US">
+              <a:solidFill>
+                <a:srgbClr val="0070C0"/>
+              </a:solidFill>
+            </a:endParaRPr>
+          </a:p>
+          <a:p>
+            <a:pPr indent="457200" algn="l" eaLnBrk="1" latinLnBrk="0" hangingPunct="1"/>
+            <a:r>
+              <a:rPr lang="zh-CN" altLang="en-US">
+                <a:solidFill>
+                  <a:schemeClr val="tx1"/>
+                </a:solidFill>
+                <a:sym typeface="+mn-ea"/>
+              </a:rPr>
+              <a:t>由于函数也是一个对象， 而且函数对象可以被赋值给变量， 所以， 通过变量也能调用该函数。</a:t>
+            </a:r>
+            <a:endParaRPr lang="zh-CN" altLang="en-US">
+              <a:solidFill>
+                <a:schemeClr val="tx1"/>
+              </a:solidFill>
+              <a:sym typeface="+mn-ea"/>
+            </a:endParaRPr>
+          </a:p>
+          <a:p>
+            <a:pPr indent="457200" algn="l" eaLnBrk="1" latinLnBrk="0" hangingPunct="1"/>
+            <a:r>
+              <a:rPr lang="zh-CN" altLang="en-US">
+                <a:solidFill>
+                  <a:schemeClr val="tx1"/>
+                </a:solidFill>
+                <a:sym typeface="+mn-ea"/>
+              </a:rPr>
+              <a:t>函数对象有一个 __name__ 属性， 可以拿到函数的名字。</a:t>
+            </a:r>
+            <a:endParaRPr lang="zh-CN" altLang="en-US">
+              <a:solidFill>
+                <a:schemeClr val="tx1"/>
+              </a:solidFill>
+              <a:sym typeface="+mn-ea"/>
+            </a:endParaRPr>
+          </a:p>
+          <a:p>
+            <a:pPr algn="l"/>
+            <a:r>
+              <a:rPr lang="zh-CN" altLang="en-US">
+                <a:solidFill>
+                  <a:srgbClr val="92D050"/>
+                </a:solidFill>
+                <a:sym typeface="+mn-ea"/>
+              </a:rPr>
+              <a:t>&gt;&gt;&gt;</a:t>
+            </a:r>
+            <a:r>
+              <a:rPr lang="zh-CN" altLang="en-US">
+                <a:solidFill>
+                  <a:schemeClr val="tx1"/>
+                </a:solidFill>
+                <a:sym typeface="+mn-ea"/>
+              </a:rPr>
+              <a:t> now.__name__</a:t>
+            </a:r>
+            <a:endParaRPr lang="zh-CN" altLang="en-US">
+              <a:solidFill>
+                <a:schemeClr val="tx1"/>
+              </a:solidFill>
+              <a:sym typeface="+mn-ea"/>
+            </a:endParaRPr>
+          </a:p>
+          <a:p>
+            <a:pPr algn="l"/>
+            <a:r>
+              <a:rPr lang="zh-CN" altLang="en-US">
+                <a:solidFill>
+                  <a:schemeClr val="tx1"/>
+                </a:solidFill>
+                <a:sym typeface="+mn-ea"/>
+              </a:rPr>
+              <a:t>'now'</a:t>
+            </a:r>
+            <a:endParaRPr lang="zh-CN" altLang="en-US">
+              <a:solidFill>
+                <a:schemeClr val="tx1"/>
+              </a:solidFill>
+              <a:sym typeface="+mn-ea"/>
+            </a:endParaRPr>
+          </a:p>
+          <a:p>
+            <a:pPr indent="457200" algn="l" eaLnBrk="1" latinLnBrk="0" hangingPunct="1"/>
+            <a:r>
+              <a:rPr lang="zh-CN" altLang="en-US">
+                <a:solidFill>
+                  <a:schemeClr val="tx1"/>
+                </a:solidFill>
+                <a:sym typeface="+mn-ea"/>
+              </a:rPr>
+              <a:t>本质上， decorator就是一个返回函数的高阶函数。 所以， 我们要定义一个能打印日志的decorator， 可以定义如下：</a:t>
+            </a:r>
+            <a:endParaRPr lang="zh-CN" altLang="en-US">
+              <a:solidFill>
+                <a:schemeClr val="tx1"/>
+              </a:solidFill>
+              <a:sym typeface="+mn-ea"/>
+            </a:endParaRPr>
+          </a:p>
+          <a:p>
+            <a:pPr algn="l"/>
+            <a:r>
+              <a:rPr lang="zh-CN" altLang="en-US" sz="2000">
+                <a:solidFill>
+                  <a:schemeClr val="tx1"/>
+                </a:solidFill>
+                <a:latin typeface="Source Code Pro" panose="020B0509030403020204" charset="0"/>
+                <a:cs typeface="Source Code Pro" panose="020B0509030403020204" charset="0"/>
+                <a:sym typeface="+mn-ea"/>
+              </a:rPr>
+              <a:t>def log(func):</a:t>
+            </a:r>
+            <a:endParaRPr lang="zh-CN" altLang="en-US" sz="2000">
+              <a:solidFill>
+                <a:schemeClr val="tx1"/>
+              </a:solidFill>
+              <a:latin typeface="Source Code Pro" panose="020B0509030403020204" charset="0"/>
+              <a:cs typeface="Source Code Pro" panose="020B0509030403020204" charset="0"/>
+              <a:sym typeface="+mn-ea"/>
+            </a:endParaRPr>
+          </a:p>
+          <a:p>
+            <a:pPr algn="l"/>
+            <a:r>
+              <a:rPr lang="zh-CN" altLang="en-US" sz="2000">
+                <a:solidFill>
+                  <a:schemeClr val="tx1"/>
+                </a:solidFill>
+                <a:latin typeface="Source Code Pro" panose="020B0509030403020204" charset="0"/>
+                <a:cs typeface="Source Code Pro" panose="020B0509030403020204" charset="0"/>
+                <a:sym typeface="+mn-ea"/>
+              </a:rPr>
+              <a:t>    def wrapper(*args, **kw):</a:t>
+            </a:r>
+            <a:endParaRPr lang="zh-CN" altLang="en-US" sz="2000">
+              <a:solidFill>
+                <a:schemeClr val="tx1"/>
+              </a:solidFill>
+              <a:latin typeface="Source Code Pro" panose="020B0509030403020204" charset="0"/>
+              <a:cs typeface="Source Code Pro" panose="020B0509030403020204" charset="0"/>
+              <a:sym typeface="+mn-ea"/>
+            </a:endParaRPr>
+          </a:p>
+          <a:p>
+            <a:pPr algn="l"/>
+            <a:r>
+              <a:rPr lang="zh-CN" altLang="en-US" sz="2000">
+                <a:latin typeface="Source Code Pro" panose="020B0509030403020204" charset="0"/>
+                <a:cs typeface="Source Code Pro" panose="020B0509030403020204" charset="0"/>
+                <a:sym typeface="+mn-ea"/>
+              </a:rPr>
+              <a:t>        </a:t>
+            </a:r>
+            <a:r>
+              <a:rPr lang="zh-CN" altLang="en-US" sz="2000">
+                <a:solidFill>
+                  <a:schemeClr val="tx1"/>
+                </a:solidFill>
+                <a:latin typeface="Source Code Pro" panose="020B0509030403020204" charset="0"/>
+                <a:cs typeface="Source Code Pro" panose="020B0509030403020204" charset="0"/>
+                <a:sym typeface="+mn-ea"/>
+              </a:rPr>
+              <a:t>print('call %s():' % func.__name__)</a:t>
+            </a:r>
+            <a:endParaRPr lang="zh-CN" altLang="en-US" sz="2000">
+              <a:solidFill>
+                <a:schemeClr val="tx1"/>
+              </a:solidFill>
+              <a:latin typeface="Source Code Pro" panose="020B0509030403020204" charset="0"/>
+              <a:cs typeface="Source Code Pro" panose="020B0509030403020204" charset="0"/>
+              <a:sym typeface="+mn-ea"/>
+            </a:endParaRPr>
+          </a:p>
+          <a:p>
+            <a:pPr algn="l"/>
+            <a:r>
+              <a:rPr lang="zh-CN" altLang="en-US" sz="2000">
+                <a:latin typeface="Source Code Pro" panose="020B0509030403020204" charset="0"/>
+                <a:cs typeface="Source Code Pro" panose="020B0509030403020204" charset="0"/>
+                <a:sym typeface="+mn-ea"/>
+              </a:rPr>
+              <a:t>        </a:t>
+            </a:r>
+            <a:r>
+              <a:rPr lang="zh-CN" altLang="en-US" sz="2000">
+                <a:solidFill>
+                  <a:schemeClr val="tx1"/>
+                </a:solidFill>
+                <a:latin typeface="Source Code Pro" panose="020B0509030403020204" charset="0"/>
+                <a:cs typeface="Source Code Pro" panose="020B0509030403020204" charset="0"/>
+                <a:sym typeface="+mn-ea"/>
+              </a:rPr>
+              <a:t>return func(*args, **kw)</a:t>
+            </a:r>
+            <a:endParaRPr lang="zh-CN" altLang="en-US" sz="2000">
+              <a:solidFill>
+                <a:schemeClr val="tx1"/>
+              </a:solidFill>
+              <a:latin typeface="Source Code Pro" panose="020B0509030403020204" charset="0"/>
+              <a:cs typeface="Source Code Pro" panose="020B0509030403020204" charset="0"/>
+              <a:sym typeface="+mn-ea"/>
+            </a:endParaRPr>
+          </a:p>
+          <a:p>
+            <a:pPr algn="l"/>
+            <a:r>
+              <a:rPr lang="zh-CN" altLang="en-US" sz="2000">
+                <a:latin typeface="Source Code Pro" panose="020B0509030403020204" charset="0"/>
+                <a:cs typeface="Source Code Pro" panose="020B0509030403020204" charset="0"/>
+                <a:sym typeface="+mn-ea"/>
+              </a:rPr>
+              <a:t>    </a:t>
+            </a:r>
+            <a:r>
+              <a:rPr lang="zh-CN" altLang="en-US" sz="2000">
+                <a:solidFill>
+                  <a:schemeClr val="tx1"/>
+                </a:solidFill>
+                <a:latin typeface="Source Code Pro" panose="020B0509030403020204" charset="0"/>
+                <a:cs typeface="Source Code Pro" panose="020B0509030403020204" charset="0"/>
+                <a:sym typeface="+mn-ea"/>
+              </a:rPr>
+              <a:t>return wrapper</a:t>
+            </a:r>
+            <a:endParaRPr lang="zh-CN" altLang="en-US" sz="2000">
+              <a:solidFill>
+                <a:schemeClr val="tx1"/>
+              </a:solidFill>
+              <a:latin typeface="Source Code Pro" panose="020B0509030403020204" charset="0"/>
+              <a:cs typeface="Source Code Pro" panose="020B0509030403020204" charset="0"/>
+              <a:sym typeface="+mn-ea"/>
+            </a:endParaRPr>
+          </a:p>
+        </p:txBody>
+      </p:sp>
+    </p:spTree>
+    <p:custDataLst>
+      <p:tags r:id="rId2"/>
+    </p:custDataLst>
+  </p:cSld>
+  <p:clrMapOvr>
+    <a:masterClrMapping/>
+  </p:clrMapOvr>
+</p:sld>
+</file>
+
+<file path=ppt/slides/slide21.xml><?xml version="1.0" encoding="utf-8"?>
+<p:sld xmlns:a="http://schemas.openxmlformats.org/drawingml/2006/main" xmlns:r="http://schemas.openxmlformats.org/officeDocument/2006/relationships" xmlns:p="http://schemas.openxmlformats.org/presentationml/2006/main">
+  <p:cSld>
+    <p:spTree>
+      <p:nvGrpSpPr>
+        <p:cNvPr id="1" name=""/>
+        <p:cNvGrpSpPr/>
+        <p:nvPr/>
+      </p:nvGrpSpPr>
+      <p:grpSpPr>
+        <a:xfrm>
+          <a:off x="0" y="0"/>
+          <a:ext cx="0" cy="0"/>
+          <a:chOff x="0" y="0"/>
+          <a:chExt cx="0" cy="0"/>
+        </a:xfrm>
+      </p:grpSpPr>
+      <p:sp>
+        <p:nvSpPr>
+          <p:cNvPr id="8" name="标题 1"/>
+          <p:cNvSpPr txBox="1"/>
+          <p:nvPr>
+            <p:custDataLst>
+              <p:tags r:id="rId1"/>
+            </p:custDataLst>
+          </p:nvPr>
+        </p:nvSpPr>
+        <p:spPr>
+          <a:xfrm>
+            <a:off x="571608" y="661194"/>
+            <a:ext cx="7886700" cy="994172"/>
+          </a:xfrm>
+          <a:prstGeom prst="rect">
+            <a:avLst/>
+          </a:prstGeom>
+        </p:spPr>
+        <p:txBody>
+          <a:bodyPr vert="horz" wrap="square" lIns="68580" tIns="34290" rIns="68580" bIns="34290" rtlCol="0" anchor="ctr">
+            <a:normAutofit/>
+          </a:bodyPr>
+          <a:lstStyle>
+            <a:lvl1pPr defTabSz="914400">
+              <a:lnSpc>
+                <a:spcPct val="120000"/>
+              </a:lnSpc>
+              <a:spcBef>
+                <a:spcPct val="0"/>
+              </a:spcBef>
+              <a:buNone/>
+              <a:defRPr sz="3600">
+                <a:solidFill>
+                  <a:schemeClr val="tx1">
+                    <a:lumMod val="75000"/>
+                    <a:lumOff val="25000"/>
+                  </a:schemeClr>
+                </a:solidFill>
+                <a:latin typeface="+mj-lt"/>
+                <a:ea typeface="+mj-ea"/>
+                <a:cs typeface="+mj-cs"/>
+              </a:defRPr>
+            </a:lvl1pPr>
+          </a:lstStyle>
+          <a:p>
+            <a:r>
+              <a:rPr lang="zh-CN" altLang="en-US" dirty="0"/>
+              <a:t>函数式编程</a:t>
+            </a:r>
+            <a:endParaRPr lang="zh-CN" altLang="en-US" dirty="0"/>
+          </a:p>
+        </p:txBody>
+      </p:sp>
+      <p:sp>
+        <p:nvSpPr>
+          <p:cNvPr id="2" name="文本框 1"/>
+          <p:cNvSpPr txBox="1"/>
+          <p:nvPr/>
+        </p:nvSpPr>
+        <p:spPr>
+          <a:xfrm>
+            <a:off x="571500" y="2033905"/>
+            <a:ext cx="8050530" cy="4646295"/>
+          </a:xfrm>
+          <a:prstGeom prst="rect">
+            <a:avLst/>
+          </a:prstGeom>
+          <a:noFill/>
+        </p:spPr>
+        <p:txBody>
+          <a:bodyPr wrap="square" rtlCol="0">
+            <a:spAutoFit/>
+          </a:bodyPr>
+          <a:p>
+            <a:pPr algn="l"/>
+            <a:r>
+              <a:rPr lang="zh-CN" altLang="en-US">
+                <a:solidFill>
+                  <a:srgbClr val="0070C0"/>
+                </a:solidFill>
+              </a:rPr>
+              <a:t>装饰器</a:t>
+            </a:r>
+            <a:endParaRPr lang="zh-CN" altLang="en-US">
+              <a:solidFill>
+                <a:srgbClr val="0070C0"/>
+              </a:solidFill>
+            </a:endParaRPr>
+          </a:p>
+          <a:p>
+            <a:pPr indent="457200" algn="l" eaLnBrk="1" latinLnBrk="0" hangingPunct="1"/>
+            <a:r>
+              <a:rPr lang="zh-CN" altLang="en-US" sz="2000">
+                <a:solidFill>
+                  <a:schemeClr val="tx1"/>
+                </a:solidFill>
+                <a:sym typeface="+mn-ea"/>
+              </a:rPr>
+              <a:t>观察上面的 log ， 因为它是一个decorator， 所以接受一个函数作为参数， 并返回一个函数。 我们要借助Python的@语法， 把decorator置于函数的定义处：</a:t>
+            </a:r>
+            <a:endParaRPr lang="zh-CN" altLang="en-US" sz="2000">
+              <a:solidFill>
+                <a:schemeClr val="tx1"/>
+              </a:solidFill>
+              <a:sym typeface="+mn-ea"/>
+            </a:endParaRPr>
+          </a:p>
+          <a:p>
+            <a:pPr algn="l"/>
+            <a:r>
+              <a:rPr lang="zh-CN" altLang="en-US" sz="1800">
+                <a:solidFill>
+                  <a:schemeClr val="tx1"/>
+                </a:solidFill>
+                <a:latin typeface="Source Code Pro" panose="020B0509030403020204" charset="0"/>
+                <a:cs typeface="Source Code Pro" panose="020B0509030403020204" charset="0"/>
+                <a:sym typeface="+mn-ea"/>
+              </a:rPr>
+              <a:t>@log</a:t>
+            </a:r>
+            <a:endParaRPr lang="zh-CN" altLang="en-US" sz="1800">
+              <a:solidFill>
+                <a:schemeClr val="tx1"/>
+              </a:solidFill>
+              <a:latin typeface="Source Code Pro" panose="020B0509030403020204" charset="0"/>
+              <a:cs typeface="Source Code Pro" panose="020B0509030403020204" charset="0"/>
+              <a:sym typeface="+mn-ea"/>
+            </a:endParaRPr>
+          </a:p>
+          <a:p>
+            <a:pPr algn="l"/>
+            <a:r>
+              <a:rPr lang="zh-CN" altLang="en-US" sz="1800">
+                <a:solidFill>
+                  <a:schemeClr val="tx1"/>
+                </a:solidFill>
+                <a:latin typeface="Source Code Pro" panose="020B0509030403020204" charset="0"/>
+                <a:cs typeface="Source Code Pro" panose="020B0509030403020204" charset="0"/>
+                <a:sym typeface="+mn-ea"/>
+              </a:rPr>
+              <a:t>def now():</a:t>
+            </a:r>
+            <a:endParaRPr lang="zh-CN" altLang="en-US" sz="1800">
+              <a:solidFill>
+                <a:schemeClr val="tx1"/>
+              </a:solidFill>
+              <a:latin typeface="Source Code Pro" panose="020B0509030403020204" charset="0"/>
+              <a:cs typeface="Source Code Pro" panose="020B0509030403020204" charset="0"/>
+              <a:sym typeface="+mn-ea"/>
+            </a:endParaRPr>
+          </a:p>
+          <a:p>
+            <a:pPr algn="l"/>
+            <a:r>
+              <a:rPr lang="zh-CN" altLang="en-US" sz="1800">
+                <a:solidFill>
+                  <a:schemeClr val="tx1"/>
+                </a:solidFill>
+                <a:latin typeface="Source Code Pro" panose="020B0509030403020204" charset="0"/>
+                <a:cs typeface="Source Code Pro" panose="020B0509030403020204" charset="0"/>
+                <a:sym typeface="+mn-ea"/>
+              </a:rPr>
+              <a:t>    print('2015-3-25')</a:t>
+            </a:r>
+            <a:endParaRPr lang="zh-CN" altLang="en-US" sz="2000">
+              <a:solidFill>
+                <a:schemeClr val="tx1"/>
+              </a:solidFill>
+              <a:sym typeface="+mn-ea"/>
+            </a:endParaRPr>
+          </a:p>
+          <a:p>
+            <a:pPr indent="457200" algn="l" eaLnBrk="1" latinLnBrk="0" hangingPunct="1"/>
+            <a:r>
+              <a:rPr lang="zh-CN" altLang="en-US" sz="2000">
+                <a:solidFill>
+                  <a:schemeClr val="tx1"/>
+                </a:solidFill>
+                <a:sym typeface="+mn-ea"/>
+              </a:rPr>
+              <a:t>把 @log 放到 now() 函数的定义处， 相当于执行了语句：</a:t>
+            </a:r>
+            <a:endParaRPr lang="zh-CN" altLang="en-US" sz="2000">
+              <a:solidFill>
+                <a:schemeClr val="tx1"/>
+              </a:solidFill>
+              <a:sym typeface="+mn-ea"/>
+            </a:endParaRPr>
+          </a:p>
+          <a:p>
+            <a:pPr algn="l"/>
+            <a:r>
+              <a:rPr lang="zh-CN" altLang="en-US" sz="1800">
+                <a:solidFill>
+                  <a:schemeClr val="tx1"/>
+                </a:solidFill>
+                <a:latin typeface="Source Code Pro" panose="020B0509030403020204" charset="0"/>
+                <a:cs typeface="Source Code Pro" panose="020B0509030403020204" charset="0"/>
+                <a:sym typeface="+mn-ea"/>
+              </a:rPr>
+              <a:t>now = log(now)</a:t>
+            </a:r>
+            <a:endParaRPr lang="zh-CN" altLang="en-US" sz="2000">
+              <a:solidFill>
+                <a:schemeClr val="tx1"/>
+              </a:solidFill>
+              <a:sym typeface="+mn-ea"/>
+            </a:endParaRPr>
+          </a:p>
+          <a:p>
+            <a:pPr indent="457200" algn="l" eaLnBrk="1" latinLnBrk="0" hangingPunct="1"/>
+            <a:r>
+              <a:rPr lang="zh-CN" altLang="en-US" sz="2000">
+                <a:solidFill>
+                  <a:schemeClr val="tx1"/>
+                </a:solidFill>
+                <a:sym typeface="+mn-ea"/>
+              </a:rPr>
+              <a:t>由于 log() 是一个decorator， 返回一个函数， 所以， 原来的 now() 函数仍然存在， 只是现在同名的 now 变量指向了新的函数， 于是调用 now() 将执行新函数， 即在 log() 函数中返回的 wrapper() 函数。</a:t>
+            </a:r>
+            <a:endParaRPr lang="zh-CN" altLang="en-US" sz="2000">
+              <a:solidFill>
+                <a:schemeClr val="tx1"/>
+              </a:solidFill>
+              <a:sym typeface="+mn-ea"/>
+            </a:endParaRPr>
+          </a:p>
+          <a:p>
+            <a:pPr indent="457200" algn="l" eaLnBrk="1" latinLnBrk="0" hangingPunct="1"/>
+            <a:r>
+              <a:rPr lang="zh-CN" altLang="en-US" sz="2000">
+                <a:solidFill>
+                  <a:schemeClr val="tx1"/>
+                </a:solidFill>
+                <a:sym typeface="+mn-ea"/>
+              </a:rPr>
+              <a:t>wrapper() 函数的参数定义是 (*args, **kw) ， 因此， wrapper() 函数可以接受任意参数的调用。 在 wrapper() 函数内， 首先打印日志， 再紧接着调用原始函数。</a:t>
+            </a:r>
+            <a:endParaRPr lang="zh-CN" altLang="en-US" sz="2000">
+              <a:solidFill>
+                <a:schemeClr val="tx1"/>
+              </a:solidFill>
+              <a:sym typeface="+mn-ea"/>
+            </a:endParaRPr>
+          </a:p>
+        </p:txBody>
+      </p:sp>
+    </p:spTree>
+    <p:custDataLst>
+      <p:tags r:id="rId2"/>
+    </p:custDataLst>
+  </p:cSld>
+  <p:clrMapOvr>
+    <a:masterClrMapping/>
+  </p:clrMapOvr>
+</p:sld>
+</file>
+
+<file path=ppt/slides/slide22.xml><?xml version="1.0" encoding="utf-8"?>
+<p:sld xmlns:a="http://schemas.openxmlformats.org/drawingml/2006/main" xmlns:r="http://schemas.openxmlformats.org/officeDocument/2006/relationships" xmlns:p="http://schemas.openxmlformats.org/presentationml/2006/main">
+  <p:cSld>
+    <p:spTree>
+      <p:nvGrpSpPr>
+        <p:cNvPr id="1" name=""/>
+        <p:cNvGrpSpPr/>
+        <p:nvPr/>
+      </p:nvGrpSpPr>
+      <p:grpSpPr>
+        <a:xfrm>
+          <a:off x="0" y="0"/>
+          <a:ext cx="0" cy="0"/>
+          <a:chOff x="0" y="0"/>
+          <a:chExt cx="0" cy="0"/>
+        </a:xfrm>
+      </p:grpSpPr>
+      <p:sp>
+        <p:nvSpPr>
+          <p:cNvPr id="8" name="标题 1"/>
+          <p:cNvSpPr txBox="1"/>
+          <p:nvPr>
+            <p:custDataLst>
+              <p:tags r:id="rId1"/>
+            </p:custDataLst>
+          </p:nvPr>
+        </p:nvSpPr>
+        <p:spPr>
+          <a:xfrm>
+            <a:off x="571608" y="661194"/>
+            <a:ext cx="7886700" cy="994172"/>
+          </a:xfrm>
+          <a:prstGeom prst="rect">
+            <a:avLst/>
+          </a:prstGeom>
+        </p:spPr>
+        <p:txBody>
+          <a:bodyPr vert="horz" wrap="square" lIns="68580" tIns="34290" rIns="68580" bIns="34290" rtlCol="0" anchor="ctr">
+            <a:normAutofit/>
+          </a:bodyPr>
+          <a:lstStyle>
+            <a:lvl1pPr defTabSz="914400">
+              <a:lnSpc>
+                <a:spcPct val="120000"/>
+              </a:lnSpc>
+              <a:spcBef>
+                <a:spcPct val="0"/>
+              </a:spcBef>
+              <a:buNone/>
+              <a:defRPr sz="3600">
+                <a:solidFill>
+                  <a:schemeClr val="tx1">
+                    <a:lumMod val="75000"/>
+                    <a:lumOff val="25000"/>
+                  </a:schemeClr>
+                </a:solidFill>
+                <a:latin typeface="+mj-lt"/>
+                <a:ea typeface="+mj-ea"/>
+                <a:cs typeface="+mj-cs"/>
+              </a:defRPr>
+            </a:lvl1pPr>
+          </a:lstStyle>
+          <a:p>
+            <a:r>
+              <a:rPr lang="zh-CN" altLang="en-US" dirty="0"/>
+              <a:t>函数式编程</a:t>
+            </a:r>
+            <a:endParaRPr lang="zh-CN" altLang="en-US" dirty="0"/>
+          </a:p>
+        </p:txBody>
+      </p:sp>
+      <p:sp>
+        <p:nvSpPr>
+          <p:cNvPr id="2" name="文本框 1"/>
+          <p:cNvSpPr txBox="1"/>
+          <p:nvPr/>
+        </p:nvSpPr>
+        <p:spPr>
+          <a:xfrm>
+            <a:off x="571500" y="2033905"/>
+            <a:ext cx="8050530" cy="4461510"/>
+          </a:xfrm>
+          <a:prstGeom prst="rect">
+            <a:avLst/>
+          </a:prstGeom>
+          <a:noFill/>
+        </p:spPr>
+        <p:txBody>
+          <a:bodyPr wrap="square" rtlCol="0">
+            <a:spAutoFit/>
+          </a:bodyPr>
+          <a:p>
+            <a:pPr algn="l"/>
+            <a:r>
+              <a:rPr lang="zh-CN" altLang="en-US">
+                <a:solidFill>
+                  <a:srgbClr val="0070C0"/>
+                </a:solidFill>
+              </a:rPr>
+              <a:t>装饰器</a:t>
+            </a:r>
+            <a:endParaRPr lang="zh-CN" altLang="en-US">
+              <a:solidFill>
+                <a:srgbClr val="0070C0"/>
+              </a:solidFill>
+            </a:endParaRPr>
+          </a:p>
+          <a:p>
+            <a:pPr indent="457200" algn="l" eaLnBrk="1" latinLnBrk="0" hangingPunct="1"/>
+            <a:r>
+              <a:rPr lang="zh-CN" altLang="en-US" sz="2000">
+                <a:solidFill>
+                  <a:schemeClr val="tx1"/>
+                </a:solidFill>
+                <a:sym typeface="+mn-ea"/>
+              </a:rPr>
+              <a:t>如果decorator本身需要传入参数， 那就需要编写一个返回decorator的高阶函数，</a:t>
+            </a:r>
+            <a:endParaRPr lang="zh-CN" altLang="en-US" sz="2000">
+              <a:solidFill>
+                <a:schemeClr val="tx1"/>
+              </a:solidFill>
+              <a:sym typeface="+mn-ea"/>
+            </a:endParaRPr>
+          </a:p>
+          <a:p>
+            <a:pPr indent="457200" algn="l" eaLnBrk="1" latinLnBrk="0" hangingPunct="1"/>
+            <a:r>
+              <a:rPr lang="zh-CN" altLang="en-US" sz="2000">
+                <a:solidFill>
+                  <a:schemeClr val="tx1"/>
+                </a:solidFill>
+                <a:sym typeface="+mn-ea"/>
+              </a:rPr>
+              <a:t>写出来会更复杂。 比如， 要自定义log的文本：</a:t>
+            </a:r>
+            <a:endParaRPr lang="zh-CN" altLang="en-US" sz="2000">
+              <a:solidFill>
+                <a:schemeClr val="tx1"/>
+              </a:solidFill>
+              <a:sym typeface="+mn-ea"/>
+            </a:endParaRPr>
+          </a:p>
+          <a:p>
+            <a:pPr algn="l"/>
+            <a:r>
+              <a:rPr lang="zh-CN" altLang="en-US" sz="1800">
+                <a:solidFill>
+                  <a:schemeClr val="tx1"/>
+                </a:solidFill>
+                <a:latin typeface="Source Code Pro" panose="020B0509030403020204" charset="0"/>
+                <a:cs typeface="Source Code Pro" panose="020B0509030403020204" charset="0"/>
+                <a:sym typeface="+mn-ea"/>
+              </a:rPr>
+              <a:t>def log(text):</a:t>
+            </a:r>
+            <a:endParaRPr lang="zh-CN" altLang="en-US" sz="1800">
+              <a:solidFill>
+                <a:schemeClr val="tx1"/>
+              </a:solidFill>
+              <a:latin typeface="Source Code Pro" panose="020B0509030403020204" charset="0"/>
+              <a:cs typeface="Source Code Pro" panose="020B0509030403020204" charset="0"/>
+              <a:sym typeface="+mn-ea"/>
+            </a:endParaRPr>
+          </a:p>
+          <a:p>
+            <a:pPr algn="l"/>
+            <a:r>
+              <a:rPr lang="zh-CN" altLang="en-US" sz="1800">
+                <a:solidFill>
+                  <a:schemeClr val="tx1"/>
+                </a:solidFill>
+                <a:latin typeface="Source Code Pro" panose="020B0509030403020204" charset="0"/>
+                <a:cs typeface="Source Code Pro" panose="020B0509030403020204" charset="0"/>
+                <a:sym typeface="+mn-ea"/>
+              </a:rPr>
+              <a:t>    def decorator(func):</a:t>
+            </a:r>
+            <a:endParaRPr lang="zh-CN" altLang="en-US" sz="1800">
+              <a:solidFill>
+                <a:schemeClr val="tx1"/>
+              </a:solidFill>
+              <a:latin typeface="Source Code Pro" panose="020B0509030403020204" charset="0"/>
+              <a:cs typeface="Source Code Pro" panose="020B0509030403020204" charset="0"/>
+              <a:sym typeface="+mn-ea"/>
+            </a:endParaRPr>
+          </a:p>
+          <a:p>
+            <a:pPr algn="l"/>
+            <a:r>
+              <a:rPr lang="zh-CN" altLang="en-US" sz="1800">
+                <a:latin typeface="Source Code Pro" panose="020B0509030403020204" charset="0"/>
+                <a:cs typeface="Source Code Pro" panose="020B0509030403020204" charset="0"/>
+                <a:sym typeface="+mn-ea"/>
+              </a:rPr>
+              <a:t>        </a:t>
+            </a:r>
+            <a:r>
+              <a:rPr lang="zh-CN" altLang="en-US" sz="1800">
+                <a:solidFill>
+                  <a:schemeClr val="tx1"/>
+                </a:solidFill>
+                <a:latin typeface="Source Code Pro" panose="020B0509030403020204" charset="0"/>
+                <a:cs typeface="Source Code Pro" panose="020B0509030403020204" charset="0"/>
+                <a:sym typeface="+mn-ea"/>
+              </a:rPr>
+              <a:t>def wrapper(*args, **kw):</a:t>
+            </a:r>
+            <a:endParaRPr lang="zh-CN" altLang="en-US" sz="1800">
+              <a:solidFill>
+                <a:schemeClr val="tx1"/>
+              </a:solidFill>
+              <a:latin typeface="Source Code Pro" panose="020B0509030403020204" charset="0"/>
+              <a:cs typeface="Source Code Pro" panose="020B0509030403020204" charset="0"/>
+              <a:sym typeface="+mn-ea"/>
+            </a:endParaRPr>
+          </a:p>
+          <a:p>
+            <a:pPr algn="l"/>
+            <a:r>
+              <a:rPr lang="zh-CN" altLang="en-US" sz="1800">
+                <a:latin typeface="Source Code Pro" panose="020B0509030403020204" charset="0"/>
+                <a:cs typeface="Source Code Pro" panose="020B0509030403020204" charset="0"/>
+                <a:sym typeface="+mn-ea"/>
+              </a:rPr>
+              <a:t>            </a:t>
+            </a:r>
+            <a:r>
+              <a:rPr lang="zh-CN" altLang="en-US" sz="1800">
+                <a:solidFill>
+                  <a:schemeClr val="tx1"/>
+                </a:solidFill>
+                <a:latin typeface="Source Code Pro" panose="020B0509030403020204" charset="0"/>
+                <a:cs typeface="Source Code Pro" panose="020B0509030403020204" charset="0"/>
+                <a:sym typeface="+mn-ea"/>
+              </a:rPr>
+              <a:t>print('%s %s():' % (text, func.__name__))</a:t>
+            </a:r>
+            <a:endParaRPr lang="zh-CN" altLang="en-US" sz="1800">
+              <a:solidFill>
+                <a:schemeClr val="tx1"/>
+              </a:solidFill>
+              <a:latin typeface="Source Code Pro" panose="020B0509030403020204" charset="0"/>
+              <a:cs typeface="Source Code Pro" panose="020B0509030403020204" charset="0"/>
+              <a:sym typeface="+mn-ea"/>
+            </a:endParaRPr>
+          </a:p>
+          <a:p>
+            <a:pPr algn="l"/>
+            <a:r>
+              <a:rPr lang="zh-CN" altLang="en-US" sz="1800">
+                <a:latin typeface="Source Code Pro" panose="020B0509030403020204" charset="0"/>
+                <a:cs typeface="Source Code Pro" panose="020B0509030403020204" charset="0"/>
+                <a:sym typeface="+mn-ea"/>
+              </a:rPr>
+              <a:t>            </a:t>
+            </a:r>
+            <a:r>
+              <a:rPr lang="zh-CN" altLang="en-US" sz="1800">
+                <a:solidFill>
+                  <a:schemeClr val="tx1"/>
+                </a:solidFill>
+                <a:latin typeface="Source Code Pro" panose="020B0509030403020204" charset="0"/>
+                <a:cs typeface="Source Code Pro" panose="020B0509030403020204" charset="0"/>
+                <a:sym typeface="+mn-ea"/>
+              </a:rPr>
+              <a:t>return func(*args, **kw)</a:t>
+            </a:r>
+            <a:endParaRPr lang="zh-CN" altLang="en-US" sz="1800">
+              <a:solidFill>
+                <a:schemeClr val="tx1"/>
+              </a:solidFill>
+              <a:latin typeface="Source Code Pro" panose="020B0509030403020204" charset="0"/>
+              <a:cs typeface="Source Code Pro" panose="020B0509030403020204" charset="0"/>
+              <a:sym typeface="+mn-ea"/>
+            </a:endParaRPr>
+          </a:p>
+          <a:p>
+            <a:pPr algn="l"/>
+            <a:r>
+              <a:rPr lang="zh-CN" altLang="en-US" sz="1800">
+                <a:latin typeface="Source Code Pro" panose="020B0509030403020204" charset="0"/>
+                <a:cs typeface="Source Code Pro" panose="020B0509030403020204" charset="0"/>
+                <a:sym typeface="+mn-ea"/>
+              </a:rPr>
+              <a:t>        </a:t>
+            </a:r>
+            <a:r>
+              <a:rPr lang="zh-CN" altLang="en-US" sz="1800">
+                <a:solidFill>
+                  <a:schemeClr val="tx1"/>
+                </a:solidFill>
+                <a:latin typeface="Source Code Pro" panose="020B0509030403020204" charset="0"/>
+                <a:cs typeface="Source Code Pro" panose="020B0509030403020204" charset="0"/>
+                <a:sym typeface="+mn-ea"/>
+              </a:rPr>
+              <a:t>return wrapper</a:t>
+            </a:r>
+            <a:endParaRPr lang="zh-CN" altLang="en-US" sz="1800">
+              <a:solidFill>
+                <a:schemeClr val="tx1"/>
+              </a:solidFill>
+              <a:latin typeface="Source Code Pro" panose="020B0509030403020204" charset="0"/>
+              <a:cs typeface="Source Code Pro" panose="020B0509030403020204" charset="0"/>
+              <a:sym typeface="+mn-ea"/>
+            </a:endParaRPr>
+          </a:p>
+          <a:p>
+            <a:pPr algn="l"/>
+            <a:r>
+              <a:rPr lang="zh-CN" altLang="en-US" sz="1800">
+                <a:latin typeface="Source Code Pro" panose="020B0509030403020204" charset="0"/>
+                <a:cs typeface="Source Code Pro" panose="020B0509030403020204" charset="0"/>
+                <a:sym typeface="+mn-ea"/>
+              </a:rPr>
+              <a:t>    </a:t>
+            </a:r>
+            <a:r>
+              <a:rPr lang="zh-CN" altLang="en-US" sz="1800">
+                <a:solidFill>
+                  <a:schemeClr val="tx1"/>
+                </a:solidFill>
+                <a:latin typeface="Source Code Pro" panose="020B0509030403020204" charset="0"/>
+                <a:cs typeface="Source Code Pro" panose="020B0509030403020204" charset="0"/>
+                <a:sym typeface="+mn-ea"/>
+              </a:rPr>
+              <a:t>return decorator</a:t>
+            </a:r>
+            <a:endParaRPr lang="zh-CN" altLang="en-US" sz="2000">
+              <a:solidFill>
+                <a:schemeClr val="tx1"/>
+              </a:solidFill>
+              <a:sym typeface="+mn-ea"/>
+            </a:endParaRPr>
+          </a:p>
+          <a:p>
+            <a:pPr indent="457200" algn="l" eaLnBrk="1" latinLnBrk="0" hangingPunct="1"/>
+            <a:r>
+              <a:rPr lang="zh-CN" altLang="en-US" sz="2000">
+                <a:solidFill>
+                  <a:schemeClr val="tx1"/>
+                </a:solidFill>
+                <a:sym typeface="+mn-ea"/>
+              </a:rPr>
+              <a:t>这个3层嵌套的decorator用法如下：</a:t>
+            </a:r>
+            <a:endParaRPr lang="zh-CN" altLang="en-US" sz="2000">
+              <a:solidFill>
+                <a:schemeClr val="tx1"/>
+              </a:solidFill>
+              <a:sym typeface="+mn-ea"/>
+            </a:endParaRPr>
+          </a:p>
+          <a:p>
+            <a:pPr algn="l"/>
+            <a:r>
+              <a:rPr lang="zh-CN" altLang="en-US" sz="1800">
+                <a:solidFill>
+                  <a:schemeClr val="tx1"/>
+                </a:solidFill>
+                <a:latin typeface="Source Code Pro" panose="020B0509030403020204" charset="0"/>
+                <a:cs typeface="Source Code Pro" panose="020B0509030403020204" charset="0"/>
+                <a:sym typeface="+mn-ea"/>
+              </a:rPr>
+              <a:t>@log('execute')</a:t>
+            </a:r>
+            <a:endParaRPr lang="zh-CN" altLang="en-US" sz="1800">
+              <a:solidFill>
+                <a:schemeClr val="tx1"/>
+              </a:solidFill>
+              <a:latin typeface="Source Code Pro" panose="020B0509030403020204" charset="0"/>
+              <a:cs typeface="Source Code Pro" panose="020B0509030403020204" charset="0"/>
+              <a:sym typeface="+mn-ea"/>
+            </a:endParaRPr>
+          </a:p>
+          <a:p>
+            <a:pPr algn="l"/>
+            <a:r>
+              <a:rPr lang="zh-CN" altLang="en-US" sz="1800">
+                <a:solidFill>
+                  <a:schemeClr val="tx1"/>
+                </a:solidFill>
+                <a:latin typeface="Source Code Pro" panose="020B0509030403020204" charset="0"/>
+                <a:cs typeface="Source Code Pro" panose="020B0509030403020204" charset="0"/>
+                <a:sym typeface="+mn-ea"/>
+              </a:rPr>
+              <a:t>def now():</a:t>
+            </a:r>
+            <a:endParaRPr lang="zh-CN" altLang="en-US" sz="1800">
+              <a:solidFill>
+                <a:schemeClr val="tx1"/>
+              </a:solidFill>
+              <a:latin typeface="Source Code Pro" panose="020B0509030403020204" charset="0"/>
+              <a:cs typeface="Source Code Pro" panose="020B0509030403020204" charset="0"/>
+              <a:sym typeface="+mn-ea"/>
+            </a:endParaRPr>
+          </a:p>
+          <a:p>
+            <a:pPr algn="l"/>
+            <a:r>
+              <a:rPr lang="zh-CN" altLang="en-US" sz="1800">
+                <a:solidFill>
+                  <a:schemeClr val="tx1"/>
+                </a:solidFill>
+                <a:latin typeface="Source Code Pro" panose="020B0509030403020204" charset="0"/>
+                <a:cs typeface="Source Code Pro" panose="020B0509030403020204" charset="0"/>
+                <a:sym typeface="+mn-ea"/>
+              </a:rPr>
+              <a:t>    print('2015-3-25')</a:t>
+            </a:r>
+            <a:endParaRPr lang="zh-CN" altLang="en-US" sz="1800">
+              <a:solidFill>
+                <a:schemeClr val="tx1"/>
+              </a:solidFill>
+              <a:latin typeface="Source Code Pro" panose="020B0509030403020204" charset="0"/>
+              <a:cs typeface="Source Code Pro" panose="020B0509030403020204" charset="0"/>
+              <a:sym typeface="+mn-ea"/>
+            </a:endParaRPr>
+          </a:p>
+        </p:txBody>
+      </p:sp>
+      <p:sp>
+        <p:nvSpPr>
+          <p:cNvPr id="3" name="文本框 2"/>
+          <p:cNvSpPr txBox="1"/>
+          <p:nvPr/>
+        </p:nvSpPr>
+        <p:spPr>
+          <a:xfrm>
+            <a:off x="4983480" y="6049010"/>
+            <a:ext cx="3954145" cy="368300"/>
+          </a:xfrm>
+          <a:prstGeom prst="rect">
+            <a:avLst/>
+          </a:prstGeom>
+          <a:noFill/>
+        </p:spPr>
+        <p:txBody>
+          <a:bodyPr wrap="square" rtlCol="0">
+            <a:spAutoFit/>
+          </a:bodyPr>
+          <a:p>
+            <a:r>
+              <a:rPr lang="zh-CN" altLang="en-US" sz="1800">
+                <a:latin typeface="Source Code Pro" panose="020B0509030403020204" charset="0"/>
+                <a:cs typeface="Source Code Pro" panose="020B0509030403020204" charset="0"/>
+              </a:rPr>
+              <a:t>now = log('execute')(now)</a:t>
+            </a:r>
+            <a:endParaRPr lang="zh-CN" altLang="en-US" sz="1800">
+              <a:latin typeface="Source Code Pro" panose="020B0509030403020204" charset="0"/>
+              <a:cs typeface="Source Code Pro" panose="020B0509030403020204" charset="0"/>
+            </a:endParaRPr>
+          </a:p>
+        </p:txBody>
+      </p:sp>
+      <p:sp>
+        <p:nvSpPr>
+          <p:cNvPr id="160" name=" 160"/>
+          <p:cNvSpPr/>
+          <p:nvPr/>
+        </p:nvSpPr>
+        <p:spPr>
+          <a:xfrm rot="960000">
+            <a:off x="3719195" y="6033135"/>
+            <a:ext cx="1219200" cy="492760"/>
+          </a:xfrm>
+          <a:custGeom>
+            <a:avLst/>
+            <a:gdLst>
+              <a:gd name="connsiteX0" fmla="*/ 2723651 w 2860172"/>
+              <a:gd name="connsiteY0" fmla="*/ 817 h 2023853"/>
+              <a:gd name="connsiteX1" fmla="*/ 2826935 w 2860172"/>
+              <a:gd name="connsiteY1" fmla="*/ 33337 h 2023853"/>
+              <a:gd name="connsiteX2" fmla="*/ 2829774 w 2860172"/>
+              <a:gd name="connsiteY2" fmla="*/ 35326 h 2023853"/>
+              <a:gd name="connsiteX3" fmla="*/ 2849613 w 2860172"/>
+              <a:gd name="connsiteY3" fmla="*/ 185007 h 2023853"/>
+              <a:gd name="connsiteX4" fmla="*/ 2807494 w 2860172"/>
+              <a:gd name="connsiteY4" fmla="*/ 326285 h 2023853"/>
+              <a:gd name="connsiteX5" fmla="*/ 2480152 w 2860172"/>
+              <a:gd name="connsiteY5" fmla="*/ 1326140 h 2023853"/>
+              <a:gd name="connsiteX6" fmla="*/ 2479216 w 2860172"/>
+              <a:gd name="connsiteY6" fmla="*/ 1322755 h 2023853"/>
+              <a:gd name="connsiteX7" fmla="*/ 2348905 w 2860172"/>
+              <a:gd name="connsiteY7" fmla="*/ 1721466 h 2023853"/>
+              <a:gd name="connsiteX8" fmla="*/ 2280556 w 2860172"/>
+              <a:gd name="connsiteY8" fmla="*/ 1058272 h 2023853"/>
+              <a:gd name="connsiteX9" fmla="*/ 2226338 w 2860172"/>
+              <a:gd name="connsiteY9" fmla="*/ 1103673 h 2023853"/>
+              <a:gd name="connsiteX10" fmla="*/ 0 w 2860172"/>
+              <a:gd name="connsiteY10" fmla="*/ 2023853 h 2023853"/>
+              <a:gd name="connsiteX11" fmla="*/ 1702841 w 2860172"/>
+              <a:gd name="connsiteY11" fmla="*/ 735848 h 2023853"/>
+              <a:gd name="connsiteX12" fmla="*/ 1811294 w 2860172"/>
+              <a:gd name="connsiteY12" fmla="*/ 575004 h 2023853"/>
+              <a:gd name="connsiteX13" fmla="*/ 1151281 w 2860172"/>
+              <a:gd name="connsiteY13" fmla="*/ 506068 h 2023853"/>
+              <a:gd name="connsiteX14" fmla="*/ 2640411 w 2860172"/>
+              <a:gd name="connsiteY14" fmla="*/ 20803 h 2023853"/>
+              <a:gd name="connsiteX15" fmla="*/ 2675299 w 2860172"/>
+              <a:gd name="connsiteY15" fmla="*/ 10454 h 2023853"/>
+              <a:gd name="connsiteX16" fmla="*/ 2723651 w 2860172"/>
+              <a:gd name="connsiteY16" fmla="*/ 817 h 2023853"/>
+            </a:gdLst>
+            <a:ahLst/>
+            <a:cxnLst>
+              <a:cxn ang="0">
+                <a:pos x="connsiteX0" y="connsiteY0"/>
+              </a:cxn>
+              <a:cxn ang="0">
+                <a:pos x="connsiteX1" y="connsiteY1"/>
+              </a:cxn>
+              <a:cxn ang="0">
+                <a:pos x="connsiteX2" y="connsiteY2"/>
+              </a:cxn>
+              <a:cxn ang="0">
+                <a:pos x="connsiteX3" y="connsiteY3"/>
+              </a:cxn>
+              <a:cxn ang="0">
+                <a:pos x="connsiteX4" y="connsiteY4"/>
+              </a:cxn>
+              <a:cxn ang="0">
+                <a:pos x="connsiteX5" y="connsiteY5"/>
+              </a:cxn>
+              <a:cxn ang="0">
+                <a:pos x="connsiteX6" y="connsiteY6"/>
+              </a:cxn>
+              <a:cxn ang="0">
+                <a:pos x="connsiteX7" y="connsiteY7"/>
+              </a:cxn>
+              <a:cxn ang="0">
+                <a:pos x="connsiteX8" y="connsiteY8"/>
+              </a:cxn>
+              <a:cxn ang="0">
+                <a:pos x="connsiteX9" y="connsiteY9"/>
+              </a:cxn>
+              <a:cxn ang="0">
+                <a:pos x="connsiteX10" y="connsiteY10"/>
+              </a:cxn>
+              <a:cxn ang="0">
+                <a:pos x="connsiteX11" y="connsiteY11"/>
+              </a:cxn>
+              <a:cxn ang="0">
+                <a:pos x="connsiteX12" y="connsiteY12"/>
+              </a:cxn>
+              <a:cxn ang="0">
+                <a:pos x="connsiteX13" y="connsiteY13"/>
+              </a:cxn>
+              <a:cxn ang="0">
+                <a:pos x="connsiteX14" y="connsiteY14"/>
+              </a:cxn>
+              <a:cxn ang="0">
+                <a:pos x="connsiteX15" y="connsiteY15"/>
+              </a:cxn>
+              <a:cxn ang="0">
+                <a:pos x="connsiteX16" y="connsiteY16"/>
+              </a:cxn>
+            </a:cxnLst>
+            <a:rect l="l" t="t" r="r" b="b"/>
+            <a:pathLst>
+              <a:path w="2860172" h="2023853">
+                <a:moveTo>
+                  <a:pt x="2723651" y="817"/>
+                </a:moveTo>
+                <a:cubicBezTo>
+                  <a:pt x="2768908" y="-3349"/>
+                  <a:pt x="2804496" y="8545"/>
+                  <a:pt x="2826935" y="33337"/>
+                </a:cubicBezTo>
+                <a:cubicBezTo>
+                  <a:pt x="2828146" y="33729"/>
+                  <a:pt x="2828970" y="34520"/>
+                  <a:pt x="2829774" y="35326"/>
+                </a:cubicBezTo>
+                <a:cubicBezTo>
+                  <a:pt x="2860445" y="66039"/>
+                  <a:pt x="2869482" y="118360"/>
+                  <a:pt x="2849613" y="185007"/>
+                </a:cubicBezTo>
+                <a:lnTo>
+                  <a:pt x="2807494" y="326285"/>
+                </a:lnTo>
+                <a:lnTo>
+                  <a:pt x="2480152" y="1326140"/>
+                </a:lnTo>
+                <a:lnTo>
+                  <a:pt x="2479216" y="1322755"/>
+                </a:lnTo>
+                <a:lnTo>
+                  <a:pt x="2348905" y="1721466"/>
+                </a:lnTo>
+                <a:lnTo>
+                  <a:pt x="2280556" y="1058272"/>
+                </a:lnTo>
+                <a:lnTo>
+                  <a:pt x="2226338" y="1103673"/>
+                </a:lnTo>
+                <a:cubicBezTo>
+                  <a:pt x="1323053" y="1809646"/>
+                  <a:pt x="162385" y="2005519"/>
+                  <a:pt x="0" y="2023853"/>
+                </a:cubicBezTo>
+                <a:cubicBezTo>
+                  <a:pt x="722027" y="1807246"/>
+                  <a:pt x="1311081" y="1275400"/>
+                  <a:pt x="1702841" y="735848"/>
+                </a:cubicBezTo>
+                <a:lnTo>
+                  <a:pt x="1811294" y="575004"/>
+                </a:lnTo>
+                <a:lnTo>
+                  <a:pt x="1151281" y="506068"/>
+                </a:lnTo>
+                <a:lnTo>
+                  <a:pt x="2640411" y="20803"/>
+                </a:lnTo>
+                <a:lnTo>
+                  <a:pt x="2675299" y="10454"/>
+                </a:lnTo>
+                <a:cubicBezTo>
+                  <a:pt x="2692405" y="5379"/>
+                  <a:pt x="2708565" y="2206"/>
+                  <a:pt x="2723651" y="817"/>
+                </a:cubicBezTo>
+                <a:close/>
+              </a:path>
+            </a:pathLst>
+          </a:custGeom>
+          <a:solidFill>
+            <a:srgbClr val="0070C0"/>
+          </a:solidFill>
+          <a:ln>
+            <a:noFill/>
+          </a:ln>
+        </p:spPr>
+        <p:style>
+          <a:lnRef idx="2">
+            <a:schemeClr val="accent1">
+              <a:shade val="50000"/>
+            </a:schemeClr>
+          </a:lnRef>
+          <a:fillRef idx="1">
+            <a:schemeClr val="accent1"/>
+          </a:fillRef>
+          <a:effectRef idx="0">
+            <a:schemeClr val="accent1"/>
+          </a:effectRef>
+          <a:fontRef idx="minor">
+            <a:schemeClr val="lt1"/>
+          </a:fontRef>
+        </p:style>
+        <p:txBody>
+          <a:bodyPr anchor="ctr">
+            <a:scene3d>
+              <a:camera prst="orthographicFront"/>
+              <a:lightRig rig="threePt" dir="t"/>
+            </a:scene3d>
+            <a:sp3d>
+              <a:contourClr>
+                <a:srgbClr val="FFFFFF"/>
+              </a:contourClr>
+            </a:sp3d>
+          </a:bodyPr>
+          <a:lstStyle>
+            <a:defPPr>
+              <a:defRPr lang="zh-CN"/>
+            </a:defPPr>
+            <a:lvl1pPr algn="l" rtl="0" eaLnBrk="0" fontAlgn="base" hangingPunct="0">
+              <a:spcBef>
+                <a:spcPct val="0"/>
+              </a:spcBef>
+              <a:spcAft>
+                <a:spcPct val="0"/>
+              </a:spcAft>
+              <a:defRPr kern="1200">
+                <a:solidFill>
+                  <a:schemeClr val="lt1"/>
+                </a:solidFill>
+                <a:latin typeface="+mn-lt"/>
+                <a:ea typeface="+mn-ea"/>
+                <a:cs typeface="+mn-cs"/>
+              </a:defRPr>
+            </a:lvl1pPr>
+            <a:lvl2pPr marL="457200" algn="l" rtl="0" eaLnBrk="0" fontAlgn="base" hangingPunct="0">
+              <a:spcBef>
+                <a:spcPct val="0"/>
+              </a:spcBef>
+              <a:spcAft>
+                <a:spcPct val="0"/>
+              </a:spcAft>
+              <a:defRPr kern="1200">
+                <a:solidFill>
+                  <a:schemeClr val="lt1"/>
+                </a:solidFill>
+                <a:latin typeface="+mn-lt"/>
+                <a:ea typeface="+mn-ea"/>
+                <a:cs typeface="+mn-cs"/>
+              </a:defRPr>
+            </a:lvl2pPr>
+            <a:lvl3pPr marL="914400" algn="l" rtl="0" eaLnBrk="0" fontAlgn="base" hangingPunct="0">
+              <a:spcBef>
+                <a:spcPct val="0"/>
+              </a:spcBef>
+              <a:spcAft>
+                <a:spcPct val="0"/>
+              </a:spcAft>
+              <a:defRPr kern="1200">
+                <a:solidFill>
+                  <a:schemeClr val="lt1"/>
+                </a:solidFill>
+                <a:latin typeface="+mn-lt"/>
+                <a:ea typeface="+mn-ea"/>
+                <a:cs typeface="+mn-cs"/>
+              </a:defRPr>
+            </a:lvl3pPr>
+            <a:lvl4pPr marL="1371600" algn="l" rtl="0" eaLnBrk="0" fontAlgn="base" hangingPunct="0">
+              <a:spcBef>
+                <a:spcPct val="0"/>
+              </a:spcBef>
+              <a:spcAft>
+                <a:spcPct val="0"/>
+              </a:spcAft>
+              <a:defRPr kern="1200">
+                <a:solidFill>
+                  <a:schemeClr val="lt1"/>
+                </a:solidFill>
+                <a:latin typeface="+mn-lt"/>
+                <a:ea typeface="+mn-ea"/>
+                <a:cs typeface="+mn-cs"/>
+              </a:defRPr>
+            </a:lvl4pPr>
+            <a:lvl5pPr marL="1828800" algn="l" rtl="0" eaLnBrk="0" fontAlgn="base" hangingPunct="0">
+              <a:spcBef>
+                <a:spcPct val="0"/>
+              </a:spcBef>
+              <a:spcAft>
+                <a:spcPct val="0"/>
+              </a:spcAft>
+              <a:defRPr kern="1200">
+                <a:solidFill>
+                  <a:schemeClr val="lt1"/>
+                </a:solidFill>
+                <a:latin typeface="+mn-lt"/>
+                <a:ea typeface="+mn-ea"/>
+                <a:cs typeface="+mn-cs"/>
+              </a:defRPr>
+            </a:lvl5pPr>
+            <a:lvl6pPr marL="2286000" algn="l" defTabSz="914400" rtl="0" eaLnBrk="1" latinLnBrk="0" hangingPunct="1">
+              <a:defRPr kern="1200">
+                <a:solidFill>
+                  <a:schemeClr val="lt1"/>
+                </a:solidFill>
+                <a:latin typeface="+mn-lt"/>
+                <a:ea typeface="+mn-ea"/>
+                <a:cs typeface="+mn-cs"/>
+              </a:defRPr>
+            </a:lvl6pPr>
+            <a:lvl7pPr marL="2743200" algn="l" defTabSz="914400" rtl="0" eaLnBrk="1" latinLnBrk="0" hangingPunct="1">
+              <a:defRPr kern="1200">
+                <a:solidFill>
+                  <a:schemeClr val="lt1"/>
+                </a:solidFill>
+                <a:latin typeface="+mn-lt"/>
+                <a:ea typeface="+mn-ea"/>
+                <a:cs typeface="+mn-cs"/>
+              </a:defRPr>
+            </a:lvl7pPr>
+            <a:lvl8pPr marL="3200400" algn="l" defTabSz="914400" rtl="0" eaLnBrk="1" latinLnBrk="0" hangingPunct="1">
+              <a:defRPr kern="1200">
+                <a:solidFill>
+                  <a:schemeClr val="lt1"/>
+                </a:solidFill>
+                <a:latin typeface="+mn-lt"/>
+                <a:ea typeface="+mn-ea"/>
+                <a:cs typeface="+mn-cs"/>
+              </a:defRPr>
+            </a:lvl8pPr>
+            <a:lvl9pPr marL="3657600" algn="l" defTabSz="914400" rtl="0" eaLnBrk="1" latinLnBrk="0" hangingPunct="1">
+              <a:defRPr kern="1200">
+                <a:solidFill>
+                  <a:schemeClr val="lt1"/>
+                </a:solidFill>
+                <a:latin typeface="+mn-lt"/>
+                <a:ea typeface="+mn-ea"/>
+                <a:cs typeface="+mn-cs"/>
+              </a:defRPr>
+            </a:lvl9pPr>
+          </a:lstStyle>
+          <a:p>
+            <a:pPr algn="ctr" eaLnBrk="1" fontAlgn="auto" hangingPunct="1">
+              <a:spcBef>
+                <a:spcPts val="0"/>
+              </a:spcBef>
+              <a:spcAft>
+                <a:spcPts val="0"/>
+              </a:spcAft>
+              <a:defRPr/>
+            </a:pPr>
+            <a:endParaRPr lang="zh-CN" altLang="en-US">
+              <a:solidFill>
+                <a:srgbClr val="0070C0"/>
+              </a:solidFill>
+            </a:endParaRPr>
+          </a:p>
+        </p:txBody>
+      </p:sp>
+    </p:spTree>
+    <p:custDataLst>
+      <p:tags r:id="rId2"/>
+    </p:custDataLst>
+  </p:cSld>
+  <p:clrMapOvr>
+    <a:masterClrMapping/>
+  </p:clrMapOvr>
+</p:sld>
+</file>
+
+<file path=ppt/slides/slide23.xml><?xml version="1.0" encoding="utf-8"?>
+<p:sld xmlns:a="http://schemas.openxmlformats.org/drawingml/2006/main" xmlns:r="http://schemas.openxmlformats.org/officeDocument/2006/relationships" xmlns:p="http://schemas.openxmlformats.org/presentationml/2006/main">
+  <p:cSld>
+    <p:spTree>
+      <p:nvGrpSpPr>
+        <p:cNvPr id="1" name=""/>
+        <p:cNvGrpSpPr/>
+        <p:nvPr/>
+      </p:nvGrpSpPr>
+      <p:grpSpPr>
+        <a:xfrm>
+          <a:off x="0" y="0"/>
+          <a:ext cx="0" cy="0"/>
+          <a:chOff x="0" y="0"/>
+          <a:chExt cx="0" cy="0"/>
+        </a:xfrm>
+      </p:grpSpPr>
+      <p:sp>
+        <p:nvSpPr>
+          <p:cNvPr id="8" name="标题 1"/>
+          <p:cNvSpPr txBox="1"/>
+          <p:nvPr>
+            <p:custDataLst>
+              <p:tags r:id="rId1"/>
+            </p:custDataLst>
+          </p:nvPr>
+        </p:nvSpPr>
+        <p:spPr>
+          <a:xfrm>
+            <a:off x="571608" y="661194"/>
+            <a:ext cx="7886700" cy="994172"/>
+          </a:xfrm>
+          <a:prstGeom prst="rect">
+            <a:avLst/>
+          </a:prstGeom>
+        </p:spPr>
+        <p:txBody>
+          <a:bodyPr vert="horz" wrap="square" lIns="68580" tIns="34290" rIns="68580" bIns="34290" rtlCol="0" anchor="ctr">
+            <a:normAutofit/>
+          </a:bodyPr>
+          <a:lstStyle>
+            <a:lvl1pPr defTabSz="914400">
+              <a:lnSpc>
+                <a:spcPct val="120000"/>
+              </a:lnSpc>
+              <a:spcBef>
+                <a:spcPct val="0"/>
+              </a:spcBef>
+              <a:buNone/>
+              <a:defRPr sz="3600">
+                <a:solidFill>
+                  <a:schemeClr val="tx1">
+                    <a:lumMod val="75000"/>
+                    <a:lumOff val="25000"/>
+                  </a:schemeClr>
+                </a:solidFill>
+                <a:latin typeface="+mj-lt"/>
+                <a:ea typeface="+mj-ea"/>
+                <a:cs typeface="+mj-cs"/>
+              </a:defRPr>
+            </a:lvl1pPr>
+          </a:lstStyle>
+          <a:p>
+            <a:r>
+              <a:rPr lang="zh-CN" altLang="en-US" dirty="0"/>
+              <a:t>函数式编程</a:t>
+            </a:r>
+            <a:endParaRPr lang="zh-CN" altLang="en-US" dirty="0"/>
+          </a:p>
+        </p:txBody>
+      </p:sp>
+      <p:sp>
+        <p:nvSpPr>
+          <p:cNvPr id="2" name="文本框 1"/>
+          <p:cNvSpPr txBox="1"/>
+          <p:nvPr/>
+        </p:nvSpPr>
+        <p:spPr>
+          <a:xfrm>
+            <a:off x="571500" y="2033905"/>
+            <a:ext cx="8050530" cy="4154170"/>
+          </a:xfrm>
+          <a:prstGeom prst="rect">
+            <a:avLst/>
+          </a:prstGeom>
+          <a:noFill/>
+        </p:spPr>
+        <p:txBody>
+          <a:bodyPr wrap="square" rtlCol="0">
+            <a:spAutoFit/>
+          </a:bodyPr>
+          <a:p>
+            <a:pPr algn="l"/>
+            <a:r>
+              <a:rPr lang="zh-CN" altLang="en-US">
+                <a:solidFill>
+                  <a:srgbClr val="0070C0"/>
+                </a:solidFill>
+              </a:rPr>
+              <a:t>装饰器</a:t>
+            </a:r>
+            <a:endParaRPr lang="zh-CN" altLang="en-US">
+              <a:solidFill>
+                <a:srgbClr val="0070C0"/>
+              </a:solidFill>
+            </a:endParaRPr>
+          </a:p>
+          <a:p>
+            <a:pPr indent="457200" algn="l" eaLnBrk="1" latinLnBrk="0" hangingPunct="1"/>
+            <a:r>
+              <a:rPr lang="zh-CN" altLang="en-US" sz="2000">
+                <a:solidFill>
+                  <a:schemeClr val="tx1"/>
+                </a:solidFill>
+                <a:sym typeface="+mn-ea"/>
+              </a:rPr>
+              <a:t>我们来剖析上面的语句， 首先执行 log('execute') ， 返回的是 decorator 函数， 再调用返回的函数， 参数是 now 函数， 返回值最终是 wrapper 函数。</a:t>
+            </a:r>
+            <a:endParaRPr lang="zh-CN" altLang="en-US" sz="2000">
+              <a:solidFill>
+                <a:schemeClr val="tx1"/>
+              </a:solidFill>
+              <a:sym typeface="+mn-ea"/>
+            </a:endParaRPr>
+          </a:p>
+          <a:p>
+            <a:pPr indent="457200" algn="l" eaLnBrk="1" latinLnBrk="0" hangingPunct="1"/>
+            <a:r>
+              <a:rPr lang="zh-CN" altLang="en-US" sz="2000">
+                <a:solidFill>
+                  <a:schemeClr val="tx1"/>
+                </a:solidFill>
+                <a:sym typeface="+mn-ea"/>
+              </a:rPr>
+              <a:t>以上两种decorator的定义都没有问题， 但还差最后一步。 因为我们讲了函数也是对象， 它有 __name__ 等属性， 但你去看经过decorator装饰之后的函数， 它们的 __name__ 已经从原来的 'now' 变成了 'wrapper' ：</a:t>
+            </a:r>
+            <a:endParaRPr lang="zh-CN" altLang="en-US" sz="2000">
+              <a:solidFill>
+                <a:schemeClr val="tx1"/>
+              </a:solidFill>
+              <a:sym typeface="+mn-ea"/>
+            </a:endParaRPr>
+          </a:p>
+          <a:p>
+            <a:pPr algn="l"/>
+            <a:r>
+              <a:rPr lang="zh-CN" altLang="en-US" sz="2000">
+                <a:solidFill>
+                  <a:srgbClr val="92D050"/>
+                </a:solidFill>
+                <a:sym typeface="+mn-ea"/>
+              </a:rPr>
+              <a:t>&gt;&gt;&gt; </a:t>
+            </a:r>
+            <a:r>
+              <a:rPr lang="zh-CN" altLang="en-US" sz="2000">
+                <a:solidFill>
+                  <a:schemeClr val="tx1"/>
+                </a:solidFill>
+                <a:sym typeface="+mn-ea"/>
+              </a:rPr>
+              <a:t>now.__name__</a:t>
+            </a:r>
+            <a:endParaRPr lang="zh-CN" altLang="en-US" sz="2000">
+              <a:solidFill>
+                <a:schemeClr val="tx1"/>
+              </a:solidFill>
+              <a:sym typeface="+mn-ea"/>
+            </a:endParaRPr>
+          </a:p>
+          <a:p>
+            <a:pPr algn="l"/>
+            <a:r>
+              <a:rPr lang="zh-CN" altLang="en-US" sz="2000">
+                <a:solidFill>
+                  <a:schemeClr val="tx1"/>
+                </a:solidFill>
+                <a:sym typeface="+mn-ea"/>
+              </a:rPr>
+              <a:t>'wrapper'</a:t>
+            </a:r>
+            <a:endParaRPr lang="zh-CN" altLang="en-US" sz="2000">
+              <a:solidFill>
+                <a:schemeClr val="tx1"/>
+              </a:solidFill>
+              <a:sym typeface="+mn-ea"/>
+            </a:endParaRPr>
+          </a:p>
+          <a:p>
+            <a:pPr indent="457200" algn="l" eaLnBrk="1" latinLnBrk="0" hangingPunct="1"/>
+            <a:r>
+              <a:rPr lang="zh-CN" altLang="en-US" sz="2000">
+                <a:solidFill>
+                  <a:schemeClr val="tx1"/>
+                </a:solidFill>
+                <a:sym typeface="+mn-ea"/>
+              </a:rPr>
+              <a:t>因为返回的那个 wrapper() 函数名字就是 'wrapper' ， 所以， 需要把原始函数的 __name__ 等属性复制到 wrapper() 函数中， 否则， 有些依赖函数签名的代码执行就会出错。</a:t>
+            </a:r>
+            <a:endParaRPr lang="zh-CN" altLang="en-US" sz="2000">
+              <a:solidFill>
+                <a:schemeClr val="tx1"/>
+              </a:solidFill>
+              <a:sym typeface="+mn-ea"/>
+            </a:endParaRPr>
+          </a:p>
+        </p:txBody>
+      </p:sp>
+    </p:spTree>
+    <p:custDataLst>
+      <p:tags r:id="rId2"/>
+    </p:custDataLst>
+  </p:cSld>
+  <p:clrMapOvr>
+    <a:masterClrMapping/>
+  </p:clrMapOvr>
+</p:sld>
+</file>
+
+<file path=ppt/slides/slide24.xml><?xml version="1.0" encoding="utf-8"?>
+<p:sld xmlns:a="http://schemas.openxmlformats.org/drawingml/2006/main" xmlns:r="http://schemas.openxmlformats.org/officeDocument/2006/relationships" xmlns:p="http://schemas.openxmlformats.org/presentationml/2006/main">
+  <p:cSld>
+    <p:spTree>
+      <p:nvGrpSpPr>
+        <p:cNvPr id="1" name=""/>
+        <p:cNvGrpSpPr/>
+        <p:nvPr/>
+      </p:nvGrpSpPr>
+      <p:grpSpPr>
+        <a:xfrm>
+          <a:off x="0" y="0"/>
+          <a:ext cx="0" cy="0"/>
+          <a:chOff x="0" y="0"/>
+          <a:chExt cx="0" cy="0"/>
+        </a:xfrm>
+      </p:grpSpPr>
+      <p:sp>
+        <p:nvSpPr>
+          <p:cNvPr id="8" name="标题 1"/>
+          <p:cNvSpPr txBox="1"/>
+          <p:nvPr>
+            <p:custDataLst>
+              <p:tags r:id="rId1"/>
+            </p:custDataLst>
+          </p:nvPr>
+        </p:nvSpPr>
+        <p:spPr>
+          <a:xfrm>
+            <a:off x="571608" y="661194"/>
+            <a:ext cx="7886700" cy="994172"/>
+          </a:xfrm>
+          <a:prstGeom prst="rect">
+            <a:avLst/>
+          </a:prstGeom>
+        </p:spPr>
+        <p:txBody>
+          <a:bodyPr vert="horz" wrap="square" lIns="68580" tIns="34290" rIns="68580" bIns="34290" rtlCol="0" anchor="ctr">
+            <a:normAutofit/>
+          </a:bodyPr>
+          <a:lstStyle>
+            <a:lvl1pPr defTabSz="914400">
+              <a:lnSpc>
+                <a:spcPct val="120000"/>
+              </a:lnSpc>
+              <a:spcBef>
+                <a:spcPct val="0"/>
+              </a:spcBef>
+              <a:buNone/>
+              <a:defRPr sz="3600">
+                <a:solidFill>
+                  <a:schemeClr val="tx1">
+                    <a:lumMod val="75000"/>
+                    <a:lumOff val="25000"/>
+                  </a:schemeClr>
+                </a:solidFill>
+                <a:latin typeface="+mj-lt"/>
+                <a:ea typeface="+mj-ea"/>
+                <a:cs typeface="+mj-cs"/>
+              </a:defRPr>
+            </a:lvl1pPr>
+          </a:lstStyle>
+          <a:p>
+            <a:r>
+              <a:rPr lang="zh-CN" altLang="en-US" dirty="0"/>
+              <a:t>函数式编程</a:t>
+            </a:r>
+            <a:endParaRPr lang="zh-CN" altLang="en-US" dirty="0"/>
+          </a:p>
+        </p:txBody>
+      </p:sp>
+      <p:sp>
+        <p:nvSpPr>
+          <p:cNvPr id="2" name="文本框 1"/>
+          <p:cNvSpPr txBox="1"/>
+          <p:nvPr/>
+        </p:nvSpPr>
+        <p:spPr>
+          <a:xfrm>
+            <a:off x="571500" y="2033905"/>
+            <a:ext cx="8050530" cy="3907790"/>
+          </a:xfrm>
+          <a:prstGeom prst="rect">
+            <a:avLst/>
+          </a:prstGeom>
+          <a:noFill/>
+        </p:spPr>
+        <p:txBody>
+          <a:bodyPr wrap="square" rtlCol="0">
+            <a:spAutoFit/>
+          </a:bodyPr>
+          <a:p>
+            <a:pPr algn="l"/>
+            <a:r>
+              <a:rPr lang="zh-CN" altLang="en-US">
+                <a:solidFill>
+                  <a:srgbClr val="0070C0"/>
+                </a:solidFill>
+              </a:rPr>
+              <a:t>装饰器</a:t>
+            </a:r>
+            <a:endParaRPr lang="zh-CN" altLang="en-US">
+              <a:solidFill>
+                <a:srgbClr val="0070C0"/>
+              </a:solidFill>
+            </a:endParaRPr>
+          </a:p>
+          <a:p>
+            <a:pPr indent="457200" algn="l" eaLnBrk="1" latinLnBrk="0" hangingPunct="1"/>
+            <a:r>
+              <a:rPr lang="zh-CN" altLang="en-US" sz="2000">
+                <a:solidFill>
+                  <a:schemeClr val="tx1"/>
+                </a:solidFill>
+                <a:sym typeface="+mn-ea"/>
+              </a:rPr>
+              <a:t>不需要编写 wrapper.__name__ = func.__name__ 这样的代码， Python内置的 functools.wraps 就是干这个事的， 所以， 一个完整的decorator的写法如下：</a:t>
+            </a:r>
+            <a:endParaRPr lang="zh-CN" altLang="en-US" sz="2000">
+              <a:solidFill>
+                <a:schemeClr val="tx1"/>
+              </a:solidFill>
+              <a:sym typeface="+mn-ea"/>
+            </a:endParaRPr>
+          </a:p>
+          <a:p>
+            <a:pPr indent="457200" algn="l" eaLnBrk="1" latinLnBrk="0" hangingPunct="1"/>
+            <a:endParaRPr lang="zh-CN" altLang="en-US" sz="2000">
+              <a:solidFill>
+                <a:schemeClr val="tx1"/>
+              </a:solidFill>
+              <a:sym typeface="+mn-ea"/>
+            </a:endParaRPr>
+          </a:p>
+          <a:p>
+            <a:pPr algn="l"/>
+            <a:r>
+              <a:rPr lang="zh-CN" altLang="en-US" sz="1800">
+                <a:solidFill>
+                  <a:schemeClr val="tx1"/>
+                </a:solidFill>
+                <a:latin typeface="Source Code Pro" panose="020B0509030403020204" charset="0"/>
+                <a:cs typeface="Source Code Pro" panose="020B0509030403020204" charset="0"/>
+                <a:sym typeface="+mn-ea"/>
+              </a:rPr>
+              <a:t>import functools</a:t>
+            </a:r>
+            <a:endParaRPr lang="zh-CN" altLang="en-US" sz="1800">
+              <a:solidFill>
+                <a:schemeClr val="tx1"/>
+              </a:solidFill>
+              <a:latin typeface="Source Code Pro" panose="020B0509030403020204" charset="0"/>
+              <a:cs typeface="Source Code Pro" panose="020B0509030403020204" charset="0"/>
+              <a:sym typeface="+mn-ea"/>
+            </a:endParaRPr>
+          </a:p>
+          <a:p>
+            <a:pPr algn="l"/>
+            <a:endParaRPr lang="zh-CN" altLang="en-US" sz="1800">
+              <a:solidFill>
+                <a:schemeClr val="tx1"/>
+              </a:solidFill>
+              <a:latin typeface="Source Code Pro" panose="020B0509030403020204" charset="0"/>
+              <a:cs typeface="Source Code Pro" panose="020B0509030403020204" charset="0"/>
+              <a:sym typeface="+mn-ea"/>
+            </a:endParaRPr>
+          </a:p>
+          <a:p>
+            <a:pPr algn="l"/>
+            <a:r>
+              <a:rPr lang="zh-CN" altLang="en-US" sz="1800">
+                <a:solidFill>
+                  <a:schemeClr val="tx1"/>
+                </a:solidFill>
+                <a:latin typeface="Source Code Pro" panose="020B0509030403020204" charset="0"/>
+                <a:cs typeface="Source Code Pro" panose="020B0509030403020204" charset="0"/>
+                <a:sym typeface="+mn-ea"/>
+              </a:rPr>
+              <a:t>def log(func):</a:t>
+            </a:r>
+            <a:endParaRPr lang="zh-CN" altLang="en-US" sz="1800">
+              <a:solidFill>
+                <a:schemeClr val="tx1"/>
+              </a:solidFill>
+              <a:latin typeface="Source Code Pro" panose="020B0509030403020204" charset="0"/>
+              <a:cs typeface="Source Code Pro" panose="020B0509030403020204" charset="0"/>
+              <a:sym typeface="+mn-ea"/>
+            </a:endParaRPr>
+          </a:p>
+          <a:p>
+            <a:pPr algn="l"/>
+            <a:r>
+              <a:rPr lang="zh-CN" altLang="en-US" sz="1800">
+                <a:latin typeface="Source Code Pro" panose="020B0509030403020204" charset="0"/>
+                <a:cs typeface="Source Code Pro" panose="020B0509030403020204" charset="0"/>
+                <a:sym typeface="+mn-ea"/>
+              </a:rPr>
+              <a:t>    </a:t>
+            </a:r>
+            <a:r>
+              <a:rPr lang="zh-CN" altLang="en-US" sz="1800">
+                <a:solidFill>
+                  <a:schemeClr val="tx1"/>
+                </a:solidFill>
+                <a:latin typeface="Source Code Pro" panose="020B0509030403020204" charset="0"/>
+                <a:cs typeface="Source Code Pro" panose="020B0509030403020204" charset="0"/>
+                <a:sym typeface="+mn-ea"/>
+              </a:rPr>
+              <a:t>@functools.wraps(func)</a:t>
+            </a:r>
+            <a:endParaRPr lang="zh-CN" altLang="en-US" sz="1800">
+              <a:solidFill>
+                <a:schemeClr val="tx1"/>
+              </a:solidFill>
+              <a:latin typeface="Source Code Pro" panose="020B0509030403020204" charset="0"/>
+              <a:cs typeface="Source Code Pro" panose="020B0509030403020204" charset="0"/>
+              <a:sym typeface="+mn-ea"/>
+            </a:endParaRPr>
+          </a:p>
+          <a:p>
+            <a:pPr algn="l"/>
+            <a:r>
+              <a:rPr lang="zh-CN" altLang="en-US" sz="1800">
+                <a:latin typeface="Source Code Pro" panose="020B0509030403020204" charset="0"/>
+                <a:cs typeface="Source Code Pro" panose="020B0509030403020204" charset="0"/>
+                <a:sym typeface="+mn-ea"/>
+              </a:rPr>
+              <a:t>    </a:t>
+            </a:r>
+            <a:r>
+              <a:rPr lang="zh-CN" altLang="en-US" sz="1800">
+                <a:solidFill>
+                  <a:schemeClr val="tx1"/>
+                </a:solidFill>
+                <a:latin typeface="Source Code Pro" panose="020B0509030403020204" charset="0"/>
+                <a:cs typeface="Source Code Pro" panose="020B0509030403020204" charset="0"/>
+                <a:sym typeface="+mn-ea"/>
+              </a:rPr>
+              <a:t>def wrapper(*args, **kw):</a:t>
+            </a:r>
+            <a:endParaRPr lang="zh-CN" altLang="en-US" sz="1800">
+              <a:solidFill>
+                <a:schemeClr val="tx1"/>
+              </a:solidFill>
+              <a:latin typeface="Source Code Pro" panose="020B0509030403020204" charset="0"/>
+              <a:cs typeface="Source Code Pro" panose="020B0509030403020204" charset="0"/>
+              <a:sym typeface="+mn-ea"/>
+            </a:endParaRPr>
+          </a:p>
+          <a:p>
+            <a:pPr algn="l"/>
+            <a:r>
+              <a:rPr lang="zh-CN" altLang="en-US" sz="1800">
+                <a:latin typeface="Source Code Pro" panose="020B0509030403020204" charset="0"/>
+                <a:cs typeface="Source Code Pro" panose="020B0509030403020204" charset="0"/>
+                <a:sym typeface="+mn-ea"/>
+              </a:rPr>
+              <a:t>        </a:t>
+            </a:r>
+            <a:r>
+              <a:rPr lang="zh-CN" altLang="en-US" sz="1800">
+                <a:solidFill>
+                  <a:schemeClr val="tx1"/>
+                </a:solidFill>
+                <a:latin typeface="Source Code Pro" panose="020B0509030403020204" charset="0"/>
+                <a:cs typeface="Source Code Pro" panose="020B0509030403020204" charset="0"/>
+                <a:sym typeface="+mn-ea"/>
+              </a:rPr>
+              <a:t>print('call %s():' % func.__name__)</a:t>
+            </a:r>
+            <a:endParaRPr lang="zh-CN" altLang="en-US" sz="1800">
+              <a:solidFill>
+                <a:schemeClr val="tx1"/>
+              </a:solidFill>
+              <a:latin typeface="Source Code Pro" panose="020B0509030403020204" charset="0"/>
+              <a:cs typeface="Source Code Pro" panose="020B0509030403020204" charset="0"/>
+              <a:sym typeface="+mn-ea"/>
+            </a:endParaRPr>
+          </a:p>
+          <a:p>
+            <a:pPr algn="l"/>
+            <a:r>
+              <a:rPr lang="zh-CN" altLang="en-US" sz="1800">
+                <a:solidFill>
+                  <a:schemeClr val="tx1"/>
+                </a:solidFill>
+                <a:latin typeface="Source Code Pro" panose="020B0509030403020204" charset="0"/>
+                <a:cs typeface="Source Code Pro" panose="020B0509030403020204" charset="0"/>
+                <a:sym typeface="+mn-ea"/>
+              </a:rPr>
+              <a:t>    </a:t>
+            </a:r>
+            <a:r>
+              <a:rPr lang="zh-CN" altLang="en-US" sz="1800">
+                <a:latin typeface="Source Code Pro" panose="020B0509030403020204" charset="0"/>
+                <a:cs typeface="Source Code Pro" panose="020B0509030403020204" charset="0"/>
+                <a:sym typeface="+mn-ea"/>
+              </a:rPr>
+              <a:t>    </a:t>
+            </a:r>
+            <a:r>
+              <a:rPr lang="zh-CN" altLang="en-US" sz="1800">
+                <a:solidFill>
+                  <a:schemeClr val="tx1"/>
+                </a:solidFill>
+                <a:latin typeface="Source Code Pro" panose="020B0509030403020204" charset="0"/>
+                <a:cs typeface="Source Code Pro" panose="020B0509030403020204" charset="0"/>
+                <a:sym typeface="+mn-ea"/>
+              </a:rPr>
+              <a:t>return func(*args, **kw)</a:t>
+            </a:r>
+            <a:endParaRPr lang="zh-CN" altLang="en-US" sz="1800">
+              <a:solidFill>
+                <a:schemeClr val="tx1"/>
+              </a:solidFill>
+              <a:latin typeface="Source Code Pro" panose="020B0509030403020204" charset="0"/>
+              <a:cs typeface="Source Code Pro" panose="020B0509030403020204" charset="0"/>
+              <a:sym typeface="+mn-ea"/>
+            </a:endParaRPr>
+          </a:p>
+          <a:p>
+            <a:pPr algn="l"/>
+            <a:r>
+              <a:rPr lang="zh-CN" altLang="en-US" sz="1800">
+                <a:latin typeface="Source Code Pro" panose="020B0509030403020204" charset="0"/>
+                <a:cs typeface="Source Code Pro" panose="020B0509030403020204" charset="0"/>
+                <a:sym typeface="+mn-ea"/>
+              </a:rPr>
+              <a:t>    </a:t>
+            </a:r>
+            <a:r>
+              <a:rPr lang="zh-CN" altLang="en-US" sz="1800">
+                <a:solidFill>
+                  <a:schemeClr val="tx1"/>
+                </a:solidFill>
+                <a:latin typeface="Source Code Pro" panose="020B0509030403020204" charset="0"/>
+                <a:cs typeface="Source Code Pro" panose="020B0509030403020204" charset="0"/>
+                <a:sym typeface="+mn-ea"/>
+              </a:rPr>
+              <a:t>return wrapper</a:t>
+            </a:r>
+            <a:endParaRPr lang="zh-CN" altLang="en-US" sz="1800">
+              <a:solidFill>
+                <a:schemeClr val="tx1"/>
+              </a:solidFill>
+              <a:latin typeface="Source Code Pro" panose="020B0509030403020204" charset="0"/>
+              <a:cs typeface="Source Code Pro" panose="020B0509030403020204" charset="0"/>
+              <a:sym typeface="+mn-ea"/>
+            </a:endParaRPr>
+          </a:p>
+        </p:txBody>
+      </p:sp>
+    </p:spTree>
+    <p:custDataLst>
+      <p:tags r:id="rId2"/>
+    </p:custDataLst>
+  </p:cSld>
+  <p:clrMapOvr>
+    <a:masterClrMapping/>
+  </p:clrMapOvr>
+</p:sld>
+</file>
+
+<file path=ppt/slides/slide25.xml><?xml version="1.0" encoding="utf-8"?>
+<p:sld xmlns:a="http://schemas.openxmlformats.org/drawingml/2006/main" xmlns:r="http://schemas.openxmlformats.org/officeDocument/2006/relationships" xmlns:p="http://schemas.openxmlformats.org/presentationml/2006/main">
+  <p:cSld>
+    <p:spTree>
+      <p:nvGrpSpPr>
+        <p:cNvPr id="1" name=""/>
+        <p:cNvGrpSpPr/>
+        <p:nvPr/>
+      </p:nvGrpSpPr>
+      <p:grpSpPr>
+        <a:xfrm>
+          <a:off x="0" y="0"/>
+          <a:ext cx="0" cy="0"/>
+          <a:chOff x="0" y="0"/>
+          <a:chExt cx="0" cy="0"/>
+        </a:xfrm>
+      </p:grpSpPr>
+      <p:sp>
+        <p:nvSpPr>
+          <p:cNvPr id="8" name="标题 1"/>
+          <p:cNvSpPr txBox="1"/>
+          <p:nvPr>
+            <p:custDataLst>
+              <p:tags r:id="rId1"/>
+            </p:custDataLst>
+          </p:nvPr>
+        </p:nvSpPr>
+        <p:spPr>
+          <a:xfrm>
+            <a:off x="571608" y="661194"/>
+            <a:ext cx="7886700" cy="994172"/>
+          </a:xfrm>
+          <a:prstGeom prst="rect">
+            <a:avLst/>
+          </a:prstGeom>
+        </p:spPr>
+        <p:txBody>
+          <a:bodyPr vert="horz" wrap="square" lIns="68580" tIns="34290" rIns="68580" bIns="34290" rtlCol="0" anchor="ctr">
+            <a:normAutofit/>
+          </a:bodyPr>
+          <a:lstStyle>
+            <a:lvl1pPr defTabSz="914400">
+              <a:lnSpc>
+                <a:spcPct val="120000"/>
+              </a:lnSpc>
+              <a:spcBef>
+                <a:spcPct val="0"/>
+              </a:spcBef>
+              <a:buNone/>
+              <a:defRPr sz="3600">
+                <a:solidFill>
+                  <a:schemeClr val="tx1">
+                    <a:lumMod val="75000"/>
+                    <a:lumOff val="25000"/>
+                  </a:schemeClr>
+                </a:solidFill>
+                <a:latin typeface="+mj-lt"/>
+                <a:ea typeface="+mj-ea"/>
+                <a:cs typeface="+mj-cs"/>
+              </a:defRPr>
+            </a:lvl1pPr>
+          </a:lstStyle>
+          <a:p>
+            <a:r>
+              <a:rPr lang="zh-CN" altLang="en-US" dirty="0"/>
+              <a:t>函数式编程</a:t>
+            </a:r>
+            <a:endParaRPr lang="zh-CN" altLang="en-US" dirty="0"/>
+          </a:p>
+        </p:txBody>
+      </p:sp>
+      <p:sp>
+        <p:nvSpPr>
+          <p:cNvPr id="2" name="文本框 1"/>
+          <p:cNvSpPr txBox="1"/>
+          <p:nvPr/>
+        </p:nvSpPr>
+        <p:spPr>
+          <a:xfrm>
+            <a:off x="571500" y="2033905"/>
+            <a:ext cx="8050530" cy="4461510"/>
+          </a:xfrm>
+          <a:prstGeom prst="rect">
+            <a:avLst/>
+          </a:prstGeom>
+          <a:noFill/>
+        </p:spPr>
+        <p:txBody>
+          <a:bodyPr wrap="square" rtlCol="0">
+            <a:spAutoFit/>
+          </a:bodyPr>
+          <a:p>
+            <a:pPr algn="l"/>
+            <a:r>
+              <a:rPr lang="zh-CN" altLang="en-US">
+                <a:solidFill>
+                  <a:srgbClr val="0070C0"/>
+                </a:solidFill>
+              </a:rPr>
+              <a:t>装饰器</a:t>
+            </a:r>
+            <a:endParaRPr lang="zh-CN" altLang="en-US">
+              <a:solidFill>
+                <a:srgbClr val="0070C0"/>
+              </a:solidFill>
+            </a:endParaRPr>
+          </a:p>
+          <a:p>
+            <a:pPr indent="457200" algn="l" eaLnBrk="1" latinLnBrk="0" hangingPunct="1"/>
+            <a:r>
+              <a:rPr lang="zh-CN" altLang="en-US" sz="2000">
+                <a:solidFill>
+                  <a:schemeClr val="tx1"/>
+                </a:solidFill>
+                <a:sym typeface="+mn-ea"/>
+              </a:rPr>
+              <a:t>针对带参数的decorator：</a:t>
+            </a:r>
+            <a:endParaRPr lang="zh-CN" altLang="en-US" sz="2000">
+              <a:solidFill>
+                <a:schemeClr val="tx1"/>
+              </a:solidFill>
+              <a:sym typeface="+mn-ea"/>
+            </a:endParaRPr>
+          </a:p>
+          <a:p>
+            <a:pPr algn="l"/>
+            <a:r>
+              <a:rPr lang="zh-CN" altLang="en-US" sz="1800">
+                <a:solidFill>
+                  <a:schemeClr val="tx1"/>
+                </a:solidFill>
+                <a:latin typeface="Source Code Pro" panose="020B0509030403020204" charset="0"/>
+                <a:cs typeface="Source Code Pro" panose="020B0509030403020204" charset="0"/>
+                <a:sym typeface="+mn-ea"/>
+              </a:rPr>
+              <a:t>import functools</a:t>
+            </a:r>
+            <a:endParaRPr lang="zh-CN" altLang="en-US" sz="1800">
+              <a:solidFill>
+                <a:schemeClr val="tx1"/>
+              </a:solidFill>
+              <a:latin typeface="Source Code Pro" panose="020B0509030403020204" charset="0"/>
+              <a:cs typeface="Source Code Pro" panose="020B0509030403020204" charset="0"/>
+              <a:sym typeface="+mn-ea"/>
+            </a:endParaRPr>
+          </a:p>
+          <a:p>
+            <a:pPr algn="l"/>
+            <a:endParaRPr lang="zh-CN" altLang="en-US" sz="1800">
+              <a:solidFill>
+                <a:schemeClr val="tx1"/>
+              </a:solidFill>
+              <a:latin typeface="Source Code Pro" panose="020B0509030403020204" charset="0"/>
+              <a:cs typeface="Source Code Pro" panose="020B0509030403020204" charset="0"/>
+              <a:sym typeface="+mn-ea"/>
+            </a:endParaRPr>
+          </a:p>
+          <a:p>
+            <a:pPr algn="l"/>
+            <a:r>
+              <a:rPr lang="zh-CN" altLang="en-US" sz="1800">
+                <a:solidFill>
+                  <a:schemeClr val="tx1"/>
+                </a:solidFill>
+                <a:latin typeface="Source Code Pro" panose="020B0509030403020204" charset="0"/>
+                <a:cs typeface="Source Code Pro" panose="020B0509030403020204" charset="0"/>
+                <a:sym typeface="+mn-ea"/>
+              </a:rPr>
+              <a:t>def log(text):</a:t>
+            </a:r>
+            <a:endParaRPr lang="zh-CN" altLang="en-US" sz="1800">
+              <a:solidFill>
+                <a:schemeClr val="tx1"/>
+              </a:solidFill>
+              <a:latin typeface="Source Code Pro" panose="020B0509030403020204" charset="0"/>
+              <a:cs typeface="Source Code Pro" panose="020B0509030403020204" charset="0"/>
+              <a:sym typeface="+mn-ea"/>
+            </a:endParaRPr>
+          </a:p>
+          <a:p>
+            <a:pPr algn="l"/>
+            <a:r>
+              <a:rPr lang="zh-CN" altLang="en-US" sz="1800">
+                <a:latin typeface="Source Code Pro" panose="020B0509030403020204" charset="0"/>
+                <a:cs typeface="Source Code Pro" panose="020B0509030403020204" charset="0"/>
+                <a:sym typeface="+mn-ea"/>
+              </a:rPr>
+              <a:t>    </a:t>
+            </a:r>
+            <a:r>
+              <a:rPr lang="zh-CN" altLang="en-US" sz="1800">
+                <a:solidFill>
+                  <a:schemeClr val="tx1"/>
+                </a:solidFill>
+                <a:latin typeface="Source Code Pro" panose="020B0509030403020204" charset="0"/>
+                <a:cs typeface="Source Code Pro" panose="020B0509030403020204" charset="0"/>
+                <a:sym typeface="+mn-ea"/>
+              </a:rPr>
+              <a:t>def decorator(func):</a:t>
+            </a:r>
+            <a:endParaRPr lang="zh-CN" altLang="en-US" sz="1800">
+              <a:solidFill>
+                <a:schemeClr val="tx1"/>
+              </a:solidFill>
+              <a:latin typeface="Source Code Pro" panose="020B0509030403020204" charset="0"/>
+              <a:cs typeface="Source Code Pro" panose="020B0509030403020204" charset="0"/>
+              <a:sym typeface="+mn-ea"/>
+            </a:endParaRPr>
+          </a:p>
+          <a:p>
+            <a:pPr algn="l"/>
+            <a:r>
+              <a:rPr lang="zh-CN" altLang="en-US" sz="1800">
+                <a:latin typeface="Source Code Pro" panose="020B0509030403020204" charset="0"/>
+                <a:cs typeface="Source Code Pro" panose="020B0509030403020204" charset="0"/>
+                <a:sym typeface="+mn-ea"/>
+              </a:rPr>
+              <a:t>        </a:t>
+            </a:r>
+            <a:r>
+              <a:rPr lang="zh-CN" altLang="en-US" sz="1800">
+                <a:solidFill>
+                  <a:schemeClr val="tx1"/>
+                </a:solidFill>
+                <a:latin typeface="Source Code Pro" panose="020B0509030403020204" charset="0"/>
+                <a:cs typeface="Source Code Pro" panose="020B0509030403020204" charset="0"/>
+                <a:sym typeface="+mn-ea"/>
+              </a:rPr>
+              <a:t>@functools.wraps(func)</a:t>
+            </a:r>
+            <a:endParaRPr lang="zh-CN" altLang="en-US" sz="1800">
+              <a:solidFill>
+                <a:schemeClr val="tx1"/>
+              </a:solidFill>
+              <a:latin typeface="Source Code Pro" panose="020B0509030403020204" charset="0"/>
+              <a:cs typeface="Source Code Pro" panose="020B0509030403020204" charset="0"/>
+              <a:sym typeface="+mn-ea"/>
+            </a:endParaRPr>
+          </a:p>
+          <a:p>
+            <a:pPr algn="l"/>
+            <a:r>
+              <a:rPr lang="zh-CN" altLang="en-US" sz="1800">
+                <a:latin typeface="Source Code Pro" panose="020B0509030403020204" charset="0"/>
+                <a:cs typeface="Source Code Pro" panose="020B0509030403020204" charset="0"/>
+                <a:sym typeface="+mn-ea"/>
+              </a:rPr>
+              <a:t>        </a:t>
+            </a:r>
+            <a:r>
+              <a:rPr lang="zh-CN" altLang="en-US" sz="1800">
+                <a:solidFill>
+                  <a:schemeClr val="tx1"/>
+                </a:solidFill>
+                <a:latin typeface="Source Code Pro" panose="020B0509030403020204" charset="0"/>
+                <a:cs typeface="Source Code Pro" panose="020B0509030403020204" charset="0"/>
+                <a:sym typeface="+mn-ea"/>
+              </a:rPr>
+              <a:t>def wrapper(*args, **kw):</a:t>
+            </a:r>
+            <a:endParaRPr lang="zh-CN" altLang="en-US" sz="1800">
+              <a:solidFill>
+                <a:schemeClr val="tx1"/>
+              </a:solidFill>
+              <a:latin typeface="Source Code Pro" panose="020B0509030403020204" charset="0"/>
+              <a:cs typeface="Source Code Pro" panose="020B0509030403020204" charset="0"/>
+              <a:sym typeface="+mn-ea"/>
+            </a:endParaRPr>
+          </a:p>
+          <a:p>
+            <a:pPr algn="l"/>
+            <a:r>
+              <a:rPr lang="zh-CN" altLang="en-US" sz="1800">
+                <a:latin typeface="Source Code Pro" panose="020B0509030403020204" charset="0"/>
+                <a:cs typeface="Source Code Pro" panose="020B0509030403020204" charset="0"/>
+                <a:sym typeface="+mn-ea"/>
+              </a:rPr>
+              <a:t>            </a:t>
+            </a:r>
+            <a:r>
+              <a:rPr lang="zh-CN" altLang="en-US" sz="1800">
+                <a:solidFill>
+                  <a:schemeClr val="tx1"/>
+                </a:solidFill>
+                <a:latin typeface="Source Code Pro" panose="020B0509030403020204" charset="0"/>
+                <a:cs typeface="Source Code Pro" panose="020B0509030403020204" charset="0"/>
+                <a:sym typeface="+mn-ea"/>
+              </a:rPr>
+              <a:t>print('%s %s():' % (text, func.__name__))</a:t>
+            </a:r>
+            <a:endParaRPr lang="zh-CN" altLang="en-US" sz="1800">
+              <a:solidFill>
+                <a:schemeClr val="tx1"/>
+              </a:solidFill>
+              <a:latin typeface="Source Code Pro" panose="020B0509030403020204" charset="0"/>
+              <a:cs typeface="Source Code Pro" panose="020B0509030403020204" charset="0"/>
+              <a:sym typeface="+mn-ea"/>
+            </a:endParaRPr>
+          </a:p>
+          <a:p>
+            <a:pPr algn="l"/>
+            <a:r>
+              <a:rPr lang="zh-CN" altLang="en-US" sz="1800">
+                <a:latin typeface="Source Code Pro" panose="020B0509030403020204" charset="0"/>
+                <a:cs typeface="Source Code Pro" panose="020B0509030403020204" charset="0"/>
+                <a:sym typeface="+mn-ea"/>
+              </a:rPr>
+              <a:t>            </a:t>
+            </a:r>
+            <a:r>
+              <a:rPr lang="zh-CN" altLang="en-US" sz="1800">
+                <a:solidFill>
+                  <a:schemeClr val="tx1"/>
+                </a:solidFill>
+                <a:latin typeface="Source Code Pro" panose="020B0509030403020204" charset="0"/>
+                <a:cs typeface="Source Code Pro" panose="020B0509030403020204" charset="0"/>
+                <a:sym typeface="+mn-ea"/>
+              </a:rPr>
+              <a:t>return func(*args, **kw)</a:t>
+            </a:r>
+            <a:endParaRPr lang="zh-CN" altLang="en-US" sz="1800">
+              <a:solidFill>
+                <a:schemeClr val="tx1"/>
+              </a:solidFill>
+              <a:latin typeface="Source Code Pro" panose="020B0509030403020204" charset="0"/>
+              <a:cs typeface="Source Code Pro" panose="020B0509030403020204" charset="0"/>
+              <a:sym typeface="+mn-ea"/>
+            </a:endParaRPr>
+          </a:p>
+          <a:p>
+            <a:pPr algn="l"/>
+            <a:r>
+              <a:rPr lang="zh-CN" altLang="en-US" sz="1800">
+                <a:latin typeface="Source Code Pro" panose="020B0509030403020204" charset="0"/>
+                <a:cs typeface="Source Code Pro" panose="020B0509030403020204" charset="0"/>
+                <a:sym typeface="+mn-ea"/>
+              </a:rPr>
+              <a:t>        </a:t>
+            </a:r>
+            <a:r>
+              <a:rPr lang="zh-CN" altLang="en-US" sz="1800">
+                <a:solidFill>
+                  <a:schemeClr val="tx1"/>
+                </a:solidFill>
+                <a:latin typeface="Source Code Pro" panose="020B0509030403020204" charset="0"/>
+                <a:cs typeface="Source Code Pro" panose="020B0509030403020204" charset="0"/>
+                <a:sym typeface="+mn-ea"/>
+              </a:rPr>
+              <a:t>return wrapper</a:t>
+            </a:r>
+            <a:endParaRPr lang="zh-CN" altLang="en-US" sz="1800">
+              <a:solidFill>
+                <a:schemeClr val="tx1"/>
+              </a:solidFill>
+              <a:latin typeface="Source Code Pro" panose="020B0509030403020204" charset="0"/>
+              <a:cs typeface="Source Code Pro" panose="020B0509030403020204" charset="0"/>
+              <a:sym typeface="+mn-ea"/>
+            </a:endParaRPr>
+          </a:p>
+          <a:p>
+            <a:pPr algn="l"/>
+            <a:r>
+              <a:rPr lang="zh-CN" altLang="en-US" sz="1800">
+                <a:latin typeface="Source Code Pro" panose="020B0509030403020204" charset="0"/>
+                <a:cs typeface="Source Code Pro" panose="020B0509030403020204" charset="0"/>
+                <a:sym typeface="+mn-ea"/>
+              </a:rPr>
+              <a:t>    </a:t>
+            </a:r>
+            <a:r>
+              <a:rPr lang="zh-CN" altLang="en-US" sz="1800">
+                <a:solidFill>
+                  <a:schemeClr val="tx1"/>
+                </a:solidFill>
+                <a:latin typeface="Source Code Pro" panose="020B0509030403020204" charset="0"/>
+                <a:cs typeface="Source Code Pro" panose="020B0509030403020204" charset="0"/>
+                <a:sym typeface="+mn-ea"/>
+              </a:rPr>
+              <a:t>return decorator</a:t>
+            </a:r>
+            <a:endParaRPr lang="zh-CN" altLang="en-US" sz="1800">
+              <a:solidFill>
+                <a:schemeClr val="tx1"/>
+              </a:solidFill>
+              <a:latin typeface="Source Code Pro" panose="020B0509030403020204" charset="0"/>
+              <a:cs typeface="Source Code Pro" panose="020B0509030403020204" charset="0"/>
+              <a:sym typeface="+mn-ea"/>
+            </a:endParaRPr>
+          </a:p>
+          <a:p>
+            <a:pPr algn="l"/>
+            <a:endParaRPr lang="zh-CN" altLang="en-US" sz="2000">
+              <a:solidFill>
+                <a:schemeClr val="tx1"/>
+              </a:solidFill>
+              <a:sym typeface="+mn-ea"/>
+            </a:endParaRPr>
+          </a:p>
+          <a:p>
+            <a:pPr indent="457200" algn="l" eaLnBrk="1" latinLnBrk="0" hangingPunct="1"/>
+            <a:r>
+              <a:rPr lang="zh-CN" altLang="en-US" sz="2000">
+                <a:solidFill>
+                  <a:schemeClr val="tx1"/>
+                </a:solidFill>
+                <a:sym typeface="+mn-ea"/>
+              </a:rPr>
+              <a:t>import functools 是导入 functools 模块。 模块的概念稍候讲解。 现在， 只需记住在定义 wrapper() 的前面加上 @functools.wraps(func) 即可。</a:t>
+            </a:r>
+            <a:endParaRPr lang="zh-CN" altLang="en-US" sz="2000">
+              <a:solidFill>
+                <a:schemeClr val="tx1"/>
+              </a:solidFill>
+              <a:sym typeface="+mn-ea"/>
+            </a:endParaRPr>
+          </a:p>
+        </p:txBody>
+      </p:sp>
+    </p:spTree>
+    <p:custDataLst>
+      <p:tags r:id="rId2"/>
+    </p:custDataLst>
+  </p:cSld>
+  <p:clrMapOvr>
+    <a:masterClrMapping/>
+  </p:clrMapOvr>
+</p:sld>
+</file>
+
+<file path=ppt/slides/slide26.xml><?xml version="1.0" encoding="utf-8"?>
+<p:sld xmlns:a="http://schemas.openxmlformats.org/drawingml/2006/main" xmlns:r="http://schemas.openxmlformats.org/officeDocument/2006/relationships" xmlns:p="http://schemas.openxmlformats.org/presentationml/2006/main">
+  <p:cSld>
+    <p:spTree>
+      <p:nvGrpSpPr>
+        <p:cNvPr id="1" name=""/>
+        <p:cNvGrpSpPr/>
+        <p:nvPr/>
+      </p:nvGrpSpPr>
+      <p:grpSpPr>
+        <a:xfrm>
+          <a:off x="0" y="0"/>
+          <a:ext cx="0" cy="0"/>
+          <a:chOff x="0" y="0"/>
+          <a:chExt cx="0" cy="0"/>
+        </a:xfrm>
+      </p:grpSpPr>
+      <p:sp>
+        <p:nvSpPr>
+          <p:cNvPr id="8" name="标题 1"/>
+          <p:cNvSpPr txBox="1"/>
+          <p:nvPr>
+            <p:custDataLst>
+              <p:tags r:id="rId1"/>
+            </p:custDataLst>
+          </p:nvPr>
+        </p:nvSpPr>
+        <p:spPr>
+          <a:xfrm>
+            <a:off x="571608" y="661194"/>
+            <a:ext cx="7886700" cy="994172"/>
+          </a:xfrm>
+          <a:prstGeom prst="rect">
+            <a:avLst/>
+          </a:prstGeom>
+        </p:spPr>
+        <p:txBody>
+          <a:bodyPr vert="horz" wrap="square" lIns="68580" tIns="34290" rIns="68580" bIns="34290" rtlCol="0" anchor="ctr">
+            <a:normAutofit/>
+          </a:bodyPr>
+          <a:lstStyle>
+            <a:lvl1pPr defTabSz="914400">
+              <a:lnSpc>
+                <a:spcPct val="120000"/>
+              </a:lnSpc>
+              <a:spcBef>
+                <a:spcPct val="0"/>
+              </a:spcBef>
+              <a:buNone/>
+              <a:defRPr sz="3600">
+                <a:solidFill>
+                  <a:schemeClr val="tx1">
+                    <a:lumMod val="75000"/>
+                    <a:lumOff val="25000"/>
+                  </a:schemeClr>
+                </a:solidFill>
+                <a:latin typeface="+mj-lt"/>
+                <a:ea typeface="+mj-ea"/>
+                <a:cs typeface="+mj-cs"/>
+              </a:defRPr>
+            </a:lvl1pPr>
+          </a:lstStyle>
+          <a:p>
+            <a:r>
+              <a:rPr lang="zh-CN" altLang="en-US" dirty="0"/>
+              <a:t>函数式编程</a:t>
+            </a:r>
+            <a:endParaRPr lang="zh-CN" altLang="en-US" dirty="0"/>
+          </a:p>
+        </p:txBody>
+      </p:sp>
+      <p:sp>
+        <p:nvSpPr>
+          <p:cNvPr id="2" name="文本框 1"/>
+          <p:cNvSpPr txBox="1"/>
+          <p:nvPr/>
+        </p:nvSpPr>
+        <p:spPr>
+          <a:xfrm>
+            <a:off x="571500" y="2033905"/>
+            <a:ext cx="8050530" cy="4615815"/>
+          </a:xfrm>
+          <a:prstGeom prst="rect">
+            <a:avLst/>
+          </a:prstGeom>
+          <a:noFill/>
+        </p:spPr>
+        <p:txBody>
+          <a:bodyPr wrap="square" rtlCol="0">
+            <a:spAutoFit/>
+          </a:bodyPr>
+          <a:p>
+            <a:pPr algn="l"/>
+            <a:r>
+              <a:rPr lang="zh-CN" altLang="en-US">
+                <a:solidFill>
+                  <a:srgbClr val="0070C0"/>
+                </a:solidFill>
+              </a:rPr>
+              <a:t>装饰器</a:t>
+            </a:r>
+            <a:endParaRPr lang="zh-CN" altLang="en-US">
+              <a:solidFill>
+                <a:srgbClr val="0070C0"/>
+              </a:solidFill>
+            </a:endParaRPr>
+          </a:p>
+          <a:p>
+            <a:pPr algn="l"/>
+            <a:r>
+              <a:rPr lang="zh-CN" altLang="en-US" sz="1800">
+                <a:solidFill>
+                  <a:schemeClr val="tx1"/>
+                </a:solidFill>
+                <a:latin typeface="Source Code Pro" panose="020B0509030403020204" charset="0"/>
+                <a:cs typeface="Source Code Pro" panose="020B0509030403020204" charset="0"/>
+                <a:sym typeface="+mn-ea"/>
+              </a:rPr>
+              <a:t>def log(text):</a:t>
+            </a:r>
+            <a:endParaRPr lang="zh-CN" altLang="en-US" sz="1800">
+              <a:solidFill>
+                <a:schemeClr val="tx1"/>
+              </a:solidFill>
+              <a:latin typeface="Source Code Pro" panose="020B0509030403020204" charset="0"/>
+              <a:cs typeface="Source Code Pro" panose="020B0509030403020204" charset="0"/>
+              <a:sym typeface="+mn-ea"/>
+            </a:endParaRPr>
+          </a:p>
+          <a:p>
+            <a:pPr algn="l"/>
+            <a:r>
+              <a:rPr lang="zh-CN" altLang="en-US" sz="1800">
+                <a:solidFill>
+                  <a:schemeClr val="tx1"/>
+                </a:solidFill>
+                <a:latin typeface="Source Code Pro" panose="020B0509030403020204" charset="0"/>
+                <a:cs typeface="Source Code Pro" panose="020B0509030403020204" charset="0"/>
+                <a:sym typeface="+mn-ea"/>
+              </a:rPr>
+              <a:t>    if isinstance(text,str):</a:t>
+            </a:r>
+            <a:endParaRPr lang="zh-CN" altLang="en-US" sz="1800">
+              <a:solidFill>
+                <a:schemeClr val="tx1"/>
+              </a:solidFill>
+              <a:latin typeface="Source Code Pro" panose="020B0509030403020204" charset="0"/>
+              <a:cs typeface="Source Code Pro" panose="020B0509030403020204" charset="0"/>
+              <a:sym typeface="+mn-ea"/>
+            </a:endParaRPr>
+          </a:p>
+          <a:p>
+            <a:pPr algn="l"/>
+            <a:r>
+              <a:rPr lang="zh-CN" altLang="en-US" sz="1800">
+                <a:solidFill>
+                  <a:schemeClr val="tx1"/>
+                </a:solidFill>
+                <a:latin typeface="Source Code Pro" panose="020B0509030403020204" charset="0"/>
+                <a:cs typeface="Source Code Pro" panose="020B0509030403020204" charset="0"/>
+                <a:sym typeface="+mn-ea"/>
+              </a:rPr>
+              <a:t>        def decorator(func):</a:t>
+            </a:r>
+            <a:endParaRPr lang="zh-CN" altLang="en-US" sz="1800">
+              <a:solidFill>
+                <a:schemeClr val="tx1"/>
+              </a:solidFill>
+              <a:latin typeface="Source Code Pro" panose="020B0509030403020204" charset="0"/>
+              <a:cs typeface="Source Code Pro" panose="020B0509030403020204" charset="0"/>
+              <a:sym typeface="+mn-ea"/>
+            </a:endParaRPr>
+          </a:p>
+          <a:p>
+            <a:pPr algn="l"/>
+            <a:r>
+              <a:rPr lang="zh-CN" altLang="en-US" sz="1800">
+                <a:solidFill>
+                  <a:schemeClr val="tx1"/>
+                </a:solidFill>
+                <a:latin typeface="Source Code Pro" panose="020B0509030403020204" charset="0"/>
+                <a:cs typeface="Source Code Pro" panose="020B0509030403020204" charset="0"/>
+                <a:sym typeface="+mn-ea"/>
+              </a:rPr>
+              <a:t>            @functools.wraps(func)</a:t>
+            </a:r>
+            <a:endParaRPr lang="zh-CN" altLang="en-US" sz="1800">
+              <a:solidFill>
+                <a:schemeClr val="tx1"/>
+              </a:solidFill>
+              <a:latin typeface="Source Code Pro" panose="020B0509030403020204" charset="0"/>
+              <a:cs typeface="Source Code Pro" panose="020B0509030403020204" charset="0"/>
+              <a:sym typeface="+mn-ea"/>
+            </a:endParaRPr>
+          </a:p>
+          <a:p>
+            <a:pPr algn="l"/>
+            <a:r>
+              <a:rPr lang="zh-CN" altLang="en-US" sz="1800">
+                <a:solidFill>
+                  <a:schemeClr val="tx1"/>
+                </a:solidFill>
+                <a:latin typeface="Source Code Pro" panose="020B0509030403020204" charset="0"/>
+                <a:cs typeface="Source Code Pro" panose="020B0509030403020204" charset="0"/>
+                <a:sym typeface="+mn-ea"/>
+              </a:rPr>
+              <a:t>            def wrapper(*args, **kw):</a:t>
+            </a:r>
+            <a:endParaRPr lang="zh-CN" altLang="en-US" sz="1800">
+              <a:solidFill>
+                <a:schemeClr val="tx1"/>
+              </a:solidFill>
+              <a:latin typeface="Source Code Pro" panose="020B0509030403020204" charset="0"/>
+              <a:cs typeface="Source Code Pro" panose="020B0509030403020204" charset="0"/>
+              <a:sym typeface="+mn-ea"/>
+            </a:endParaRPr>
+          </a:p>
+          <a:p>
+            <a:pPr algn="l"/>
+            <a:r>
+              <a:rPr lang="zh-CN" altLang="en-US" sz="1800">
+                <a:solidFill>
+                  <a:schemeClr val="tx1"/>
+                </a:solidFill>
+                <a:latin typeface="Source Code Pro" panose="020B0509030403020204" charset="0"/>
+                <a:cs typeface="Source Code Pro" panose="020B0509030403020204" charset="0"/>
+                <a:sym typeface="+mn-ea"/>
+              </a:rPr>
+              <a:t>                print('%s %s():' % (text, func.__name__))</a:t>
+            </a:r>
+            <a:endParaRPr lang="zh-CN" altLang="en-US" sz="1800">
+              <a:solidFill>
+                <a:schemeClr val="tx1"/>
+              </a:solidFill>
+              <a:latin typeface="Source Code Pro" panose="020B0509030403020204" charset="0"/>
+              <a:cs typeface="Source Code Pro" panose="020B0509030403020204" charset="0"/>
+              <a:sym typeface="+mn-ea"/>
+            </a:endParaRPr>
+          </a:p>
+          <a:p>
+            <a:pPr algn="l"/>
+            <a:r>
+              <a:rPr lang="zh-CN" altLang="en-US" sz="1800">
+                <a:solidFill>
+                  <a:schemeClr val="tx1"/>
+                </a:solidFill>
+                <a:latin typeface="Source Code Pro" panose="020B0509030403020204" charset="0"/>
+                <a:cs typeface="Source Code Pro" panose="020B0509030403020204" charset="0"/>
+                <a:sym typeface="+mn-ea"/>
+              </a:rPr>
+              <a:t>                return func(*args, **kw)</a:t>
+            </a:r>
+            <a:endParaRPr lang="zh-CN" altLang="en-US" sz="1800">
+              <a:solidFill>
+                <a:schemeClr val="tx1"/>
+              </a:solidFill>
+              <a:latin typeface="Source Code Pro" panose="020B0509030403020204" charset="0"/>
+              <a:cs typeface="Source Code Pro" panose="020B0509030403020204" charset="0"/>
+              <a:sym typeface="+mn-ea"/>
+            </a:endParaRPr>
+          </a:p>
+          <a:p>
+            <a:pPr algn="l"/>
+            <a:r>
+              <a:rPr lang="zh-CN" altLang="en-US" sz="1800">
+                <a:solidFill>
+                  <a:schemeClr val="tx1"/>
+                </a:solidFill>
+                <a:latin typeface="Source Code Pro" panose="020B0509030403020204" charset="0"/>
+                <a:cs typeface="Source Code Pro" panose="020B0509030403020204" charset="0"/>
+                <a:sym typeface="+mn-ea"/>
+              </a:rPr>
+              <a:t>            return wrapper</a:t>
+            </a:r>
+            <a:endParaRPr lang="zh-CN" altLang="en-US" sz="1800">
+              <a:solidFill>
+                <a:schemeClr val="tx1"/>
+              </a:solidFill>
+              <a:latin typeface="Source Code Pro" panose="020B0509030403020204" charset="0"/>
+              <a:cs typeface="Source Code Pro" panose="020B0509030403020204" charset="0"/>
+              <a:sym typeface="+mn-ea"/>
+            </a:endParaRPr>
+          </a:p>
+          <a:p>
+            <a:pPr algn="l"/>
+            <a:r>
+              <a:rPr lang="zh-CN" altLang="en-US" sz="1800">
+                <a:solidFill>
+                  <a:schemeClr val="tx1"/>
+                </a:solidFill>
+                <a:latin typeface="Source Code Pro" panose="020B0509030403020204" charset="0"/>
+                <a:cs typeface="Source Code Pro" panose="020B0509030403020204" charset="0"/>
+                <a:sym typeface="+mn-ea"/>
+              </a:rPr>
+              <a:t>        return decorator</a:t>
+            </a:r>
+            <a:endParaRPr lang="zh-CN" altLang="en-US" sz="1800">
+              <a:solidFill>
+                <a:schemeClr val="tx1"/>
+              </a:solidFill>
+              <a:latin typeface="Source Code Pro" panose="020B0509030403020204" charset="0"/>
+              <a:cs typeface="Source Code Pro" panose="020B0509030403020204" charset="0"/>
+              <a:sym typeface="+mn-ea"/>
+            </a:endParaRPr>
+          </a:p>
+          <a:p>
+            <a:pPr algn="l"/>
+            <a:r>
+              <a:rPr lang="zh-CN" altLang="en-US" sz="1800">
+                <a:solidFill>
+                  <a:schemeClr val="tx1"/>
+                </a:solidFill>
+                <a:latin typeface="Source Code Pro" panose="020B0509030403020204" charset="0"/>
+                <a:cs typeface="Source Code Pro" panose="020B0509030403020204" charset="0"/>
+                <a:sym typeface="+mn-ea"/>
+              </a:rPr>
+              <a:t>    else:</a:t>
+            </a:r>
+            <a:endParaRPr lang="zh-CN" altLang="en-US" sz="1800">
+              <a:solidFill>
+                <a:schemeClr val="tx1"/>
+              </a:solidFill>
+              <a:latin typeface="Source Code Pro" panose="020B0509030403020204" charset="0"/>
+              <a:cs typeface="Source Code Pro" panose="020B0509030403020204" charset="0"/>
+              <a:sym typeface="+mn-ea"/>
+            </a:endParaRPr>
+          </a:p>
+          <a:p>
+            <a:pPr algn="l"/>
+            <a:r>
+              <a:rPr lang="zh-CN" altLang="en-US" sz="1800">
+                <a:solidFill>
+                  <a:schemeClr val="tx1"/>
+                </a:solidFill>
+                <a:latin typeface="Source Code Pro" panose="020B0509030403020204" charset="0"/>
+                <a:cs typeface="Source Code Pro" panose="020B0509030403020204" charset="0"/>
+                <a:sym typeface="+mn-ea"/>
+              </a:rPr>
+              <a:t>        @functools.wraps(text)</a:t>
+            </a:r>
+            <a:endParaRPr lang="zh-CN" altLang="en-US" sz="1800">
+              <a:solidFill>
+                <a:schemeClr val="tx1"/>
+              </a:solidFill>
+              <a:latin typeface="Source Code Pro" panose="020B0509030403020204" charset="0"/>
+              <a:cs typeface="Source Code Pro" panose="020B0509030403020204" charset="0"/>
+              <a:sym typeface="+mn-ea"/>
+            </a:endParaRPr>
+          </a:p>
+          <a:p>
+            <a:pPr algn="l"/>
+            <a:r>
+              <a:rPr lang="zh-CN" altLang="en-US" sz="1800">
+                <a:solidFill>
+                  <a:schemeClr val="tx1"/>
+                </a:solidFill>
+                <a:latin typeface="Source Code Pro" panose="020B0509030403020204" charset="0"/>
+                <a:cs typeface="Source Code Pro" panose="020B0509030403020204" charset="0"/>
+                <a:sym typeface="+mn-ea"/>
+              </a:rPr>
+              <a:t>        def wrapper(*args, **kw):</a:t>
+            </a:r>
+            <a:endParaRPr lang="zh-CN" altLang="en-US" sz="1800">
+              <a:solidFill>
+                <a:schemeClr val="tx1"/>
+              </a:solidFill>
+              <a:latin typeface="Source Code Pro" panose="020B0509030403020204" charset="0"/>
+              <a:cs typeface="Source Code Pro" panose="020B0509030403020204" charset="0"/>
+              <a:sym typeface="+mn-ea"/>
+            </a:endParaRPr>
+          </a:p>
+          <a:p>
+            <a:pPr algn="l"/>
+            <a:r>
+              <a:rPr lang="zh-CN" altLang="en-US" sz="1800">
+                <a:solidFill>
+                  <a:schemeClr val="tx1"/>
+                </a:solidFill>
+                <a:latin typeface="Source Code Pro" panose="020B0509030403020204" charset="0"/>
+                <a:cs typeface="Source Code Pro" panose="020B0509030403020204" charset="0"/>
+                <a:sym typeface="+mn-ea"/>
+              </a:rPr>
+              <a:t>            print('call %s():' % text.__name__)</a:t>
+            </a:r>
+            <a:endParaRPr lang="zh-CN" altLang="en-US" sz="1800">
+              <a:solidFill>
+                <a:schemeClr val="tx1"/>
+              </a:solidFill>
+              <a:latin typeface="Source Code Pro" panose="020B0509030403020204" charset="0"/>
+              <a:cs typeface="Source Code Pro" panose="020B0509030403020204" charset="0"/>
+              <a:sym typeface="+mn-ea"/>
+            </a:endParaRPr>
+          </a:p>
+          <a:p>
+            <a:pPr algn="l"/>
+            <a:r>
+              <a:rPr lang="zh-CN" altLang="en-US" sz="1800">
+                <a:solidFill>
+                  <a:schemeClr val="tx1"/>
+                </a:solidFill>
+                <a:latin typeface="Source Code Pro" panose="020B0509030403020204" charset="0"/>
+                <a:cs typeface="Source Code Pro" panose="020B0509030403020204" charset="0"/>
+                <a:sym typeface="+mn-ea"/>
+              </a:rPr>
+              <a:t>            return text(*args, **kw)</a:t>
+            </a:r>
+            <a:endParaRPr lang="zh-CN" altLang="en-US" sz="1800">
+              <a:solidFill>
+                <a:schemeClr val="tx1"/>
+              </a:solidFill>
+              <a:latin typeface="Source Code Pro" panose="020B0509030403020204" charset="0"/>
+              <a:cs typeface="Source Code Pro" panose="020B0509030403020204" charset="0"/>
+              <a:sym typeface="+mn-ea"/>
+            </a:endParaRPr>
+          </a:p>
+          <a:p>
+            <a:pPr algn="l"/>
+            <a:r>
+              <a:rPr lang="zh-CN" altLang="en-US" sz="1800">
+                <a:solidFill>
+                  <a:schemeClr val="tx1"/>
+                </a:solidFill>
+                <a:latin typeface="Source Code Pro" panose="020B0509030403020204" charset="0"/>
+                <a:cs typeface="Source Code Pro" panose="020B0509030403020204" charset="0"/>
+                <a:sym typeface="+mn-ea"/>
+              </a:rPr>
+              <a:t>        return wrapper</a:t>
+            </a:r>
+            <a:endParaRPr lang="zh-CN" altLang="en-US" sz="1800">
+              <a:solidFill>
+                <a:schemeClr val="tx1"/>
+              </a:solidFill>
+              <a:latin typeface="Source Code Pro" panose="020B0509030403020204" charset="0"/>
+              <a:cs typeface="Source Code Pro" panose="020B0509030403020204" charset="0"/>
+              <a:sym typeface="+mn-ea"/>
+            </a:endParaRPr>
+          </a:p>
+        </p:txBody>
+      </p:sp>
+    </p:spTree>
+    <p:custDataLst>
+      <p:tags r:id="rId2"/>
+    </p:custDataLst>
+  </p:cSld>
+  <p:clrMapOvr>
+    <a:masterClrMapping/>
+  </p:clrMapOvr>
+</p:sld>
+</file>
+
+<file path=ppt/slides/slide27.xml><?xml version="1.0" encoding="utf-8"?>
+<p:sld xmlns:a="http://schemas.openxmlformats.org/drawingml/2006/main" xmlns:r="http://schemas.openxmlformats.org/officeDocument/2006/relationships" xmlns:p="http://schemas.openxmlformats.org/presentationml/2006/main">
+  <p:cSld>
+    <p:spTree>
+      <p:nvGrpSpPr>
+        <p:cNvPr id="1" name=""/>
+        <p:cNvGrpSpPr/>
+        <p:nvPr/>
+      </p:nvGrpSpPr>
+      <p:grpSpPr>
+        <a:xfrm>
+          <a:off x="0" y="0"/>
+          <a:ext cx="0" cy="0"/>
+          <a:chOff x="0" y="0"/>
+          <a:chExt cx="0" cy="0"/>
+        </a:xfrm>
+      </p:grpSpPr>
+      <p:sp>
+        <p:nvSpPr>
+          <p:cNvPr id="8" name="标题 1"/>
+          <p:cNvSpPr txBox="1"/>
+          <p:nvPr>
+            <p:custDataLst>
+              <p:tags r:id="rId1"/>
+            </p:custDataLst>
+          </p:nvPr>
+        </p:nvSpPr>
+        <p:spPr>
+          <a:xfrm>
+            <a:off x="571608" y="661194"/>
+            <a:ext cx="7886700" cy="994172"/>
+          </a:xfrm>
+          <a:prstGeom prst="rect">
+            <a:avLst/>
+          </a:prstGeom>
+        </p:spPr>
+        <p:txBody>
+          <a:bodyPr vert="horz" wrap="square" lIns="68580" tIns="34290" rIns="68580" bIns="34290" rtlCol="0" anchor="ctr">
+            <a:normAutofit/>
+          </a:bodyPr>
+          <a:lstStyle>
+            <a:lvl1pPr defTabSz="914400">
+              <a:lnSpc>
+                <a:spcPct val="120000"/>
+              </a:lnSpc>
+              <a:spcBef>
+                <a:spcPct val="0"/>
+              </a:spcBef>
+              <a:buNone/>
+              <a:defRPr sz="3600">
+                <a:solidFill>
+                  <a:schemeClr val="tx1">
+                    <a:lumMod val="75000"/>
+                    <a:lumOff val="25000"/>
+                  </a:schemeClr>
+                </a:solidFill>
+                <a:latin typeface="+mj-lt"/>
+                <a:ea typeface="+mj-ea"/>
+                <a:cs typeface="+mj-cs"/>
+              </a:defRPr>
+            </a:lvl1pPr>
+          </a:lstStyle>
+          <a:p>
+            <a:r>
+              <a:rPr lang="zh-CN" altLang="en-US" dirty="0"/>
+              <a:t>函数式编程</a:t>
+            </a:r>
+            <a:endParaRPr lang="zh-CN" altLang="en-US" dirty="0"/>
+          </a:p>
+        </p:txBody>
+      </p:sp>
+      <p:sp>
+        <p:nvSpPr>
+          <p:cNvPr id="2" name="文本框 1"/>
+          <p:cNvSpPr txBox="1"/>
+          <p:nvPr/>
+        </p:nvSpPr>
+        <p:spPr>
+          <a:xfrm>
+            <a:off x="571500" y="2033905"/>
+            <a:ext cx="8050530" cy="4892675"/>
+          </a:xfrm>
+          <a:prstGeom prst="rect">
+            <a:avLst/>
+          </a:prstGeom>
+          <a:noFill/>
+        </p:spPr>
+        <p:txBody>
+          <a:bodyPr wrap="square" rtlCol="0">
+            <a:spAutoFit/>
+          </a:bodyPr>
+          <a:p>
+            <a:pPr algn="l"/>
+            <a:r>
+              <a:rPr lang="zh-CN" altLang="en-US">
+                <a:solidFill>
+                  <a:srgbClr val="0070C0"/>
+                </a:solidFill>
+              </a:rPr>
+              <a:t>偏函数</a:t>
+            </a:r>
+            <a:endParaRPr lang="zh-CN" altLang="en-US">
+              <a:solidFill>
+                <a:srgbClr val="0070C0"/>
+              </a:solidFill>
+            </a:endParaRPr>
+          </a:p>
+          <a:p>
+            <a:pPr indent="457200" algn="l" eaLnBrk="1" latinLnBrk="0" hangingPunct="1"/>
+            <a:r>
+              <a:rPr lang="zh-CN" altLang="en-US" sz="1800">
+                <a:solidFill>
+                  <a:schemeClr val="tx1"/>
+                </a:solidFill>
+                <a:sym typeface="+mn-ea"/>
+              </a:rPr>
+              <a:t>Python的 functools 模块提供了很多有用的功能， 其中一个就是偏函数（Partial</a:t>
+            </a:r>
+            <a:endParaRPr lang="zh-CN" altLang="en-US" sz="1800">
+              <a:solidFill>
+                <a:schemeClr val="tx1"/>
+              </a:solidFill>
+              <a:sym typeface="+mn-ea"/>
+            </a:endParaRPr>
+          </a:p>
+          <a:p>
+            <a:pPr indent="457200" algn="l" eaLnBrk="1" latinLnBrk="0" hangingPunct="1"/>
+            <a:r>
+              <a:rPr lang="zh-CN" altLang="en-US" sz="1800">
+                <a:solidFill>
+                  <a:schemeClr val="tx1"/>
+                </a:solidFill>
+                <a:sym typeface="+mn-ea"/>
+              </a:rPr>
+              <a:t>function） 。 </a:t>
+            </a:r>
+            <a:r>
+              <a:rPr lang="zh-CN" altLang="en-US" sz="1800">
+                <a:solidFill>
+                  <a:srgbClr val="FF0000"/>
+                </a:solidFill>
+                <a:sym typeface="+mn-ea"/>
+              </a:rPr>
+              <a:t>要注意， 这里的偏函数和数学意义上的偏函数不一样。</a:t>
+            </a:r>
+            <a:endParaRPr lang="zh-CN" altLang="en-US" sz="1800">
+              <a:solidFill>
+                <a:srgbClr val="FF0000"/>
+              </a:solidFill>
+              <a:sym typeface="+mn-ea"/>
+            </a:endParaRPr>
+          </a:p>
+          <a:p>
+            <a:pPr algn="l"/>
+            <a:r>
+              <a:rPr lang="zh-CN" altLang="en-US" sz="1800">
+                <a:solidFill>
+                  <a:srgbClr val="92D050"/>
+                </a:solidFill>
+                <a:sym typeface="+mn-ea"/>
+              </a:rPr>
+              <a:t>&gt;&gt;&gt;</a:t>
+            </a:r>
+            <a:r>
+              <a:rPr lang="zh-CN" altLang="en-US" sz="1800">
+                <a:solidFill>
+                  <a:schemeClr val="tx1"/>
+                </a:solidFill>
+                <a:sym typeface="+mn-ea"/>
+              </a:rPr>
+              <a:t> int('12345'，</a:t>
+            </a:r>
+            <a:r>
+              <a:rPr lang="en-US" altLang="zh-CN" sz="1800">
+                <a:solidFill>
+                  <a:schemeClr val="bg2">
+                    <a:lumMod val="50000"/>
+                  </a:schemeClr>
+                </a:solidFill>
+                <a:sym typeface="+mn-ea"/>
+              </a:rPr>
+              <a:t>base=10</a:t>
+            </a:r>
+            <a:r>
+              <a:rPr lang="zh-CN" altLang="en-US" sz="1800">
+                <a:solidFill>
+                  <a:schemeClr val="tx1"/>
+                </a:solidFill>
+                <a:sym typeface="+mn-ea"/>
+              </a:rPr>
+              <a:t>)</a:t>
+            </a:r>
+            <a:endParaRPr lang="zh-CN" altLang="en-US" sz="1800">
+              <a:solidFill>
+                <a:schemeClr val="tx1"/>
+              </a:solidFill>
+              <a:sym typeface="+mn-ea"/>
+            </a:endParaRPr>
+          </a:p>
+          <a:p>
+            <a:pPr algn="l"/>
+            <a:r>
+              <a:rPr lang="zh-CN" altLang="en-US" sz="1800">
+                <a:solidFill>
+                  <a:schemeClr val="tx1"/>
+                </a:solidFill>
+                <a:sym typeface="+mn-ea"/>
+              </a:rPr>
+              <a:t>12345</a:t>
+            </a:r>
+            <a:endParaRPr lang="zh-CN" altLang="en-US" sz="1800">
+              <a:solidFill>
+                <a:schemeClr val="tx1"/>
+              </a:solidFill>
+              <a:sym typeface="+mn-ea"/>
+            </a:endParaRPr>
+          </a:p>
+          <a:p>
+            <a:pPr indent="457200" algn="l" eaLnBrk="1" latinLnBrk="0" hangingPunct="1"/>
+            <a:r>
+              <a:rPr lang="zh-CN" altLang="en-US" sz="1800">
+                <a:solidFill>
+                  <a:schemeClr val="tx1"/>
+                </a:solidFill>
+                <a:sym typeface="+mn-ea"/>
+              </a:rPr>
+              <a:t>functools.partial 就是帮助我们创建一个偏函数的， 不需要我们自己定</a:t>
+            </a:r>
+            <a:endParaRPr lang="zh-CN" altLang="en-US" sz="1800">
+              <a:solidFill>
+                <a:schemeClr val="tx1"/>
+              </a:solidFill>
+              <a:sym typeface="+mn-ea"/>
+            </a:endParaRPr>
+          </a:p>
+          <a:p>
+            <a:pPr indent="457200" algn="l" eaLnBrk="1" latinLnBrk="0" hangingPunct="1"/>
+            <a:r>
+              <a:rPr lang="zh-CN" altLang="en-US" sz="1800">
+                <a:solidFill>
+                  <a:schemeClr val="tx1"/>
+                </a:solidFill>
+                <a:sym typeface="+mn-ea"/>
+              </a:rPr>
+              <a:t>义 int2() ， 可以直接使用下面的代码创建一个新的函数 int2 ：</a:t>
+            </a:r>
+            <a:endParaRPr lang="zh-CN" altLang="en-US" sz="1800">
+              <a:solidFill>
+                <a:schemeClr val="tx1"/>
+              </a:solidFill>
+              <a:sym typeface="+mn-ea"/>
+            </a:endParaRPr>
+          </a:p>
+          <a:p>
+            <a:pPr algn="l"/>
+            <a:r>
+              <a:rPr lang="zh-CN" altLang="en-US" sz="1800">
+                <a:solidFill>
+                  <a:srgbClr val="92D050"/>
+                </a:solidFill>
+                <a:sym typeface="+mn-ea"/>
+              </a:rPr>
+              <a:t>&gt;&gt;&gt;</a:t>
+            </a:r>
+            <a:r>
+              <a:rPr lang="zh-CN" altLang="en-US" sz="1800">
+                <a:solidFill>
+                  <a:schemeClr val="tx1"/>
+                </a:solidFill>
+                <a:sym typeface="+mn-ea"/>
+              </a:rPr>
+              <a:t> import functools</a:t>
+            </a:r>
+            <a:endParaRPr lang="zh-CN" altLang="en-US" sz="1800">
+              <a:solidFill>
+                <a:schemeClr val="tx1"/>
+              </a:solidFill>
+              <a:sym typeface="+mn-ea"/>
+            </a:endParaRPr>
+          </a:p>
+          <a:p>
+            <a:pPr algn="l"/>
+            <a:r>
+              <a:rPr lang="zh-CN" altLang="en-US" sz="1800">
+                <a:solidFill>
+                  <a:srgbClr val="92D050"/>
+                </a:solidFill>
+                <a:sym typeface="+mn-ea"/>
+              </a:rPr>
+              <a:t>&gt;&gt;&gt;</a:t>
+            </a:r>
+            <a:r>
+              <a:rPr lang="zh-CN" altLang="en-US" sz="1800">
+                <a:solidFill>
+                  <a:schemeClr val="tx1"/>
+                </a:solidFill>
+                <a:sym typeface="+mn-ea"/>
+              </a:rPr>
+              <a:t> int2 = functools.partial(int, base=2)</a:t>
+            </a:r>
+            <a:endParaRPr lang="zh-CN" altLang="en-US" sz="1800">
+              <a:solidFill>
+                <a:schemeClr val="tx1"/>
+              </a:solidFill>
+              <a:sym typeface="+mn-ea"/>
+            </a:endParaRPr>
+          </a:p>
+          <a:p>
+            <a:pPr algn="l"/>
+            <a:r>
+              <a:rPr lang="zh-CN" altLang="en-US" sz="1800">
+                <a:solidFill>
+                  <a:srgbClr val="92D050"/>
+                </a:solidFill>
+                <a:sym typeface="+mn-ea"/>
+              </a:rPr>
+              <a:t>&gt;&gt;&gt;</a:t>
+            </a:r>
+            <a:r>
+              <a:rPr lang="zh-CN" altLang="en-US" sz="1800">
+                <a:solidFill>
+                  <a:schemeClr val="tx1"/>
+                </a:solidFill>
+                <a:sym typeface="+mn-ea"/>
+              </a:rPr>
+              <a:t> int2('1000000')</a:t>
+            </a:r>
+            <a:endParaRPr lang="zh-CN" altLang="en-US" sz="1800">
+              <a:solidFill>
+                <a:schemeClr val="tx1"/>
+              </a:solidFill>
+              <a:sym typeface="+mn-ea"/>
+            </a:endParaRPr>
+          </a:p>
+          <a:p>
+            <a:pPr algn="l"/>
+            <a:r>
+              <a:rPr lang="zh-CN" altLang="en-US" sz="1800">
+                <a:solidFill>
+                  <a:schemeClr val="tx1"/>
+                </a:solidFill>
+                <a:sym typeface="+mn-ea"/>
+              </a:rPr>
+              <a:t>64</a:t>
+            </a:r>
+            <a:endParaRPr lang="zh-CN" altLang="en-US" sz="1800">
+              <a:solidFill>
+                <a:schemeClr val="tx1"/>
+              </a:solidFill>
+              <a:sym typeface="+mn-ea"/>
+            </a:endParaRPr>
+          </a:p>
+          <a:p>
+            <a:pPr indent="457200" algn="l" eaLnBrk="1" latinLnBrk="0" hangingPunct="1"/>
+            <a:r>
+              <a:rPr lang="zh-CN" altLang="en-US" sz="1800">
+                <a:solidFill>
+                  <a:schemeClr val="tx1"/>
+                </a:solidFill>
+                <a:sym typeface="+mn-ea"/>
+              </a:rPr>
+              <a:t>创建偏函数时， 实际上可以接收函数对象、 *args 和 **kw 这3个参数，当传入：int2 = functools.partial(int, base=2)实际上固定了int()函数的参数 base ， 也就是：int2('10010')相当于：</a:t>
+            </a:r>
+            <a:endParaRPr lang="zh-CN" altLang="en-US" sz="1800">
+              <a:solidFill>
+                <a:schemeClr val="tx1"/>
+              </a:solidFill>
+              <a:sym typeface="+mn-ea"/>
+            </a:endParaRPr>
+          </a:p>
+          <a:p>
+            <a:pPr algn="l"/>
+            <a:r>
+              <a:rPr lang="zh-CN" altLang="en-US" sz="1800">
+                <a:solidFill>
+                  <a:schemeClr val="tx1"/>
+                </a:solidFill>
+                <a:latin typeface="Source Code Pro" panose="020B0509030403020204" charset="0"/>
+                <a:cs typeface="Source Code Pro" panose="020B0509030403020204" charset="0"/>
+                <a:sym typeface="+mn-ea"/>
+              </a:rPr>
+              <a:t>kw = { 'base': 2 }</a:t>
+            </a:r>
+            <a:endParaRPr lang="zh-CN" altLang="en-US" sz="1800">
+              <a:solidFill>
+                <a:schemeClr val="tx1"/>
+              </a:solidFill>
+              <a:latin typeface="Source Code Pro" panose="020B0509030403020204" charset="0"/>
+              <a:cs typeface="Source Code Pro" panose="020B0509030403020204" charset="0"/>
+              <a:sym typeface="+mn-ea"/>
+            </a:endParaRPr>
+          </a:p>
+          <a:p>
+            <a:pPr algn="l"/>
+            <a:r>
+              <a:rPr lang="zh-CN" altLang="en-US" sz="1800">
+                <a:solidFill>
+                  <a:schemeClr val="tx1"/>
+                </a:solidFill>
+                <a:latin typeface="Source Code Pro" panose="020B0509030403020204" charset="0"/>
+                <a:cs typeface="Source Code Pro" panose="020B0509030403020204" charset="0"/>
+                <a:sym typeface="+mn-ea"/>
+              </a:rPr>
+              <a:t>int('10010', **kw)</a:t>
+            </a:r>
+            <a:endParaRPr lang="zh-CN" altLang="en-US" sz="1800">
+              <a:solidFill>
+                <a:schemeClr val="tx1"/>
+              </a:solidFill>
+              <a:latin typeface="Source Code Pro" panose="020B0509030403020204" charset="0"/>
+              <a:cs typeface="Source Code Pro" panose="020B0509030403020204" charset="0"/>
+              <a:sym typeface="+mn-ea"/>
+            </a:endParaRPr>
+          </a:p>
+        </p:txBody>
+      </p:sp>
+    </p:spTree>
+    <p:custDataLst>
+      <p:tags r:id="rId2"/>
+    </p:custDataLst>
+  </p:cSld>
+  <p:clrMapOvr>
+    <a:masterClrMapping/>
+  </p:clrMapOvr>
+</p:sld>
+</file>
+
 <file path=ppt/slides/slide3.xml><?xml version="1.0" encoding="utf-8"?>
 <p:sld xmlns:a="http://schemas.openxmlformats.org/drawingml/2006/main" xmlns:r="http://schemas.openxmlformats.org/officeDocument/2006/relationships" xmlns:p="http://schemas.openxmlformats.org/presentationml/2006/main">
   <p:cSld>
@@ -10019,7 +17765,7 @@
             </a:endParaRPr>
           </a:p>
           <a:p>
-            <a:pPr algn="l"/>
+            <a:pPr indent="457200" algn="l" eaLnBrk="1" latinLnBrk="0" hangingPunct="1"/>
             <a:r>
               <a:rPr lang="zh-CN" altLang="en-US"/>
               <a:t>函数式编程就是一种抽象程度很高的编程范式， 纯粹的函数式编程语言编写的函数没有变量， 因此， 任意一个函数， 只要输入是确定的， 输出就是确定的， 这种纯函数我们称之为没有副作用。 而允许使用变量的程序设计语言， 由于函数内部的变量状态不确定， 同样的输入， 可能得到不同的输出， 因此， 这种函数是有副作用的。</a:t>
@@ -10027,7 +17773,7 @@
             <a:endParaRPr lang="zh-CN" altLang="en-US"/>
           </a:p>
           <a:p>
-            <a:pPr algn="l"/>
+            <a:pPr indent="457200" algn="l" eaLnBrk="1" latinLnBrk="0" hangingPunct="1"/>
             <a:r>
               <a:rPr lang="zh-CN" altLang="en-US">
                 <a:solidFill>
@@ -10043,7 +17789,7 @@
             </a:endParaRPr>
           </a:p>
           <a:p>
-            <a:pPr algn="l"/>
+            <a:pPr indent="457200" algn="l" eaLnBrk="1" latinLnBrk="0" hangingPunct="1"/>
             <a:r>
               <a:rPr lang="zh-CN" altLang="en-US">
                 <a:solidFill>
@@ -10151,7 +17897,7 @@
         <p:spPr>
           <a:xfrm>
             <a:off x="571500" y="2033905"/>
-            <a:ext cx="8050530" cy="2306955"/>
+            <a:ext cx="8050530" cy="3046095"/>
           </a:xfrm>
           <a:prstGeom prst="rect">
             <a:avLst/>
@@ -10180,6 +17926,22 @@
           </a:p>
           <a:p>
             <a:pPr algn="l"/>
+            <a:endParaRPr lang="zh-CN" altLang="en-US">
+              <a:solidFill>
+                <a:srgbClr val="0070C0"/>
+              </a:solidFill>
+            </a:endParaRPr>
+          </a:p>
+          <a:p>
+            <a:pPr algn="l"/>
+            <a:endParaRPr lang="zh-CN" altLang="en-US">
+              <a:solidFill>
+                <a:srgbClr val="0070C0"/>
+              </a:solidFill>
+            </a:endParaRPr>
+          </a:p>
+          <a:p>
+            <a:pPr indent="457200" algn="l" eaLnBrk="1" latinLnBrk="0" hangingPunct="1"/>
             <a:r>
               <a:rPr lang="zh-CN" altLang="en-US"/>
               <a:t>高阶函数英文叫</a:t>
@@ -10199,11 +17961,11 @@
             <a:endParaRPr lang="zh-CN" altLang="en-US"/>
           </a:p>
           <a:p>
-            <a:pPr algn="l"/>
+            <a:pPr indent="457200" algn="l" eaLnBrk="1" latinLnBrk="0" hangingPunct="1"/>
             <a:endParaRPr lang="zh-CN" altLang="en-US"/>
           </a:p>
           <a:p>
-            <a:pPr algn="l"/>
+            <a:pPr indent="457200" algn="l" eaLnBrk="1" latinLnBrk="0" hangingPunct="1"/>
             <a:r>
               <a:rPr lang="zh-CN" altLang="en-US"/>
               <a:t>什么是高阶函数？</a:t>
@@ -10211,11 +17973,11 @@
             <a:endParaRPr lang="zh-CN" altLang="en-US"/>
           </a:p>
           <a:p>
-            <a:pPr algn="l"/>
+            <a:pPr indent="457200" algn="l" eaLnBrk="1" latinLnBrk="0" hangingPunct="1"/>
             <a:endParaRPr lang="zh-CN" altLang="en-US"/>
           </a:p>
           <a:p>
-            <a:pPr algn="l"/>
+            <a:pPr indent="457200" algn="l" eaLnBrk="1" latinLnBrk="0" hangingPunct="1"/>
             <a:r>
               <a:rPr lang="zh-CN" altLang="en-US"/>
               <a:t>我们以实际代码为例子，一步一步深入概念。</a:t>
@@ -10355,7 +18117,7 @@
             <a:endParaRPr lang="zh-CN" altLang="en-US"/>
           </a:p>
           <a:p>
-            <a:pPr algn="l"/>
+            <a:pPr indent="457200" algn="l" eaLnBrk="1" latinLnBrk="0" hangingPunct="1"/>
             <a:r>
               <a:rPr lang="zh-CN" altLang="en-US"/>
               <a:t>以Python内置的求绝对值的函数 abs() 为例， 调用该函数用以下代码：</a:t>
@@ -10387,7 +18149,7 @@
             <a:endParaRPr lang="zh-CN" altLang="en-US"/>
           </a:p>
           <a:p>
-            <a:pPr algn="l"/>
+            <a:pPr indent="457200" algn="l" eaLnBrk="1" latinLnBrk="0" hangingPunct="1"/>
             <a:r>
               <a:rPr lang="zh-CN" altLang="en-US"/>
               <a:t>但是， 如果只写 abs 呢？</a:t>
@@ -10419,7 +18181,7 @@
             <a:endParaRPr lang="zh-CN" altLang="en-US"/>
           </a:p>
           <a:p>
-            <a:pPr algn="l"/>
+            <a:pPr indent="457200" algn="l" eaLnBrk="1" latinLnBrk="0" hangingPunct="1"/>
             <a:r>
               <a:rPr lang="zh-CN" altLang="en-US"/>
               <a:t>可见， abs(-10) 是函数调用， 而 abs 是函数本身。</a:t>
@@ -10547,7 +18309,7 @@
             </a:endParaRPr>
           </a:p>
           <a:p>
-            <a:pPr algn="l"/>
+            <a:pPr indent="457200" algn="l" eaLnBrk="1" latinLnBrk="0" hangingPunct="1"/>
             <a:r>
               <a:rPr lang="zh-CN" altLang="en-US"/>
               <a:t>要获得函数调用结果， 我们可以把结果赋值给变量：</a:t>
@@ -10557,16 +18319,32 @@
           <a:p>
             <a:pPr algn="l"/>
             <a:r>
+              <a:rPr lang="zh-CN" altLang="en-US">
+                <a:solidFill>
+                  <a:srgbClr val="92D050"/>
+                </a:solidFill>
+              </a:rPr>
+              <a:t>&gt;&gt;&gt;</a:t>
+            </a:r>
+            <a:r>
               <a:rPr lang="zh-CN" altLang="en-US"/>
-              <a:t>&gt;&gt;&gt; x = abs(-10)</a:t>
+              <a:t> x = abs(-10)</a:t>
             </a:r>
             <a:endParaRPr lang="zh-CN" altLang="en-US"/>
           </a:p>
           <a:p>
             <a:pPr algn="l"/>
             <a:r>
+              <a:rPr lang="zh-CN" altLang="en-US">
+                <a:solidFill>
+                  <a:srgbClr val="92D050"/>
+                </a:solidFill>
+              </a:rPr>
+              <a:t>&gt;&gt;&gt; </a:t>
+            </a:r>
+            <a:r>
               <a:rPr lang="zh-CN" altLang="en-US"/>
-              <a:t>&gt;&gt;&gt; x</a:t>
+              <a:t>x</a:t>
             </a:r>
             <a:endParaRPr lang="zh-CN" altLang="en-US"/>
           </a:p>
@@ -10579,7 +18357,7 @@
             <a:endParaRPr lang="zh-CN" altLang="en-US"/>
           </a:p>
           <a:p>
-            <a:pPr algn="l"/>
+            <a:pPr indent="457200" algn="l" eaLnBrk="1" latinLnBrk="0" hangingPunct="1"/>
             <a:r>
               <a:rPr lang="zh-CN" altLang="en-US"/>
               <a:t>但是， 如果把函数本身赋值给变量呢？</a:t>
@@ -10589,16 +18367,32 @@
           <a:p>
             <a:pPr algn="l"/>
             <a:r>
+              <a:rPr lang="zh-CN" altLang="en-US">
+                <a:solidFill>
+                  <a:srgbClr val="92D050"/>
+                </a:solidFill>
+              </a:rPr>
+              <a:t>&gt;&gt;&gt; </a:t>
+            </a:r>
+            <a:r>
               <a:rPr lang="zh-CN" altLang="en-US"/>
-              <a:t>&gt;&gt;&gt; f = abs</a:t>
+              <a:t>f = abs</a:t>
             </a:r>
             <a:endParaRPr lang="zh-CN" altLang="en-US"/>
           </a:p>
           <a:p>
             <a:pPr algn="l"/>
             <a:r>
+              <a:rPr lang="zh-CN" altLang="en-US">
+                <a:solidFill>
+                  <a:srgbClr val="92D050"/>
+                </a:solidFill>
+              </a:rPr>
+              <a:t>&gt;&gt;&gt; </a:t>
+            </a:r>
+            <a:r>
               <a:rPr lang="zh-CN" altLang="en-US"/>
-              <a:t>&gt;&gt;&gt; f</a:t>
+              <a:t>f</a:t>
             </a:r>
             <a:endParaRPr lang="zh-CN" altLang="en-US"/>
           </a:p>
@@ -10767,7 +18561,7 @@
             <a:endParaRPr lang="zh-CN" altLang="en-US"/>
           </a:p>
           <a:p>
-            <a:pPr algn="l"/>
+            <a:pPr indent="457200" algn="l" eaLnBrk="1" latinLnBrk="0" hangingPunct="1"/>
             <a:r>
               <a:rPr lang="zh-CN" altLang="en-US"/>
               <a:t>那么函数名是什么呢？函数名其实就是指向函数的变量！对于 abs() 这个函数，完全可以把函数名 abs 看成变量， 它指向一个可以计算绝对值的函数！</a:t>
@@ -10775,7 +18569,7 @@
             <a:endParaRPr lang="zh-CN" altLang="en-US"/>
           </a:p>
           <a:p>
-            <a:pPr algn="l"/>
+            <a:pPr indent="457200" algn="l" eaLnBrk="1" latinLnBrk="0" hangingPunct="1"/>
             <a:r>
               <a:rPr lang="zh-CN" altLang="en-US"/>
               <a:t>如果把 abs 指向其他对象， 会有什么情况发生？</a:t>
@@ -10827,7 +18621,7 @@
             <a:endParaRPr lang="zh-CN" altLang="en-US"/>
           </a:p>
           <a:p>
-            <a:pPr algn="l"/>
+            <a:pPr indent="457200" algn="l" eaLnBrk="1" latinLnBrk="0" hangingPunct="1"/>
             <a:r>
               <a:rPr lang="zh-CN" altLang="en-US"/>
               <a:t>把 abs 指向 10 后， 就无法通过 abs(-10) 调用该函数了！因为 abs 这个变量已经不指向求绝对值函数而是指向一个整数 10 ！</a:t>
@@ -10967,7 +18761,7 @@
             <a:endParaRPr lang="zh-CN" altLang="en-US"/>
           </a:p>
           <a:p>
-            <a:pPr algn="l"/>
+            <a:pPr indent="457200" algn="l" eaLnBrk="1" latinLnBrk="0" hangingPunct="1"/>
             <a:r>
               <a:rPr lang="zh-CN" altLang="en-US"/>
               <a:t>一个最简单的高阶函数：</a:t>
@@ -10977,21 +18771,30 @@
           <a:p>
             <a:pPr algn="l"/>
             <a:r>
-              <a:rPr lang="zh-CN" altLang="en-US"/>
+              <a:rPr lang="zh-CN" altLang="en-US">
+                <a:latin typeface="Source Code Pro" panose="020B0509030403020204" charset="0"/>
+                <a:cs typeface="Source Code Pro" panose="020B0509030403020204" charset="0"/>
+              </a:rPr>
               <a:t>def add(x, y, f):</a:t>
             </a:r>
+            <a:endParaRPr lang="zh-CN" altLang="en-US">
+              <a:latin typeface="Source Code Pro" panose="020B0509030403020204" charset="0"/>
+              <a:cs typeface="Source Code Pro" panose="020B0509030403020204" charset="0"/>
+            </a:endParaRPr>
+          </a:p>
+          <a:p>
+            <a:pPr algn="l"/>
+            <a:r>
+              <a:rPr lang="zh-CN" altLang="en-US">
+                <a:latin typeface="Source Code Pro" panose="020B0509030403020204" charset="0"/>
+                <a:cs typeface="Source Code Pro" panose="020B0509030403020204" charset="0"/>
+              </a:rPr>
+              <a:t>    return f(x) + f(y)</a:t>
+            </a:r>
             <a:endParaRPr lang="zh-CN" altLang="en-US"/>
           </a:p>
           <a:p>
-            <a:pPr algn="l"/>
-            <a:r>
-              <a:rPr lang="zh-CN" altLang="en-US"/>
-              <a:t>return f(x) + f(y)</a:t>
-            </a:r>
-            <a:endParaRPr lang="zh-CN" altLang="en-US"/>
-          </a:p>
-          <a:p>
-            <a:pPr algn="l"/>
+            <a:pPr indent="457200" algn="l" eaLnBrk="1" latinLnBrk="0" hangingPunct="1"/>
             <a:r>
               <a:rPr lang="zh-CN" altLang="en-US"/>
               <a:t>当我们调用 add(-5, 6, abs) 时， 参数 x ， y 和 f 分别接</a:t>
@@ -10999,7 +18802,7 @@
             <a:endParaRPr lang="zh-CN" altLang="en-US"/>
           </a:p>
           <a:p>
-            <a:pPr algn="l"/>
+            <a:pPr indent="457200" algn="l" eaLnBrk="1" latinLnBrk="0" hangingPunct="1"/>
             <a:r>
               <a:rPr lang="zh-CN" altLang="en-US"/>
               <a:t>收 -5 ， 6 和 abs ， 根据函数定义， 我们可以推导计算过程为：</a:t>
@@ -11009,42 +18812,72 @@
           <a:p>
             <a:pPr algn="l"/>
             <a:r>
-              <a:rPr lang="zh-CN" altLang="en-US"/>
+              <a:rPr lang="zh-CN" altLang="en-US">
+                <a:latin typeface="Source Code Pro" panose="020B0509030403020204" charset="0"/>
+                <a:cs typeface="Source Code Pro" panose="020B0509030403020204" charset="0"/>
+              </a:rPr>
               <a:t>x = -5</a:t>
             </a:r>
-            <a:endParaRPr lang="zh-CN" altLang="en-US"/>
+            <a:endParaRPr lang="zh-CN" altLang="en-US">
+              <a:latin typeface="Source Code Pro" panose="020B0509030403020204" charset="0"/>
+              <a:cs typeface="Source Code Pro" panose="020B0509030403020204" charset="0"/>
+            </a:endParaRPr>
           </a:p>
           <a:p>
             <a:pPr algn="l"/>
             <a:r>
-              <a:rPr lang="zh-CN" altLang="en-US"/>
+              <a:rPr lang="zh-CN" altLang="en-US">
+                <a:latin typeface="Source Code Pro" panose="020B0509030403020204" charset="0"/>
+                <a:cs typeface="Source Code Pro" panose="020B0509030403020204" charset="0"/>
+              </a:rPr>
               <a:t>y = 6</a:t>
             </a:r>
-            <a:endParaRPr lang="zh-CN" altLang="en-US"/>
+            <a:endParaRPr lang="zh-CN" altLang="en-US">
+              <a:latin typeface="Source Code Pro" panose="020B0509030403020204" charset="0"/>
+              <a:cs typeface="Source Code Pro" panose="020B0509030403020204" charset="0"/>
+            </a:endParaRPr>
           </a:p>
           <a:p>
             <a:pPr algn="l"/>
             <a:r>
-              <a:rPr lang="zh-CN" altLang="en-US"/>
+              <a:rPr lang="zh-CN" altLang="en-US">
+                <a:latin typeface="Source Code Pro" panose="020B0509030403020204" charset="0"/>
+                <a:cs typeface="Source Code Pro" panose="020B0509030403020204" charset="0"/>
+              </a:rPr>
               <a:t>f = abs</a:t>
             </a:r>
-            <a:endParaRPr lang="zh-CN" altLang="en-US"/>
+            <a:endParaRPr lang="zh-CN" altLang="en-US">
+              <a:latin typeface="Source Code Pro" panose="020B0509030403020204" charset="0"/>
+              <a:cs typeface="Source Code Pro" panose="020B0509030403020204" charset="0"/>
+            </a:endParaRPr>
           </a:p>
           <a:p>
             <a:pPr algn="l"/>
             <a:r>
-              <a:rPr lang="zh-CN" altLang="en-US"/>
+              <a:rPr lang="zh-CN" altLang="en-US">
+                <a:latin typeface="Source Code Pro" panose="020B0509030403020204" charset="0"/>
+                <a:cs typeface="Source Code Pro" panose="020B0509030403020204" charset="0"/>
+              </a:rPr>
               <a:t>f(x) + f(y) ==&gt; abs(-5) + abs(6) ==&gt; 11</a:t>
             </a:r>
-            <a:endParaRPr lang="zh-CN" altLang="en-US"/>
+            <a:endParaRPr lang="zh-CN" altLang="en-US">
+              <a:latin typeface="Source Code Pro" panose="020B0509030403020204" charset="0"/>
+              <a:cs typeface="Source Code Pro" panose="020B0509030403020204" charset="0"/>
+            </a:endParaRPr>
           </a:p>
           <a:p>
             <a:pPr algn="l"/>
             <a:r>
-              <a:rPr lang="zh-CN" altLang="en-US"/>
+              <a:rPr lang="zh-CN" altLang="en-US">
+                <a:latin typeface="Source Code Pro" panose="020B0509030403020204" charset="0"/>
+                <a:cs typeface="Source Code Pro" panose="020B0509030403020204" charset="0"/>
+              </a:rPr>
               <a:t>return 11</a:t>
             </a:r>
-            <a:endParaRPr lang="zh-CN" altLang="en-US"/>
+            <a:endParaRPr lang="zh-CN" altLang="en-US">
+              <a:latin typeface="Source Code Pro" panose="020B0509030403020204" charset="0"/>
+              <a:cs typeface="Source Code Pro" panose="020B0509030403020204" charset="0"/>
+            </a:endParaRPr>
           </a:p>
         </p:txBody>
       </p:sp>
@@ -11139,7 +18972,7 @@
         <p:spPr>
           <a:xfrm>
             <a:off x="571500" y="2033905"/>
-            <a:ext cx="8050530" cy="3415030"/>
+            <a:ext cx="8050530" cy="4154170"/>
           </a:xfrm>
           <a:prstGeom prst="rect">
             <a:avLst/>
@@ -11167,7 +19000,7 @@
             </a:endParaRPr>
           </a:p>
           <a:p>
-            <a:pPr algn="l"/>
+            <a:pPr indent="457200" algn="l" eaLnBrk="1" latinLnBrk="0" hangingPunct="1"/>
             <a:r>
               <a:rPr lang="zh-CN" altLang="en-US">
                 <a:solidFill>
@@ -11183,14 +19016,14 @@
             </a:endParaRPr>
           </a:p>
           <a:p>
-            <a:pPr algn="l"/>
+            <a:pPr indent="457200" algn="l" eaLnBrk="1" latinLnBrk="0" hangingPunct="1"/>
             <a:r>
               <a:rPr lang="zh-CN" altLang="en-US">
                 <a:solidFill>
-                  <a:srgbClr val="0070C0"/>
-                </a:solidFill>
-              </a:rPr>
-              <a:t>《MapReduce: Simplified Data Processing on Large Clusters》</a:t>
+                  <a:schemeClr val="tx1"/>
+                </a:solidFill>
+              </a:rPr>
+              <a:t>推荐一篇相关文章：</a:t>
             </a:r>
             <a:endParaRPr lang="zh-CN" altLang="en-US">
               <a:solidFill>
@@ -11199,11 +19032,29 @@
             </a:endParaRPr>
           </a:p>
           <a:p>
+            <a:pPr algn="l"/>
+            <a:r>
+              <a:rPr lang="zh-CN" altLang="en-US">
+                <a:solidFill>
+                  <a:schemeClr val="bg2">
+                    <a:lumMod val="50000"/>
+                  </a:schemeClr>
+                </a:solidFill>
+              </a:rPr>
+              <a:t>《MapReduce: Simplified Data Processing on Large Clusters》</a:t>
+            </a:r>
+            <a:endParaRPr lang="zh-CN" altLang="en-US">
+              <a:solidFill>
+                <a:srgbClr val="92D050"/>
+              </a:solidFill>
+            </a:endParaRPr>
+          </a:p>
+          <a:p>
             <a:pPr algn="ctr"/>
             <a:r>
               <a:rPr lang="zh-CN" altLang="en-US">
                 <a:solidFill>
-                  <a:schemeClr val="tx1"/>
+                  <a:srgbClr val="0070C0"/>
                 </a:solidFill>
               </a:rPr>
               <a:t>map</a:t>
@@ -11215,7 +19066,7 @@
             </a:endParaRPr>
           </a:p>
           <a:p>
-            <a:pPr algn="l"/>
+            <a:pPr indent="457200" algn="l" eaLnBrk="1" latinLnBrk="0" hangingPunct="1"/>
             <a:r>
               <a:rPr lang="zh-CN" altLang="en-US">
                 <a:solidFill>
@@ -11231,7 +19082,7 @@
             </a:endParaRPr>
           </a:p>
           <a:p>
-            <a:pPr algn="l"/>
+            <a:pPr indent="457200" algn="l" eaLnBrk="1" latinLnBrk="0" hangingPunct="1"/>
             <a:r>
               <a:rPr lang="zh-CN" altLang="en-US">
                 <a:solidFill>
@@ -12047,6 +19898,84 @@
 </p:tagLst>
 </file>
 
+<file path=ppt/tags/tag56.xml><?xml version="1.0" encoding="utf-8"?>
+<p:tagLst xmlns:p="http://schemas.openxmlformats.org/presentationml/2006/main">
+  <p:tag name="KSO_WM_TEMPLATE_CATEGORY" val="custom"/>
+  <p:tag name="KSO_WM_TEMPLATE_INDEX" val="20186830"/>
+  <p:tag name="KSO_WM_TAG_VERSION" val="1.0"/>
+  <p:tag name="KSO_WM_BEAUTIFY_FLAG" val="#wm#"/>
+  <p:tag name="KSO_WM_UNIT_TYPE" val="a"/>
+  <p:tag name="KSO_WM_UNIT_INDEX" val="1"/>
+  <p:tag name="KSO_WM_UNIT_ID" val="custom20186830_7*a*1"/>
+  <p:tag name="KSO_WM_UNIT_LAYERLEVEL" val="1"/>
+  <p:tag name="KSO_WM_UNIT_VALUE" val="19"/>
+  <p:tag name="KSO_WM_UNIT_ISCONTENTSTITLE" val="0"/>
+  <p:tag name="KSO_WM_UNIT_HIGHLIGHT" val="0"/>
+  <p:tag name="KSO_WM_UNIT_COMPATIBLE" val="0"/>
+  <p:tag name="KSO_WM_UNIT_CLEAR" val="0"/>
+  <p:tag name="KSO_WM_UNIT_PRESET_TEXT_INDEX" val="3"/>
+  <p:tag name="KSO_WM_UNIT_PRESET_TEXT_LEN" val="17"/>
+</p:tagLst>
+</file>
+
+<file path=ppt/tags/tag57.xml><?xml version="1.0" encoding="utf-8"?>
+<p:tagLst xmlns:p="http://schemas.openxmlformats.org/presentationml/2006/main">
+  <p:tag name="KSO_WM_TEMPLATE_CATEGORY" val="custom"/>
+  <p:tag name="KSO_WM_TEMPLATE_INDEX" val="20186830"/>
+  <p:tag name="KSO_WM_TAG_VERSION" val="1.0"/>
+  <p:tag name="KSO_WM_SLIDE_ID" val="custom20186830_7"/>
+  <p:tag name="KSO_WM_SLIDE_INDEX" val="7"/>
+  <p:tag name="KSO_WM_SLIDE_ITEM_CNT" val="1"/>
+  <p:tag name="KSO_WM_SLIDE_LAYOUT" val="a_l"/>
+  <p:tag name="KSO_WM_SLIDE_LAYOUT_CNT" val="1_1"/>
+  <p:tag name="KSO_WM_SLIDE_TYPE" val="text"/>
+  <p:tag name="KSO_WM_BEAUTIFY_FLAG" val="#wm#"/>
+  <p:tag name="KSO_WM_SLIDE_POSITION" val="25*85"/>
+  <p:tag name="KSO_WM_SLIDE_SIZE" val="452*279"/>
+  <p:tag name="KSO_WM_DIAGRAM_GROUP_CODE" val="l1-1"/>
+  <p:tag name="KSO_WM_SLIDE_SUBTYPE" val="diag"/>
+</p:tagLst>
+</file>
+
+<file path=ppt/tags/tag58.xml><?xml version="1.0" encoding="utf-8"?>
+<p:tagLst xmlns:p="http://schemas.openxmlformats.org/presentationml/2006/main">
+  <p:tag name="KSO_WM_TEMPLATE_CATEGORY" val="custom"/>
+  <p:tag name="KSO_WM_TEMPLATE_INDEX" val="20186830"/>
+  <p:tag name="KSO_WM_TAG_VERSION" val="1.0"/>
+  <p:tag name="KSO_WM_BEAUTIFY_FLAG" val="#wm#"/>
+  <p:tag name="KSO_WM_UNIT_TYPE" val="a"/>
+  <p:tag name="KSO_WM_UNIT_INDEX" val="1"/>
+  <p:tag name="KSO_WM_UNIT_ID" val="custom20186830_7*a*1"/>
+  <p:tag name="KSO_WM_UNIT_LAYERLEVEL" val="1"/>
+  <p:tag name="KSO_WM_UNIT_VALUE" val="19"/>
+  <p:tag name="KSO_WM_UNIT_ISCONTENTSTITLE" val="0"/>
+  <p:tag name="KSO_WM_UNIT_HIGHLIGHT" val="0"/>
+  <p:tag name="KSO_WM_UNIT_COMPATIBLE" val="0"/>
+  <p:tag name="KSO_WM_UNIT_CLEAR" val="0"/>
+  <p:tag name="KSO_WM_UNIT_PRESET_TEXT_INDEX" val="3"/>
+  <p:tag name="KSO_WM_UNIT_PRESET_TEXT_LEN" val="17"/>
+</p:tagLst>
+</file>
+
+<file path=ppt/tags/tag59.xml><?xml version="1.0" encoding="utf-8"?>
+<p:tagLst xmlns:p="http://schemas.openxmlformats.org/presentationml/2006/main">
+  <p:tag name="KSO_WM_TEMPLATE_CATEGORY" val="custom"/>
+  <p:tag name="KSO_WM_TEMPLATE_INDEX" val="20186830"/>
+  <p:tag name="KSO_WM_TAG_VERSION" val="1.0"/>
+  <p:tag name="KSO_WM_SLIDE_ID" val="custom20186830_7"/>
+  <p:tag name="KSO_WM_SLIDE_INDEX" val="7"/>
+  <p:tag name="KSO_WM_SLIDE_ITEM_CNT" val="1"/>
+  <p:tag name="KSO_WM_SLIDE_LAYOUT" val="a_l"/>
+  <p:tag name="KSO_WM_SLIDE_LAYOUT_CNT" val="1_1"/>
+  <p:tag name="KSO_WM_SLIDE_TYPE" val="text"/>
+  <p:tag name="KSO_WM_BEAUTIFY_FLAG" val="#wm#"/>
+  <p:tag name="KSO_WM_SLIDE_POSITION" val="25*85"/>
+  <p:tag name="KSO_WM_SLIDE_SIZE" val="452*279"/>
+  <p:tag name="KSO_WM_DIAGRAM_GROUP_CODE" val="l1-1"/>
+  <p:tag name="KSO_WM_SLIDE_SUBTYPE" val="diag"/>
+</p:tagLst>
+</file>
+
 <file path=ppt/tags/tag6.xml><?xml version="1.0" encoding="utf-8"?>
 <p:tagLst xmlns:p="http://schemas.openxmlformats.org/presentationml/2006/main">
   <p:tag name="KSO_WM_TAG_VERSION" val="1.0"/>
@@ -12056,6 +19985,201 @@
   <p:tag name="KSO_WM_TEMPLATE_CATEGORY" val="custom"/>
   <p:tag name="KSO_WM_TEMPLATE_INDEX" val="20184556"/>
   <p:tag name="KSO_WM_UNIT_INDEX" val="2"/>
+</p:tagLst>
+</file>
+
+<file path=ppt/tags/tag60.xml><?xml version="1.0" encoding="utf-8"?>
+<p:tagLst xmlns:p="http://schemas.openxmlformats.org/presentationml/2006/main">
+  <p:tag name="KSO_WM_TEMPLATE_CATEGORY" val="custom"/>
+  <p:tag name="KSO_WM_TEMPLATE_INDEX" val="20186830"/>
+  <p:tag name="KSO_WM_TAG_VERSION" val="1.0"/>
+  <p:tag name="KSO_WM_BEAUTIFY_FLAG" val="#wm#"/>
+  <p:tag name="KSO_WM_UNIT_TYPE" val="a"/>
+  <p:tag name="KSO_WM_UNIT_INDEX" val="1"/>
+  <p:tag name="KSO_WM_UNIT_ID" val="custom20186830_7*a*1"/>
+  <p:tag name="KSO_WM_UNIT_LAYERLEVEL" val="1"/>
+  <p:tag name="KSO_WM_UNIT_VALUE" val="19"/>
+  <p:tag name="KSO_WM_UNIT_ISCONTENTSTITLE" val="0"/>
+  <p:tag name="KSO_WM_UNIT_HIGHLIGHT" val="0"/>
+  <p:tag name="KSO_WM_UNIT_COMPATIBLE" val="0"/>
+  <p:tag name="KSO_WM_UNIT_CLEAR" val="0"/>
+  <p:tag name="KSO_WM_UNIT_PRESET_TEXT_INDEX" val="3"/>
+  <p:tag name="KSO_WM_UNIT_PRESET_TEXT_LEN" val="17"/>
+</p:tagLst>
+</file>
+
+<file path=ppt/tags/tag61.xml><?xml version="1.0" encoding="utf-8"?>
+<p:tagLst xmlns:p="http://schemas.openxmlformats.org/presentationml/2006/main">
+  <p:tag name="KSO_WM_TEMPLATE_CATEGORY" val="custom"/>
+  <p:tag name="KSO_WM_TEMPLATE_INDEX" val="20186830"/>
+  <p:tag name="KSO_WM_TAG_VERSION" val="1.0"/>
+  <p:tag name="KSO_WM_SLIDE_ID" val="custom20186830_7"/>
+  <p:tag name="KSO_WM_SLIDE_INDEX" val="7"/>
+  <p:tag name="KSO_WM_SLIDE_ITEM_CNT" val="1"/>
+  <p:tag name="KSO_WM_SLIDE_LAYOUT" val="a_l"/>
+  <p:tag name="KSO_WM_SLIDE_LAYOUT_CNT" val="1_1"/>
+  <p:tag name="KSO_WM_SLIDE_TYPE" val="text"/>
+  <p:tag name="KSO_WM_BEAUTIFY_FLAG" val="#wm#"/>
+  <p:tag name="KSO_WM_SLIDE_POSITION" val="25*85"/>
+  <p:tag name="KSO_WM_SLIDE_SIZE" val="452*279"/>
+  <p:tag name="KSO_WM_DIAGRAM_GROUP_CODE" val="l1-1"/>
+  <p:tag name="KSO_WM_SLIDE_SUBTYPE" val="diag"/>
+</p:tagLst>
+</file>
+
+<file path=ppt/tags/tag62.xml><?xml version="1.0" encoding="utf-8"?>
+<p:tagLst xmlns:p="http://schemas.openxmlformats.org/presentationml/2006/main">
+  <p:tag name="KSO_WM_TEMPLATE_CATEGORY" val="custom"/>
+  <p:tag name="KSO_WM_TEMPLATE_INDEX" val="20186830"/>
+  <p:tag name="KSO_WM_TAG_VERSION" val="1.0"/>
+  <p:tag name="KSO_WM_BEAUTIFY_FLAG" val="#wm#"/>
+  <p:tag name="KSO_WM_UNIT_TYPE" val="a"/>
+  <p:tag name="KSO_WM_UNIT_INDEX" val="1"/>
+  <p:tag name="KSO_WM_UNIT_ID" val="custom20186830_7*a*1"/>
+  <p:tag name="KSO_WM_UNIT_LAYERLEVEL" val="1"/>
+  <p:tag name="KSO_WM_UNIT_VALUE" val="19"/>
+  <p:tag name="KSO_WM_UNIT_ISCONTENTSTITLE" val="0"/>
+  <p:tag name="KSO_WM_UNIT_HIGHLIGHT" val="0"/>
+  <p:tag name="KSO_WM_UNIT_COMPATIBLE" val="0"/>
+  <p:tag name="KSO_WM_UNIT_CLEAR" val="0"/>
+  <p:tag name="KSO_WM_UNIT_PRESET_TEXT_INDEX" val="3"/>
+  <p:tag name="KSO_WM_UNIT_PRESET_TEXT_LEN" val="17"/>
+</p:tagLst>
+</file>
+
+<file path=ppt/tags/tag63.xml><?xml version="1.0" encoding="utf-8"?>
+<p:tagLst xmlns:p="http://schemas.openxmlformats.org/presentationml/2006/main">
+  <p:tag name="KSO_WM_TEMPLATE_CATEGORY" val="custom"/>
+  <p:tag name="KSO_WM_TEMPLATE_INDEX" val="20186830"/>
+  <p:tag name="KSO_WM_TAG_VERSION" val="1.0"/>
+  <p:tag name="KSO_WM_SLIDE_ID" val="custom20186830_7"/>
+  <p:tag name="KSO_WM_SLIDE_INDEX" val="7"/>
+  <p:tag name="KSO_WM_SLIDE_ITEM_CNT" val="1"/>
+  <p:tag name="KSO_WM_SLIDE_LAYOUT" val="a_l"/>
+  <p:tag name="KSO_WM_SLIDE_LAYOUT_CNT" val="1_1"/>
+  <p:tag name="KSO_WM_SLIDE_TYPE" val="text"/>
+  <p:tag name="KSO_WM_BEAUTIFY_FLAG" val="#wm#"/>
+  <p:tag name="KSO_WM_SLIDE_POSITION" val="25*85"/>
+  <p:tag name="KSO_WM_SLIDE_SIZE" val="452*279"/>
+  <p:tag name="KSO_WM_DIAGRAM_GROUP_CODE" val="l1-1"/>
+  <p:tag name="KSO_WM_SLIDE_SUBTYPE" val="diag"/>
+</p:tagLst>
+</file>
+
+<file path=ppt/tags/tag64.xml><?xml version="1.0" encoding="utf-8"?>
+<p:tagLst xmlns:p="http://schemas.openxmlformats.org/presentationml/2006/main">
+  <p:tag name="KSO_WM_TEMPLATE_CATEGORY" val="custom"/>
+  <p:tag name="KSO_WM_TEMPLATE_INDEX" val="20186830"/>
+  <p:tag name="KSO_WM_TAG_VERSION" val="1.0"/>
+  <p:tag name="KSO_WM_BEAUTIFY_FLAG" val="#wm#"/>
+  <p:tag name="KSO_WM_UNIT_TYPE" val="a"/>
+  <p:tag name="KSO_WM_UNIT_INDEX" val="1"/>
+  <p:tag name="KSO_WM_UNIT_ID" val="custom20186830_7*a*1"/>
+  <p:tag name="KSO_WM_UNIT_LAYERLEVEL" val="1"/>
+  <p:tag name="KSO_WM_UNIT_VALUE" val="19"/>
+  <p:tag name="KSO_WM_UNIT_ISCONTENTSTITLE" val="0"/>
+  <p:tag name="KSO_WM_UNIT_HIGHLIGHT" val="0"/>
+  <p:tag name="KSO_WM_UNIT_COMPATIBLE" val="0"/>
+  <p:tag name="KSO_WM_UNIT_CLEAR" val="0"/>
+  <p:tag name="KSO_WM_UNIT_PRESET_TEXT_INDEX" val="3"/>
+  <p:tag name="KSO_WM_UNIT_PRESET_TEXT_LEN" val="17"/>
+</p:tagLst>
+</file>
+
+<file path=ppt/tags/tag65.xml><?xml version="1.0" encoding="utf-8"?>
+<p:tagLst xmlns:p="http://schemas.openxmlformats.org/presentationml/2006/main">
+  <p:tag name="KSO_WM_TEMPLATE_CATEGORY" val="custom"/>
+  <p:tag name="KSO_WM_TEMPLATE_INDEX" val="20186830"/>
+  <p:tag name="KSO_WM_TAG_VERSION" val="1.0"/>
+  <p:tag name="KSO_WM_SLIDE_ID" val="custom20186830_7"/>
+  <p:tag name="KSO_WM_SLIDE_INDEX" val="7"/>
+  <p:tag name="KSO_WM_SLIDE_ITEM_CNT" val="1"/>
+  <p:tag name="KSO_WM_SLIDE_LAYOUT" val="a_l"/>
+  <p:tag name="KSO_WM_SLIDE_LAYOUT_CNT" val="1_1"/>
+  <p:tag name="KSO_WM_SLIDE_TYPE" val="text"/>
+  <p:tag name="KSO_WM_BEAUTIFY_FLAG" val="#wm#"/>
+  <p:tag name="KSO_WM_SLIDE_POSITION" val="25*85"/>
+  <p:tag name="KSO_WM_SLIDE_SIZE" val="452*279"/>
+  <p:tag name="KSO_WM_DIAGRAM_GROUP_CODE" val="l1-1"/>
+  <p:tag name="KSO_WM_SLIDE_SUBTYPE" val="diag"/>
+</p:tagLst>
+</file>
+
+<file path=ppt/tags/tag66.xml><?xml version="1.0" encoding="utf-8"?>
+<p:tagLst xmlns:p="http://schemas.openxmlformats.org/presentationml/2006/main">
+  <p:tag name="KSO_WM_TEMPLATE_CATEGORY" val="custom"/>
+  <p:tag name="KSO_WM_TEMPLATE_INDEX" val="20186830"/>
+  <p:tag name="KSO_WM_TAG_VERSION" val="1.0"/>
+  <p:tag name="KSO_WM_BEAUTIFY_FLAG" val="#wm#"/>
+  <p:tag name="KSO_WM_UNIT_TYPE" val="a"/>
+  <p:tag name="KSO_WM_UNIT_INDEX" val="1"/>
+  <p:tag name="KSO_WM_UNIT_ID" val="custom20186830_7*a*1"/>
+  <p:tag name="KSO_WM_UNIT_LAYERLEVEL" val="1"/>
+  <p:tag name="KSO_WM_UNIT_VALUE" val="19"/>
+  <p:tag name="KSO_WM_UNIT_ISCONTENTSTITLE" val="0"/>
+  <p:tag name="KSO_WM_UNIT_HIGHLIGHT" val="0"/>
+  <p:tag name="KSO_WM_UNIT_COMPATIBLE" val="0"/>
+  <p:tag name="KSO_WM_UNIT_CLEAR" val="0"/>
+  <p:tag name="KSO_WM_UNIT_PRESET_TEXT_INDEX" val="3"/>
+  <p:tag name="KSO_WM_UNIT_PRESET_TEXT_LEN" val="17"/>
+</p:tagLst>
+</file>
+
+<file path=ppt/tags/tag67.xml><?xml version="1.0" encoding="utf-8"?>
+<p:tagLst xmlns:p="http://schemas.openxmlformats.org/presentationml/2006/main">
+  <p:tag name="KSO_WM_TEMPLATE_CATEGORY" val="custom"/>
+  <p:tag name="KSO_WM_TEMPLATE_INDEX" val="20186830"/>
+  <p:tag name="KSO_WM_TAG_VERSION" val="1.0"/>
+  <p:tag name="KSO_WM_SLIDE_ID" val="custom20186830_7"/>
+  <p:tag name="KSO_WM_SLIDE_INDEX" val="7"/>
+  <p:tag name="KSO_WM_SLIDE_ITEM_CNT" val="1"/>
+  <p:tag name="KSO_WM_SLIDE_LAYOUT" val="a_l"/>
+  <p:tag name="KSO_WM_SLIDE_LAYOUT_CNT" val="1_1"/>
+  <p:tag name="KSO_WM_SLIDE_TYPE" val="text"/>
+  <p:tag name="KSO_WM_BEAUTIFY_FLAG" val="#wm#"/>
+  <p:tag name="KSO_WM_SLIDE_POSITION" val="25*85"/>
+  <p:tag name="KSO_WM_SLIDE_SIZE" val="452*279"/>
+  <p:tag name="KSO_WM_DIAGRAM_GROUP_CODE" val="l1-1"/>
+  <p:tag name="KSO_WM_SLIDE_SUBTYPE" val="diag"/>
+</p:tagLst>
+</file>
+
+<file path=ppt/tags/tag68.xml><?xml version="1.0" encoding="utf-8"?>
+<p:tagLst xmlns:p="http://schemas.openxmlformats.org/presentationml/2006/main">
+  <p:tag name="KSO_WM_TEMPLATE_CATEGORY" val="custom"/>
+  <p:tag name="KSO_WM_TEMPLATE_INDEX" val="20186830"/>
+  <p:tag name="KSO_WM_TAG_VERSION" val="1.0"/>
+  <p:tag name="KSO_WM_BEAUTIFY_FLAG" val="#wm#"/>
+  <p:tag name="KSO_WM_UNIT_TYPE" val="a"/>
+  <p:tag name="KSO_WM_UNIT_INDEX" val="1"/>
+  <p:tag name="KSO_WM_UNIT_ID" val="custom20186830_7*a*1"/>
+  <p:tag name="KSO_WM_UNIT_LAYERLEVEL" val="1"/>
+  <p:tag name="KSO_WM_UNIT_VALUE" val="19"/>
+  <p:tag name="KSO_WM_UNIT_ISCONTENTSTITLE" val="0"/>
+  <p:tag name="KSO_WM_UNIT_HIGHLIGHT" val="0"/>
+  <p:tag name="KSO_WM_UNIT_COMPATIBLE" val="0"/>
+  <p:tag name="KSO_WM_UNIT_CLEAR" val="0"/>
+  <p:tag name="KSO_WM_UNIT_PRESET_TEXT_INDEX" val="3"/>
+  <p:tag name="KSO_WM_UNIT_PRESET_TEXT_LEN" val="17"/>
+</p:tagLst>
+</file>
+
+<file path=ppt/tags/tag69.xml><?xml version="1.0" encoding="utf-8"?>
+<p:tagLst xmlns:p="http://schemas.openxmlformats.org/presentationml/2006/main">
+  <p:tag name="KSO_WM_TEMPLATE_CATEGORY" val="custom"/>
+  <p:tag name="KSO_WM_TEMPLATE_INDEX" val="20186830"/>
+  <p:tag name="KSO_WM_TAG_VERSION" val="1.0"/>
+  <p:tag name="KSO_WM_SLIDE_ID" val="custom20186830_7"/>
+  <p:tag name="KSO_WM_SLIDE_INDEX" val="7"/>
+  <p:tag name="KSO_WM_SLIDE_ITEM_CNT" val="1"/>
+  <p:tag name="KSO_WM_SLIDE_LAYOUT" val="a_l"/>
+  <p:tag name="KSO_WM_SLIDE_LAYOUT_CNT" val="1_1"/>
+  <p:tag name="KSO_WM_SLIDE_TYPE" val="text"/>
+  <p:tag name="KSO_WM_BEAUTIFY_FLAG" val="#wm#"/>
+  <p:tag name="KSO_WM_SLIDE_POSITION" val="25*85"/>
+  <p:tag name="KSO_WM_SLIDE_SIZE" val="452*279"/>
+  <p:tag name="KSO_WM_DIAGRAM_GROUP_CODE" val="l1-1"/>
+  <p:tag name="KSO_WM_SLIDE_SUBTYPE" val="diag"/>
 </p:tagLst>
 </file>
 
@@ -12071,6 +20195,201 @@
 </p:tagLst>
 </file>
 
+<file path=ppt/tags/tag70.xml><?xml version="1.0" encoding="utf-8"?>
+<p:tagLst xmlns:p="http://schemas.openxmlformats.org/presentationml/2006/main">
+  <p:tag name="KSO_WM_TEMPLATE_CATEGORY" val="custom"/>
+  <p:tag name="KSO_WM_TEMPLATE_INDEX" val="20186830"/>
+  <p:tag name="KSO_WM_TAG_VERSION" val="1.0"/>
+  <p:tag name="KSO_WM_BEAUTIFY_FLAG" val="#wm#"/>
+  <p:tag name="KSO_WM_UNIT_TYPE" val="a"/>
+  <p:tag name="KSO_WM_UNIT_INDEX" val="1"/>
+  <p:tag name="KSO_WM_UNIT_ID" val="custom20186830_7*a*1"/>
+  <p:tag name="KSO_WM_UNIT_LAYERLEVEL" val="1"/>
+  <p:tag name="KSO_WM_UNIT_VALUE" val="19"/>
+  <p:tag name="KSO_WM_UNIT_ISCONTENTSTITLE" val="0"/>
+  <p:tag name="KSO_WM_UNIT_HIGHLIGHT" val="0"/>
+  <p:tag name="KSO_WM_UNIT_COMPATIBLE" val="0"/>
+  <p:tag name="KSO_WM_UNIT_CLEAR" val="0"/>
+  <p:tag name="KSO_WM_UNIT_PRESET_TEXT_INDEX" val="3"/>
+  <p:tag name="KSO_WM_UNIT_PRESET_TEXT_LEN" val="17"/>
+</p:tagLst>
+</file>
+
+<file path=ppt/tags/tag71.xml><?xml version="1.0" encoding="utf-8"?>
+<p:tagLst xmlns:p="http://schemas.openxmlformats.org/presentationml/2006/main">
+  <p:tag name="KSO_WM_TEMPLATE_CATEGORY" val="custom"/>
+  <p:tag name="KSO_WM_TEMPLATE_INDEX" val="20186830"/>
+  <p:tag name="KSO_WM_TAG_VERSION" val="1.0"/>
+  <p:tag name="KSO_WM_SLIDE_ID" val="custom20186830_7"/>
+  <p:tag name="KSO_WM_SLIDE_INDEX" val="7"/>
+  <p:tag name="KSO_WM_SLIDE_ITEM_CNT" val="1"/>
+  <p:tag name="KSO_WM_SLIDE_LAYOUT" val="a_l"/>
+  <p:tag name="KSO_WM_SLIDE_LAYOUT_CNT" val="1_1"/>
+  <p:tag name="KSO_WM_SLIDE_TYPE" val="text"/>
+  <p:tag name="KSO_WM_BEAUTIFY_FLAG" val="#wm#"/>
+  <p:tag name="KSO_WM_SLIDE_POSITION" val="25*85"/>
+  <p:tag name="KSO_WM_SLIDE_SIZE" val="452*279"/>
+  <p:tag name="KSO_WM_DIAGRAM_GROUP_CODE" val="l1-1"/>
+  <p:tag name="KSO_WM_SLIDE_SUBTYPE" val="diag"/>
+</p:tagLst>
+</file>
+
+<file path=ppt/tags/tag72.xml><?xml version="1.0" encoding="utf-8"?>
+<p:tagLst xmlns:p="http://schemas.openxmlformats.org/presentationml/2006/main">
+  <p:tag name="KSO_WM_TEMPLATE_CATEGORY" val="custom"/>
+  <p:tag name="KSO_WM_TEMPLATE_INDEX" val="20186830"/>
+  <p:tag name="KSO_WM_TAG_VERSION" val="1.0"/>
+  <p:tag name="KSO_WM_BEAUTIFY_FLAG" val="#wm#"/>
+  <p:tag name="KSO_WM_UNIT_TYPE" val="a"/>
+  <p:tag name="KSO_WM_UNIT_INDEX" val="1"/>
+  <p:tag name="KSO_WM_UNIT_ID" val="custom20186830_7*a*1"/>
+  <p:tag name="KSO_WM_UNIT_LAYERLEVEL" val="1"/>
+  <p:tag name="KSO_WM_UNIT_VALUE" val="19"/>
+  <p:tag name="KSO_WM_UNIT_ISCONTENTSTITLE" val="0"/>
+  <p:tag name="KSO_WM_UNIT_HIGHLIGHT" val="0"/>
+  <p:tag name="KSO_WM_UNIT_COMPATIBLE" val="0"/>
+  <p:tag name="KSO_WM_UNIT_CLEAR" val="0"/>
+  <p:tag name="KSO_WM_UNIT_PRESET_TEXT_INDEX" val="3"/>
+  <p:tag name="KSO_WM_UNIT_PRESET_TEXT_LEN" val="17"/>
+</p:tagLst>
+</file>
+
+<file path=ppt/tags/tag73.xml><?xml version="1.0" encoding="utf-8"?>
+<p:tagLst xmlns:p="http://schemas.openxmlformats.org/presentationml/2006/main">
+  <p:tag name="KSO_WM_TEMPLATE_CATEGORY" val="custom"/>
+  <p:tag name="KSO_WM_TEMPLATE_INDEX" val="20186830"/>
+  <p:tag name="KSO_WM_TAG_VERSION" val="1.0"/>
+  <p:tag name="KSO_WM_SLIDE_ID" val="custom20186830_7"/>
+  <p:tag name="KSO_WM_SLIDE_INDEX" val="7"/>
+  <p:tag name="KSO_WM_SLIDE_ITEM_CNT" val="1"/>
+  <p:tag name="KSO_WM_SLIDE_LAYOUT" val="a_l"/>
+  <p:tag name="KSO_WM_SLIDE_LAYOUT_CNT" val="1_1"/>
+  <p:tag name="KSO_WM_SLIDE_TYPE" val="text"/>
+  <p:tag name="KSO_WM_BEAUTIFY_FLAG" val="#wm#"/>
+  <p:tag name="KSO_WM_SLIDE_POSITION" val="25*85"/>
+  <p:tag name="KSO_WM_SLIDE_SIZE" val="452*279"/>
+  <p:tag name="KSO_WM_DIAGRAM_GROUP_CODE" val="l1-1"/>
+  <p:tag name="KSO_WM_SLIDE_SUBTYPE" val="diag"/>
+</p:tagLst>
+</file>
+
+<file path=ppt/tags/tag74.xml><?xml version="1.0" encoding="utf-8"?>
+<p:tagLst xmlns:p="http://schemas.openxmlformats.org/presentationml/2006/main">
+  <p:tag name="KSO_WM_TEMPLATE_CATEGORY" val="custom"/>
+  <p:tag name="KSO_WM_TEMPLATE_INDEX" val="20186830"/>
+  <p:tag name="KSO_WM_TAG_VERSION" val="1.0"/>
+  <p:tag name="KSO_WM_BEAUTIFY_FLAG" val="#wm#"/>
+  <p:tag name="KSO_WM_UNIT_TYPE" val="a"/>
+  <p:tag name="KSO_WM_UNIT_INDEX" val="1"/>
+  <p:tag name="KSO_WM_UNIT_ID" val="custom20186830_7*a*1"/>
+  <p:tag name="KSO_WM_UNIT_LAYERLEVEL" val="1"/>
+  <p:tag name="KSO_WM_UNIT_VALUE" val="19"/>
+  <p:tag name="KSO_WM_UNIT_ISCONTENTSTITLE" val="0"/>
+  <p:tag name="KSO_WM_UNIT_HIGHLIGHT" val="0"/>
+  <p:tag name="KSO_WM_UNIT_COMPATIBLE" val="0"/>
+  <p:tag name="KSO_WM_UNIT_CLEAR" val="0"/>
+  <p:tag name="KSO_WM_UNIT_PRESET_TEXT_INDEX" val="3"/>
+  <p:tag name="KSO_WM_UNIT_PRESET_TEXT_LEN" val="17"/>
+</p:tagLst>
+</file>
+
+<file path=ppt/tags/tag75.xml><?xml version="1.0" encoding="utf-8"?>
+<p:tagLst xmlns:p="http://schemas.openxmlformats.org/presentationml/2006/main">
+  <p:tag name="KSO_WM_TEMPLATE_CATEGORY" val="custom"/>
+  <p:tag name="KSO_WM_TEMPLATE_INDEX" val="20186830"/>
+  <p:tag name="KSO_WM_TAG_VERSION" val="1.0"/>
+  <p:tag name="KSO_WM_SLIDE_ID" val="custom20186830_7"/>
+  <p:tag name="KSO_WM_SLIDE_INDEX" val="7"/>
+  <p:tag name="KSO_WM_SLIDE_ITEM_CNT" val="1"/>
+  <p:tag name="KSO_WM_SLIDE_LAYOUT" val="a_l"/>
+  <p:tag name="KSO_WM_SLIDE_LAYOUT_CNT" val="1_1"/>
+  <p:tag name="KSO_WM_SLIDE_TYPE" val="text"/>
+  <p:tag name="KSO_WM_BEAUTIFY_FLAG" val="#wm#"/>
+  <p:tag name="KSO_WM_SLIDE_POSITION" val="25*85"/>
+  <p:tag name="KSO_WM_SLIDE_SIZE" val="452*279"/>
+  <p:tag name="KSO_WM_DIAGRAM_GROUP_CODE" val="l1-1"/>
+  <p:tag name="KSO_WM_SLIDE_SUBTYPE" val="diag"/>
+</p:tagLst>
+</file>
+
+<file path=ppt/tags/tag76.xml><?xml version="1.0" encoding="utf-8"?>
+<p:tagLst xmlns:p="http://schemas.openxmlformats.org/presentationml/2006/main">
+  <p:tag name="KSO_WM_TEMPLATE_CATEGORY" val="custom"/>
+  <p:tag name="KSO_WM_TEMPLATE_INDEX" val="20186830"/>
+  <p:tag name="KSO_WM_TAG_VERSION" val="1.0"/>
+  <p:tag name="KSO_WM_BEAUTIFY_FLAG" val="#wm#"/>
+  <p:tag name="KSO_WM_UNIT_TYPE" val="a"/>
+  <p:tag name="KSO_WM_UNIT_INDEX" val="1"/>
+  <p:tag name="KSO_WM_UNIT_ID" val="custom20186830_7*a*1"/>
+  <p:tag name="KSO_WM_UNIT_LAYERLEVEL" val="1"/>
+  <p:tag name="KSO_WM_UNIT_VALUE" val="19"/>
+  <p:tag name="KSO_WM_UNIT_ISCONTENTSTITLE" val="0"/>
+  <p:tag name="KSO_WM_UNIT_HIGHLIGHT" val="0"/>
+  <p:tag name="KSO_WM_UNIT_COMPATIBLE" val="0"/>
+  <p:tag name="KSO_WM_UNIT_CLEAR" val="0"/>
+  <p:tag name="KSO_WM_UNIT_PRESET_TEXT_INDEX" val="3"/>
+  <p:tag name="KSO_WM_UNIT_PRESET_TEXT_LEN" val="17"/>
+</p:tagLst>
+</file>
+
+<file path=ppt/tags/tag77.xml><?xml version="1.0" encoding="utf-8"?>
+<p:tagLst xmlns:p="http://schemas.openxmlformats.org/presentationml/2006/main">
+  <p:tag name="KSO_WM_TEMPLATE_CATEGORY" val="custom"/>
+  <p:tag name="KSO_WM_TEMPLATE_INDEX" val="20186830"/>
+  <p:tag name="KSO_WM_TAG_VERSION" val="1.0"/>
+  <p:tag name="KSO_WM_SLIDE_ID" val="custom20186830_7"/>
+  <p:tag name="KSO_WM_SLIDE_INDEX" val="7"/>
+  <p:tag name="KSO_WM_SLIDE_ITEM_CNT" val="1"/>
+  <p:tag name="KSO_WM_SLIDE_LAYOUT" val="a_l"/>
+  <p:tag name="KSO_WM_SLIDE_LAYOUT_CNT" val="1_1"/>
+  <p:tag name="KSO_WM_SLIDE_TYPE" val="text"/>
+  <p:tag name="KSO_WM_BEAUTIFY_FLAG" val="#wm#"/>
+  <p:tag name="KSO_WM_SLIDE_POSITION" val="25*85"/>
+  <p:tag name="KSO_WM_SLIDE_SIZE" val="452*279"/>
+  <p:tag name="KSO_WM_DIAGRAM_GROUP_CODE" val="l1-1"/>
+  <p:tag name="KSO_WM_SLIDE_SUBTYPE" val="diag"/>
+</p:tagLst>
+</file>
+
+<file path=ppt/tags/tag78.xml><?xml version="1.0" encoding="utf-8"?>
+<p:tagLst xmlns:p="http://schemas.openxmlformats.org/presentationml/2006/main">
+  <p:tag name="KSO_WM_TEMPLATE_CATEGORY" val="custom"/>
+  <p:tag name="KSO_WM_TEMPLATE_INDEX" val="20186830"/>
+  <p:tag name="KSO_WM_TAG_VERSION" val="1.0"/>
+  <p:tag name="KSO_WM_BEAUTIFY_FLAG" val="#wm#"/>
+  <p:tag name="KSO_WM_UNIT_TYPE" val="a"/>
+  <p:tag name="KSO_WM_UNIT_INDEX" val="1"/>
+  <p:tag name="KSO_WM_UNIT_ID" val="custom20186830_7*a*1"/>
+  <p:tag name="KSO_WM_UNIT_LAYERLEVEL" val="1"/>
+  <p:tag name="KSO_WM_UNIT_VALUE" val="19"/>
+  <p:tag name="KSO_WM_UNIT_ISCONTENTSTITLE" val="0"/>
+  <p:tag name="KSO_WM_UNIT_HIGHLIGHT" val="0"/>
+  <p:tag name="KSO_WM_UNIT_COMPATIBLE" val="0"/>
+  <p:tag name="KSO_WM_UNIT_CLEAR" val="0"/>
+  <p:tag name="KSO_WM_UNIT_PRESET_TEXT_INDEX" val="3"/>
+  <p:tag name="KSO_WM_UNIT_PRESET_TEXT_LEN" val="17"/>
+</p:tagLst>
+</file>
+
+<file path=ppt/tags/tag79.xml><?xml version="1.0" encoding="utf-8"?>
+<p:tagLst xmlns:p="http://schemas.openxmlformats.org/presentationml/2006/main">
+  <p:tag name="KSO_WM_TEMPLATE_CATEGORY" val="custom"/>
+  <p:tag name="KSO_WM_TEMPLATE_INDEX" val="20186830"/>
+  <p:tag name="KSO_WM_TAG_VERSION" val="1.0"/>
+  <p:tag name="KSO_WM_SLIDE_ID" val="custom20186830_7"/>
+  <p:tag name="KSO_WM_SLIDE_INDEX" val="7"/>
+  <p:tag name="KSO_WM_SLIDE_ITEM_CNT" val="1"/>
+  <p:tag name="KSO_WM_SLIDE_LAYOUT" val="a_l"/>
+  <p:tag name="KSO_WM_SLIDE_LAYOUT_CNT" val="1_1"/>
+  <p:tag name="KSO_WM_SLIDE_TYPE" val="text"/>
+  <p:tag name="KSO_WM_BEAUTIFY_FLAG" val="#wm#"/>
+  <p:tag name="KSO_WM_SLIDE_POSITION" val="25*85"/>
+  <p:tag name="KSO_WM_SLIDE_SIZE" val="452*279"/>
+  <p:tag name="KSO_WM_DIAGRAM_GROUP_CODE" val="l1-1"/>
+  <p:tag name="KSO_WM_SLIDE_SUBTYPE" val="diag"/>
+</p:tagLst>
+</file>
+
 <file path=ppt/tags/tag8.xml><?xml version="1.0" encoding="utf-8"?>
 <p:tagLst xmlns:p="http://schemas.openxmlformats.org/presentationml/2006/main">
   <p:tag name="KSO_WM_TAG_VERSION" val="1.0"/>
@@ -12080,6 +20399,162 @@
   <p:tag name="KSO_WM_TEMPLATE_CATEGORY" val="custom"/>
   <p:tag name="KSO_WM_TEMPLATE_INDEX" val="20184556"/>
   <p:tag name="KSO_WM_UNIT_INDEX" val="4"/>
+</p:tagLst>
+</file>
+
+<file path=ppt/tags/tag80.xml><?xml version="1.0" encoding="utf-8"?>
+<p:tagLst xmlns:p="http://schemas.openxmlformats.org/presentationml/2006/main">
+  <p:tag name="KSO_WM_TEMPLATE_CATEGORY" val="custom"/>
+  <p:tag name="KSO_WM_TEMPLATE_INDEX" val="20186830"/>
+  <p:tag name="KSO_WM_TAG_VERSION" val="1.0"/>
+  <p:tag name="KSO_WM_BEAUTIFY_FLAG" val="#wm#"/>
+  <p:tag name="KSO_WM_UNIT_TYPE" val="a"/>
+  <p:tag name="KSO_WM_UNIT_INDEX" val="1"/>
+  <p:tag name="KSO_WM_UNIT_ID" val="custom20186830_7*a*1"/>
+  <p:tag name="KSO_WM_UNIT_LAYERLEVEL" val="1"/>
+  <p:tag name="KSO_WM_UNIT_VALUE" val="19"/>
+  <p:tag name="KSO_WM_UNIT_ISCONTENTSTITLE" val="0"/>
+  <p:tag name="KSO_WM_UNIT_HIGHLIGHT" val="0"/>
+  <p:tag name="KSO_WM_UNIT_COMPATIBLE" val="0"/>
+  <p:tag name="KSO_WM_UNIT_CLEAR" val="0"/>
+  <p:tag name="KSO_WM_UNIT_PRESET_TEXT_INDEX" val="3"/>
+  <p:tag name="KSO_WM_UNIT_PRESET_TEXT_LEN" val="17"/>
+</p:tagLst>
+</file>
+
+<file path=ppt/tags/tag81.xml><?xml version="1.0" encoding="utf-8"?>
+<p:tagLst xmlns:p="http://schemas.openxmlformats.org/presentationml/2006/main">
+  <p:tag name="KSO_WM_TEMPLATE_CATEGORY" val="custom"/>
+  <p:tag name="KSO_WM_TEMPLATE_INDEX" val="20186830"/>
+  <p:tag name="KSO_WM_TAG_VERSION" val="1.0"/>
+  <p:tag name="KSO_WM_SLIDE_ID" val="custom20186830_7"/>
+  <p:tag name="KSO_WM_SLIDE_INDEX" val="7"/>
+  <p:tag name="KSO_WM_SLIDE_ITEM_CNT" val="1"/>
+  <p:tag name="KSO_WM_SLIDE_LAYOUT" val="a_l"/>
+  <p:tag name="KSO_WM_SLIDE_LAYOUT_CNT" val="1_1"/>
+  <p:tag name="KSO_WM_SLIDE_TYPE" val="text"/>
+  <p:tag name="KSO_WM_BEAUTIFY_FLAG" val="#wm#"/>
+  <p:tag name="KSO_WM_SLIDE_POSITION" val="25*85"/>
+  <p:tag name="KSO_WM_SLIDE_SIZE" val="452*279"/>
+  <p:tag name="KSO_WM_DIAGRAM_GROUP_CODE" val="l1-1"/>
+  <p:tag name="KSO_WM_SLIDE_SUBTYPE" val="diag"/>
+</p:tagLst>
+</file>
+
+<file path=ppt/tags/tag82.xml><?xml version="1.0" encoding="utf-8"?>
+<p:tagLst xmlns:p="http://schemas.openxmlformats.org/presentationml/2006/main">
+  <p:tag name="KSO_WM_TEMPLATE_CATEGORY" val="custom"/>
+  <p:tag name="KSO_WM_TEMPLATE_INDEX" val="20186830"/>
+  <p:tag name="KSO_WM_TAG_VERSION" val="1.0"/>
+  <p:tag name="KSO_WM_BEAUTIFY_FLAG" val="#wm#"/>
+  <p:tag name="KSO_WM_UNIT_TYPE" val="a"/>
+  <p:tag name="KSO_WM_UNIT_INDEX" val="1"/>
+  <p:tag name="KSO_WM_UNIT_ID" val="custom20186830_7*a*1"/>
+  <p:tag name="KSO_WM_UNIT_LAYERLEVEL" val="1"/>
+  <p:tag name="KSO_WM_UNIT_VALUE" val="19"/>
+  <p:tag name="KSO_WM_UNIT_ISCONTENTSTITLE" val="0"/>
+  <p:tag name="KSO_WM_UNIT_HIGHLIGHT" val="0"/>
+  <p:tag name="KSO_WM_UNIT_COMPATIBLE" val="0"/>
+  <p:tag name="KSO_WM_UNIT_CLEAR" val="0"/>
+  <p:tag name="KSO_WM_UNIT_PRESET_TEXT_INDEX" val="3"/>
+  <p:tag name="KSO_WM_UNIT_PRESET_TEXT_LEN" val="17"/>
+</p:tagLst>
+</file>
+
+<file path=ppt/tags/tag83.xml><?xml version="1.0" encoding="utf-8"?>
+<p:tagLst xmlns:p="http://schemas.openxmlformats.org/presentationml/2006/main">
+  <p:tag name="KSO_WM_TEMPLATE_CATEGORY" val="custom"/>
+  <p:tag name="KSO_WM_TEMPLATE_INDEX" val="20186830"/>
+  <p:tag name="KSO_WM_TAG_VERSION" val="1.0"/>
+  <p:tag name="KSO_WM_SLIDE_ID" val="custom20186830_7"/>
+  <p:tag name="KSO_WM_SLIDE_INDEX" val="7"/>
+  <p:tag name="KSO_WM_SLIDE_ITEM_CNT" val="1"/>
+  <p:tag name="KSO_WM_SLIDE_LAYOUT" val="a_l"/>
+  <p:tag name="KSO_WM_SLIDE_LAYOUT_CNT" val="1_1"/>
+  <p:tag name="KSO_WM_SLIDE_TYPE" val="text"/>
+  <p:tag name="KSO_WM_BEAUTIFY_FLAG" val="#wm#"/>
+  <p:tag name="KSO_WM_SLIDE_POSITION" val="25*85"/>
+  <p:tag name="KSO_WM_SLIDE_SIZE" val="452*279"/>
+  <p:tag name="KSO_WM_DIAGRAM_GROUP_CODE" val="l1-1"/>
+  <p:tag name="KSO_WM_SLIDE_SUBTYPE" val="diag"/>
+</p:tagLst>
+</file>
+
+<file path=ppt/tags/tag84.xml><?xml version="1.0" encoding="utf-8"?>
+<p:tagLst xmlns:p="http://schemas.openxmlformats.org/presentationml/2006/main">
+  <p:tag name="KSO_WM_TEMPLATE_CATEGORY" val="custom"/>
+  <p:tag name="KSO_WM_TEMPLATE_INDEX" val="20186830"/>
+  <p:tag name="KSO_WM_TAG_VERSION" val="1.0"/>
+  <p:tag name="KSO_WM_BEAUTIFY_FLAG" val="#wm#"/>
+  <p:tag name="KSO_WM_UNIT_TYPE" val="a"/>
+  <p:tag name="KSO_WM_UNIT_INDEX" val="1"/>
+  <p:tag name="KSO_WM_UNIT_ID" val="custom20186830_7*a*1"/>
+  <p:tag name="KSO_WM_UNIT_LAYERLEVEL" val="1"/>
+  <p:tag name="KSO_WM_UNIT_VALUE" val="19"/>
+  <p:tag name="KSO_WM_UNIT_ISCONTENTSTITLE" val="0"/>
+  <p:tag name="KSO_WM_UNIT_HIGHLIGHT" val="0"/>
+  <p:tag name="KSO_WM_UNIT_COMPATIBLE" val="0"/>
+  <p:tag name="KSO_WM_UNIT_CLEAR" val="0"/>
+  <p:tag name="KSO_WM_UNIT_PRESET_TEXT_INDEX" val="3"/>
+  <p:tag name="KSO_WM_UNIT_PRESET_TEXT_LEN" val="17"/>
+</p:tagLst>
+</file>
+
+<file path=ppt/tags/tag85.xml><?xml version="1.0" encoding="utf-8"?>
+<p:tagLst xmlns:p="http://schemas.openxmlformats.org/presentationml/2006/main">
+  <p:tag name="KSO_WM_TEMPLATE_CATEGORY" val="custom"/>
+  <p:tag name="KSO_WM_TEMPLATE_INDEX" val="20186830"/>
+  <p:tag name="KSO_WM_TAG_VERSION" val="1.0"/>
+  <p:tag name="KSO_WM_SLIDE_ID" val="custom20186830_7"/>
+  <p:tag name="KSO_WM_SLIDE_INDEX" val="7"/>
+  <p:tag name="KSO_WM_SLIDE_ITEM_CNT" val="1"/>
+  <p:tag name="KSO_WM_SLIDE_LAYOUT" val="a_l"/>
+  <p:tag name="KSO_WM_SLIDE_LAYOUT_CNT" val="1_1"/>
+  <p:tag name="KSO_WM_SLIDE_TYPE" val="text"/>
+  <p:tag name="KSO_WM_BEAUTIFY_FLAG" val="#wm#"/>
+  <p:tag name="KSO_WM_SLIDE_POSITION" val="25*85"/>
+  <p:tag name="KSO_WM_SLIDE_SIZE" val="452*279"/>
+  <p:tag name="KSO_WM_DIAGRAM_GROUP_CODE" val="l1-1"/>
+  <p:tag name="KSO_WM_SLIDE_SUBTYPE" val="diag"/>
+</p:tagLst>
+</file>
+
+<file path=ppt/tags/tag86.xml><?xml version="1.0" encoding="utf-8"?>
+<p:tagLst xmlns:p="http://schemas.openxmlformats.org/presentationml/2006/main">
+  <p:tag name="KSO_WM_TEMPLATE_CATEGORY" val="custom"/>
+  <p:tag name="KSO_WM_TEMPLATE_INDEX" val="20186830"/>
+  <p:tag name="KSO_WM_TAG_VERSION" val="1.0"/>
+  <p:tag name="KSO_WM_BEAUTIFY_FLAG" val="#wm#"/>
+  <p:tag name="KSO_WM_UNIT_TYPE" val="a"/>
+  <p:tag name="KSO_WM_UNIT_INDEX" val="1"/>
+  <p:tag name="KSO_WM_UNIT_ID" val="custom20186830_7*a*1"/>
+  <p:tag name="KSO_WM_UNIT_LAYERLEVEL" val="1"/>
+  <p:tag name="KSO_WM_UNIT_VALUE" val="19"/>
+  <p:tag name="KSO_WM_UNIT_ISCONTENTSTITLE" val="0"/>
+  <p:tag name="KSO_WM_UNIT_HIGHLIGHT" val="0"/>
+  <p:tag name="KSO_WM_UNIT_COMPATIBLE" val="0"/>
+  <p:tag name="KSO_WM_UNIT_CLEAR" val="0"/>
+  <p:tag name="KSO_WM_UNIT_PRESET_TEXT_INDEX" val="3"/>
+  <p:tag name="KSO_WM_UNIT_PRESET_TEXT_LEN" val="17"/>
+</p:tagLst>
+</file>
+
+<file path=ppt/tags/tag87.xml><?xml version="1.0" encoding="utf-8"?>
+<p:tagLst xmlns:p="http://schemas.openxmlformats.org/presentationml/2006/main">
+  <p:tag name="KSO_WM_TEMPLATE_CATEGORY" val="custom"/>
+  <p:tag name="KSO_WM_TEMPLATE_INDEX" val="20186830"/>
+  <p:tag name="KSO_WM_TAG_VERSION" val="1.0"/>
+  <p:tag name="KSO_WM_SLIDE_ID" val="custom20186830_7"/>
+  <p:tag name="KSO_WM_SLIDE_INDEX" val="7"/>
+  <p:tag name="KSO_WM_SLIDE_ITEM_CNT" val="1"/>
+  <p:tag name="KSO_WM_SLIDE_LAYOUT" val="a_l"/>
+  <p:tag name="KSO_WM_SLIDE_LAYOUT_CNT" val="1_1"/>
+  <p:tag name="KSO_WM_SLIDE_TYPE" val="text"/>
+  <p:tag name="KSO_WM_BEAUTIFY_FLAG" val="#wm#"/>
+  <p:tag name="KSO_WM_SLIDE_POSITION" val="25*85"/>
+  <p:tag name="KSO_WM_SLIDE_SIZE" val="452*279"/>
+  <p:tag name="KSO_WM_DIAGRAM_GROUP_CODE" val="l1-1"/>
+  <p:tag name="KSO_WM_SLIDE_SUBTYPE" val="diag"/>
 </p:tagLst>
 </file>
 

--- a/Python3/4.Python3-函数式编程.pptx
+++ b/Python3/4.Python3-函数式编程.pptx
@@ -12735,7 +12735,7 @@
                 </a:solidFill>
                 <a:sym typeface="+mn-ea"/>
               </a:rPr>
-              <a:t>返回函数 923在上面的例子中， 每次循环， 都创建了一个新的函数， 然后， 把创建的3个函数都返回了。</a:t>
+              <a:t>返回函数在上面的例子中， 每次循环， 都创建了一个新的函数， 然后， 把创建的3个函数都返回了。</a:t>
             </a:r>
             <a:endParaRPr lang="zh-CN" altLang="en-US">
               <a:solidFill>
@@ -13224,7 +13224,7 @@
                 <a:cs typeface="Source Code Pro" panose="020B0509030403020204" charset="0"/>
                 <a:sym typeface="+mn-ea"/>
               </a:rPr>
-              <a:t>    </a:t>
+              <a:t>        </a:t>
             </a:r>
             <a:r>
               <a:rPr lang="zh-CN" altLang="en-US">
